--- a/Spherical Message Passing for 3D GNNs.pptx
+++ b/Spherical Message Passing for 3D GNNs.pptx
@@ -5,7 +5,7 @@
     <p:sldMasterId id="2147483672" r:id="rId1"/>
   </p:sldMasterIdLst>
   <p:notesMasterIdLst>
-    <p:notesMasterId r:id="rId31"/>
+    <p:notesMasterId r:id="rId32"/>
   </p:notesMasterIdLst>
   <p:sldIdLst>
     <p:sldId id="257" r:id="rId2"/>
@@ -24,19 +24,20 @@
     <p:sldId id="270" r:id="rId15"/>
     <p:sldId id="271" r:id="rId16"/>
     <p:sldId id="272" r:id="rId17"/>
-    <p:sldId id="273" r:id="rId18"/>
-    <p:sldId id="276" r:id="rId19"/>
-    <p:sldId id="277" r:id="rId20"/>
-    <p:sldId id="278" r:id="rId21"/>
-    <p:sldId id="279" r:id="rId22"/>
-    <p:sldId id="274" r:id="rId23"/>
-    <p:sldId id="280" r:id="rId24"/>
-    <p:sldId id="284" r:id="rId25"/>
-    <p:sldId id="281" r:id="rId26"/>
-    <p:sldId id="282" r:id="rId27"/>
-    <p:sldId id="283" r:id="rId28"/>
-    <p:sldId id="285" r:id="rId29"/>
-    <p:sldId id="286" r:id="rId30"/>
+    <p:sldId id="287" r:id="rId18"/>
+    <p:sldId id="273" r:id="rId19"/>
+    <p:sldId id="276" r:id="rId20"/>
+    <p:sldId id="277" r:id="rId21"/>
+    <p:sldId id="278" r:id="rId22"/>
+    <p:sldId id="279" r:id="rId23"/>
+    <p:sldId id="274" r:id="rId24"/>
+    <p:sldId id="280" r:id="rId25"/>
+    <p:sldId id="284" r:id="rId26"/>
+    <p:sldId id="281" r:id="rId27"/>
+    <p:sldId id="282" r:id="rId28"/>
+    <p:sldId id="283" r:id="rId29"/>
+    <p:sldId id="285" r:id="rId30"/>
+    <p:sldId id="286" r:id="rId31"/>
   </p:sldIdLst>
   <p:sldSz cx="12192000" cy="6858000"/>
   <p:notesSz cx="6858000" cy="9144000"/>
@@ -536,6 +537,765 @@
           <a:bodyPr/>
           <a:lstStyle/>
           <a:p>
+            <a:pPr marL="0" marR="0" lvl="0" indent="0" algn="l" defTabSz="914400" rtl="0" eaLnBrk="1" fontAlgn="auto" latinLnBrk="0" hangingPunct="1">
+              <a:lnSpc>
+                <a:spcPct val="100000"/>
+              </a:lnSpc>
+              <a:spcBef>
+                <a:spcPts val="0"/>
+              </a:spcBef>
+              <a:spcAft>
+                <a:spcPts val="0"/>
+              </a:spcAft>
+              <a:buClrTx/>
+              <a:buSzTx/>
+              <a:buFontTx/>
+              <a:buNone/>
+              <a:tabLst/>
+              <a:defRPr/>
+            </a:pPr>
+            <a:r>
+              <a:rPr lang="tr-TR" dirty="0"/>
+              <a:t>S</a:t>
+            </a:r>
+            <a:r>
+              <a:rPr lang="en-US" dirty="0" err="1"/>
+              <a:t>everal</a:t>
+            </a:r>
+            <a:r>
+              <a:rPr lang="en-US" dirty="0"/>
+              <a:t> types of relative </a:t>
+            </a:r>
+            <a:r>
+              <a:rPr lang="en-US" b="1" dirty="0"/>
+              <a:t>3D information </a:t>
+            </a:r>
+            <a:r>
+              <a:rPr lang="en-US" dirty="0"/>
+              <a:t>can be derived based on </a:t>
+            </a:r>
+            <a:r>
+              <a:rPr lang="en-US" u="sng" dirty="0"/>
+              <a:t>absolute Cartesian coordinates</a:t>
+            </a:r>
+            <a:r>
+              <a:rPr lang="en-US" dirty="0"/>
+              <a:t>, such as </a:t>
+            </a:r>
+            <a:r>
+              <a:rPr lang="en-US" dirty="0">
+                <a:solidFill>
+                  <a:srgbClr val="FF0000"/>
+                </a:solidFill>
+              </a:rPr>
+              <a:t>distances between nodes</a:t>
+            </a:r>
+            <a:r>
+              <a:rPr lang="en-US" dirty="0"/>
+              <a:t>, </a:t>
+            </a:r>
+            <a:r>
+              <a:rPr lang="en-US" dirty="0">
+                <a:solidFill>
+                  <a:srgbClr val="FF0000"/>
+                </a:solidFill>
+              </a:rPr>
+              <a:t>angles between edges</a:t>
+            </a:r>
+            <a:r>
+              <a:rPr lang="en-US" dirty="0"/>
+              <a:t>, etc. </a:t>
+            </a:r>
+            <a:endParaRPr lang="tr-TR" dirty="0"/>
+          </a:p>
+          <a:p>
+            <a:pPr marL="0" marR="0" lvl="0" indent="0" algn="l" defTabSz="914400" rtl="0" eaLnBrk="1" fontAlgn="auto" latinLnBrk="0" hangingPunct="1">
+              <a:lnSpc>
+                <a:spcPct val="100000"/>
+              </a:lnSpc>
+              <a:spcBef>
+                <a:spcPts val="0"/>
+              </a:spcBef>
+              <a:spcAft>
+                <a:spcPts val="0"/>
+              </a:spcAft>
+              <a:buClrTx/>
+              <a:buSzTx/>
+              <a:buFontTx/>
+              <a:buNone/>
+              <a:tabLst/>
+              <a:defRPr/>
+            </a:pPr>
+            <a:r>
+              <a:rPr lang="tr-TR" b="0" i="0" dirty="0">
+                <a:solidFill>
+                  <a:srgbClr val="ADBAC7"/>
+                </a:solidFill>
+                <a:effectLst/>
+                <a:latin typeface="-apple-system"/>
+              </a:rPr>
+              <a:t>2. </a:t>
+            </a:r>
+            <a:r>
+              <a:rPr lang="tr-TR" b="0" i="0" dirty="0" err="1">
+                <a:solidFill>
+                  <a:srgbClr val="ADBAC7"/>
+                </a:solidFill>
+                <a:effectLst/>
+                <a:latin typeface="-apple-system"/>
+              </a:rPr>
+              <a:t>stereoisomerism</a:t>
+            </a:r>
+            <a:endParaRPr lang="tr-TR" dirty="0"/>
+          </a:p>
+          <a:p>
+            <a:pPr marL="0" marR="0" lvl="0" indent="0" algn="l" defTabSz="914400" rtl="0" eaLnBrk="1" fontAlgn="auto" latinLnBrk="0" hangingPunct="1">
+              <a:lnSpc>
+                <a:spcPct val="100000"/>
+              </a:lnSpc>
+              <a:spcBef>
+                <a:spcPts val="0"/>
+              </a:spcBef>
+              <a:spcAft>
+                <a:spcPts val="0"/>
+              </a:spcAft>
+              <a:buClrTx/>
+              <a:buSzTx/>
+              <a:buFontTx/>
+              <a:buNone/>
+              <a:tabLst/>
+              <a:defRPr/>
+            </a:pPr>
+            <a:endParaRPr lang="tr-TR" dirty="0"/>
+          </a:p>
+          <a:p>
+            <a:endParaRPr lang="tr-TR" dirty="0"/>
+          </a:p>
+        </p:txBody>
+      </p:sp>
+      <p:sp>
+        <p:nvSpPr>
+          <p:cNvPr id="4" name="Slayt Numarası Yer Tutucusu 3"/>
+          <p:cNvSpPr>
+            <a:spLocks noGrp="1"/>
+          </p:cNvSpPr>
+          <p:nvPr>
+            <p:ph type="sldNum" sz="quarter" idx="5"/>
+          </p:nvPr>
+        </p:nvSpPr>
+        <p:spPr/>
+        <p:txBody>
+          <a:bodyPr/>
+          <a:lstStyle/>
+          <a:p>
+            <a:fld id="{58B7696A-EC1F-4D21-A44C-14F51C4E763D}" type="slidenum">
+              <a:rPr lang="tr-TR" smtClean="0"/>
+              <a:t>16</a:t>
+            </a:fld>
+            <a:endParaRPr lang="tr-TR"/>
+          </a:p>
+        </p:txBody>
+      </p:sp>
+    </p:spTree>
+    <p:extLst>
+      <p:ext uri="{BB962C8B-B14F-4D97-AF65-F5344CB8AC3E}">
+        <p14:creationId xmlns:p14="http://schemas.microsoft.com/office/powerpoint/2010/main" val="1524442036"/>
+      </p:ext>
+    </p:extLst>
+  </p:cSld>
+  <p:clrMapOvr>
+    <a:masterClrMapping/>
+  </p:clrMapOvr>
+</p:notes>
+</file>
+
+<file path=ppt/notesSlides/notesSlide2.xml><?xml version="1.0" encoding="utf-8"?>
+<p:notes xmlns:a="http://schemas.openxmlformats.org/drawingml/2006/main" xmlns:r="http://schemas.openxmlformats.org/officeDocument/2006/relationships" xmlns:p="http://schemas.openxmlformats.org/presentationml/2006/main">
+  <p:cSld>
+    <p:spTree>
+      <p:nvGrpSpPr>
+        <p:cNvPr id="1" name=""/>
+        <p:cNvGrpSpPr/>
+        <p:nvPr/>
+      </p:nvGrpSpPr>
+      <p:grpSpPr>
+        <a:xfrm>
+          <a:off x="0" y="0"/>
+          <a:ext cx="0" cy="0"/>
+          <a:chOff x="0" y="0"/>
+          <a:chExt cx="0" cy="0"/>
+        </a:xfrm>
+      </p:grpSpPr>
+      <p:sp>
+        <p:nvSpPr>
+          <p:cNvPr id="2" name="Slayt Resmi Yer Tutucusu 1"/>
+          <p:cNvSpPr>
+            <a:spLocks noGrp="1" noRot="1" noChangeAspect="1"/>
+          </p:cNvSpPr>
+          <p:nvPr>
+            <p:ph type="sldImg"/>
+          </p:nvPr>
+        </p:nvSpPr>
+        <p:spPr/>
+      </p:sp>
+      <p:sp>
+        <p:nvSpPr>
+          <p:cNvPr id="3" name="Not Yer Tutucusu 2"/>
+          <p:cNvSpPr>
+            <a:spLocks noGrp="1"/>
+          </p:cNvSpPr>
+          <p:nvPr>
+            <p:ph type="body" idx="1"/>
+          </p:nvPr>
+        </p:nvSpPr>
+        <p:spPr/>
+        <p:txBody>
+          <a:bodyPr/>
+          <a:lstStyle/>
+          <a:p>
+            <a:r>
+              <a:rPr lang="en-US" dirty="0"/>
+              <a:t>The chemical structure of the hydrogen peroxide </a:t>
+            </a:r>
+            <a:r>
+              <a:rPr lang="tr-TR" dirty="0"/>
+              <a:t>.</a:t>
+            </a:r>
+            <a:r>
+              <a:rPr lang="en-US" dirty="0"/>
+              <a:t> the structure is uniquely defined by the three bond lengths</a:t>
+            </a:r>
+            <a:r>
+              <a:rPr lang="tr-TR" dirty="0"/>
+              <a:t> </a:t>
+            </a:r>
+            <a:r>
+              <a:rPr lang="tr-TR" dirty="0" err="1"/>
+              <a:t>denoted</a:t>
+            </a:r>
+            <a:r>
+              <a:rPr lang="tr-TR" dirty="0"/>
+              <a:t> </a:t>
+            </a:r>
+            <a:r>
+              <a:rPr lang="tr-TR" dirty="0" err="1"/>
+              <a:t>by</a:t>
+            </a:r>
+            <a:r>
+              <a:rPr lang="tr-TR" dirty="0"/>
+              <a:t> d1,d2 </a:t>
+            </a:r>
+            <a:r>
+              <a:rPr lang="tr-TR" dirty="0" err="1"/>
+              <a:t>and</a:t>
+            </a:r>
+            <a:r>
+              <a:rPr lang="tr-TR" dirty="0"/>
+              <a:t> d3 </a:t>
+            </a:r>
+            <a:r>
+              <a:rPr lang="tr-TR" dirty="0" err="1"/>
+              <a:t>and</a:t>
+            </a:r>
+            <a:r>
+              <a:rPr lang="tr-TR" dirty="0"/>
+              <a:t>, </a:t>
+            </a:r>
+            <a:r>
+              <a:rPr lang="tr-TR" dirty="0" err="1"/>
+              <a:t>bond</a:t>
+            </a:r>
+            <a:r>
+              <a:rPr lang="tr-TR" dirty="0"/>
+              <a:t> </a:t>
+            </a:r>
+            <a:r>
+              <a:rPr lang="tr-TR" dirty="0" err="1"/>
+              <a:t>angles</a:t>
+            </a:r>
+            <a:r>
+              <a:rPr lang="tr-TR" dirty="0"/>
+              <a:t> O1,O2 </a:t>
+            </a:r>
+            <a:r>
+              <a:rPr lang="tr-TR" dirty="0" err="1"/>
+              <a:t>and</a:t>
+            </a:r>
+            <a:r>
+              <a:rPr lang="tr-TR" dirty="0"/>
+              <a:t>, </a:t>
+            </a:r>
+            <a:r>
+              <a:rPr lang="tr-TR" dirty="0" err="1"/>
+              <a:t>torsion</a:t>
+            </a:r>
+            <a:r>
+              <a:rPr lang="tr-TR" dirty="0"/>
+              <a:t> </a:t>
+            </a:r>
+            <a:r>
+              <a:rPr lang="tr-TR" dirty="0" err="1"/>
+              <a:t>angle</a:t>
+            </a:r>
+            <a:r>
+              <a:rPr lang="tr-TR" dirty="0"/>
+              <a:t> </a:t>
+            </a:r>
+            <a:r>
+              <a:rPr lang="tr-TR" dirty="0" err="1"/>
+              <a:t>Ro</a:t>
+            </a:r>
+            <a:r>
+              <a:rPr lang="tr-TR" dirty="0"/>
+              <a:t>. </a:t>
+            </a:r>
+            <a:r>
+              <a:rPr lang="en-US" dirty="0"/>
+              <a:t>Note that the two OH bonds can rotate around the O-O bond without changing any of the bond lengths and bond angles. In this situation, however, the torsion angle ϕ changes and the structure of the H2O2 varies accordingly. Hence, the torsion angle is necessary for determining structures of molecular graphs.</a:t>
+            </a:r>
+            <a:r>
+              <a:rPr lang="tr-TR" dirty="0"/>
+              <a:t> </a:t>
+            </a:r>
+            <a:r>
+              <a:rPr lang="tr-TR" dirty="0" err="1"/>
+              <a:t>It’s</a:t>
+            </a:r>
+            <a:r>
+              <a:rPr lang="tr-TR" dirty="0"/>
+              <a:t> hard </a:t>
+            </a:r>
+            <a:r>
+              <a:rPr lang="tr-TR" dirty="0" err="1"/>
+              <a:t>to</a:t>
+            </a:r>
+            <a:r>
+              <a:rPr lang="tr-TR" dirty="0"/>
+              <a:t> </a:t>
+            </a:r>
+            <a:r>
+              <a:rPr lang="tr-TR" dirty="0" err="1"/>
+              <a:t>capture</a:t>
+            </a:r>
+            <a:r>
+              <a:rPr lang="tr-TR" dirty="0"/>
+              <a:t> </a:t>
+            </a:r>
+            <a:r>
+              <a:rPr lang="tr-TR" dirty="0" err="1"/>
+              <a:t>that</a:t>
+            </a:r>
+            <a:r>
+              <a:rPr lang="tr-TR" dirty="0"/>
+              <a:t> </a:t>
+            </a:r>
+            <a:r>
+              <a:rPr lang="tr-TR" dirty="0" err="1"/>
+              <a:t>kind</a:t>
+            </a:r>
+            <a:r>
+              <a:rPr lang="tr-TR" dirty="0"/>
+              <a:t> of </a:t>
+            </a:r>
+            <a:r>
+              <a:rPr lang="tr-TR" dirty="0" err="1"/>
+              <a:t>change</a:t>
+            </a:r>
+            <a:r>
+              <a:rPr lang="tr-TR" dirty="0"/>
+              <a:t> in 2D </a:t>
+            </a:r>
+            <a:r>
+              <a:rPr lang="tr-TR" dirty="0" err="1"/>
+              <a:t>graphs</a:t>
+            </a:r>
+            <a:r>
+              <a:rPr lang="tr-TR" dirty="0"/>
+              <a:t>, </a:t>
+            </a:r>
+            <a:r>
+              <a:rPr lang="tr-TR" dirty="0" err="1"/>
+              <a:t>our</a:t>
+            </a:r>
+            <a:r>
+              <a:rPr lang="tr-TR" dirty="0"/>
+              <a:t> </a:t>
+            </a:r>
+            <a:r>
+              <a:rPr lang="tr-TR" dirty="0" err="1"/>
+              <a:t>aim</a:t>
+            </a:r>
+            <a:r>
+              <a:rPr lang="tr-TR" dirty="0"/>
+              <a:t> </a:t>
+            </a:r>
+            <a:r>
+              <a:rPr lang="tr-TR" dirty="0" err="1"/>
+              <a:t>was</a:t>
+            </a:r>
+            <a:r>
+              <a:rPr lang="tr-TR" dirty="0"/>
+              <a:t> </a:t>
+            </a:r>
+            <a:r>
+              <a:rPr lang="tr-TR" dirty="0" err="1"/>
+              <a:t>to</a:t>
+            </a:r>
+            <a:r>
+              <a:rPr lang="tr-TR" dirty="0"/>
+              <a:t> </a:t>
+            </a:r>
+            <a:r>
+              <a:rPr lang="tr-TR" dirty="0" err="1"/>
+              <a:t>solve</a:t>
+            </a:r>
+            <a:r>
+              <a:rPr lang="tr-TR" dirty="0"/>
+              <a:t> </a:t>
+            </a:r>
+            <a:r>
+              <a:rPr lang="tr-TR" dirty="0" err="1"/>
+              <a:t>this</a:t>
+            </a:r>
+            <a:r>
+              <a:rPr lang="tr-TR" dirty="0"/>
+              <a:t> </a:t>
+            </a:r>
+            <a:r>
+              <a:rPr lang="tr-TR" dirty="0" err="1"/>
+              <a:t>issue</a:t>
+            </a:r>
+            <a:r>
+              <a:rPr lang="tr-TR" dirty="0"/>
+              <a:t> </a:t>
+            </a:r>
+            <a:r>
+              <a:rPr lang="tr-TR" dirty="0" err="1"/>
+              <a:t>using</a:t>
+            </a:r>
+            <a:r>
+              <a:rPr lang="tr-TR" dirty="0"/>
+              <a:t> 3D </a:t>
+            </a:r>
+            <a:r>
+              <a:rPr lang="tr-TR" dirty="0" err="1"/>
+              <a:t>graph</a:t>
+            </a:r>
+            <a:r>
+              <a:rPr lang="tr-TR" dirty="0"/>
+              <a:t> Representation.</a:t>
+            </a:r>
+          </a:p>
+        </p:txBody>
+      </p:sp>
+      <p:sp>
+        <p:nvSpPr>
+          <p:cNvPr id="4" name="Slayt Numarası Yer Tutucusu 3"/>
+          <p:cNvSpPr>
+            <a:spLocks noGrp="1"/>
+          </p:cNvSpPr>
+          <p:nvPr>
+            <p:ph type="sldNum" sz="quarter" idx="5"/>
+          </p:nvPr>
+        </p:nvSpPr>
+        <p:spPr/>
+        <p:txBody>
+          <a:bodyPr/>
+          <a:lstStyle/>
+          <a:p>
+            <a:fld id="{58B7696A-EC1F-4D21-A44C-14F51C4E763D}" type="slidenum">
+              <a:rPr lang="tr-TR" smtClean="0"/>
+              <a:t>17</a:t>
+            </a:fld>
+            <a:endParaRPr lang="tr-TR"/>
+          </a:p>
+        </p:txBody>
+      </p:sp>
+    </p:spTree>
+    <p:extLst>
+      <p:ext uri="{BB962C8B-B14F-4D97-AF65-F5344CB8AC3E}">
+        <p14:creationId xmlns:p14="http://schemas.microsoft.com/office/powerpoint/2010/main" val="2211423070"/>
+      </p:ext>
+    </p:extLst>
+  </p:cSld>
+  <p:clrMapOvr>
+    <a:masterClrMapping/>
+  </p:clrMapOvr>
+</p:notes>
+</file>
+
+<file path=ppt/notesSlides/notesSlide3.xml><?xml version="1.0" encoding="utf-8"?>
+<p:notes xmlns:a="http://schemas.openxmlformats.org/drawingml/2006/main" xmlns:r="http://schemas.openxmlformats.org/officeDocument/2006/relationships" xmlns:p="http://schemas.openxmlformats.org/presentationml/2006/main">
+  <p:cSld>
+    <p:spTree>
+      <p:nvGrpSpPr>
+        <p:cNvPr id="1" name=""/>
+        <p:cNvGrpSpPr/>
+        <p:nvPr/>
+      </p:nvGrpSpPr>
+      <p:grpSpPr>
+        <a:xfrm>
+          <a:off x="0" y="0"/>
+          <a:ext cx="0" cy="0"/>
+          <a:chOff x="0" y="0"/>
+          <a:chExt cx="0" cy="0"/>
+        </a:xfrm>
+      </p:grpSpPr>
+      <p:sp>
+        <p:nvSpPr>
+          <p:cNvPr id="2" name="Slayt Resmi Yer Tutucusu 1"/>
+          <p:cNvSpPr>
+            <a:spLocks noGrp="1" noRot="1" noChangeAspect="1"/>
+          </p:cNvSpPr>
+          <p:nvPr>
+            <p:ph type="sldImg"/>
+          </p:nvPr>
+        </p:nvSpPr>
+        <p:spPr/>
+      </p:sp>
+      <p:sp>
+        <p:nvSpPr>
+          <p:cNvPr id="3" name="Not Yer Tutucusu 2"/>
+          <p:cNvSpPr>
+            <a:spLocks noGrp="1"/>
+          </p:cNvSpPr>
+          <p:nvPr>
+            <p:ph type="body" idx="1"/>
+          </p:nvPr>
+        </p:nvSpPr>
+        <p:spPr/>
+        <p:txBody>
+          <a:bodyPr/>
+          <a:lstStyle/>
+          <a:p>
+            <a:pPr marL="285750" indent="-285750">
+              <a:buFont typeface="Arial" panose="020B0604020202020204" pitchFamily="34" charset="0"/>
+              <a:buChar char="•"/>
+            </a:pPr>
+            <a:r>
+              <a:rPr lang="en-US" dirty="0"/>
+              <a:t>When modeling molecules as graphs, </a:t>
+            </a:r>
+            <a:r>
+              <a:rPr lang="en-US" b="1" dirty="0"/>
+              <a:t>atoms</a:t>
+            </a:r>
+            <a:r>
+              <a:rPr lang="en-US" dirty="0"/>
+              <a:t> are represented as </a:t>
+            </a:r>
+            <a:r>
+              <a:rPr lang="en-US" b="1" dirty="0"/>
+              <a:t>nodes</a:t>
+            </a:r>
+            <a:r>
+              <a:rPr lang="en-US" dirty="0"/>
+              <a:t>, and </a:t>
+            </a:r>
+            <a:r>
+              <a:rPr lang="en-US" b="1" dirty="0"/>
+              <a:t>bonds</a:t>
+            </a:r>
+            <a:r>
+              <a:rPr lang="en-US" dirty="0"/>
+              <a:t> between atoms are modeled as </a:t>
+            </a:r>
+            <a:r>
+              <a:rPr lang="en-US" b="1" dirty="0"/>
+              <a:t>edges</a:t>
+            </a:r>
+            <a:r>
+              <a:rPr lang="en-US" dirty="0"/>
+              <a:t>. </a:t>
+            </a:r>
+          </a:p>
+          <a:p>
+            <a:pPr marL="285750" indent="-285750">
+              <a:buFont typeface="Arial" panose="020B0604020202020204" pitchFamily="34" charset="0"/>
+              <a:buChar char="•"/>
+            </a:pPr>
+            <a:r>
+              <a:rPr lang="en-US" dirty="0"/>
+              <a:t>In addition, </a:t>
+            </a:r>
+            <a:r>
+              <a:rPr lang="en-US" i="1" dirty="0"/>
+              <a:t>characteristics of atoms and bonds</a:t>
+            </a:r>
+            <a:r>
+              <a:rPr lang="en-US" dirty="0"/>
+              <a:t>, e.g., atom and bond types, can be encoded as </a:t>
+            </a:r>
+            <a:r>
+              <a:rPr lang="en-US" b="1" dirty="0"/>
+              <a:t>node</a:t>
+            </a:r>
+            <a:r>
+              <a:rPr lang="en-US" dirty="0"/>
+              <a:t> and </a:t>
+            </a:r>
+            <a:r>
+              <a:rPr lang="en-US" b="1" dirty="0"/>
+              <a:t>edge attributes</a:t>
+            </a:r>
+            <a:r>
+              <a:rPr lang="en-US" dirty="0"/>
+              <a:t>.</a:t>
+            </a:r>
+            <a:endParaRPr lang="tr-TR" dirty="0"/>
+          </a:p>
+          <a:p>
+            <a:endParaRPr lang="tr-TR" dirty="0"/>
+          </a:p>
+        </p:txBody>
+      </p:sp>
+      <p:sp>
+        <p:nvSpPr>
+          <p:cNvPr id="4" name="Slayt Numarası Yer Tutucusu 3"/>
+          <p:cNvSpPr>
+            <a:spLocks noGrp="1"/>
+          </p:cNvSpPr>
+          <p:nvPr>
+            <p:ph type="sldNum" sz="quarter" idx="5"/>
+          </p:nvPr>
+        </p:nvSpPr>
+        <p:spPr/>
+        <p:txBody>
+          <a:bodyPr/>
+          <a:lstStyle/>
+          <a:p>
+            <a:fld id="{58B7696A-EC1F-4D21-A44C-14F51C4E763D}" type="slidenum">
+              <a:rPr lang="tr-TR" smtClean="0"/>
+              <a:t>19</a:t>
+            </a:fld>
+            <a:endParaRPr lang="tr-TR"/>
+          </a:p>
+        </p:txBody>
+      </p:sp>
+    </p:spTree>
+    <p:extLst>
+      <p:ext uri="{BB962C8B-B14F-4D97-AF65-F5344CB8AC3E}">
+        <p14:creationId xmlns:p14="http://schemas.microsoft.com/office/powerpoint/2010/main" val="2186004298"/>
+      </p:ext>
+    </p:extLst>
+  </p:cSld>
+  <p:clrMapOvr>
+    <a:masterClrMapping/>
+  </p:clrMapOvr>
+</p:notes>
+</file>
+
+<file path=ppt/notesSlides/notesSlide4.xml><?xml version="1.0" encoding="utf-8"?>
+<p:notes xmlns:a="http://schemas.openxmlformats.org/drawingml/2006/main" xmlns:r="http://schemas.openxmlformats.org/officeDocument/2006/relationships" xmlns:p="http://schemas.openxmlformats.org/presentationml/2006/main">
+  <p:cSld>
+    <p:spTree>
+      <p:nvGrpSpPr>
+        <p:cNvPr id="1" name=""/>
+        <p:cNvGrpSpPr/>
+        <p:nvPr/>
+      </p:nvGrpSpPr>
+      <p:grpSpPr>
+        <a:xfrm>
+          <a:off x="0" y="0"/>
+          <a:ext cx="0" cy="0"/>
+          <a:chOff x="0" y="0"/>
+          <a:chExt cx="0" cy="0"/>
+        </a:xfrm>
+      </p:grpSpPr>
+      <p:sp>
+        <p:nvSpPr>
+          <p:cNvPr id="2" name="Slayt Resmi Yer Tutucusu 1"/>
+          <p:cNvSpPr>
+            <a:spLocks noGrp="1" noRot="1" noChangeAspect="1"/>
+          </p:cNvSpPr>
+          <p:nvPr>
+            <p:ph type="sldImg"/>
+          </p:nvPr>
+        </p:nvSpPr>
+        <p:spPr/>
+      </p:sp>
+      <p:sp>
+        <p:nvSpPr>
+          <p:cNvPr id="3" name="Not Yer Tutucusu 2"/>
+          <p:cNvSpPr>
+            <a:spLocks noGrp="1"/>
+          </p:cNvSpPr>
+          <p:nvPr>
+            <p:ph type="body" idx="1"/>
+          </p:nvPr>
+        </p:nvSpPr>
+        <p:spPr/>
+        <p:txBody>
+          <a:bodyPr/>
+          <a:lstStyle/>
+          <a:p>
+            <a:pPr marL="0" marR="0" lvl="0" indent="0" algn="l" defTabSz="914400" rtl="0" eaLnBrk="1" fontAlgn="auto" latinLnBrk="0" hangingPunct="1">
+              <a:lnSpc>
+                <a:spcPct val="100000"/>
+              </a:lnSpc>
+              <a:spcBef>
+                <a:spcPts val="0"/>
+              </a:spcBef>
+              <a:spcAft>
+                <a:spcPts val="0"/>
+              </a:spcAft>
+              <a:buClrTx/>
+              <a:buSzTx/>
+              <a:buFontTx/>
+              <a:buNone/>
+              <a:tabLst/>
+              <a:defRPr/>
+            </a:pPr>
+            <a:r>
+              <a:rPr lang="en-US" dirty="0"/>
+              <a:t>The used functions include a set</a:t>
+            </a:r>
+            <a:r>
+              <a:rPr lang="tr-TR" dirty="0"/>
+              <a:t> </a:t>
+            </a:r>
+            <a:r>
+              <a:rPr lang="en-US" dirty="0"/>
+              <a:t>of φ functions and a set of ρ functions. Generally, the φ</a:t>
+            </a:r>
+            <a:r>
+              <a:rPr lang="tr-TR" dirty="0"/>
+              <a:t> </a:t>
+            </a:r>
+            <a:r>
+              <a:rPr lang="en-US" dirty="0"/>
+              <a:t>functions are applied to nodes, edges, or the whole</a:t>
+            </a:r>
+            <a:r>
+              <a:rPr lang="tr-TR" dirty="0"/>
+              <a:t> </a:t>
+            </a:r>
+            <a:r>
+              <a:rPr lang="en-US" dirty="0"/>
+              <a:t>graph</a:t>
+            </a:r>
+            <a:r>
+              <a:rPr lang="tr-TR" dirty="0"/>
+              <a:t> </a:t>
+            </a:r>
+            <a:r>
+              <a:rPr lang="en-US" dirty="0"/>
+              <a:t>as information update functions for the corresponding geometries, while the ρ functions are used to </a:t>
+            </a:r>
+            <a:r>
+              <a:rPr lang="en-US" b="1" dirty="0"/>
+              <a:t>aggregate</a:t>
+            </a:r>
+            <a:r>
+              <a:rPr lang="en-US" dirty="0"/>
+              <a:t> information from one type of geometry to another</a:t>
+            </a:r>
+            <a:r>
+              <a:rPr lang="tr-TR" dirty="0"/>
+              <a:t>.</a:t>
+            </a:r>
+          </a:p>
+          <a:p>
             <a:endParaRPr lang="tr-TR" dirty="0"/>
           </a:p>
         </p:txBody>
@@ -566,7 +1326,7 @@
     </p:spTree>
     <p:extLst>
       <p:ext uri="{BB962C8B-B14F-4D97-AF65-F5344CB8AC3E}">
-        <p14:creationId xmlns:p14="http://schemas.microsoft.com/office/powerpoint/2010/main" val="3102054723"/>
+        <p14:creationId xmlns:p14="http://schemas.microsoft.com/office/powerpoint/2010/main" val="3151404572"/>
       </p:ext>
     </p:extLst>
   </p:cSld>
@@ -576,7 +1336,7 @@
 </p:notes>
 </file>
 
-<file path=ppt/notesSlides/notesSlide2.xml><?xml version="1.0" encoding="utf-8"?>
+<file path=ppt/notesSlides/notesSlide5.xml><?xml version="1.0" encoding="utf-8"?>
 <p:notes xmlns:a="http://schemas.openxmlformats.org/drawingml/2006/main" xmlns:r="http://schemas.openxmlformats.org/officeDocument/2006/relationships" xmlns:p="http://schemas.openxmlformats.org/presentationml/2006/main">
   <p:cSld>
     <p:spTree>
@@ -650,7 +1410,7 @@
     </p:spTree>
     <p:extLst>
       <p:ext uri="{BB962C8B-B14F-4D97-AF65-F5344CB8AC3E}">
-        <p14:creationId xmlns:p14="http://schemas.microsoft.com/office/powerpoint/2010/main" val="2453074727"/>
+        <p14:creationId xmlns:p14="http://schemas.microsoft.com/office/powerpoint/2010/main" val="3102054723"/>
       </p:ext>
     </p:extLst>
   </p:cSld>
@@ -660,7 +1420,7 @@
 </p:notes>
 </file>
 
-<file path=ppt/notesSlides/notesSlide3.xml><?xml version="1.0" encoding="utf-8"?>
+<file path=ppt/notesSlides/notesSlide6.xml><?xml version="1.0" encoding="utf-8"?>
 <p:notes xmlns:a="http://schemas.openxmlformats.org/drawingml/2006/main" xmlns:r="http://schemas.openxmlformats.org/officeDocument/2006/relationships" xmlns:p="http://schemas.openxmlformats.org/presentationml/2006/main">
   <p:cSld>
     <p:spTree>
@@ -725,7 +1485,99 @@
           <a:p>
             <a:fld id="{58B7696A-EC1F-4D21-A44C-14F51C4E763D}" type="slidenum">
               <a:rPr lang="tr-TR" smtClean="0"/>
-              <a:t>25</a:t>
+              <a:t>22</a:t>
+            </a:fld>
+            <a:endParaRPr lang="tr-TR"/>
+          </a:p>
+        </p:txBody>
+      </p:sp>
+    </p:spTree>
+    <p:extLst>
+      <p:ext uri="{BB962C8B-B14F-4D97-AF65-F5344CB8AC3E}">
+        <p14:creationId xmlns:p14="http://schemas.microsoft.com/office/powerpoint/2010/main" val="2453074727"/>
+      </p:ext>
+    </p:extLst>
+  </p:cSld>
+  <p:clrMapOvr>
+    <a:masterClrMapping/>
+  </p:clrMapOvr>
+</p:notes>
+</file>
+
+<file path=ppt/notesSlides/notesSlide7.xml><?xml version="1.0" encoding="utf-8"?>
+<p:notes xmlns:a="http://schemas.openxmlformats.org/drawingml/2006/main" xmlns:r="http://schemas.openxmlformats.org/officeDocument/2006/relationships" xmlns:p="http://schemas.openxmlformats.org/presentationml/2006/main">
+  <p:cSld>
+    <p:spTree>
+      <p:nvGrpSpPr>
+        <p:cNvPr id="1" name=""/>
+        <p:cNvGrpSpPr/>
+        <p:nvPr/>
+      </p:nvGrpSpPr>
+      <p:grpSpPr>
+        <a:xfrm>
+          <a:off x="0" y="0"/>
+          <a:ext cx="0" cy="0"/>
+          <a:chOff x="0" y="0"/>
+          <a:chExt cx="0" cy="0"/>
+        </a:xfrm>
+      </p:grpSpPr>
+      <p:sp>
+        <p:nvSpPr>
+          <p:cNvPr id="2" name="Slayt Resmi Yer Tutucusu 1"/>
+          <p:cNvSpPr>
+            <a:spLocks noGrp="1" noRot="1" noChangeAspect="1"/>
+          </p:cNvSpPr>
+          <p:nvPr>
+            <p:ph type="sldImg"/>
+          </p:nvPr>
+        </p:nvSpPr>
+        <p:spPr/>
+      </p:sp>
+      <p:sp>
+        <p:nvSpPr>
+          <p:cNvPr id="3" name="Not Yer Tutucusu 2"/>
+          <p:cNvSpPr>
+            <a:spLocks noGrp="1"/>
+          </p:cNvSpPr>
+          <p:nvPr>
+            <p:ph type="body" idx="1"/>
+          </p:nvPr>
+        </p:nvSpPr>
+        <p:spPr/>
+        <p:txBody>
+          <a:bodyPr/>
+          <a:lstStyle/>
+          <a:p>
+            <a:r>
+              <a:rPr lang="en-US" dirty="0"/>
+              <a:t>e QM9 dataset, which is widely used for predicting various properties of molecules. It consists organic molecules composed of up to 9 heavy atoms</a:t>
+            </a:r>
+            <a:r>
+              <a:rPr lang="tr-TR"/>
+              <a:t>.</a:t>
+            </a:r>
+            <a:endParaRPr lang="tr-TR" dirty="0"/>
+          </a:p>
+        </p:txBody>
+      </p:sp>
+      <p:sp>
+        <p:nvSpPr>
+          <p:cNvPr id="4" name="Slayt Numarası Yer Tutucusu 3"/>
+          <p:cNvSpPr>
+            <a:spLocks noGrp="1"/>
+          </p:cNvSpPr>
+          <p:nvPr>
+            <p:ph type="sldNum" sz="quarter" idx="5"/>
+          </p:nvPr>
+        </p:nvSpPr>
+        <p:spPr/>
+        <p:txBody>
+          <a:bodyPr/>
+          <a:lstStyle/>
+          <a:p>
+            <a:fld id="{58B7696A-EC1F-4D21-A44C-14F51C4E763D}" type="slidenum">
+              <a:rPr lang="tr-TR" smtClean="0"/>
+              <a:t>26</a:t>
             </a:fld>
             <a:endParaRPr lang="tr-TR"/>
           </a:p>
@@ -19830,7 +20682,7 @@
         <p:spPr>
           <a:xfrm>
             <a:off x="643315" y="2689396"/>
-            <a:ext cx="10734333" cy="2585323"/>
+            <a:ext cx="10734333" cy="1754326"/>
           </a:xfrm>
           <a:prstGeom prst="rect">
             <a:avLst/>
@@ -19851,100 +20703,41 @@
               <a:buChar char="•"/>
             </a:pPr>
             <a:r>
-              <a:rPr lang="tr-TR" dirty="0"/>
-              <a:t>S</a:t>
-            </a:r>
-            <a:r>
-              <a:rPr lang="en-US" dirty="0" err="1"/>
-              <a:t>everal</a:t>
-            </a:r>
-            <a:r>
               <a:rPr lang="en-US" dirty="0"/>
-              <a:t> types of relative </a:t>
+              <a:t>Such 3D information is invariant to translation and rotation and is important in some applications. For instance, in </a:t>
+            </a:r>
+            <a:r>
+              <a:rPr lang="en-US" i="1" dirty="0"/>
+              <a:t>molecular modeling</a:t>
+            </a:r>
+            <a:r>
+              <a:rPr lang="en-US" dirty="0"/>
+              <a:t>, the </a:t>
+            </a:r>
+            <a:r>
+              <a:rPr lang="en-US" i="1" dirty="0"/>
+              <a:t>3D molecular information </a:t>
+            </a:r>
+            <a:r>
+              <a:rPr lang="en-US" dirty="0"/>
+              <a:t>includes </a:t>
             </a:r>
             <a:r>
               <a:rPr lang="en-US" b="1" dirty="0"/>
-              <a:t>3D information </a:t>
-            </a:r>
-            <a:r>
-              <a:rPr lang="en-US" dirty="0"/>
-              <a:t>can be derived based on </a:t>
-            </a:r>
-            <a:r>
-              <a:rPr lang="en-US" u="sng" dirty="0"/>
-              <a:t>absolute Cartesian coordinates</a:t>
-            </a:r>
-            <a:r>
-              <a:rPr lang="en-US" dirty="0"/>
-              <a:t>, such as </a:t>
-            </a:r>
-            <a:r>
-              <a:rPr lang="en-US" dirty="0">
-                <a:solidFill>
-                  <a:srgbClr val="FF0000"/>
-                </a:solidFill>
-              </a:rPr>
-              <a:t>distances between nodes</a:t>
+              <a:t>bond lengths</a:t>
             </a:r>
             <a:r>
               <a:rPr lang="en-US" dirty="0"/>
               <a:t>, </a:t>
             </a:r>
             <a:r>
-              <a:rPr lang="en-US" dirty="0">
-                <a:solidFill>
-                  <a:srgbClr val="FF0000"/>
-                </a:solidFill>
-              </a:rPr>
-              <a:t>angles between edges</a:t>
-            </a:r>
-            <a:r>
-              <a:rPr lang="en-US" dirty="0"/>
-              <a:t>, etc. </a:t>
-            </a:r>
-            <a:endParaRPr lang="tr-TR" dirty="0"/>
-          </a:p>
-          <a:p>
-            <a:endParaRPr lang="tr-TR" dirty="0"/>
-          </a:p>
-          <a:p>
-            <a:pPr marL="285750" indent="-285750">
-              <a:buFont typeface="Arial" panose="020B0604020202020204" pitchFamily="34" charset="0"/>
-              <a:buChar char="•"/>
-            </a:pPr>
-            <a:r>
-              <a:rPr lang="en-US" dirty="0"/>
-              <a:t>Such 3D information is invariant to translation and rotation and is important in some applications. For instance, in </a:t>
-            </a:r>
-            <a:r>
-              <a:rPr lang="en-US" i="1" dirty="0"/>
-              <a:t>molecular modeling</a:t>
-            </a:r>
-            <a:r>
-              <a:rPr lang="en-US" dirty="0"/>
-              <a:t>, the </a:t>
-            </a:r>
-            <a:r>
-              <a:rPr lang="en-US" i="1" dirty="0"/>
-              <a:t>3D molecular information </a:t>
-            </a:r>
-            <a:r>
-              <a:rPr lang="en-US" dirty="0"/>
-              <a:t>includes </a:t>
-            </a:r>
-            <a:r>
-              <a:rPr lang="en-US" b="1" dirty="0"/>
-              <a:t>bond lengths</a:t>
-            </a:r>
-            <a:r>
-              <a:rPr lang="en-US" dirty="0"/>
-              <a:t>, </a:t>
-            </a:r>
-            <a:r>
               <a:rPr lang="en-US" b="1" dirty="0"/>
               <a:t>angles between bonds, and bond rotations. </a:t>
             </a:r>
-            <a:endParaRPr lang="tr-TR" b="1" dirty="0"/>
+            <a:r>
+              <a:rPr lang="tr-TR" b="1" dirty="0"/>
+              <a:t> </a:t>
+            </a:r>
           </a:p>
           <a:p>
             <a:pPr marL="285750" indent="-285750">
@@ -20044,8 +20837,8 @@
         </p:nvSpPr>
         <p:spPr>
           <a:xfrm>
-            <a:off x="150111" y="85520"/>
-            <a:ext cx="9142054" cy="707886"/>
+            <a:off x="392672" y="40289"/>
+            <a:ext cx="4804777" cy="707886"/>
           </a:xfrm>
           <a:prstGeom prst="rect">
             <a:avLst/>
@@ -20060,22 +20853,6 @@
           <a:p>
             <a:pPr algn="ctr"/>
             <a:r>
-              <a:rPr lang="tr-TR" sz="4000" b="0" cap="none" spc="0" dirty="0" err="1">
-                <a:ln w="0"/>
-                <a:solidFill>
-                  <a:schemeClr val="accent1"/>
-                </a:solidFill>
-                <a:effectLst>
-                  <a:outerShdw blurRad="38100" dist="25400" dir="5400000" algn="ctr" rotWithShape="0">
-                    <a:srgbClr val="6E747A">
-                      <a:alpha val="43000"/>
-                    </a:srgbClr>
-                  </a:outerShdw>
-                </a:effectLst>
-              </a:rPr>
-              <a:t>Why</a:t>
-            </a:r>
-            <a:r>
               <a:rPr lang="tr-TR" sz="4000" b="0" cap="none" spc="0" dirty="0">
                 <a:ln w="0"/>
                 <a:solidFill>
@@ -20089,119 +20866,7 @@
                   </a:outerShdw>
                 </a:effectLst>
               </a:rPr>
-              <a:t> </a:t>
-            </a:r>
-            <a:r>
-              <a:rPr lang="tr-TR" sz="4000" dirty="0" err="1">
-                <a:ln w="0"/>
-                <a:solidFill>
-                  <a:schemeClr val="accent1"/>
-                </a:solidFill>
-                <a:effectLst>
-                  <a:outerShdw blurRad="38100" dist="25400" dir="5400000" algn="ctr" rotWithShape="0">
-                    <a:srgbClr val="6E747A">
-                      <a:alpha val="43000"/>
-                    </a:srgbClr>
-                  </a:outerShdw>
-                </a:effectLst>
-              </a:rPr>
-              <a:t>do</a:t>
-            </a:r>
-            <a:r>
-              <a:rPr lang="tr-TR" sz="4000" b="0" cap="none" spc="0" dirty="0" err="1">
-                <a:ln w="0"/>
-                <a:solidFill>
-                  <a:schemeClr val="accent1"/>
-                </a:solidFill>
-                <a:effectLst>
-                  <a:outerShdw blurRad="38100" dist="25400" dir="5400000" algn="ctr" rotWithShape="0">
-                    <a:srgbClr val="6E747A">
-                      <a:alpha val="43000"/>
-                    </a:srgbClr>
-                  </a:outerShdw>
-                </a:effectLst>
-              </a:rPr>
-              <a:t>n’t</a:t>
-            </a:r>
-            <a:r>
-              <a:rPr lang="tr-TR" sz="4000" b="0" cap="none" spc="0" dirty="0">
-                <a:ln w="0"/>
-                <a:solidFill>
-                  <a:schemeClr val="accent1"/>
-                </a:solidFill>
-                <a:effectLst>
-                  <a:outerShdw blurRad="38100" dist="25400" dir="5400000" algn="ctr" rotWithShape="0">
-                    <a:srgbClr val="6E747A">
-                      <a:alpha val="43000"/>
-                    </a:srgbClr>
-                  </a:outerShdw>
-                </a:effectLst>
-              </a:rPr>
-              <a:t> </a:t>
-            </a:r>
-            <a:r>
-              <a:rPr lang="tr-TR" sz="4000" b="0" cap="none" spc="0" dirty="0" err="1">
-                <a:ln w="0"/>
-                <a:solidFill>
-                  <a:schemeClr val="accent1"/>
-                </a:solidFill>
-                <a:effectLst>
-                  <a:outerShdw blurRad="38100" dist="25400" dir="5400000" algn="ctr" rotWithShape="0">
-                    <a:srgbClr val="6E747A">
-                      <a:alpha val="43000"/>
-                    </a:srgbClr>
-                  </a:outerShdw>
-                </a:effectLst>
-              </a:rPr>
-              <a:t>we</a:t>
-            </a:r>
-            <a:r>
-              <a:rPr lang="tr-TR" sz="4000" b="0" cap="none" spc="0" dirty="0">
-                <a:ln w="0"/>
-                <a:solidFill>
-                  <a:schemeClr val="accent1"/>
-                </a:solidFill>
-                <a:effectLst>
-                  <a:outerShdw blurRad="38100" dist="25400" dir="5400000" algn="ctr" rotWithShape="0">
-                    <a:srgbClr val="6E747A">
-                      <a:alpha val="43000"/>
-                    </a:srgbClr>
-                  </a:outerShdw>
-                </a:effectLst>
-              </a:rPr>
-              <a:t> </a:t>
-            </a:r>
-            <a:r>
-              <a:rPr lang="tr-TR" sz="4000" b="0" cap="none" spc="0" dirty="0" err="1">
-                <a:ln w="0"/>
-                <a:solidFill>
-                  <a:schemeClr val="accent1"/>
-                </a:solidFill>
-                <a:effectLst>
-                  <a:outerShdw blurRad="38100" dist="25400" dir="5400000" algn="ctr" rotWithShape="0">
-                    <a:srgbClr val="6E747A">
-                      <a:alpha val="43000"/>
-                    </a:srgbClr>
-                  </a:outerShdw>
-                </a:effectLst>
-              </a:rPr>
-              <a:t>use</a:t>
-            </a:r>
-            <a:r>
-              <a:rPr lang="tr-TR" sz="4000" b="0" cap="none" spc="0" dirty="0">
-                <a:ln w="0"/>
-                <a:solidFill>
-                  <a:schemeClr val="accent1"/>
-                </a:solidFill>
-                <a:effectLst>
-                  <a:outerShdw blurRad="38100" dist="25400" dir="5400000" algn="ctr" rotWithShape="0">
-                    <a:srgbClr val="6E747A">
-                      <a:alpha val="43000"/>
-                    </a:srgbClr>
-                  </a:outerShdw>
-                </a:effectLst>
-              </a:rPr>
-              <a:t> 3D </a:t>
+              <a:t>3-D </a:t>
             </a:r>
             <a:r>
               <a:rPr lang="tr-TR" sz="4000" b="0" cap="none" spc="0" dirty="0" err="1">
@@ -20219,22 +20884,19 @@
               </a:rPr>
               <a:t>representations</a:t>
             </a:r>
-            <a:r>
-              <a:rPr lang="tr-TR" sz="4000" b="0" cap="none" spc="0" dirty="0">
-                <a:ln w="0"/>
-                <a:solidFill>
-                  <a:schemeClr val="accent1"/>
-                </a:solidFill>
-                <a:effectLst>
-                  <a:outerShdw blurRad="38100" dist="25400" dir="5400000" algn="ctr" rotWithShape="0">
-                    <a:srgbClr val="6E747A">
-                      <a:alpha val="43000"/>
-                    </a:srgbClr>
-                  </a:outerShdw>
-                </a:effectLst>
-              </a:rPr>
-              <a:t>?</a:t>
-            </a:r>
+            <a:endParaRPr lang="tr-TR" sz="4000" b="0" cap="none" spc="0" dirty="0">
+              <a:ln w="0"/>
+              <a:solidFill>
+                <a:schemeClr val="accent1"/>
+              </a:solidFill>
+              <a:effectLst>
+                <a:outerShdw blurRad="38100" dist="25400" dir="5400000" algn="ctr" rotWithShape="0">
+                  <a:srgbClr val="6E747A">
+                    <a:alpha val="43000"/>
+                  </a:srgbClr>
+                </a:outerShdw>
+              </a:effectLst>
+            </a:endParaRPr>
           </a:p>
         </p:txBody>
       </p:sp>
@@ -20252,7 +20914,7 @@
         </p:nvSpPr>
         <p:spPr>
           <a:xfrm>
-            <a:off x="643316" y="5622435"/>
+            <a:off x="643315" y="4738712"/>
             <a:ext cx="10734332" cy="646331"/>
           </a:xfrm>
           <a:prstGeom prst="rect">
@@ -20607,7 +21269,7 @@
           <p:nvPr/>
         </p:nvPicPr>
         <p:blipFill>
-          <a:blip r:embed="rId2"/>
+          <a:blip r:embed="rId3"/>
           <a:stretch>
             <a:fillRect/>
           </a:stretch>
@@ -20789,6 +21451,192 @@
 </file>
 
 <file path=ppt/slides/slide17.xml><?xml version="1.0" encoding="utf-8"?>
+<p:sld xmlns:a="http://schemas.openxmlformats.org/drawingml/2006/main" xmlns:r="http://schemas.openxmlformats.org/officeDocument/2006/relationships" xmlns:p="http://schemas.openxmlformats.org/presentationml/2006/main">
+  <p:cSld>
+    <p:spTree>
+      <p:nvGrpSpPr>
+        <p:cNvPr id="1" name=""/>
+        <p:cNvGrpSpPr/>
+        <p:nvPr/>
+      </p:nvGrpSpPr>
+      <p:grpSpPr>
+        <a:xfrm>
+          <a:off x="0" y="0"/>
+          <a:ext cx="0" cy="0"/>
+          <a:chOff x="0" y="0"/>
+          <a:chExt cx="0" cy="0"/>
+        </a:xfrm>
+      </p:grpSpPr>
+      <p:sp>
+        <p:nvSpPr>
+          <p:cNvPr id="2" name="Slayt Numarası Yer Tutucusu 1">
+            <a:extLst>
+              <a:ext uri="{FF2B5EF4-FFF2-40B4-BE49-F238E27FC236}">
+                <a16:creationId xmlns:a16="http://schemas.microsoft.com/office/drawing/2014/main" id="{BE455B2D-5CF4-9056-0F8E-A64D75EEDAAB}"/>
+              </a:ext>
+            </a:extLst>
+          </p:cNvPr>
+          <p:cNvSpPr>
+            <a:spLocks noGrp="1"/>
+          </p:cNvSpPr>
+          <p:nvPr>
+            <p:ph type="sldNum" sz="quarter" idx="12"/>
+          </p:nvPr>
+        </p:nvSpPr>
+        <p:spPr/>
+        <p:txBody>
+          <a:bodyPr/>
+          <a:lstStyle/>
+          <a:p>
+            <a:fld id="{5EE8CF1A-B538-4EC4-8C50-33108C61C811}" type="slidenum">
+              <a:rPr lang="tr-TR" smtClean="0"/>
+              <a:t>17</a:t>
+            </a:fld>
+            <a:endParaRPr lang="tr-TR"/>
+          </a:p>
+        </p:txBody>
+      </p:sp>
+      <p:pic>
+        <p:nvPicPr>
+          <p:cNvPr id="4" name="Resim 3">
+            <a:extLst>
+              <a:ext uri="{FF2B5EF4-FFF2-40B4-BE49-F238E27FC236}">
+                <a16:creationId xmlns:a16="http://schemas.microsoft.com/office/drawing/2014/main" id="{092D0EFD-57C4-CA54-AB4D-F221ABC4BDF8}"/>
+              </a:ext>
+            </a:extLst>
+          </p:cNvPr>
+          <p:cNvPicPr>
+            <a:picLocks noChangeAspect="1"/>
+          </p:cNvPicPr>
+          <p:nvPr/>
+        </p:nvPicPr>
+        <p:blipFill>
+          <a:blip r:embed="rId3"/>
+          <a:stretch>
+            <a:fillRect/>
+          </a:stretch>
+        </p:blipFill>
+        <p:spPr>
+          <a:xfrm>
+            <a:off x="2528564" y="834003"/>
+            <a:ext cx="7629525" cy="3209925"/>
+          </a:xfrm>
+          <a:prstGeom prst="rect">
+            <a:avLst/>
+          </a:prstGeom>
+        </p:spPr>
+      </p:pic>
+      <p:sp>
+        <p:nvSpPr>
+          <p:cNvPr id="5" name="Dikdörtgen 4">
+            <a:extLst>
+              <a:ext uri="{FF2B5EF4-FFF2-40B4-BE49-F238E27FC236}">
+                <a16:creationId xmlns:a16="http://schemas.microsoft.com/office/drawing/2014/main" id="{F9CCB8FF-0D62-B157-3DD1-F0ED603D2B2D}"/>
+              </a:ext>
+            </a:extLst>
+          </p:cNvPr>
+          <p:cNvSpPr/>
+          <p:nvPr/>
+        </p:nvSpPr>
+        <p:spPr>
+          <a:xfrm>
+            <a:off x="259993" y="126117"/>
+            <a:ext cx="2268571" cy="707886"/>
+          </a:xfrm>
+          <a:prstGeom prst="rect">
+            <a:avLst/>
+          </a:prstGeom>
+          <a:noFill/>
+        </p:spPr>
+        <p:txBody>
+          <a:bodyPr wrap="none" lIns="91440" tIns="45720" rIns="91440" bIns="45720">
+            <a:spAutoFit/>
+          </a:bodyPr>
+          <a:lstStyle/>
+          <a:p>
+            <a:pPr algn="ctr"/>
+            <a:r>
+              <a:rPr lang="tr-TR" sz="4000" b="0" cap="none" spc="0" dirty="0" err="1">
+                <a:ln w="0"/>
+                <a:solidFill>
+                  <a:schemeClr val="accent1"/>
+                </a:solidFill>
+                <a:effectLst>
+                  <a:outerShdw blurRad="38100" dist="25400" dir="5400000" algn="ctr" rotWithShape="0">
+                    <a:srgbClr val="6E747A">
+                      <a:alpha val="43000"/>
+                    </a:srgbClr>
+                  </a:outerShdw>
+                </a:effectLst>
+              </a:rPr>
+              <a:t>Example</a:t>
+            </a:r>
+            <a:endParaRPr lang="tr-TR" sz="4000" b="0" cap="none" spc="0" dirty="0">
+              <a:ln w="0"/>
+              <a:solidFill>
+                <a:schemeClr val="accent1"/>
+              </a:solidFill>
+              <a:effectLst>
+                <a:outerShdw blurRad="38100" dist="25400" dir="5400000" algn="ctr" rotWithShape="0">
+                  <a:srgbClr val="6E747A">
+                    <a:alpha val="43000"/>
+                  </a:srgbClr>
+                </a:outerShdw>
+              </a:effectLst>
+            </a:endParaRPr>
+          </a:p>
+        </p:txBody>
+      </p:sp>
+      <p:sp>
+        <p:nvSpPr>
+          <p:cNvPr id="6" name="Metin kutusu 5">
+            <a:extLst>
+              <a:ext uri="{FF2B5EF4-FFF2-40B4-BE49-F238E27FC236}">
+                <a16:creationId xmlns:a16="http://schemas.microsoft.com/office/drawing/2014/main" id="{BBC5B8F0-1717-94A1-C52E-0D0CF9DF0BCB}"/>
+              </a:ext>
+            </a:extLst>
+          </p:cNvPr>
+          <p:cNvSpPr txBox="1"/>
+          <p:nvPr/>
+        </p:nvSpPr>
+        <p:spPr>
+          <a:xfrm>
+            <a:off x="4202349" y="4143984"/>
+            <a:ext cx="3949430" cy="369332"/>
+          </a:xfrm>
+          <a:prstGeom prst="rect">
+            <a:avLst/>
+          </a:prstGeom>
+          <a:noFill/>
+        </p:spPr>
+        <p:txBody>
+          <a:bodyPr wrap="square" rtlCol="0">
+            <a:spAutoFit/>
+          </a:bodyPr>
+          <a:lstStyle/>
+          <a:p>
+            <a:r>
+              <a:rPr lang="en-US" dirty="0"/>
+              <a:t>The chemical structure of the H2O2.</a:t>
+            </a:r>
+            <a:endParaRPr lang="tr-TR" dirty="0"/>
+          </a:p>
+        </p:txBody>
+      </p:sp>
+    </p:spTree>
+    <p:extLst>
+      <p:ext uri="{BB962C8B-B14F-4D97-AF65-F5344CB8AC3E}">
+        <p14:creationId xmlns:p14="http://schemas.microsoft.com/office/powerpoint/2010/main" val="3953052960"/>
+      </p:ext>
+    </p:extLst>
+  </p:cSld>
+  <p:clrMapOvr>
+    <a:masterClrMapping/>
+  </p:clrMapOvr>
+</p:sld>
+</file>
+
+<file path=ppt/slides/slide18.xml><?xml version="1.0" encoding="utf-8"?>
 <p:sld xmlns:a="http://schemas.openxmlformats.org/drawingml/2006/main" xmlns:r="http://schemas.openxmlformats.org/officeDocument/2006/relationships" xmlns:p="http://schemas.openxmlformats.org/presentationml/2006/main">
   <p:cSld>
     <p:spTree>
@@ -21337,7 +22185,7 @@
           <a:p>
             <a:fld id="{5EE8CF1A-B538-4EC4-8C50-33108C61C811}" type="slidenum">
               <a:rPr lang="tr-TR" smtClean="0"/>
-              <a:t>17</a:t>
+              <a:t>18</a:t>
             </a:fld>
             <a:endParaRPr lang="tr-TR"/>
           </a:p>
@@ -21485,7 +22333,7 @@
 </p:sld>
 </file>
 
-<file path=ppt/slides/slide18.xml><?xml version="1.0" encoding="utf-8"?>
+<file path=ppt/slides/slide19.xml><?xml version="1.0" encoding="utf-8"?>
 <p:sld xmlns:a="http://schemas.openxmlformats.org/drawingml/2006/main" xmlns:r="http://schemas.openxmlformats.org/officeDocument/2006/relationships" xmlns:p="http://schemas.openxmlformats.org/presentationml/2006/main">
   <p:cSld>
     <p:spTree>
@@ -21581,960 +22429,10 @@
       </p:sp>
       <p:sp>
         <p:nvSpPr>
-          <p:cNvPr id="4" name="Metin kutusu 3">
-            <a:extLst>
-              <a:ext uri="{FF2B5EF4-FFF2-40B4-BE49-F238E27FC236}">
-                <a16:creationId xmlns:a16="http://schemas.microsoft.com/office/drawing/2014/main" id="{0CBD712F-A531-118D-60B0-C05F5FD0EE52}"/>
-              </a:ext>
-            </a:extLst>
-          </p:cNvPr>
-          <p:cNvSpPr txBox="1"/>
-          <p:nvPr/>
-        </p:nvSpPr>
-        <p:spPr>
-          <a:xfrm>
-            <a:off x="487027" y="1172366"/>
-            <a:ext cx="8946423" cy="1200329"/>
-          </a:xfrm>
-          <a:prstGeom prst="rect">
-            <a:avLst/>
-          </a:prstGeom>
-          <a:noFill/>
-        </p:spPr>
-        <p:txBody>
-          <a:bodyPr wrap="square">
-            <a:spAutoFit/>
-          </a:bodyPr>
-          <a:lstStyle/>
-          <a:p>
-            <a:pPr marL="285750" indent="-285750">
-              <a:buFont typeface="Arial" panose="020B0604020202020204" pitchFamily="34" charset="0"/>
-              <a:buChar char="•"/>
-            </a:pPr>
-            <a:r>
-              <a:rPr lang="en-US" dirty="0"/>
-              <a:t>When modeling molecules as graphs, </a:t>
-            </a:r>
-            <a:r>
-              <a:rPr lang="en-US" b="1" dirty="0"/>
-              <a:t>atoms</a:t>
-            </a:r>
-            <a:r>
-              <a:rPr lang="en-US" dirty="0"/>
-              <a:t> are represented as </a:t>
-            </a:r>
-            <a:r>
-              <a:rPr lang="en-US" b="1" dirty="0"/>
-              <a:t>nodes</a:t>
-            </a:r>
-            <a:r>
-              <a:rPr lang="en-US" dirty="0"/>
-              <a:t>, and </a:t>
-            </a:r>
-            <a:r>
-              <a:rPr lang="en-US" b="1" dirty="0"/>
-              <a:t>bonds</a:t>
-            </a:r>
-            <a:r>
-              <a:rPr lang="en-US" dirty="0"/>
-              <a:t> between atoms are modeled as </a:t>
-            </a:r>
-            <a:r>
-              <a:rPr lang="en-US" b="1" dirty="0"/>
-              <a:t>edges</a:t>
-            </a:r>
-            <a:r>
-              <a:rPr lang="en-US" dirty="0"/>
-              <a:t>. </a:t>
-            </a:r>
-            <a:endParaRPr lang="tr-TR" dirty="0"/>
-          </a:p>
-          <a:p>
-            <a:pPr marL="285750" indent="-285750">
-              <a:buFont typeface="Arial" panose="020B0604020202020204" pitchFamily="34" charset="0"/>
-              <a:buChar char="•"/>
-            </a:pPr>
-            <a:r>
-              <a:rPr lang="en-US" dirty="0"/>
-              <a:t>In addition, </a:t>
-            </a:r>
-            <a:r>
-              <a:rPr lang="en-US" i="1" dirty="0"/>
-              <a:t>characteristics of atoms and bonds</a:t>
-            </a:r>
-            <a:r>
-              <a:rPr lang="en-US" dirty="0"/>
-              <a:t>, e.g., atom and bond types, can be encoded as </a:t>
-            </a:r>
-            <a:r>
-              <a:rPr lang="en-US" b="1" dirty="0"/>
-              <a:t>node</a:t>
-            </a:r>
-            <a:r>
-              <a:rPr lang="en-US" dirty="0"/>
-              <a:t> and </a:t>
-            </a:r>
-            <a:r>
-              <a:rPr lang="en-US" b="1" dirty="0"/>
-              <a:t>edge attributes</a:t>
-            </a:r>
-            <a:r>
-              <a:rPr lang="en-US" dirty="0"/>
-              <a:t>.</a:t>
-            </a:r>
-            <a:endParaRPr lang="tr-TR" dirty="0"/>
-          </a:p>
-        </p:txBody>
-      </p:sp>
-      <p:sp>
-        <p:nvSpPr>
-          <p:cNvPr id="6" name="Metin kutusu 5">
-            <a:extLst>
-              <a:ext uri="{FF2B5EF4-FFF2-40B4-BE49-F238E27FC236}">
-                <a16:creationId xmlns:a16="http://schemas.microsoft.com/office/drawing/2014/main" id="{B426A7B6-C71E-68A1-FC5B-FF65AA394551}"/>
-              </a:ext>
-            </a:extLst>
-          </p:cNvPr>
-          <p:cNvSpPr txBox="1"/>
-          <p:nvPr/>
-        </p:nvSpPr>
-        <p:spPr>
-          <a:xfrm>
-            <a:off x="2550808" y="2822727"/>
-            <a:ext cx="6854162" cy="400110"/>
-          </a:xfrm>
-          <a:prstGeom prst="rect">
-            <a:avLst/>
-          </a:prstGeom>
-          <a:noFill/>
-        </p:spPr>
-        <p:txBody>
-          <a:bodyPr wrap="square">
-            <a:spAutoFit/>
-          </a:bodyPr>
-          <a:lstStyle/>
-          <a:p>
-            <a:r>
-              <a:rPr lang="en-US" sz="2000" b="1" dirty="0"/>
-              <a:t>A 3D graph is represented as </a:t>
-            </a:r>
-            <a:r>
-              <a:rPr lang="es-ES" sz="2000" b="1" dirty="0"/>
-              <a:t>a 4-tuple G = (u, V, E, P)</a:t>
-            </a:r>
-            <a:endParaRPr lang="tr-TR" sz="2000" b="1" dirty="0"/>
-          </a:p>
-        </p:txBody>
-      </p:sp>
-      <mc:AlternateContent xmlns:mc="http://schemas.openxmlformats.org/markup-compatibility/2006" xmlns:a14="http://schemas.microsoft.com/office/drawing/2010/main">
-        <mc:Choice Requires="a14">
-          <p:sp>
-            <p:nvSpPr>
-              <p:cNvPr id="8" name="Metin kutusu 7">
-                <a:extLst>
-                  <a:ext uri="{FF2B5EF4-FFF2-40B4-BE49-F238E27FC236}">
-                    <a16:creationId xmlns:a16="http://schemas.microsoft.com/office/drawing/2014/main" id="{90F40B94-6FD2-D44F-6259-6063C1F5F045}"/>
-                  </a:ext>
-                </a:extLst>
-              </p:cNvPr>
-              <p:cNvSpPr txBox="1"/>
-              <p:nvPr/>
-            </p:nvSpPr>
-            <p:spPr>
-              <a:xfrm>
-                <a:off x="2697152" y="3450498"/>
-                <a:ext cx="7681945" cy="381643"/>
-              </a:xfrm>
-              <a:prstGeom prst="rect">
-                <a:avLst/>
-              </a:prstGeom>
-              <a:noFill/>
-            </p:spPr>
-            <p:txBody>
-              <a:bodyPr wrap="square">
-                <a:spAutoFit/>
-              </a:bodyPr>
-              <a:lstStyle/>
-              <a:p>
-                <a:pPr marL="285750" indent="-285750">
-                  <a:buFont typeface="Arial" panose="020B0604020202020204" pitchFamily="34" charset="0"/>
-                  <a:buChar char="•"/>
-                </a:pPr>
-                <a:r>
-                  <a:rPr lang="en-US" dirty="0"/>
-                  <a:t>The </a:t>
-                </a:r>
-                <a:r>
-                  <a:rPr lang="en-US" b="1" dirty="0"/>
-                  <a:t>u ∈ </a:t>
-                </a:r>
-                <a14:m>
-                  <m:oMath xmlns:m="http://schemas.openxmlformats.org/officeDocument/2006/math">
-                    <m:sSup>
-                      <m:sSupPr>
-                        <m:ctrlPr>
-                          <a:rPr lang="en-US" b="1" i="1" dirty="0" smtClean="0">
-                            <a:solidFill>
-                              <a:srgbClr val="836967"/>
-                            </a:solidFill>
-                            <a:latin typeface="Cambria Math" panose="02040503050406030204" pitchFamily="18" charset="0"/>
-                          </a:rPr>
-                        </m:ctrlPr>
-                      </m:sSupPr>
-                      <m:e>
-                        <m:r>
-                          <a:rPr lang="en-US" b="1" i="1" dirty="0">
-                            <a:latin typeface="Cambria Math" panose="02040503050406030204" pitchFamily="18" charset="0"/>
-                          </a:rPr>
-                          <m:t>𝑹</m:t>
-                        </m:r>
-                      </m:e>
-                      <m:sup>
-                        <m:r>
-                          <a:rPr lang="en-US" b="1" i="0" dirty="0">
-                            <a:latin typeface="Cambria Math" panose="02040503050406030204" pitchFamily="18" charset="0"/>
-                          </a:rPr>
-                          <m:t>ⅆ</m:t>
-                        </m:r>
-                        <m:r>
-                          <a:rPr lang="en-US" b="1" i="1" dirty="0">
-                            <a:latin typeface="Cambria Math" panose="02040503050406030204" pitchFamily="18" charset="0"/>
-                          </a:rPr>
-                          <m:t>𝒖</m:t>
-                        </m:r>
-                      </m:sup>
-                    </m:sSup>
-                  </m:oMath>
-                </a14:m>
-                <a:r>
-                  <a:rPr lang="en-US" b="1" dirty="0"/>
-                  <a:t> </a:t>
-                </a:r>
-                <a:r>
-                  <a:rPr lang="en-US" dirty="0"/>
-                  <a:t>is a global feature vector for the graph</a:t>
-                </a:r>
-                <a:r>
-                  <a:rPr lang="tr-TR" dirty="0"/>
-                  <a:t> G</a:t>
-                </a:r>
-              </a:p>
-            </p:txBody>
-          </p:sp>
-        </mc:Choice>
-        <mc:Fallback xmlns="">
-          <p:sp>
-            <p:nvSpPr>
-              <p:cNvPr id="8" name="Metin kutusu 7">
-                <a:extLst>
-                  <a:ext uri="{FF2B5EF4-FFF2-40B4-BE49-F238E27FC236}">
-                    <a16:creationId xmlns:a16="http://schemas.microsoft.com/office/drawing/2014/main" id="{90F40B94-6FD2-D44F-6259-6063C1F5F045}"/>
-                  </a:ext>
-                </a:extLst>
-              </p:cNvPr>
-              <p:cNvSpPr txBox="1">
-                <a:spLocks noRot="1" noChangeAspect="1" noMove="1" noResize="1" noEditPoints="1" noAdjustHandles="1" noChangeArrowheads="1" noChangeShapeType="1" noTextEdit="1"/>
-              </p:cNvSpPr>
-              <p:nvPr/>
-            </p:nvSpPr>
-            <p:spPr>
-              <a:xfrm>
-                <a:off x="2697152" y="3450498"/>
-                <a:ext cx="7681945" cy="381643"/>
-              </a:xfrm>
-              <a:prstGeom prst="rect">
-                <a:avLst/>
-              </a:prstGeom>
-              <a:blipFill>
-                <a:blip r:embed="rId2"/>
-                <a:stretch>
-                  <a:fillRect l="-476" t="-6349" b="-23810"/>
-                </a:stretch>
-              </a:blipFill>
-            </p:spPr>
-            <p:txBody>
-              <a:bodyPr/>
-              <a:lstStyle/>
-              <a:p>
-                <a:r>
-                  <a:rPr lang="tr-TR">
-                    <a:noFill/>
-                  </a:rPr>
-                  <a:t> </a:t>
-                </a:r>
-              </a:p>
-            </p:txBody>
-          </p:sp>
-        </mc:Fallback>
-      </mc:AlternateContent>
-      <p:sp>
-        <p:nvSpPr>
-          <p:cNvPr id="9" name="Metin kutusu 8">
-            <a:extLst>
-              <a:ext uri="{FF2B5EF4-FFF2-40B4-BE49-F238E27FC236}">
-                <a16:creationId xmlns:a16="http://schemas.microsoft.com/office/drawing/2014/main" id="{37C9C636-37E6-18B8-8B28-E660664803F2}"/>
-              </a:ext>
-            </a:extLst>
-          </p:cNvPr>
-          <p:cNvSpPr txBox="1"/>
-          <p:nvPr/>
-        </p:nvSpPr>
-        <p:spPr>
-          <a:xfrm>
-            <a:off x="2697151" y="3931308"/>
-            <a:ext cx="7681945" cy="369332"/>
-          </a:xfrm>
-          <a:prstGeom prst="rect">
-            <a:avLst/>
-          </a:prstGeom>
-          <a:noFill/>
-        </p:spPr>
-        <p:txBody>
-          <a:bodyPr wrap="square">
-            <a:spAutoFit/>
-          </a:bodyPr>
-          <a:lstStyle/>
-          <a:p>
-            <a:pPr marL="285750" indent="-285750">
-              <a:buFont typeface="Arial" panose="020B0604020202020204" pitchFamily="34" charset="0"/>
-              <a:buChar char="•"/>
-            </a:pPr>
-            <a:r>
-              <a:rPr lang="en-US" b="1" dirty="0"/>
-              <a:t>V = {v</a:t>
-            </a:r>
-            <a:r>
-              <a:rPr lang="en-US" sz="1050" b="1" dirty="0"/>
-              <a:t>i</a:t>
-            </a:r>
-            <a:r>
-              <a:rPr lang="en-US" b="1" dirty="0"/>
-              <a:t>}</a:t>
-            </a:r>
-            <a:r>
-              <a:rPr lang="tr-TR" b="1" dirty="0"/>
-              <a:t> </a:t>
-            </a:r>
-            <a:r>
-              <a:rPr lang="en-US" sz="1200" b="1" dirty="0" err="1"/>
-              <a:t>i</a:t>
-            </a:r>
-            <a:r>
-              <a:rPr lang="tr-TR" sz="1200" b="1" dirty="0"/>
-              <a:t> </a:t>
-            </a:r>
-            <a:r>
-              <a:rPr lang="en-US" sz="1200" b="1" dirty="0"/>
-              <a:t>=1:n </a:t>
-            </a:r>
-            <a:r>
-              <a:rPr lang="tr-TR" sz="1200" b="1" dirty="0"/>
-              <a:t> </a:t>
-            </a:r>
-            <a:r>
-              <a:rPr lang="en-US" dirty="0"/>
-              <a:t>is the set of node features</a:t>
-            </a:r>
-            <a:endParaRPr lang="tr-TR" dirty="0"/>
-          </a:p>
-        </p:txBody>
-      </p:sp>
-      <mc:AlternateContent xmlns:mc="http://schemas.openxmlformats.org/markup-compatibility/2006" xmlns:a14="http://schemas.microsoft.com/office/drawing/2010/main">
-        <mc:Choice Requires="a14">
-          <p:sp>
-            <p:nvSpPr>
-              <p:cNvPr id="10" name="Metin kutusu 9">
-                <a:extLst>
-                  <a:ext uri="{FF2B5EF4-FFF2-40B4-BE49-F238E27FC236}">
-                    <a16:creationId xmlns:a16="http://schemas.microsoft.com/office/drawing/2014/main" id="{2D5C362C-50C0-C393-2D69-11AECF3348E8}"/>
-                  </a:ext>
-                </a:extLst>
-              </p:cNvPr>
-              <p:cNvSpPr txBox="1"/>
-              <p:nvPr/>
-            </p:nvSpPr>
-            <p:spPr>
-              <a:xfrm>
-                <a:off x="2697150" y="4457797"/>
-                <a:ext cx="7681945" cy="379784"/>
-              </a:xfrm>
-              <a:prstGeom prst="rect">
-                <a:avLst/>
-              </a:prstGeom>
-              <a:noFill/>
-            </p:spPr>
-            <p:txBody>
-              <a:bodyPr wrap="square">
-                <a:spAutoFit/>
-              </a:bodyPr>
-              <a:lstStyle/>
-              <a:p>
-                <a:pPr marL="285750" indent="-285750">
-                  <a:buFont typeface="Arial" panose="020B0604020202020204" pitchFamily="34" charset="0"/>
-                  <a:buChar char="•"/>
-                </a:pPr>
-                <a:r>
-                  <a:rPr lang="en-US" b="1" dirty="0"/>
-                  <a:t>v</a:t>
-                </a:r>
-                <a:r>
-                  <a:rPr lang="en-US" sz="1050" b="1" dirty="0"/>
-                  <a:t>i</a:t>
-                </a:r>
-                <a:r>
-                  <a:rPr lang="tr-TR" sz="1050" b="1" dirty="0"/>
-                  <a:t> </a:t>
-                </a:r>
-                <a:r>
-                  <a:rPr lang="en-US" b="1" dirty="0"/>
-                  <a:t>∈ </a:t>
-                </a:r>
-                <a14:m>
-                  <m:oMath xmlns:m="http://schemas.openxmlformats.org/officeDocument/2006/math">
-                    <m:sSup>
-                      <m:sSupPr>
-                        <m:ctrlPr>
-                          <a:rPr lang="en-US" b="1" i="1" dirty="0" smtClean="0">
-                            <a:solidFill>
-                              <a:srgbClr val="836967"/>
-                            </a:solidFill>
-                            <a:latin typeface="Cambria Math" panose="02040503050406030204" pitchFamily="18" charset="0"/>
-                          </a:rPr>
-                        </m:ctrlPr>
-                      </m:sSupPr>
-                      <m:e>
-                        <m:r>
-                          <a:rPr lang="en-US" b="1" i="1" dirty="0">
-                            <a:latin typeface="Cambria Math" panose="02040503050406030204" pitchFamily="18" charset="0"/>
-                          </a:rPr>
-                          <m:t>𝑹</m:t>
-                        </m:r>
-                      </m:e>
-                      <m:sup>
-                        <m:r>
-                          <a:rPr lang="en-US" b="1" i="0" dirty="0">
-                            <a:latin typeface="Cambria Math" panose="02040503050406030204" pitchFamily="18" charset="0"/>
-                          </a:rPr>
-                          <m:t>ⅆ</m:t>
-                        </m:r>
-                        <m:r>
-                          <a:rPr lang="en-US" b="1" i="1" dirty="0">
-                            <a:latin typeface="Cambria Math" panose="02040503050406030204" pitchFamily="18" charset="0"/>
-                          </a:rPr>
-                          <m:t>𝒖</m:t>
-                        </m:r>
-                      </m:sup>
-                    </m:sSup>
-                  </m:oMath>
-                </a14:m>
-                <a:r>
-                  <a:rPr lang="en-US" dirty="0"/>
-                  <a:t> is the feature vector for the node </a:t>
-                </a:r>
-                <a:r>
-                  <a:rPr lang="en-US" dirty="0" err="1"/>
-                  <a:t>i</a:t>
-                </a:r>
-                <a:endParaRPr lang="tr-TR" dirty="0"/>
-              </a:p>
-            </p:txBody>
-          </p:sp>
-        </mc:Choice>
-        <mc:Fallback xmlns="">
-          <p:sp>
-            <p:nvSpPr>
-              <p:cNvPr id="10" name="Metin kutusu 9">
-                <a:extLst>
-                  <a:ext uri="{FF2B5EF4-FFF2-40B4-BE49-F238E27FC236}">
-                    <a16:creationId xmlns:a16="http://schemas.microsoft.com/office/drawing/2014/main" id="{2D5C362C-50C0-C393-2D69-11AECF3348E8}"/>
-                  </a:ext>
-                </a:extLst>
-              </p:cNvPr>
-              <p:cNvSpPr txBox="1">
-                <a:spLocks noRot="1" noChangeAspect="1" noMove="1" noResize="1" noEditPoints="1" noAdjustHandles="1" noChangeArrowheads="1" noChangeShapeType="1" noTextEdit="1"/>
-              </p:cNvSpPr>
-              <p:nvPr/>
-            </p:nvSpPr>
-            <p:spPr>
-              <a:xfrm>
-                <a:off x="2697150" y="4457797"/>
-                <a:ext cx="7681945" cy="379784"/>
-              </a:xfrm>
-              <a:prstGeom prst="rect">
-                <a:avLst/>
-              </a:prstGeom>
-              <a:blipFill>
-                <a:blip r:embed="rId3"/>
-                <a:stretch>
-                  <a:fillRect l="-476" t="-6349" b="-23810"/>
-                </a:stretch>
-              </a:blipFill>
-            </p:spPr>
-            <p:txBody>
-              <a:bodyPr/>
-              <a:lstStyle/>
-              <a:p>
-                <a:r>
-                  <a:rPr lang="tr-TR">
-                    <a:noFill/>
-                  </a:rPr>
-                  <a:t> </a:t>
-                </a:r>
-              </a:p>
-            </p:txBody>
-          </p:sp>
-        </mc:Fallback>
-      </mc:AlternateContent>
-      <p:sp>
-        <p:nvSpPr>
-          <p:cNvPr id="13" name="Metin kutusu 12">
-            <a:extLst>
-              <a:ext uri="{FF2B5EF4-FFF2-40B4-BE49-F238E27FC236}">
-                <a16:creationId xmlns:a16="http://schemas.microsoft.com/office/drawing/2014/main" id="{7A5A2F7A-042F-BF3F-084F-8566D9D025A8}"/>
-              </a:ext>
-            </a:extLst>
-          </p:cNvPr>
-          <p:cNvSpPr txBox="1"/>
-          <p:nvPr/>
-        </p:nvSpPr>
-        <p:spPr>
-          <a:xfrm>
-            <a:off x="2697150" y="5009111"/>
-            <a:ext cx="6094902" cy="369332"/>
-          </a:xfrm>
-          <a:prstGeom prst="rect">
-            <a:avLst/>
-          </a:prstGeom>
-          <a:noFill/>
-        </p:spPr>
-        <p:txBody>
-          <a:bodyPr wrap="square">
-            <a:spAutoFit/>
-          </a:bodyPr>
-          <a:lstStyle/>
-          <a:p>
-            <a:pPr marL="285750" indent="-285750">
-              <a:buFont typeface="Arial" panose="020B0604020202020204" pitchFamily="34" charset="0"/>
-              <a:buChar char="•"/>
-            </a:pPr>
-            <a:r>
-              <a:rPr lang="en-US" b="1" dirty="0"/>
-              <a:t>E = {(e</a:t>
-            </a:r>
-            <a:r>
-              <a:rPr lang="en-US" sz="1100" b="1" dirty="0"/>
-              <a:t>k</a:t>
-            </a:r>
-            <a:r>
-              <a:rPr lang="en-US" b="1" dirty="0"/>
-              <a:t>, </a:t>
-            </a:r>
-            <a:r>
-              <a:rPr lang="en-US" b="1" dirty="0" err="1"/>
-              <a:t>r</a:t>
-            </a:r>
-            <a:r>
-              <a:rPr lang="en-US" sz="900" b="1" dirty="0" err="1"/>
-              <a:t>k</a:t>
-            </a:r>
-            <a:r>
-              <a:rPr lang="en-US" b="1" dirty="0"/>
-              <a:t>, </a:t>
-            </a:r>
-            <a:r>
-              <a:rPr lang="en-US" b="1" dirty="0" err="1"/>
-              <a:t>s</a:t>
-            </a:r>
-            <a:r>
-              <a:rPr lang="en-US" sz="1050" b="1" dirty="0" err="1"/>
-              <a:t>k</a:t>
-            </a:r>
-            <a:r>
-              <a:rPr lang="en-US" b="1" dirty="0"/>
-              <a:t>)}</a:t>
-            </a:r>
-            <a:r>
-              <a:rPr lang="tr-TR" b="1" dirty="0"/>
-              <a:t> </a:t>
-            </a:r>
-            <a:r>
-              <a:rPr lang="en-US" sz="1100" b="1" dirty="0"/>
-              <a:t>k=1:m </a:t>
-            </a:r>
-            <a:r>
-              <a:rPr lang="tr-TR" sz="1100" b="1" dirty="0"/>
-              <a:t> </a:t>
-            </a:r>
-            <a:r>
-              <a:rPr lang="en-US" dirty="0"/>
-              <a:t>is the set of edges</a:t>
-            </a:r>
-            <a:endParaRPr lang="tr-TR" dirty="0"/>
-          </a:p>
-        </p:txBody>
-      </p:sp>
-      <p:sp>
-        <p:nvSpPr>
-          <p:cNvPr id="11" name="Metin kutusu 10">
-            <a:extLst>
-              <a:ext uri="{FF2B5EF4-FFF2-40B4-BE49-F238E27FC236}">
-                <a16:creationId xmlns:a16="http://schemas.microsoft.com/office/drawing/2014/main" id="{D12F0F6F-6E16-C787-2CDF-F9BCFA2B45F7}"/>
-              </a:ext>
-            </a:extLst>
-          </p:cNvPr>
-          <p:cNvSpPr txBox="1"/>
-          <p:nvPr/>
-        </p:nvSpPr>
-        <p:spPr>
-          <a:xfrm>
-            <a:off x="2697149" y="5535600"/>
-            <a:ext cx="8820399" cy="646331"/>
-          </a:xfrm>
-          <a:prstGeom prst="rect">
-            <a:avLst/>
-          </a:prstGeom>
-          <a:noFill/>
-        </p:spPr>
-        <p:txBody>
-          <a:bodyPr wrap="square">
-            <a:spAutoFit/>
-          </a:bodyPr>
-          <a:lstStyle/>
-          <a:p>
-            <a:pPr marL="285750" indent="-285750">
-              <a:buFont typeface="Arial" panose="020B0604020202020204" pitchFamily="34" charset="0"/>
-              <a:buChar char="•"/>
-            </a:pPr>
-            <a:r>
-              <a:rPr lang="tr-TR" b="1" dirty="0"/>
-              <a:t>P</a:t>
-            </a:r>
-            <a:r>
-              <a:rPr lang="en-US" b="1" dirty="0"/>
-              <a:t> = {r</a:t>
-            </a:r>
-            <a:r>
-              <a:rPr lang="tr-TR" sz="900" b="1" dirty="0"/>
-              <a:t>h</a:t>
-            </a:r>
-            <a:r>
-              <a:rPr lang="en-US" b="1" dirty="0"/>
-              <a:t>}</a:t>
-            </a:r>
-            <a:r>
-              <a:rPr lang="tr-TR" b="1" dirty="0"/>
-              <a:t> </a:t>
-            </a:r>
-            <a:r>
-              <a:rPr lang="tr-TR" sz="1100" b="1" dirty="0"/>
-              <a:t>h</a:t>
-            </a:r>
-            <a:r>
-              <a:rPr lang="en-US" sz="1100" b="1" dirty="0"/>
-              <a:t>=1:</a:t>
-            </a:r>
-            <a:r>
-              <a:rPr lang="tr-TR" sz="1100" b="1" dirty="0"/>
-              <a:t>n</a:t>
-            </a:r>
-            <a:r>
-              <a:rPr lang="en-US" sz="1100" b="1" dirty="0"/>
-              <a:t> </a:t>
-            </a:r>
-            <a:r>
-              <a:rPr lang="tr-TR" sz="1100" b="1" dirty="0"/>
-              <a:t> </a:t>
-            </a:r>
-            <a:r>
-              <a:rPr lang="en-US" dirty="0"/>
-              <a:t>is the set of 3D Cartesian coordinates that contains 3D spatial information for each node</a:t>
-            </a:r>
-            <a:endParaRPr lang="tr-TR" dirty="0"/>
-          </a:p>
-        </p:txBody>
-      </p:sp>
-      <p:sp>
-        <p:nvSpPr>
           <p:cNvPr id="2" name="Slayt Numarası Yer Tutucusu 1">
             <a:extLst>
               <a:ext uri="{FF2B5EF4-FFF2-40B4-BE49-F238E27FC236}">
                 <a16:creationId xmlns:a16="http://schemas.microsoft.com/office/drawing/2014/main" id="{E0CD4696-13C1-1189-A69D-CA6E4CFCFA2E}"/>
-              </a:ext>
-            </a:extLst>
-          </p:cNvPr>
-          <p:cNvSpPr>
-            <a:spLocks noGrp="1"/>
-          </p:cNvSpPr>
-          <p:nvPr>
-            <p:ph type="sldNum" sz="quarter" idx="12"/>
-          </p:nvPr>
-        </p:nvSpPr>
-        <p:spPr/>
-        <p:txBody>
-          <a:bodyPr/>
-          <a:lstStyle/>
-          <a:p>
-            <a:fld id="{5EE8CF1A-B538-4EC4-8C50-33108C61C811}" type="slidenum">
-              <a:rPr lang="tr-TR" smtClean="0"/>
-              <a:t>18</a:t>
-            </a:fld>
-            <a:endParaRPr lang="tr-TR"/>
-          </a:p>
-        </p:txBody>
-      </p:sp>
-    </p:spTree>
-    <p:extLst>
-      <p:ext uri="{BB962C8B-B14F-4D97-AF65-F5344CB8AC3E}">
-        <p14:creationId xmlns:p14="http://schemas.microsoft.com/office/powerpoint/2010/main" val="3181824505"/>
-      </p:ext>
-    </p:extLst>
-  </p:cSld>
-  <p:clrMapOvr>
-    <a:masterClrMapping/>
-  </p:clrMapOvr>
-</p:sld>
-</file>
-
-<file path=ppt/slides/slide19.xml><?xml version="1.0" encoding="utf-8"?>
-<p:sld xmlns:a="http://schemas.openxmlformats.org/drawingml/2006/main" xmlns:r="http://schemas.openxmlformats.org/officeDocument/2006/relationships" xmlns:p="http://schemas.openxmlformats.org/presentationml/2006/main">
-  <p:cSld>
-    <p:spTree>
-      <p:nvGrpSpPr>
-        <p:cNvPr id="1" name=""/>
-        <p:cNvGrpSpPr/>
-        <p:nvPr/>
-      </p:nvGrpSpPr>
-      <p:grpSpPr>
-        <a:xfrm>
-          <a:off x="0" y="0"/>
-          <a:ext cx="0" cy="0"/>
-          <a:chOff x="0" y="0"/>
-          <a:chExt cx="0" cy="0"/>
-        </a:xfrm>
-      </p:grpSpPr>
-      <p:sp>
-        <p:nvSpPr>
-          <p:cNvPr id="5" name="Dikdörtgen 4">
-            <a:extLst>
-              <a:ext uri="{FF2B5EF4-FFF2-40B4-BE49-F238E27FC236}">
-                <a16:creationId xmlns:a16="http://schemas.microsoft.com/office/drawing/2014/main" id="{16E039EC-603A-7D16-08EC-04FA90A67FCB}"/>
-              </a:ext>
-            </a:extLst>
-          </p:cNvPr>
-          <p:cNvSpPr/>
-          <p:nvPr/>
-        </p:nvSpPr>
-        <p:spPr>
-          <a:xfrm>
-            <a:off x="307132" y="118413"/>
-            <a:ext cx="8946423" cy="707886"/>
-          </a:xfrm>
-          <a:prstGeom prst="rect">
-            <a:avLst/>
-          </a:prstGeom>
-          <a:noFill/>
-        </p:spPr>
-        <p:txBody>
-          <a:bodyPr wrap="none" lIns="91440" tIns="45720" rIns="91440" bIns="45720">
-            <a:spAutoFit/>
-          </a:bodyPr>
-          <a:lstStyle/>
-          <a:p>
-            <a:pPr algn="ctr"/>
-            <a:r>
-              <a:rPr lang="tr-TR" sz="4000" b="0" cap="none" spc="0" dirty="0">
-                <a:ln w="0"/>
-                <a:solidFill>
-                  <a:schemeClr val="accent1"/>
-                </a:solidFill>
-                <a:effectLst>
-                  <a:outerShdw blurRad="38100" dist="25400" dir="5400000" algn="ctr" rotWithShape="0">
-                    <a:srgbClr val="6E747A">
-                      <a:alpha val="43000"/>
-                    </a:srgbClr>
-                  </a:outerShdw>
-                </a:effectLst>
-              </a:rPr>
-              <a:t>A</a:t>
-            </a:r>
-            <a:r>
-              <a:rPr lang="en-US" sz="4000" b="0" cap="none" spc="0" dirty="0">
-                <a:ln w="0"/>
-                <a:solidFill>
-                  <a:schemeClr val="accent1"/>
-                </a:solidFill>
-                <a:effectLst>
-                  <a:outerShdw blurRad="38100" dist="25400" dir="5400000" algn="ctr" rotWithShape="0">
-                    <a:srgbClr val="6E747A">
-                      <a:alpha val="43000"/>
-                    </a:srgbClr>
-                  </a:outerShdw>
-                </a:effectLst>
-              </a:rPr>
-              <a:t> Generic Framework for 3D Graphs</a:t>
-            </a:r>
-            <a:endParaRPr lang="tr-TR" sz="4000" b="0" cap="none" spc="0" dirty="0">
-              <a:ln w="0"/>
-              <a:solidFill>
-                <a:schemeClr val="accent1"/>
-              </a:solidFill>
-              <a:effectLst>
-                <a:outerShdw blurRad="38100" dist="25400" dir="5400000" algn="ctr" rotWithShape="0">
-                  <a:srgbClr val="6E747A">
-                    <a:alpha val="43000"/>
-                  </a:srgbClr>
-                </a:outerShdw>
-              </a:effectLst>
-            </a:endParaRPr>
-          </a:p>
-        </p:txBody>
-      </p:sp>
-      <p:pic>
-        <p:nvPicPr>
-          <p:cNvPr id="11" name="Resim 10">
-            <a:extLst>
-              <a:ext uri="{FF2B5EF4-FFF2-40B4-BE49-F238E27FC236}">
-                <a16:creationId xmlns:a16="http://schemas.microsoft.com/office/drawing/2014/main" id="{F7405CE5-3F45-93E7-467A-D86F38586A28}"/>
-              </a:ext>
-            </a:extLst>
-          </p:cNvPr>
-          <p:cNvPicPr>
-            <a:picLocks noChangeAspect="1"/>
-          </p:cNvPicPr>
-          <p:nvPr/>
-        </p:nvPicPr>
-        <p:blipFill>
-          <a:blip r:embed="rId2"/>
-          <a:stretch>
-            <a:fillRect/>
-          </a:stretch>
-        </p:blipFill>
-        <p:spPr>
-          <a:xfrm>
-            <a:off x="678593" y="2032529"/>
-            <a:ext cx="4343723" cy="3240277"/>
-          </a:xfrm>
-          <a:prstGeom prst="rect">
-            <a:avLst/>
-          </a:prstGeom>
-        </p:spPr>
-      </p:pic>
-      <p:sp>
-        <p:nvSpPr>
-          <p:cNvPr id="7" name="Metin kutusu 6">
-            <a:extLst>
-              <a:ext uri="{FF2B5EF4-FFF2-40B4-BE49-F238E27FC236}">
-                <a16:creationId xmlns:a16="http://schemas.microsoft.com/office/drawing/2014/main" id="{C11FEC4F-A7A4-AE27-6850-5D7B3A18F6F4}"/>
-              </a:ext>
-            </a:extLst>
-          </p:cNvPr>
-          <p:cNvSpPr txBox="1"/>
-          <p:nvPr/>
-        </p:nvSpPr>
-        <p:spPr>
-          <a:xfrm>
-            <a:off x="5546634" y="4066576"/>
-            <a:ext cx="6094378" cy="1754326"/>
-          </a:xfrm>
-          <a:prstGeom prst="rect">
-            <a:avLst/>
-          </a:prstGeom>
-          <a:noFill/>
-        </p:spPr>
-        <p:txBody>
-          <a:bodyPr wrap="square">
-            <a:spAutoFit/>
-          </a:bodyPr>
-          <a:lstStyle/>
-          <a:p>
-            <a:pPr algn="just"/>
-            <a:r>
-              <a:rPr lang="en-US" dirty="0"/>
-              <a:t>The used functions include a set</a:t>
-            </a:r>
-            <a:r>
-              <a:rPr lang="tr-TR" dirty="0"/>
-              <a:t> </a:t>
-            </a:r>
-            <a:r>
-              <a:rPr lang="en-US" dirty="0"/>
-              <a:t>of φ functions and a set of ρ functions. Generally, the φ</a:t>
-            </a:r>
-            <a:r>
-              <a:rPr lang="tr-TR" dirty="0"/>
-              <a:t> </a:t>
-            </a:r>
-            <a:r>
-              <a:rPr lang="en-US" dirty="0"/>
-              <a:t>functions are applied to nodes, edges, or the whole</a:t>
-            </a:r>
-            <a:r>
-              <a:rPr lang="tr-TR" dirty="0"/>
-              <a:t> </a:t>
-            </a:r>
-            <a:r>
-              <a:rPr lang="en-US" dirty="0"/>
-              <a:t>graph</a:t>
-            </a:r>
-            <a:r>
-              <a:rPr lang="tr-TR" dirty="0"/>
-              <a:t> </a:t>
-            </a:r>
-            <a:r>
-              <a:rPr lang="en-US" dirty="0"/>
-              <a:t>as information update functions for the corresponding geometries, while the ρ functions are used to </a:t>
-            </a:r>
-            <a:r>
-              <a:rPr lang="en-US" b="1" dirty="0"/>
-              <a:t>aggregate</a:t>
-            </a:r>
-            <a:r>
-              <a:rPr lang="en-US" dirty="0"/>
-              <a:t> information from one type of geometry to another</a:t>
-            </a:r>
-            <a:r>
-              <a:rPr lang="tr-TR" dirty="0"/>
-              <a:t>.</a:t>
-            </a:r>
-          </a:p>
-        </p:txBody>
-      </p:sp>
-      <p:pic>
-        <p:nvPicPr>
-          <p:cNvPr id="4" name="Resim 3">
-            <a:extLst>
-              <a:ext uri="{FF2B5EF4-FFF2-40B4-BE49-F238E27FC236}">
-                <a16:creationId xmlns:a16="http://schemas.microsoft.com/office/drawing/2014/main" id="{F48D7CE8-F85F-24EA-1D79-2C3077884335}"/>
-              </a:ext>
-            </a:extLst>
-          </p:cNvPr>
-          <p:cNvPicPr>
-            <a:picLocks noChangeAspect="1"/>
-          </p:cNvPicPr>
-          <p:nvPr/>
-        </p:nvPicPr>
-        <p:blipFill>
-          <a:blip r:embed="rId3"/>
-          <a:stretch>
-            <a:fillRect/>
-          </a:stretch>
-        </p:blipFill>
-        <p:spPr>
-          <a:xfrm>
-            <a:off x="4883284" y="1049095"/>
-            <a:ext cx="7125713" cy="2794684"/>
-          </a:xfrm>
-          <a:prstGeom prst="rect">
-            <a:avLst/>
-          </a:prstGeom>
-        </p:spPr>
-      </p:pic>
-      <p:sp>
-        <p:nvSpPr>
-          <p:cNvPr id="2" name="Slayt Numarası Yer Tutucusu 1">
-            <a:extLst>
-              <a:ext uri="{FF2B5EF4-FFF2-40B4-BE49-F238E27FC236}">
-                <a16:creationId xmlns:a16="http://schemas.microsoft.com/office/drawing/2014/main" id="{C946E06D-3AE6-34EA-C31B-B28DD8E45F34}"/>
               </a:ext>
             </a:extLst>
           </p:cNvPr>
@@ -22558,10 +22456,40 @@
           </a:p>
         </p:txBody>
       </p:sp>
+      <p:pic>
+        <p:nvPicPr>
+          <p:cNvPr id="14" name="Resim 13">
+            <a:extLst>
+              <a:ext uri="{FF2B5EF4-FFF2-40B4-BE49-F238E27FC236}">
+                <a16:creationId xmlns:a16="http://schemas.microsoft.com/office/drawing/2014/main" id="{C4B40AEC-E17F-33B3-A573-E38C468943C3}"/>
+              </a:ext>
+            </a:extLst>
+          </p:cNvPr>
+          <p:cNvPicPr>
+            <a:picLocks noChangeAspect="1"/>
+          </p:cNvPicPr>
+          <p:nvPr/>
+        </p:nvPicPr>
+        <p:blipFill>
+          <a:blip r:embed="rId3"/>
+          <a:stretch>
+            <a:fillRect/>
+          </a:stretch>
+        </p:blipFill>
+        <p:spPr>
+          <a:xfrm>
+            <a:off x="1865888" y="1832952"/>
+            <a:ext cx="8139007" cy="3192095"/>
+          </a:xfrm>
+          <a:prstGeom prst="rect">
+            <a:avLst/>
+          </a:prstGeom>
+        </p:spPr>
+      </p:pic>
     </p:spTree>
     <p:extLst>
       <p:ext uri="{BB962C8B-B14F-4D97-AF65-F5344CB8AC3E}">
-        <p14:creationId xmlns:p14="http://schemas.microsoft.com/office/powerpoint/2010/main" val="4267110637"/>
+        <p14:creationId xmlns:p14="http://schemas.microsoft.com/office/powerpoint/2010/main" val="3181824505"/>
       </p:ext>
     </p:extLst>
   </p:cSld>
@@ -23020,10 +22948,10 @@
       </p:sp>
       <p:pic>
         <p:nvPicPr>
-          <p:cNvPr id="3" name="Resim 2">
+          <p:cNvPr id="11" name="Resim 10">
             <a:extLst>
               <a:ext uri="{FF2B5EF4-FFF2-40B4-BE49-F238E27FC236}">
-                <a16:creationId xmlns:a16="http://schemas.microsoft.com/office/drawing/2014/main" id="{1C06863A-5132-D8E5-A33A-8772EC407486}"/>
+                <a16:creationId xmlns:a16="http://schemas.microsoft.com/office/drawing/2014/main" id="{F7405CE5-3F45-93E7-467A-D86F38586A28}"/>
               </a:ext>
             </a:extLst>
           </p:cNvPr>
@@ -23040,8 +22968,8 @@
         </p:blipFill>
         <p:spPr>
           <a:xfrm>
-            <a:off x="5530248" y="1443850"/>
-            <a:ext cx="6866032" cy="3106515"/>
+            <a:off x="802208" y="2032529"/>
+            <a:ext cx="4343723" cy="3240277"/>
           </a:xfrm>
           <a:prstGeom prst="rect">
             <a:avLst/>
@@ -23050,10 +22978,10 @@
       </p:pic>
       <p:pic>
         <p:nvPicPr>
-          <p:cNvPr id="14" name="Resim 13">
+          <p:cNvPr id="4" name="Resim 3">
             <a:extLst>
               <a:ext uri="{FF2B5EF4-FFF2-40B4-BE49-F238E27FC236}">
-                <a16:creationId xmlns:a16="http://schemas.microsoft.com/office/drawing/2014/main" id="{67244CBE-ED90-88B7-0BCD-4DAA10A13FA2}"/>
+                <a16:creationId xmlns:a16="http://schemas.microsoft.com/office/drawing/2014/main" id="{F48D7CE8-F85F-24EA-1D79-2C3077884335}"/>
               </a:ext>
             </a:extLst>
           </p:cNvPr>
@@ -23070,8 +22998,8 @@
         </p:blipFill>
         <p:spPr>
           <a:xfrm>
-            <a:off x="307132" y="1599001"/>
-            <a:ext cx="4878658" cy="2827083"/>
+            <a:off x="5145931" y="2478122"/>
+            <a:ext cx="7125713" cy="2794684"/>
           </a:xfrm>
           <a:prstGeom prst="rect">
             <a:avLst/>
@@ -23080,103 +23008,10 @@
       </p:pic>
       <p:sp>
         <p:nvSpPr>
-          <p:cNvPr id="7" name="Metin kutusu 6">
+          <p:cNvPr id="2" name="Slayt Numarası Yer Tutucusu 1">
             <a:extLst>
               <a:ext uri="{FF2B5EF4-FFF2-40B4-BE49-F238E27FC236}">
-                <a16:creationId xmlns:a16="http://schemas.microsoft.com/office/drawing/2014/main" id="{C11FEC4F-A7A4-AE27-6850-5D7B3A18F6F4}"/>
-              </a:ext>
-            </a:extLst>
-          </p:cNvPr>
-          <p:cNvSpPr txBox="1"/>
-          <p:nvPr/>
-        </p:nvSpPr>
-        <p:spPr>
-          <a:xfrm>
-            <a:off x="5762459" y="4273366"/>
-            <a:ext cx="5334911" cy="646331"/>
-          </a:xfrm>
-          <a:prstGeom prst="rect">
-            <a:avLst/>
-          </a:prstGeom>
-          <a:noFill/>
-        </p:spPr>
-        <p:txBody>
-          <a:bodyPr wrap="square">
-            <a:spAutoFit/>
-          </a:bodyPr>
-          <a:lstStyle/>
-          <a:p>
-            <a:pPr algn="just"/>
-            <a:r>
-              <a:rPr lang="tr-TR" dirty="0"/>
-              <a:t>T</a:t>
-            </a:r>
-            <a:r>
-              <a:rPr lang="en-US" dirty="0"/>
-              <a:t>he function φ e is applied to each edge k and outputs the updated edge vector e</a:t>
-            </a:r>
-            <a:r>
-              <a:rPr lang="tr-TR" dirty="0"/>
-              <a:t>’</a:t>
-            </a:r>
-            <a:r>
-              <a:rPr lang="en-US" sz="1100" dirty="0"/>
-              <a:t>k</a:t>
-            </a:r>
-            <a:r>
-              <a:rPr lang="en-US" dirty="0"/>
-              <a:t> .</a:t>
-            </a:r>
-            <a:endParaRPr lang="tr-TR" dirty="0"/>
-          </a:p>
-        </p:txBody>
-      </p:sp>
-      <p:sp>
-        <p:nvSpPr>
-          <p:cNvPr id="8" name="Metin kutusu 7">
-            <a:extLst>
-              <a:ext uri="{FF2B5EF4-FFF2-40B4-BE49-F238E27FC236}">
-                <a16:creationId xmlns:a16="http://schemas.microsoft.com/office/drawing/2014/main" id="{C189A51F-E2B9-1AB4-2F88-E46CEFC88B30}"/>
-              </a:ext>
-            </a:extLst>
-          </p:cNvPr>
-          <p:cNvSpPr txBox="1"/>
-          <p:nvPr/>
-        </p:nvSpPr>
-        <p:spPr>
-          <a:xfrm>
-            <a:off x="501243" y="4669319"/>
-            <a:ext cx="6094378" cy="369332"/>
-          </a:xfrm>
-          <a:prstGeom prst="rect">
-            <a:avLst/>
-          </a:prstGeom>
-          <a:noFill/>
-        </p:spPr>
-        <p:txBody>
-          <a:bodyPr wrap="square">
-            <a:spAutoFit/>
-          </a:bodyPr>
-          <a:lstStyle/>
-          <a:p>
-            <a:pPr marL="285750" indent="-285750">
-              <a:buFont typeface="Arial" panose="020B0604020202020204" pitchFamily="34" charset="0"/>
-              <a:buChar char="•"/>
-            </a:pPr>
-            <a:r>
-              <a:rPr lang="en-US" dirty="0"/>
-              <a:t>The indices of the input geometries</a:t>
-            </a:r>
-            <a:endParaRPr lang="tr-TR" dirty="0"/>
-          </a:p>
-        </p:txBody>
-      </p:sp>
-      <p:sp>
-        <p:nvSpPr>
-          <p:cNvPr id="2" name="Slayt Numarası Yer Tutucusu 1">
-            <a:extLst>
-              <a:ext uri="{FF2B5EF4-FFF2-40B4-BE49-F238E27FC236}">
-                <a16:creationId xmlns:a16="http://schemas.microsoft.com/office/drawing/2014/main" id="{7E95BEC7-9785-DC21-22F2-FAB7893AC9A5}"/>
+                <a16:creationId xmlns:a16="http://schemas.microsoft.com/office/drawing/2014/main" id="{C946E06D-3AE6-34EA-C31B-B28DD8E45F34}"/>
               </a:ext>
             </a:extLst>
           </p:cNvPr>
@@ -23203,7 +23038,7 @@
     </p:spTree>
     <p:extLst>
       <p:ext uri="{BB962C8B-B14F-4D97-AF65-F5344CB8AC3E}">
-        <p14:creationId xmlns:p14="http://schemas.microsoft.com/office/powerpoint/2010/main" val="1046106774"/>
+        <p14:creationId xmlns:p14="http://schemas.microsoft.com/office/powerpoint/2010/main" val="4267110637"/>
       </p:ext>
     </p:extLst>
   </p:cSld>
@@ -23309,10 +23144,10 @@
       </p:sp>
       <p:pic>
         <p:nvPicPr>
-          <p:cNvPr id="6" name="Resim 5">
+          <p:cNvPr id="3" name="Resim 2">
             <a:extLst>
               <a:ext uri="{FF2B5EF4-FFF2-40B4-BE49-F238E27FC236}">
-                <a16:creationId xmlns:a16="http://schemas.microsoft.com/office/drawing/2014/main" id="{CD8E767E-3378-1466-EB62-9AB295F2362B}"/>
+                <a16:creationId xmlns:a16="http://schemas.microsoft.com/office/drawing/2014/main" id="{1C06863A-5132-D8E5-A33A-8772EC407486}"/>
               </a:ext>
             </a:extLst>
           </p:cNvPr>
@@ -23329,445 +23164,20 @@
         </p:blipFill>
         <p:spPr>
           <a:xfrm>
-            <a:off x="2369396" y="1381734"/>
-            <a:ext cx="6718714" cy="1460590"/>
+            <a:off x="5530248" y="1443850"/>
+            <a:ext cx="6866032" cy="3106515"/>
           </a:xfrm>
           <a:prstGeom prst="rect">
             <a:avLst/>
           </a:prstGeom>
         </p:spPr>
       </p:pic>
-      <p:sp>
-        <p:nvSpPr>
-          <p:cNvPr id="2" name="Metin kutusu 1">
-            <a:extLst>
-              <a:ext uri="{FF2B5EF4-FFF2-40B4-BE49-F238E27FC236}">
-                <a16:creationId xmlns:a16="http://schemas.microsoft.com/office/drawing/2014/main" id="{5F3A2C3E-F826-F66D-1DBF-71E9A8AB5745}"/>
-              </a:ext>
-            </a:extLst>
-          </p:cNvPr>
-          <p:cNvSpPr txBox="1"/>
-          <p:nvPr/>
-        </p:nvSpPr>
-        <p:spPr>
-          <a:xfrm>
-            <a:off x="551234" y="3210129"/>
-            <a:ext cx="9863846" cy="3170099"/>
-          </a:xfrm>
-          <a:prstGeom prst="rect">
-            <a:avLst/>
-          </a:prstGeom>
-          <a:noFill/>
-        </p:spPr>
-        <p:txBody>
-          <a:bodyPr wrap="square" rtlCol="0">
-            <a:spAutoFit/>
-          </a:bodyPr>
-          <a:lstStyle/>
-          <a:p>
-            <a:pPr marL="285750" indent="-285750">
-              <a:buFont typeface="Arial" panose="020B0604020202020204" pitchFamily="34" charset="0"/>
-              <a:buChar char="•"/>
-            </a:pPr>
-            <a:r>
-              <a:rPr lang="tr-TR" sz="1800" dirty="0"/>
-              <a:t>e</a:t>
-            </a:r>
-            <a:r>
-              <a:rPr lang="tr-TR" sz="1100" dirty="0"/>
-              <a:t>k</a:t>
-            </a:r>
-            <a:r>
-              <a:rPr lang="tr-TR" sz="1800" dirty="0"/>
-              <a:t> = </a:t>
-            </a:r>
-            <a:r>
-              <a:rPr lang="tr-TR" dirty="0" err="1"/>
-              <a:t>old</a:t>
-            </a:r>
-            <a:r>
-              <a:rPr lang="tr-TR" dirty="0"/>
-              <a:t> </a:t>
-            </a:r>
-            <a:r>
-              <a:rPr lang="en-US" dirty="0"/>
-              <a:t>edge vector</a:t>
-            </a:r>
-            <a:endParaRPr lang="tr-TR" dirty="0"/>
-          </a:p>
-          <a:p>
-            <a:pPr marL="285750" indent="-285750">
-              <a:buFont typeface="Arial" panose="020B0604020202020204" pitchFamily="34" charset="0"/>
-              <a:buChar char="•"/>
-            </a:pPr>
-            <a:r>
-              <a:rPr lang="tr-TR" dirty="0"/>
-              <a:t>u = global </a:t>
-            </a:r>
-            <a:r>
-              <a:rPr lang="tr-TR" dirty="0" err="1"/>
-              <a:t>feature</a:t>
-            </a:r>
-            <a:r>
-              <a:rPr lang="tr-TR" dirty="0"/>
-              <a:t> </a:t>
-            </a:r>
-            <a:r>
-              <a:rPr lang="tr-TR" dirty="0" err="1"/>
-              <a:t>vector</a:t>
-            </a:r>
-            <a:endParaRPr lang="tr-TR" dirty="0"/>
-          </a:p>
-          <a:p>
-            <a:pPr marL="285750" indent="-285750">
-              <a:buFont typeface="Arial" panose="020B0604020202020204" pitchFamily="34" charset="0"/>
-              <a:buChar char="•"/>
-            </a:pPr>
-            <a:r>
-              <a:rPr lang="tr-TR" dirty="0" err="1"/>
-              <a:t>V</a:t>
-            </a:r>
-            <a:r>
-              <a:rPr lang="tr-TR" sz="1200" dirty="0" err="1"/>
-              <a:t>sk</a:t>
-            </a:r>
-            <a:r>
-              <a:rPr lang="tr-TR" dirty="0"/>
-              <a:t> = </a:t>
-            </a:r>
-            <a:r>
-              <a:rPr lang="tr-TR" dirty="0" err="1"/>
-              <a:t>the</a:t>
-            </a:r>
-            <a:r>
-              <a:rPr lang="tr-TR" dirty="0"/>
-              <a:t> </a:t>
-            </a:r>
-            <a:r>
-              <a:rPr lang="tr-TR" dirty="0" err="1"/>
-              <a:t>sender</a:t>
-            </a:r>
-            <a:r>
-              <a:rPr lang="tr-TR" dirty="0"/>
-              <a:t> </a:t>
-            </a:r>
-            <a:r>
-              <a:rPr lang="tr-TR" dirty="0" err="1"/>
-              <a:t>node</a:t>
-            </a:r>
-            <a:r>
-              <a:rPr lang="tr-TR" dirty="0"/>
-              <a:t> </a:t>
-            </a:r>
-            <a:r>
-              <a:rPr lang="tr-TR" dirty="0" err="1"/>
-              <a:t>vector</a:t>
-            </a:r>
-            <a:endParaRPr lang="tr-TR" dirty="0"/>
-          </a:p>
-          <a:p>
-            <a:pPr marL="285750" indent="-285750">
-              <a:buFont typeface="Arial" panose="020B0604020202020204" pitchFamily="34" charset="0"/>
-              <a:buChar char="•"/>
-            </a:pPr>
-            <a:r>
-              <a:rPr lang="tr-TR" dirty="0" err="1"/>
-              <a:t>V</a:t>
-            </a:r>
-            <a:r>
-              <a:rPr lang="tr-TR" sz="1200" dirty="0" err="1"/>
-              <a:t>rk</a:t>
-            </a:r>
-            <a:r>
-              <a:rPr lang="tr-TR" dirty="0"/>
-              <a:t> = </a:t>
-            </a:r>
-            <a:r>
-              <a:rPr lang="tr-TR" dirty="0" err="1"/>
-              <a:t>the</a:t>
-            </a:r>
-            <a:r>
-              <a:rPr lang="tr-TR" dirty="0"/>
-              <a:t> </a:t>
-            </a:r>
-            <a:r>
-              <a:rPr lang="tr-TR" dirty="0" err="1"/>
-              <a:t>receiver</a:t>
-            </a:r>
-            <a:r>
-              <a:rPr lang="tr-TR" dirty="0"/>
-              <a:t> </a:t>
-            </a:r>
-            <a:r>
-              <a:rPr lang="tr-TR" dirty="0" err="1"/>
-              <a:t>node</a:t>
-            </a:r>
-            <a:r>
-              <a:rPr lang="tr-TR" dirty="0"/>
-              <a:t> </a:t>
-            </a:r>
-            <a:r>
-              <a:rPr lang="tr-TR" dirty="0" err="1"/>
-              <a:t>vector</a:t>
-            </a:r>
-            <a:endParaRPr lang="tr-TR" dirty="0"/>
-          </a:p>
-          <a:p>
-            <a:pPr marL="285750" indent="-285750">
-              <a:buFont typeface="Arial" panose="020B0604020202020204" pitchFamily="34" charset="0"/>
-              <a:buChar char="•"/>
-            </a:pPr>
-            <a:r>
-              <a:rPr lang="tr-TR" dirty="0" err="1"/>
-              <a:t>E</a:t>
-            </a:r>
-            <a:r>
-              <a:rPr lang="tr-TR" sz="1200" dirty="0" err="1"/>
-              <a:t>sk</a:t>
-            </a:r>
-            <a:r>
-              <a:rPr lang="tr-TR" dirty="0"/>
-              <a:t> = </a:t>
-            </a:r>
-            <a:r>
-              <a:rPr lang="tr-TR" dirty="0" err="1"/>
-              <a:t>the</a:t>
-            </a:r>
-            <a:r>
-              <a:rPr lang="tr-TR" dirty="0"/>
-              <a:t> set of </a:t>
-            </a:r>
-            <a:r>
-              <a:rPr lang="tr-TR" dirty="0" err="1"/>
-              <a:t>edges</a:t>
-            </a:r>
-            <a:endParaRPr lang="tr-TR" dirty="0"/>
-          </a:p>
-          <a:p>
-            <a:pPr marL="342900" indent="-342900">
-              <a:buFont typeface="Arial" panose="020B0604020202020204" pitchFamily="34" charset="0"/>
-              <a:buChar char="•"/>
-            </a:pPr>
-            <a:r>
-              <a:rPr lang="tr-TR" sz="2000" dirty="0" err="1"/>
-              <a:t>s</a:t>
-            </a:r>
-            <a:r>
-              <a:rPr lang="tr-TR" sz="1400" dirty="0" err="1"/>
-              <a:t>k</a:t>
-            </a:r>
-            <a:r>
-              <a:rPr lang="tr-TR" dirty="0"/>
-              <a:t> = </a:t>
-            </a:r>
-            <a:r>
-              <a:rPr lang="en-US" dirty="0"/>
-              <a:t>that point to the node</a:t>
-            </a:r>
-            <a:endParaRPr lang="tr-TR" dirty="0"/>
-          </a:p>
-          <a:p>
-            <a:pPr marL="342900" indent="-342900">
-              <a:buFont typeface="Arial" panose="020B0604020202020204" pitchFamily="34" charset="0"/>
-              <a:buChar char="•"/>
-            </a:pPr>
-            <a:r>
-              <a:rPr lang="en-US" dirty="0"/>
-              <a:t>3D positional information for all the nodes connected by the edge k and edges in</a:t>
-            </a:r>
-            <a:r>
-              <a:rPr kumimoji="0" lang="tr-TR" sz="1800" b="0" i="0" u="none" strike="noStrike" kern="1200" cap="none" spc="0" normalizeH="0" baseline="0" noProof="0" dirty="0">
-                <a:ln>
-                  <a:noFill/>
-                </a:ln>
-                <a:solidFill>
-                  <a:prstClr val="black"/>
-                </a:solidFill>
-                <a:effectLst/>
-                <a:uLnTx/>
-                <a:uFillTx/>
-                <a:latin typeface="Rockwell" panose="02060603020205020403"/>
-                <a:ea typeface="+mn-ea"/>
-                <a:cs typeface="+mn-cs"/>
-              </a:rPr>
-              <a:t> </a:t>
-            </a:r>
-            <a:r>
-              <a:rPr kumimoji="0" lang="tr-TR" sz="1800" b="0" i="0" u="none" strike="noStrike" kern="1200" cap="none" spc="0" normalizeH="0" baseline="0" noProof="0" dirty="0" err="1">
-                <a:ln>
-                  <a:noFill/>
-                </a:ln>
-                <a:solidFill>
-                  <a:prstClr val="black"/>
-                </a:solidFill>
-                <a:effectLst/>
-                <a:uLnTx/>
-                <a:uFillTx/>
-                <a:latin typeface="Rockwell" panose="02060603020205020403"/>
-                <a:ea typeface="+mn-ea"/>
-                <a:cs typeface="+mn-cs"/>
-              </a:rPr>
-              <a:t>E</a:t>
-            </a:r>
-            <a:r>
-              <a:rPr kumimoji="0" lang="tr-TR" sz="1200" b="0" i="0" u="none" strike="noStrike" kern="1200" cap="none" spc="0" normalizeH="0" baseline="0" noProof="0" dirty="0" err="1">
-                <a:ln>
-                  <a:noFill/>
-                </a:ln>
-                <a:solidFill>
-                  <a:prstClr val="black"/>
-                </a:solidFill>
-                <a:effectLst/>
-                <a:uLnTx/>
-                <a:uFillTx/>
-                <a:latin typeface="Rockwell" panose="02060603020205020403"/>
-                <a:ea typeface="+mn-ea"/>
-                <a:cs typeface="+mn-cs"/>
-              </a:rPr>
-              <a:t>sk</a:t>
-            </a:r>
-            <a:r>
-              <a:rPr kumimoji="0" lang="tr-TR" sz="1200" b="0" i="0" u="none" strike="noStrike" kern="1200" cap="none" spc="0" normalizeH="0" baseline="0" noProof="0" dirty="0">
-                <a:ln>
-                  <a:noFill/>
-                </a:ln>
-                <a:solidFill>
-                  <a:prstClr val="black"/>
-                </a:solidFill>
-                <a:effectLst/>
-                <a:uLnTx/>
-                <a:uFillTx/>
-                <a:latin typeface="Rockwell" panose="02060603020205020403"/>
-                <a:ea typeface="+mn-ea"/>
-                <a:cs typeface="+mn-cs"/>
-              </a:rPr>
-              <a:t> </a:t>
-            </a:r>
-            <a:r>
-              <a:rPr lang="en-US" dirty="0"/>
-              <a:t>with the index set as </a:t>
-            </a:r>
-            <a:r>
-              <a:rPr lang="en-US" dirty="0" err="1"/>
-              <a:t>r</a:t>
-            </a:r>
-            <a:r>
-              <a:rPr lang="en-US" sz="1100" dirty="0" err="1"/>
-              <a:t>k</a:t>
-            </a:r>
-            <a:r>
-              <a:rPr lang="en-US" dirty="0"/>
-              <a:t> ∪ </a:t>
-            </a:r>
-            <a:r>
-              <a:rPr lang="en-US" dirty="0" err="1"/>
-              <a:t>s</a:t>
-            </a:r>
-            <a:r>
-              <a:rPr lang="en-US" sz="1400" dirty="0" err="1"/>
-              <a:t>k</a:t>
-            </a:r>
-            <a:r>
-              <a:rPr lang="en-US" dirty="0"/>
-              <a:t> ∪ N</a:t>
-            </a:r>
-            <a:r>
-              <a:rPr lang="tr-TR" sz="1600" dirty="0" err="1"/>
-              <a:t>s</a:t>
-            </a:r>
-            <a:r>
-              <a:rPr lang="tr-TR" sz="1100" dirty="0" err="1"/>
-              <a:t>k</a:t>
-            </a:r>
-            <a:r>
-              <a:rPr lang="tr-TR" dirty="0"/>
-              <a:t>   </a:t>
-            </a:r>
-          </a:p>
-          <a:p>
-            <a:pPr marL="342900" indent="-342900">
-              <a:buFont typeface="Arial" panose="020B0604020202020204" pitchFamily="34" charset="0"/>
-              <a:buChar char="•"/>
-            </a:pPr>
-            <a:r>
-              <a:rPr lang="tr-TR" dirty="0"/>
-              <a:t>            a</a:t>
-            </a:r>
-            <a:r>
-              <a:rPr lang="en-US" dirty="0" err="1"/>
-              <a:t>ggregates</a:t>
-            </a:r>
-            <a:r>
-              <a:rPr lang="en-US" dirty="0"/>
-              <a:t> 3D information from these nodes to update the edge k</a:t>
-            </a:r>
-            <a:endParaRPr lang="tr-TR" dirty="0"/>
-          </a:p>
-          <a:p>
-            <a:endParaRPr lang="tr-TR" dirty="0"/>
-          </a:p>
-          <a:p>
-            <a:pPr marL="342900" indent="-342900">
-              <a:buFont typeface="Arial" panose="020B0604020202020204" pitchFamily="34" charset="0"/>
-              <a:buChar char="•"/>
-            </a:pPr>
-            <a:r>
-              <a:rPr lang="tr-TR" dirty="0"/>
-              <a:t>           </a:t>
-            </a:r>
-            <a:r>
-              <a:rPr lang="en-US" dirty="0"/>
-              <a:t>is used for per-node update and generates the new node vector</a:t>
-            </a:r>
-            <a:r>
-              <a:rPr lang="tr-TR" dirty="0"/>
-              <a:t> </a:t>
-            </a:r>
-            <a:r>
-              <a:rPr lang="tr-TR" dirty="0" err="1"/>
-              <a:t>v’</a:t>
-            </a:r>
-            <a:r>
-              <a:rPr lang="tr-TR" sz="1200" dirty="0" err="1"/>
-              <a:t>i</a:t>
-            </a:r>
-            <a:r>
-              <a:rPr lang="tr-TR" sz="1200" dirty="0"/>
-              <a:t>  </a:t>
-            </a:r>
-            <a:r>
-              <a:rPr lang="tr-TR" dirty="0" err="1"/>
-              <a:t>for</a:t>
-            </a:r>
-            <a:r>
-              <a:rPr lang="tr-TR" dirty="0"/>
-              <a:t> </a:t>
-            </a:r>
-            <a:r>
-              <a:rPr lang="tr-TR" dirty="0" err="1"/>
-              <a:t>each</a:t>
-            </a:r>
-            <a:r>
-              <a:rPr lang="tr-TR" dirty="0"/>
-              <a:t> </a:t>
-            </a:r>
-            <a:r>
-              <a:rPr lang="tr-TR" dirty="0" err="1"/>
-              <a:t>node</a:t>
-            </a:r>
-            <a:r>
-              <a:rPr lang="tr-TR" dirty="0"/>
-              <a:t> i.</a:t>
-            </a:r>
-          </a:p>
-        </p:txBody>
-      </p:sp>
       <p:pic>
         <p:nvPicPr>
-          <p:cNvPr id="9" name="Resim 8">
+          <p:cNvPr id="14" name="Resim 13">
             <a:extLst>
               <a:ext uri="{FF2B5EF4-FFF2-40B4-BE49-F238E27FC236}">
-                <a16:creationId xmlns:a16="http://schemas.microsoft.com/office/drawing/2014/main" id="{FB2064D3-5C9E-1FDC-68A2-36E7173741A7}"/>
+                <a16:creationId xmlns:a16="http://schemas.microsoft.com/office/drawing/2014/main" id="{67244CBE-ED90-88B7-0BCD-4DAA10A13FA2}"/>
               </a:ext>
             </a:extLst>
           </p:cNvPr>
@@ -23784,38 +23194,8 @@
         </p:blipFill>
         <p:spPr>
           <a:xfrm>
-            <a:off x="872247" y="5551373"/>
-            <a:ext cx="762000" cy="352425"/>
-          </a:xfrm>
-          <a:prstGeom prst="rect">
-            <a:avLst/>
-          </a:prstGeom>
-        </p:spPr>
-      </p:pic>
-      <p:pic>
-        <p:nvPicPr>
-          <p:cNvPr id="11" name="Resim 10">
-            <a:extLst>
-              <a:ext uri="{FF2B5EF4-FFF2-40B4-BE49-F238E27FC236}">
-                <a16:creationId xmlns:a16="http://schemas.microsoft.com/office/drawing/2014/main" id="{97D27EF9-B8C2-D5E9-742A-D9E73FD48397}"/>
-              </a:ext>
-            </a:extLst>
-          </p:cNvPr>
-          <p:cNvPicPr>
-            <a:picLocks noChangeAspect="1"/>
-          </p:cNvPicPr>
-          <p:nvPr/>
-        </p:nvPicPr>
-        <p:blipFill>
-          <a:blip r:embed="rId5"/>
-          <a:stretch>
-            <a:fillRect/>
-          </a:stretch>
-        </p:blipFill>
-        <p:spPr>
-          <a:xfrm>
-            <a:off x="965673" y="5989703"/>
-            <a:ext cx="400050" cy="390525"/>
+            <a:off x="307132" y="1599001"/>
+            <a:ext cx="4878658" cy="2827083"/>
           </a:xfrm>
           <a:prstGeom prst="rect">
             <a:avLst/>
@@ -23824,10 +23204,103 @@
       </p:pic>
       <p:sp>
         <p:nvSpPr>
-          <p:cNvPr id="3" name="Slayt Numarası Yer Tutucusu 2">
+          <p:cNvPr id="7" name="Metin kutusu 6">
             <a:extLst>
               <a:ext uri="{FF2B5EF4-FFF2-40B4-BE49-F238E27FC236}">
-                <a16:creationId xmlns:a16="http://schemas.microsoft.com/office/drawing/2014/main" id="{1E727572-E67B-FC0D-A4D6-568BCFFEF348}"/>
+                <a16:creationId xmlns:a16="http://schemas.microsoft.com/office/drawing/2014/main" id="{C11FEC4F-A7A4-AE27-6850-5D7B3A18F6F4}"/>
+              </a:ext>
+            </a:extLst>
+          </p:cNvPr>
+          <p:cNvSpPr txBox="1"/>
+          <p:nvPr/>
+        </p:nvSpPr>
+        <p:spPr>
+          <a:xfrm>
+            <a:off x="5762459" y="4273366"/>
+            <a:ext cx="5334911" cy="646331"/>
+          </a:xfrm>
+          <a:prstGeom prst="rect">
+            <a:avLst/>
+          </a:prstGeom>
+          <a:noFill/>
+        </p:spPr>
+        <p:txBody>
+          <a:bodyPr wrap="square">
+            <a:spAutoFit/>
+          </a:bodyPr>
+          <a:lstStyle/>
+          <a:p>
+            <a:pPr algn="just"/>
+            <a:r>
+              <a:rPr lang="tr-TR" dirty="0"/>
+              <a:t>T</a:t>
+            </a:r>
+            <a:r>
+              <a:rPr lang="en-US" dirty="0"/>
+              <a:t>he function φ e is applied to each edge k and outputs the updated edge vector e</a:t>
+            </a:r>
+            <a:r>
+              <a:rPr lang="tr-TR" dirty="0"/>
+              <a:t>’</a:t>
+            </a:r>
+            <a:r>
+              <a:rPr lang="en-US" sz="1100" dirty="0"/>
+              <a:t>k</a:t>
+            </a:r>
+            <a:r>
+              <a:rPr lang="en-US" dirty="0"/>
+              <a:t> .</a:t>
+            </a:r>
+            <a:endParaRPr lang="tr-TR" dirty="0"/>
+          </a:p>
+        </p:txBody>
+      </p:sp>
+      <p:sp>
+        <p:nvSpPr>
+          <p:cNvPr id="8" name="Metin kutusu 7">
+            <a:extLst>
+              <a:ext uri="{FF2B5EF4-FFF2-40B4-BE49-F238E27FC236}">
+                <a16:creationId xmlns:a16="http://schemas.microsoft.com/office/drawing/2014/main" id="{C189A51F-E2B9-1AB4-2F88-E46CEFC88B30}"/>
+              </a:ext>
+            </a:extLst>
+          </p:cNvPr>
+          <p:cNvSpPr txBox="1"/>
+          <p:nvPr/>
+        </p:nvSpPr>
+        <p:spPr>
+          <a:xfrm>
+            <a:off x="501243" y="4669319"/>
+            <a:ext cx="6094378" cy="369332"/>
+          </a:xfrm>
+          <a:prstGeom prst="rect">
+            <a:avLst/>
+          </a:prstGeom>
+          <a:noFill/>
+        </p:spPr>
+        <p:txBody>
+          <a:bodyPr wrap="square">
+            <a:spAutoFit/>
+          </a:bodyPr>
+          <a:lstStyle/>
+          <a:p>
+            <a:pPr marL="285750" indent="-285750">
+              <a:buFont typeface="Arial" panose="020B0604020202020204" pitchFamily="34" charset="0"/>
+              <a:buChar char="•"/>
+            </a:pPr>
+            <a:r>
+              <a:rPr lang="en-US" dirty="0"/>
+              <a:t>The indices of the input geometries</a:t>
+            </a:r>
+            <a:endParaRPr lang="tr-TR" dirty="0"/>
+          </a:p>
+        </p:txBody>
+      </p:sp>
+      <p:sp>
+        <p:nvSpPr>
+          <p:cNvPr id="2" name="Slayt Numarası Yer Tutucusu 1">
+            <a:extLst>
+              <a:ext uri="{FF2B5EF4-FFF2-40B4-BE49-F238E27FC236}">
+                <a16:creationId xmlns:a16="http://schemas.microsoft.com/office/drawing/2014/main" id="{7E95BEC7-9785-DC21-22F2-FAB7893AC9A5}"/>
               </a:ext>
             </a:extLst>
           </p:cNvPr>
@@ -23854,7 +23327,7 @@
     </p:spTree>
     <p:extLst>
       <p:ext uri="{BB962C8B-B14F-4D97-AF65-F5344CB8AC3E}">
-        <p14:creationId xmlns:p14="http://schemas.microsoft.com/office/powerpoint/2010/main" val="601387146"/>
+        <p14:creationId xmlns:p14="http://schemas.microsoft.com/office/powerpoint/2010/main" val="1046106774"/>
       </p:ext>
     </p:extLst>
   </p:cSld>
@@ -23895,8 +23368,8 @@
         </p:nvSpPr>
         <p:spPr>
           <a:xfrm>
-            <a:off x="255840" y="59207"/>
-            <a:ext cx="6562374" cy="707886"/>
+            <a:off x="307132" y="118413"/>
+            <a:ext cx="8946423" cy="707886"/>
           </a:xfrm>
           <a:prstGeom prst="rect">
             <a:avLst/>
@@ -23911,7 +23384,7 @@
           <a:p>
             <a:pPr algn="ctr"/>
             <a:r>
-              <a:rPr lang="tr-TR" sz="4000" dirty="0" err="1">
+              <a:rPr lang="tr-TR" sz="4000" b="0" cap="none" spc="0" dirty="0">
                 <a:ln w="0"/>
                 <a:solidFill>
                   <a:schemeClr val="accent1"/>
@@ -23924,10 +23397,10 @@
                   </a:outerShdw>
                 </a:effectLst>
               </a:rPr>
-              <a:t>Spherical</a:t>
-            </a:r>
-            <a:r>
-              <a:rPr lang="tr-TR" sz="4000" dirty="0">
+              <a:t>A</a:t>
+            </a:r>
+            <a:r>
+              <a:rPr lang="en-US" sz="4000" b="0" cap="none" spc="0" dirty="0">
                 <a:ln w="0"/>
                 <a:solidFill>
                   <a:schemeClr val="accent1"/>
@@ -23940,23 +23413,7 @@
                   </a:outerShdw>
                 </a:effectLst>
               </a:rPr>
-              <a:t> Message </a:t>
-            </a:r>
-            <a:r>
-              <a:rPr lang="tr-TR" sz="4000" dirty="0" err="1">
-                <a:ln w="0"/>
-                <a:solidFill>
-                  <a:schemeClr val="accent1"/>
-                </a:solidFill>
-                <a:effectLst>
-                  <a:outerShdw blurRad="38100" dist="25400" dir="5400000" algn="ctr" rotWithShape="0">
-                    <a:srgbClr val="6E747A">
-                      <a:alpha val="43000"/>
-                    </a:srgbClr>
-                  </a:outerShdw>
-                </a:effectLst>
-              </a:rPr>
-              <a:t>Passing</a:t>
+              <a:t> Generic Framework for 3D Graphs</a:t>
             </a:r>
             <a:endParaRPr lang="tr-TR" sz="4000" b="0" cap="none" spc="0" dirty="0">
               <a:ln w="0"/>
@@ -23976,10 +23433,10 @@
       </p:sp>
       <p:pic>
         <p:nvPicPr>
-          <p:cNvPr id="3" name="Resim 2">
+          <p:cNvPr id="6" name="Resim 5">
             <a:extLst>
               <a:ext uri="{FF2B5EF4-FFF2-40B4-BE49-F238E27FC236}">
-                <a16:creationId xmlns:a16="http://schemas.microsoft.com/office/drawing/2014/main" id="{52B11E80-8A97-3D29-7447-EC2D915C7FC0}"/>
+                <a16:creationId xmlns:a16="http://schemas.microsoft.com/office/drawing/2014/main" id="{CD8E767E-3378-1466-EB62-9AB295F2362B}"/>
               </a:ext>
             </a:extLst>
           </p:cNvPr>
@@ -23989,15 +23446,15 @@
           <p:nvPr/>
         </p:nvPicPr>
         <p:blipFill>
-          <a:blip r:embed="rId2"/>
+          <a:blip r:embed="rId3"/>
           <a:stretch>
             <a:fillRect/>
           </a:stretch>
         </p:blipFill>
         <p:spPr>
           <a:xfrm>
-            <a:off x="739301" y="1077251"/>
-            <a:ext cx="10441021" cy="3269957"/>
+            <a:off x="2369396" y="1381734"/>
+            <a:ext cx="6718714" cy="1460590"/>
           </a:xfrm>
           <a:prstGeom prst="rect">
             <a:avLst/>
@@ -24006,10 +23463,10 @@
       </p:pic>
       <p:sp>
         <p:nvSpPr>
-          <p:cNvPr id="6" name="Metin kutusu 5">
+          <p:cNvPr id="2" name="Metin kutusu 1">
             <a:extLst>
               <a:ext uri="{FF2B5EF4-FFF2-40B4-BE49-F238E27FC236}">
-                <a16:creationId xmlns:a16="http://schemas.microsoft.com/office/drawing/2014/main" id="{5B0D5BDD-E099-8618-BDE8-28B39909E411}"/>
+                <a16:creationId xmlns:a16="http://schemas.microsoft.com/office/drawing/2014/main" id="{5F3A2C3E-F826-F66D-1DBF-71E9A8AB5745}"/>
               </a:ext>
             </a:extLst>
           </p:cNvPr>
@@ -24018,8 +23475,8 @@
         </p:nvSpPr>
         <p:spPr>
           <a:xfrm>
-            <a:off x="589739" y="4626000"/>
-            <a:ext cx="11012521" cy="923330"/>
+            <a:off x="551234" y="3210129"/>
+            <a:ext cx="9863846" cy="3170099"/>
           </a:xfrm>
           <a:prstGeom prst="rect">
             <a:avLst/>
@@ -24027,33 +23484,474 @@
           <a:noFill/>
         </p:spPr>
         <p:txBody>
-          <a:bodyPr wrap="square">
+          <a:bodyPr wrap="square" rtlCol="0">
             <a:spAutoFit/>
           </a:bodyPr>
           <a:lstStyle/>
           <a:p>
+            <a:pPr marL="285750" indent="-285750">
+              <a:buFont typeface="Arial" panose="020B0604020202020204" pitchFamily="34" charset="0"/>
+              <a:buChar char="•"/>
+            </a:pPr>
+            <a:r>
+              <a:rPr lang="tr-TR" sz="1800" dirty="0"/>
+              <a:t>e</a:t>
+            </a:r>
+            <a:r>
+              <a:rPr lang="tr-TR" sz="1100" dirty="0"/>
+              <a:t>k</a:t>
+            </a:r>
+            <a:r>
+              <a:rPr lang="tr-TR" sz="1800" dirty="0"/>
+              <a:t> = </a:t>
+            </a:r>
+            <a:r>
+              <a:rPr lang="tr-TR" dirty="0" err="1"/>
+              <a:t>old</a:t>
+            </a:r>
+            <a:r>
+              <a:rPr lang="tr-TR" dirty="0"/>
+              <a:t> </a:t>
+            </a:r>
             <a:r>
               <a:rPr lang="en-US" dirty="0"/>
-              <a:t>We first investigate the structure identification of 3D graphs in the spherical coordinate system. For any point in the SCS, its location is specified by a </a:t>
-            </a:r>
-            <a:r>
-              <a:rPr lang="en-US" b="1" dirty="0"/>
-              <a:t>3-tuple (d, θ, ϕ), </a:t>
+              <a:t>edge vector</a:t>
+            </a:r>
+            <a:endParaRPr lang="tr-TR" dirty="0"/>
+          </a:p>
+          <a:p>
+            <a:pPr marL="285750" indent="-285750">
+              <a:buFont typeface="Arial" panose="020B0604020202020204" pitchFamily="34" charset="0"/>
+              <a:buChar char="•"/>
+            </a:pPr>
+            <a:r>
+              <a:rPr lang="tr-TR" dirty="0"/>
+              <a:t>u = global </a:t>
+            </a:r>
+            <a:r>
+              <a:rPr lang="tr-TR" dirty="0" err="1"/>
+              <a:t>feature</a:t>
+            </a:r>
+            <a:r>
+              <a:rPr lang="tr-TR" dirty="0"/>
+              <a:t> </a:t>
+            </a:r>
+            <a:r>
+              <a:rPr lang="tr-TR" dirty="0" err="1"/>
+              <a:t>vector</a:t>
+            </a:r>
+            <a:endParaRPr lang="tr-TR" dirty="0"/>
+          </a:p>
+          <a:p>
+            <a:pPr marL="285750" indent="-285750">
+              <a:buFont typeface="Arial" panose="020B0604020202020204" pitchFamily="34" charset="0"/>
+              <a:buChar char="•"/>
+            </a:pPr>
+            <a:r>
+              <a:rPr lang="tr-TR" dirty="0" err="1"/>
+              <a:t>V</a:t>
+            </a:r>
+            <a:r>
+              <a:rPr lang="tr-TR" sz="1200" dirty="0" err="1"/>
+              <a:t>sk</a:t>
+            </a:r>
+            <a:r>
+              <a:rPr lang="tr-TR" dirty="0"/>
+              <a:t> = </a:t>
+            </a:r>
+            <a:r>
+              <a:rPr lang="tr-TR" dirty="0" err="1"/>
+              <a:t>the</a:t>
+            </a:r>
+            <a:r>
+              <a:rPr lang="tr-TR" dirty="0"/>
+              <a:t> </a:t>
+            </a:r>
+            <a:r>
+              <a:rPr lang="tr-TR" dirty="0" err="1"/>
+              <a:t>sender</a:t>
+            </a:r>
+            <a:r>
+              <a:rPr lang="tr-TR" dirty="0"/>
+              <a:t> </a:t>
+            </a:r>
+            <a:r>
+              <a:rPr lang="tr-TR" dirty="0" err="1"/>
+              <a:t>node</a:t>
+            </a:r>
+            <a:r>
+              <a:rPr lang="tr-TR" dirty="0"/>
+              <a:t> </a:t>
+            </a:r>
+            <a:r>
+              <a:rPr lang="tr-TR" dirty="0" err="1"/>
+              <a:t>vector</a:t>
+            </a:r>
+            <a:endParaRPr lang="tr-TR" dirty="0"/>
+          </a:p>
+          <a:p>
+            <a:pPr marL="285750" indent="-285750">
+              <a:buFont typeface="Arial" panose="020B0604020202020204" pitchFamily="34" charset="0"/>
+              <a:buChar char="•"/>
+            </a:pPr>
+            <a:r>
+              <a:rPr lang="tr-TR" dirty="0" err="1"/>
+              <a:t>V</a:t>
+            </a:r>
+            <a:r>
+              <a:rPr lang="tr-TR" sz="1200" dirty="0" err="1"/>
+              <a:t>rk</a:t>
+            </a:r>
+            <a:r>
+              <a:rPr lang="tr-TR" dirty="0"/>
+              <a:t> = </a:t>
+            </a:r>
+            <a:r>
+              <a:rPr lang="tr-TR" dirty="0" err="1"/>
+              <a:t>the</a:t>
+            </a:r>
+            <a:r>
+              <a:rPr lang="tr-TR" dirty="0"/>
+              <a:t> </a:t>
+            </a:r>
+            <a:r>
+              <a:rPr lang="tr-TR" dirty="0" err="1"/>
+              <a:t>receiver</a:t>
+            </a:r>
+            <a:r>
+              <a:rPr lang="tr-TR" dirty="0"/>
+              <a:t> </a:t>
+            </a:r>
+            <a:r>
+              <a:rPr lang="tr-TR" dirty="0" err="1"/>
+              <a:t>node</a:t>
+            </a:r>
+            <a:r>
+              <a:rPr lang="tr-TR" dirty="0"/>
+              <a:t> </a:t>
+            </a:r>
+            <a:r>
+              <a:rPr lang="tr-TR" dirty="0" err="1"/>
+              <a:t>vector</a:t>
+            </a:r>
+            <a:endParaRPr lang="tr-TR" dirty="0"/>
+          </a:p>
+          <a:p>
+            <a:pPr marL="285750" indent="-285750">
+              <a:buFont typeface="Arial" panose="020B0604020202020204" pitchFamily="34" charset="0"/>
+              <a:buChar char="•"/>
+            </a:pPr>
+            <a:r>
+              <a:rPr lang="tr-TR" dirty="0" err="1"/>
+              <a:t>E</a:t>
+            </a:r>
+            <a:r>
+              <a:rPr lang="tr-TR" sz="1200" dirty="0" err="1"/>
+              <a:t>sk</a:t>
+            </a:r>
+            <a:r>
+              <a:rPr lang="tr-TR" dirty="0"/>
+              <a:t> = </a:t>
+            </a:r>
+            <a:r>
+              <a:rPr lang="tr-TR" dirty="0" err="1"/>
+              <a:t>the</a:t>
+            </a:r>
+            <a:r>
+              <a:rPr lang="tr-TR" dirty="0"/>
+              <a:t> set of </a:t>
+            </a:r>
+            <a:r>
+              <a:rPr lang="tr-TR" dirty="0" err="1"/>
+              <a:t>edges</a:t>
+            </a:r>
+            <a:endParaRPr lang="tr-TR" dirty="0"/>
+          </a:p>
+          <a:p>
+            <a:pPr marL="342900" indent="-342900">
+              <a:buFont typeface="Arial" panose="020B0604020202020204" pitchFamily="34" charset="0"/>
+              <a:buChar char="•"/>
+            </a:pPr>
+            <a:r>
+              <a:rPr lang="tr-TR" sz="2000" dirty="0" err="1"/>
+              <a:t>s</a:t>
+            </a:r>
+            <a:r>
+              <a:rPr lang="tr-TR" sz="1400" dirty="0" err="1"/>
+              <a:t>k</a:t>
+            </a:r>
+            <a:r>
+              <a:rPr lang="tr-TR" dirty="0"/>
+              <a:t> = </a:t>
             </a:r>
             <a:r>
               <a:rPr lang="en-US" dirty="0"/>
-              <a:t>where d, θ, and ϕ denote the radial distance, polar angle, and the azimuthal angle, respectively.</a:t>
+              <a:t>that point to the node</a:t>
             </a:r>
             <a:endParaRPr lang="tr-TR" dirty="0"/>
+          </a:p>
+          <a:p>
+            <a:pPr marL="342900" indent="-342900">
+              <a:buFont typeface="Arial" panose="020B0604020202020204" pitchFamily="34" charset="0"/>
+              <a:buChar char="•"/>
+            </a:pPr>
+            <a:r>
+              <a:rPr lang="en-US" dirty="0"/>
+              <a:t>3D positional information for all the nodes connected by the edge k and edges in</a:t>
+            </a:r>
+            <a:r>
+              <a:rPr kumimoji="0" lang="tr-TR" sz="1800" b="0" i="0" u="none" strike="noStrike" kern="1200" cap="none" spc="0" normalizeH="0" baseline="0" noProof="0" dirty="0">
+                <a:ln>
+                  <a:noFill/>
+                </a:ln>
+                <a:solidFill>
+                  <a:prstClr val="black"/>
+                </a:solidFill>
+                <a:effectLst/>
+                <a:uLnTx/>
+                <a:uFillTx/>
+                <a:latin typeface="Rockwell" panose="02060603020205020403"/>
+                <a:ea typeface="+mn-ea"/>
+                <a:cs typeface="+mn-cs"/>
+              </a:rPr>
+              <a:t> </a:t>
+            </a:r>
+            <a:r>
+              <a:rPr kumimoji="0" lang="tr-TR" sz="1800" b="0" i="0" u="none" strike="noStrike" kern="1200" cap="none" spc="0" normalizeH="0" baseline="0" noProof="0" dirty="0" err="1">
+                <a:ln>
+                  <a:noFill/>
+                </a:ln>
+                <a:solidFill>
+                  <a:prstClr val="black"/>
+                </a:solidFill>
+                <a:effectLst/>
+                <a:uLnTx/>
+                <a:uFillTx/>
+                <a:latin typeface="Rockwell" panose="02060603020205020403"/>
+                <a:ea typeface="+mn-ea"/>
+                <a:cs typeface="+mn-cs"/>
+              </a:rPr>
+              <a:t>E</a:t>
+            </a:r>
+            <a:r>
+              <a:rPr kumimoji="0" lang="tr-TR" sz="1200" b="0" i="0" u="none" strike="noStrike" kern="1200" cap="none" spc="0" normalizeH="0" baseline="0" noProof="0" dirty="0" err="1">
+                <a:ln>
+                  <a:noFill/>
+                </a:ln>
+                <a:solidFill>
+                  <a:prstClr val="black"/>
+                </a:solidFill>
+                <a:effectLst/>
+                <a:uLnTx/>
+                <a:uFillTx/>
+                <a:latin typeface="Rockwell" panose="02060603020205020403"/>
+                <a:ea typeface="+mn-ea"/>
+                <a:cs typeface="+mn-cs"/>
+              </a:rPr>
+              <a:t>sk</a:t>
+            </a:r>
+            <a:r>
+              <a:rPr kumimoji="0" lang="tr-TR" sz="1200" b="0" i="0" u="none" strike="noStrike" kern="1200" cap="none" spc="0" normalizeH="0" baseline="0" noProof="0" dirty="0">
+                <a:ln>
+                  <a:noFill/>
+                </a:ln>
+                <a:solidFill>
+                  <a:prstClr val="black"/>
+                </a:solidFill>
+                <a:effectLst/>
+                <a:uLnTx/>
+                <a:uFillTx/>
+                <a:latin typeface="Rockwell" panose="02060603020205020403"/>
+                <a:ea typeface="+mn-ea"/>
+                <a:cs typeface="+mn-cs"/>
+              </a:rPr>
+              <a:t> </a:t>
+            </a:r>
+            <a:r>
+              <a:rPr lang="en-US" dirty="0"/>
+              <a:t>with the index set as </a:t>
+            </a:r>
+            <a:r>
+              <a:rPr lang="en-US" dirty="0" err="1"/>
+              <a:t>r</a:t>
+            </a:r>
+            <a:r>
+              <a:rPr lang="en-US" sz="1100" dirty="0" err="1"/>
+              <a:t>k</a:t>
+            </a:r>
+            <a:r>
+              <a:rPr lang="en-US" dirty="0"/>
+              <a:t> ∪ </a:t>
+            </a:r>
+            <a:r>
+              <a:rPr lang="en-US" dirty="0" err="1"/>
+              <a:t>s</a:t>
+            </a:r>
+            <a:r>
+              <a:rPr lang="en-US" sz="1400" dirty="0" err="1"/>
+              <a:t>k</a:t>
+            </a:r>
+            <a:r>
+              <a:rPr lang="en-US" dirty="0"/>
+              <a:t> ∪ N</a:t>
+            </a:r>
+            <a:r>
+              <a:rPr lang="tr-TR" sz="1600" dirty="0" err="1"/>
+              <a:t>s</a:t>
+            </a:r>
+            <a:r>
+              <a:rPr lang="tr-TR" sz="1100" dirty="0" err="1"/>
+              <a:t>k</a:t>
+            </a:r>
+            <a:r>
+              <a:rPr lang="tr-TR" dirty="0"/>
+              <a:t>   </a:t>
+            </a:r>
+          </a:p>
+          <a:p>
+            <a:pPr marL="342900" indent="-342900">
+              <a:buFont typeface="Arial" panose="020B0604020202020204" pitchFamily="34" charset="0"/>
+              <a:buChar char="•"/>
+            </a:pPr>
+            <a:r>
+              <a:rPr lang="tr-TR" dirty="0"/>
+              <a:t>            a</a:t>
+            </a:r>
+            <a:r>
+              <a:rPr lang="en-US" dirty="0" err="1"/>
+              <a:t>ggregates</a:t>
+            </a:r>
+            <a:r>
+              <a:rPr lang="en-US" dirty="0"/>
+              <a:t> 3D information from these nodes to update the edge k</a:t>
+            </a:r>
+            <a:endParaRPr lang="tr-TR" dirty="0"/>
+          </a:p>
+          <a:p>
+            <a:endParaRPr lang="tr-TR" dirty="0"/>
+          </a:p>
+          <a:p>
+            <a:pPr marL="342900" indent="-342900">
+              <a:buFont typeface="Arial" panose="020B0604020202020204" pitchFamily="34" charset="0"/>
+              <a:buChar char="•"/>
+            </a:pPr>
+            <a:r>
+              <a:rPr lang="tr-TR" dirty="0"/>
+              <a:t>           </a:t>
+            </a:r>
+            <a:r>
+              <a:rPr lang="en-US" dirty="0"/>
+              <a:t>is used for per-node update and generates the new node vector</a:t>
+            </a:r>
+            <a:r>
+              <a:rPr lang="tr-TR" dirty="0"/>
+              <a:t> </a:t>
+            </a:r>
+            <a:r>
+              <a:rPr lang="tr-TR" dirty="0" err="1"/>
+              <a:t>v’</a:t>
+            </a:r>
+            <a:r>
+              <a:rPr lang="tr-TR" sz="1200" dirty="0" err="1"/>
+              <a:t>i</a:t>
+            </a:r>
+            <a:r>
+              <a:rPr lang="tr-TR" sz="1200" dirty="0"/>
+              <a:t>  </a:t>
+            </a:r>
+            <a:r>
+              <a:rPr lang="tr-TR" dirty="0" err="1"/>
+              <a:t>for</a:t>
+            </a:r>
+            <a:r>
+              <a:rPr lang="tr-TR" dirty="0"/>
+              <a:t> </a:t>
+            </a:r>
+            <a:r>
+              <a:rPr lang="tr-TR" dirty="0" err="1"/>
+              <a:t>each</a:t>
+            </a:r>
+            <a:r>
+              <a:rPr lang="tr-TR" dirty="0"/>
+              <a:t> </a:t>
+            </a:r>
+            <a:r>
+              <a:rPr lang="tr-TR" dirty="0" err="1"/>
+              <a:t>node</a:t>
+            </a:r>
+            <a:r>
+              <a:rPr lang="tr-TR" dirty="0"/>
+              <a:t> i.</a:t>
+            </a:r>
           </a:p>
         </p:txBody>
       </p:sp>
+      <p:pic>
+        <p:nvPicPr>
+          <p:cNvPr id="9" name="Resim 8">
+            <a:extLst>
+              <a:ext uri="{FF2B5EF4-FFF2-40B4-BE49-F238E27FC236}">
+                <a16:creationId xmlns:a16="http://schemas.microsoft.com/office/drawing/2014/main" id="{FB2064D3-5C9E-1FDC-68A2-36E7173741A7}"/>
+              </a:ext>
+            </a:extLst>
+          </p:cNvPr>
+          <p:cNvPicPr>
+            <a:picLocks noChangeAspect="1"/>
+          </p:cNvPicPr>
+          <p:nvPr/>
+        </p:nvPicPr>
+        <p:blipFill>
+          <a:blip r:embed="rId4"/>
+          <a:stretch>
+            <a:fillRect/>
+          </a:stretch>
+        </p:blipFill>
+        <p:spPr>
+          <a:xfrm>
+            <a:off x="872247" y="5551373"/>
+            <a:ext cx="762000" cy="352425"/>
+          </a:xfrm>
+          <a:prstGeom prst="rect">
+            <a:avLst/>
+          </a:prstGeom>
+        </p:spPr>
+      </p:pic>
+      <p:pic>
+        <p:nvPicPr>
+          <p:cNvPr id="11" name="Resim 10">
+            <a:extLst>
+              <a:ext uri="{FF2B5EF4-FFF2-40B4-BE49-F238E27FC236}">
+                <a16:creationId xmlns:a16="http://schemas.microsoft.com/office/drawing/2014/main" id="{97D27EF9-B8C2-D5E9-742A-D9E73FD48397}"/>
+              </a:ext>
+            </a:extLst>
+          </p:cNvPr>
+          <p:cNvPicPr>
+            <a:picLocks noChangeAspect="1"/>
+          </p:cNvPicPr>
+          <p:nvPr/>
+        </p:nvPicPr>
+        <p:blipFill>
+          <a:blip r:embed="rId5"/>
+          <a:stretch>
+            <a:fillRect/>
+          </a:stretch>
+        </p:blipFill>
+        <p:spPr>
+          <a:xfrm>
+            <a:off x="965673" y="5989703"/>
+            <a:ext cx="400050" cy="390525"/>
+          </a:xfrm>
+          <a:prstGeom prst="rect">
+            <a:avLst/>
+          </a:prstGeom>
+        </p:spPr>
+      </p:pic>
       <p:sp>
         <p:nvSpPr>
-          <p:cNvPr id="2" name="Slayt Numarası Yer Tutucusu 1">
+          <p:cNvPr id="3" name="Slayt Numarası Yer Tutucusu 2">
             <a:extLst>
               <a:ext uri="{FF2B5EF4-FFF2-40B4-BE49-F238E27FC236}">
-                <a16:creationId xmlns:a16="http://schemas.microsoft.com/office/drawing/2014/main" id="{B9FE20D2-F223-C5BE-A9D0-B043D1CFBE95}"/>
+                <a16:creationId xmlns:a16="http://schemas.microsoft.com/office/drawing/2014/main" id="{1E727572-E67B-FC0D-A4D6-568BCFFEF348}"/>
               </a:ext>
             </a:extLst>
           </p:cNvPr>
@@ -24080,7 +23978,7 @@
     </p:spTree>
     <p:extLst>
       <p:ext uri="{BB962C8B-B14F-4D97-AF65-F5344CB8AC3E}">
-        <p14:creationId xmlns:p14="http://schemas.microsoft.com/office/powerpoint/2010/main" val="2568519526"/>
+        <p14:creationId xmlns:p14="http://schemas.microsoft.com/office/powerpoint/2010/main" val="601387146"/>
       </p:ext>
     </p:extLst>
   </p:cSld>
@@ -24107,6 +24005,232 @@
           <a:chExt cx="0" cy="0"/>
         </a:xfrm>
       </p:grpSpPr>
+      <p:sp>
+        <p:nvSpPr>
+          <p:cNvPr id="5" name="Dikdörtgen 4">
+            <a:extLst>
+              <a:ext uri="{FF2B5EF4-FFF2-40B4-BE49-F238E27FC236}">
+                <a16:creationId xmlns:a16="http://schemas.microsoft.com/office/drawing/2014/main" id="{16E039EC-603A-7D16-08EC-04FA90A67FCB}"/>
+              </a:ext>
+            </a:extLst>
+          </p:cNvPr>
+          <p:cNvSpPr/>
+          <p:nvPr/>
+        </p:nvSpPr>
+        <p:spPr>
+          <a:xfrm>
+            <a:off x="255840" y="59207"/>
+            <a:ext cx="6562374" cy="707886"/>
+          </a:xfrm>
+          <a:prstGeom prst="rect">
+            <a:avLst/>
+          </a:prstGeom>
+          <a:noFill/>
+        </p:spPr>
+        <p:txBody>
+          <a:bodyPr wrap="none" lIns="91440" tIns="45720" rIns="91440" bIns="45720">
+            <a:spAutoFit/>
+          </a:bodyPr>
+          <a:lstStyle/>
+          <a:p>
+            <a:pPr algn="ctr"/>
+            <a:r>
+              <a:rPr lang="tr-TR" sz="4000" dirty="0" err="1">
+                <a:ln w="0"/>
+                <a:solidFill>
+                  <a:schemeClr val="accent1"/>
+                </a:solidFill>
+                <a:effectLst>
+                  <a:outerShdw blurRad="38100" dist="25400" dir="5400000" algn="ctr" rotWithShape="0">
+                    <a:srgbClr val="6E747A">
+                      <a:alpha val="43000"/>
+                    </a:srgbClr>
+                  </a:outerShdw>
+                </a:effectLst>
+              </a:rPr>
+              <a:t>Spherical</a:t>
+            </a:r>
+            <a:r>
+              <a:rPr lang="tr-TR" sz="4000" dirty="0">
+                <a:ln w="0"/>
+                <a:solidFill>
+                  <a:schemeClr val="accent1"/>
+                </a:solidFill>
+                <a:effectLst>
+                  <a:outerShdw blurRad="38100" dist="25400" dir="5400000" algn="ctr" rotWithShape="0">
+                    <a:srgbClr val="6E747A">
+                      <a:alpha val="43000"/>
+                    </a:srgbClr>
+                  </a:outerShdw>
+                </a:effectLst>
+              </a:rPr>
+              <a:t> Message </a:t>
+            </a:r>
+            <a:r>
+              <a:rPr lang="tr-TR" sz="4000" dirty="0" err="1">
+                <a:ln w="0"/>
+                <a:solidFill>
+                  <a:schemeClr val="accent1"/>
+                </a:solidFill>
+                <a:effectLst>
+                  <a:outerShdw blurRad="38100" dist="25400" dir="5400000" algn="ctr" rotWithShape="0">
+                    <a:srgbClr val="6E747A">
+                      <a:alpha val="43000"/>
+                    </a:srgbClr>
+                  </a:outerShdw>
+                </a:effectLst>
+              </a:rPr>
+              <a:t>Passing</a:t>
+            </a:r>
+            <a:endParaRPr lang="tr-TR" sz="4000" b="0" cap="none" spc="0" dirty="0">
+              <a:ln w="0"/>
+              <a:solidFill>
+                <a:schemeClr val="accent1"/>
+              </a:solidFill>
+              <a:effectLst>
+                <a:outerShdw blurRad="38100" dist="25400" dir="5400000" algn="ctr" rotWithShape="0">
+                  <a:srgbClr val="6E747A">
+                    <a:alpha val="43000"/>
+                  </a:srgbClr>
+                </a:outerShdw>
+              </a:effectLst>
+            </a:endParaRPr>
+          </a:p>
+        </p:txBody>
+      </p:sp>
+      <p:pic>
+        <p:nvPicPr>
+          <p:cNvPr id="3" name="Resim 2">
+            <a:extLst>
+              <a:ext uri="{FF2B5EF4-FFF2-40B4-BE49-F238E27FC236}">
+                <a16:creationId xmlns:a16="http://schemas.microsoft.com/office/drawing/2014/main" id="{52B11E80-8A97-3D29-7447-EC2D915C7FC0}"/>
+              </a:ext>
+            </a:extLst>
+          </p:cNvPr>
+          <p:cNvPicPr>
+            <a:picLocks noChangeAspect="1"/>
+          </p:cNvPicPr>
+          <p:nvPr/>
+        </p:nvPicPr>
+        <p:blipFill>
+          <a:blip r:embed="rId2"/>
+          <a:stretch>
+            <a:fillRect/>
+          </a:stretch>
+        </p:blipFill>
+        <p:spPr>
+          <a:xfrm>
+            <a:off x="739301" y="1077251"/>
+            <a:ext cx="10441021" cy="3269957"/>
+          </a:xfrm>
+          <a:prstGeom prst="rect">
+            <a:avLst/>
+          </a:prstGeom>
+        </p:spPr>
+      </p:pic>
+      <p:sp>
+        <p:nvSpPr>
+          <p:cNvPr id="6" name="Metin kutusu 5">
+            <a:extLst>
+              <a:ext uri="{FF2B5EF4-FFF2-40B4-BE49-F238E27FC236}">
+                <a16:creationId xmlns:a16="http://schemas.microsoft.com/office/drawing/2014/main" id="{5B0D5BDD-E099-8618-BDE8-28B39909E411}"/>
+              </a:ext>
+            </a:extLst>
+          </p:cNvPr>
+          <p:cNvSpPr txBox="1"/>
+          <p:nvPr/>
+        </p:nvSpPr>
+        <p:spPr>
+          <a:xfrm>
+            <a:off x="589739" y="4626000"/>
+            <a:ext cx="11012521" cy="923330"/>
+          </a:xfrm>
+          <a:prstGeom prst="rect">
+            <a:avLst/>
+          </a:prstGeom>
+          <a:noFill/>
+        </p:spPr>
+        <p:txBody>
+          <a:bodyPr wrap="square">
+            <a:spAutoFit/>
+          </a:bodyPr>
+          <a:lstStyle/>
+          <a:p>
+            <a:r>
+              <a:rPr lang="en-US" dirty="0"/>
+              <a:t>We first investigate the structure identification of 3D graphs in the spherical coordinate system. For any point in the SCS, its location is specified by a </a:t>
+            </a:r>
+            <a:r>
+              <a:rPr lang="en-US" b="1" dirty="0"/>
+              <a:t>3-tuple (d, θ, ϕ), </a:t>
+            </a:r>
+            <a:r>
+              <a:rPr lang="en-US" dirty="0"/>
+              <a:t>where d, θ, and ϕ denote the radial distance, polar angle, and the azimuthal angle, respectively.</a:t>
+            </a:r>
+            <a:endParaRPr lang="tr-TR" dirty="0"/>
+          </a:p>
+        </p:txBody>
+      </p:sp>
+      <p:sp>
+        <p:nvSpPr>
+          <p:cNvPr id="2" name="Slayt Numarası Yer Tutucusu 1">
+            <a:extLst>
+              <a:ext uri="{FF2B5EF4-FFF2-40B4-BE49-F238E27FC236}">
+                <a16:creationId xmlns:a16="http://schemas.microsoft.com/office/drawing/2014/main" id="{B9FE20D2-F223-C5BE-A9D0-B043D1CFBE95}"/>
+              </a:ext>
+            </a:extLst>
+          </p:cNvPr>
+          <p:cNvSpPr>
+            <a:spLocks noGrp="1"/>
+          </p:cNvSpPr>
+          <p:nvPr>
+            <p:ph type="sldNum" sz="quarter" idx="12"/>
+          </p:nvPr>
+        </p:nvSpPr>
+        <p:spPr/>
+        <p:txBody>
+          <a:bodyPr/>
+          <a:lstStyle/>
+          <a:p>
+            <a:fld id="{5EE8CF1A-B538-4EC4-8C50-33108C61C811}" type="slidenum">
+              <a:rPr lang="tr-TR" smtClean="0"/>
+              <a:t>23</a:t>
+            </a:fld>
+            <a:endParaRPr lang="tr-TR"/>
+          </a:p>
+        </p:txBody>
+      </p:sp>
+    </p:spTree>
+    <p:extLst>
+      <p:ext uri="{BB962C8B-B14F-4D97-AF65-F5344CB8AC3E}">
+        <p14:creationId xmlns:p14="http://schemas.microsoft.com/office/powerpoint/2010/main" val="2568519526"/>
+      </p:ext>
+    </p:extLst>
+  </p:cSld>
+  <p:clrMapOvr>
+    <a:masterClrMapping/>
+  </p:clrMapOvr>
+</p:sld>
+</file>
+
+<file path=ppt/slides/slide24.xml><?xml version="1.0" encoding="utf-8"?>
+<p:sld xmlns:a="http://schemas.openxmlformats.org/drawingml/2006/main" xmlns:r="http://schemas.openxmlformats.org/officeDocument/2006/relationships" xmlns:p="http://schemas.openxmlformats.org/presentationml/2006/main">
+  <p:cSld>
+    <p:spTree>
+      <p:nvGrpSpPr>
+        <p:cNvPr id="1" name=""/>
+        <p:cNvGrpSpPr/>
+        <p:nvPr/>
+      </p:nvGrpSpPr>
+      <p:grpSpPr>
+        <a:xfrm>
+          <a:off x="0" y="0"/>
+          <a:ext cx="0" cy="0"/>
+          <a:chOff x="0" y="0"/>
+          <a:chExt cx="0" cy="0"/>
+        </a:xfrm>
+      </p:grpSpPr>
       <p:pic>
         <p:nvPicPr>
           <p:cNvPr id="3" name="Resim 2">
@@ -24283,7 +24407,7 @@
           <a:p>
             <a:fld id="{5EE8CF1A-B538-4EC4-8C50-33108C61C811}" type="slidenum">
               <a:rPr lang="tr-TR" smtClean="0"/>
-              <a:t>23</a:t>
+              <a:t>24</a:t>
             </a:fld>
             <a:endParaRPr lang="tr-TR"/>
           </a:p>
@@ -24302,7 +24426,7 @@
 </p:sld>
 </file>
 
-<file path=ppt/slides/slide24.xml><?xml version="1.0" encoding="utf-8"?>
+<file path=ppt/slides/slide25.xml><?xml version="1.0" encoding="utf-8"?>
 <p:sld xmlns:a="http://schemas.openxmlformats.org/drawingml/2006/main" xmlns:r="http://schemas.openxmlformats.org/officeDocument/2006/relationships" xmlns:p="http://schemas.openxmlformats.org/presentationml/2006/main">
   <p:cSld>
     <p:bg>
@@ -28458,7 +28582,7 @@
           <a:p>
             <a:fld id="{5EE8CF1A-B538-4EC4-8C50-33108C61C811}" type="slidenum">
               <a:rPr lang="tr-TR" smtClean="0"/>
-              <a:t>24</a:t>
+              <a:t>25</a:t>
             </a:fld>
             <a:endParaRPr lang="tr-TR"/>
           </a:p>
@@ -28468,156 +28592,6 @@
     <p:extLst>
       <p:ext uri="{BB962C8B-B14F-4D97-AF65-F5344CB8AC3E}">
         <p14:creationId xmlns:p14="http://schemas.microsoft.com/office/powerpoint/2010/main" val="3188565598"/>
-      </p:ext>
-    </p:extLst>
-  </p:cSld>
-  <p:clrMapOvr>
-    <a:masterClrMapping/>
-  </p:clrMapOvr>
-</p:sld>
-</file>
-
-<file path=ppt/slides/slide25.xml><?xml version="1.0" encoding="utf-8"?>
-<p:sld xmlns:a="http://schemas.openxmlformats.org/drawingml/2006/main" xmlns:r="http://schemas.openxmlformats.org/officeDocument/2006/relationships" xmlns:p="http://schemas.openxmlformats.org/presentationml/2006/main">
-  <p:cSld>
-    <p:spTree>
-      <p:nvGrpSpPr>
-        <p:cNvPr id="1" name=""/>
-        <p:cNvGrpSpPr/>
-        <p:nvPr/>
-      </p:nvGrpSpPr>
-      <p:grpSpPr>
-        <a:xfrm>
-          <a:off x="0" y="0"/>
-          <a:ext cx="0" cy="0"/>
-          <a:chOff x="0" y="0"/>
-          <a:chExt cx="0" cy="0"/>
-        </a:xfrm>
-      </p:grpSpPr>
-      <p:pic>
-        <p:nvPicPr>
-          <p:cNvPr id="3" name="Resim 2">
-            <a:extLst>
-              <a:ext uri="{FF2B5EF4-FFF2-40B4-BE49-F238E27FC236}">
-                <a16:creationId xmlns:a16="http://schemas.microsoft.com/office/drawing/2014/main" id="{C9F8B24B-782E-AB27-425E-EA244849FA25}"/>
-              </a:ext>
-            </a:extLst>
-          </p:cNvPr>
-          <p:cNvPicPr>
-            <a:picLocks noChangeAspect="1"/>
-          </p:cNvPicPr>
-          <p:nvPr/>
-        </p:nvPicPr>
-        <p:blipFill>
-          <a:blip r:embed="rId3"/>
-          <a:stretch>
-            <a:fillRect/>
-          </a:stretch>
-        </p:blipFill>
-        <p:spPr>
-          <a:xfrm>
-            <a:off x="386315" y="932256"/>
-            <a:ext cx="11640315" cy="4993488"/>
-          </a:xfrm>
-          <a:prstGeom prst="rect">
-            <a:avLst/>
-          </a:prstGeom>
-        </p:spPr>
-      </p:pic>
-      <p:sp>
-        <p:nvSpPr>
-          <p:cNvPr id="4" name="Dikdörtgen 3">
-            <a:extLst>
-              <a:ext uri="{FF2B5EF4-FFF2-40B4-BE49-F238E27FC236}">
-                <a16:creationId xmlns:a16="http://schemas.microsoft.com/office/drawing/2014/main" id="{148F0A8B-FC75-D2CC-233B-7A7E1832626A}"/>
-              </a:ext>
-            </a:extLst>
-          </p:cNvPr>
-          <p:cNvSpPr/>
-          <p:nvPr/>
-        </p:nvSpPr>
-        <p:spPr>
-          <a:xfrm>
-            <a:off x="175098" y="96311"/>
-            <a:ext cx="3197350" cy="707886"/>
-          </a:xfrm>
-          <a:prstGeom prst="rect">
-            <a:avLst/>
-          </a:prstGeom>
-          <a:noFill/>
-        </p:spPr>
-        <p:txBody>
-          <a:bodyPr wrap="none" lIns="91440" tIns="45720" rIns="91440" bIns="45720">
-            <a:spAutoFit/>
-          </a:bodyPr>
-          <a:lstStyle/>
-          <a:p>
-            <a:pPr algn="ctr"/>
-            <a:r>
-              <a:rPr lang="tr-TR" sz="4000" dirty="0" err="1">
-                <a:ln w="0"/>
-                <a:solidFill>
-                  <a:schemeClr val="accent1"/>
-                </a:solidFill>
-                <a:effectLst>
-                  <a:outerShdw blurRad="38100" dist="25400" dir="5400000" algn="ctr" rotWithShape="0">
-                    <a:srgbClr val="6E747A">
-                      <a:alpha val="43000"/>
-                    </a:srgbClr>
-                  </a:outerShdw>
-                </a:effectLst>
-              </a:rPr>
-              <a:t>Experiments</a:t>
-            </a:r>
-            <a:endParaRPr lang="tr-TR" sz="4000" b="0" cap="none" spc="0" dirty="0">
-              <a:ln w="0"/>
-              <a:solidFill>
-                <a:schemeClr val="accent1"/>
-              </a:solidFill>
-              <a:effectLst>
-                <a:outerShdw blurRad="38100" dist="25400" dir="5400000" algn="ctr" rotWithShape="0">
-                  <a:srgbClr val="6E747A">
-                    <a:alpha val="43000"/>
-                  </a:srgbClr>
-                </a:outerShdw>
-              </a:effectLst>
-            </a:endParaRPr>
-          </a:p>
-        </p:txBody>
-      </p:sp>
-      <p:sp>
-        <p:nvSpPr>
-          <p:cNvPr id="2" name="Slayt Numarası Yer Tutucusu 1">
-            <a:extLst>
-              <a:ext uri="{FF2B5EF4-FFF2-40B4-BE49-F238E27FC236}">
-                <a16:creationId xmlns:a16="http://schemas.microsoft.com/office/drawing/2014/main" id="{23FF93C7-580A-2F68-F21B-25106F6DB4E5}"/>
-              </a:ext>
-            </a:extLst>
-          </p:cNvPr>
-          <p:cNvSpPr>
-            <a:spLocks noGrp="1"/>
-          </p:cNvSpPr>
-          <p:nvPr>
-            <p:ph type="sldNum" sz="quarter" idx="12"/>
-          </p:nvPr>
-        </p:nvSpPr>
-        <p:spPr/>
-        <p:txBody>
-          <a:bodyPr/>
-          <a:lstStyle/>
-          <a:p>
-            <a:fld id="{5EE8CF1A-B538-4EC4-8C50-33108C61C811}" type="slidenum">
-              <a:rPr lang="tr-TR" smtClean="0"/>
-              <a:t>25</a:t>
-            </a:fld>
-            <a:endParaRPr lang="tr-TR"/>
-          </a:p>
-        </p:txBody>
-      </p:sp>
-    </p:spTree>
-    <p:extLst>
-      <p:ext uri="{BB962C8B-B14F-4D97-AF65-F5344CB8AC3E}">
-        <p14:creationId xmlns:p14="http://schemas.microsoft.com/office/powerpoint/2010/main" val="92570008"/>
       </p:ext>
     </p:extLst>
   </p:cSld>
@@ -28649,7 +28623,7 @@
           <p:cNvPr id="3" name="Resim 2">
             <a:extLst>
               <a:ext uri="{FF2B5EF4-FFF2-40B4-BE49-F238E27FC236}">
-                <a16:creationId xmlns:a16="http://schemas.microsoft.com/office/drawing/2014/main" id="{1CF0D619-FF22-1647-E36A-88FF68FF64B3}"/>
+                <a16:creationId xmlns:a16="http://schemas.microsoft.com/office/drawing/2014/main" id="{C9F8B24B-782E-AB27-425E-EA244849FA25}"/>
               </a:ext>
             </a:extLst>
           </p:cNvPr>
@@ -28659,15 +28633,15 @@
           <p:nvPr/>
         </p:nvPicPr>
         <p:blipFill>
-          <a:blip r:embed="rId2"/>
+          <a:blip r:embed="rId3"/>
           <a:stretch>
             <a:fillRect/>
           </a:stretch>
         </p:blipFill>
         <p:spPr>
           <a:xfrm>
-            <a:off x="0" y="1662102"/>
-            <a:ext cx="12192000" cy="2852859"/>
+            <a:off x="386315" y="932256"/>
+            <a:ext cx="11640315" cy="4993488"/>
           </a:xfrm>
           <a:prstGeom prst="rect">
             <a:avLst/>
@@ -28679,7 +28653,7 @@
           <p:cNvPr id="4" name="Dikdörtgen 3">
             <a:extLst>
               <a:ext uri="{FF2B5EF4-FFF2-40B4-BE49-F238E27FC236}">
-                <a16:creationId xmlns:a16="http://schemas.microsoft.com/office/drawing/2014/main" id="{63FEC468-767A-A7B8-B88D-FEEBDFC4C7AB}"/>
+                <a16:creationId xmlns:a16="http://schemas.microsoft.com/office/drawing/2014/main" id="{148F0A8B-FC75-D2CC-233B-7A7E1832626A}"/>
               </a:ext>
             </a:extLst>
           </p:cNvPr>
@@ -28740,7 +28714,7 @@
           <p:cNvPr id="2" name="Slayt Numarası Yer Tutucusu 1">
             <a:extLst>
               <a:ext uri="{FF2B5EF4-FFF2-40B4-BE49-F238E27FC236}">
-                <a16:creationId xmlns:a16="http://schemas.microsoft.com/office/drawing/2014/main" id="{28EFC00A-D7A5-B661-2585-A2E63E7E12AD}"/>
+                <a16:creationId xmlns:a16="http://schemas.microsoft.com/office/drawing/2014/main" id="{23FF93C7-580A-2F68-F21B-25106F6DB4E5}"/>
               </a:ext>
             </a:extLst>
           </p:cNvPr>
@@ -28767,7 +28741,7 @@
     </p:spTree>
     <p:extLst>
       <p:ext uri="{BB962C8B-B14F-4D97-AF65-F5344CB8AC3E}">
-        <p14:creationId xmlns:p14="http://schemas.microsoft.com/office/powerpoint/2010/main" val="960402593"/>
+        <p14:creationId xmlns:p14="http://schemas.microsoft.com/office/powerpoint/2010/main" val="92570008"/>
       </p:ext>
     </p:extLst>
   </p:cSld>
@@ -28799,7 +28773,7 @@
           <p:cNvPr id="3" name="Resim 2">
             <a:extLst>
               <a:ext uri="{FF2B5EF4-FFF2-40B4-BE49-F238E27FC236}">
-                <a16:creationId xmlns:a16="http://schemas.microsoft.com/office/drawing/2014/main" id="{9C21BCDE-BEE4-4526-8C3F-7BA5ED93AA19}"/>
+                <a16:creationId xmlns:a16="http://schemas.microsoft.com/office/drawing/2014/main" id="{1CF0D619-FF22-1647-E36A-88FF68FF64B3}"/>
               </a:ext>
             </a:extLst>
           </p:cNvPr>
@@ -28816,8 +28790,8 @@
         </p:blipFill>
         <p:spPr>
           <a:xfrm>
-            <a:off x="3717181" y="3174348"/>
-            <a:ext cx="5063895" cy="3459918"/>
+            <a:off x="0" y="1662102"/>
+            <a:ext cx="12192000" cy="2852859"/>
           </a:xfrm>
           <a:prstGeom prst="rect">
             <a:avLst/>
@@ -28829,7 +28803,7 @@
           <p:cNvPr id="4" name="Dikdörtgen 3">
             <a:extLst>
               <a:ext uri="{FF2B5EF4-FFF2-40B4-BE49-F238E27FC236}">
-                <a16:creationId xmlns:a16="http://schemas.microsoft.com/office/drawing/2014/main" id="{E6AEDD8A-84A4-0CD5-B2F2-4DACDA5FCF6D}"/>
+                <a16:creationId xmlns:a16="http://schemas.microsoft.com/office/drawing/2014/main" id="{63FEC468-767A-A7B8-B88D-FEEBDFC4C7AB}"/>
               </a:ext>
             </a:extLst>
           </p:cNvPr>
@@ -28885,42 +28859,12 @@
           </a:p>
         </p:txBody>
       </p:sp>
-      <p:pic>
-        <p:nvPicPr>
-          <p:cNvPr id="6" name="Resim 5">
-            <a:extLst>
-              <a:ext uri="{FF2B5EF4-FFF2-40B4-BE49-F238E27FC236}">
-                <a16:creationId xmlns:a16="http://schemas.microsoft.com/office/drawing/2014/main" id="{4E881A52-92A7-F374-562E-5F955DC0EDC3}"/>
-              </a:ext>
-            </a:extLst>
-          </p:cNvPr>
-          <p:cNvPicPr>
-            <a:picLocks noChangeAspect="1"/>
-          </p:cNvPicPr>
-          <p:nvPr/>
-        </p:nvPicPr>
-        <p:blipFill>
-          <a:blip r:embed="rId3"/>
-          <a:stretch>
-            <a:fillRect/>
-          </a:stretch>
-        </p:blipFill>
-        <p:spPr>
-          <a:xfrm>
-            <a:off x="2885886" y="736103"/>
-            <a:ext cx="6192124" cy="2319525"/>
-          </a:xfrm>
-          <a:prstGeom prst="rect">
-            <a:avLst/>
-          </a:prstGeom>
-        </p:spPr>
-      </p:pic>
       <p:sp>
         <p:nvSpPr>
           <p:cNvPr id="2" name="Slayt Numarası Yer Tutucusu 1">
             <a:extLst>
               <a:ext uri="{FF2B5EF4-FFF2-40B4-BE49-F238E27FC236}">
-                <a16:creationId xmlns:a16="http://schemas.microsoft.com/office/drawing/2014/main" id="{64FAE75E-5CF5-F88C-2D57-ADA32BAD5835}"/>
+                <a16:creationId xmlns:a16="http://schemas.microsoft.com/office/drawing/2014/main" id="{28EFC00A-D7A5-B661-2585-A2E63E7E12AD}"/>
               </a:ext>
             </a:extLst>
           </p:cNvPr>
@@ -28947,7 +28891,7 @@
     </p:spTree>
     <p:extLst>
       <p:ext uri="{BB962C8B-B14F-4D97-AF65-F5344CB8AC3E}">
-        <p14:creationId xmlns:p14="http://schemas.microsoft.com/office/powerpoint/2010/main" val="2044455447"/>
+        <p14:creationId xmlns:p14="http://schemas.microsoft.com/office/powerpoint/2010/main" val="960402593"/>
       </p:ext>
     </p:extLst>
   </p:cSld>
@@ -28974,12 +28918,42 @@
           <a:chExt cx="0" cy="0"/>
         </a:xfrm>
       </p:grpSpPr>
+      <p:pic>
+        <p:nvPicPr>
+          <p:cNvPr id="3" name="Resim 2">
+            <a:extLst>
+              <a:ext uri="{FF2B5EF4-FFF2-40B4-BE49-F238E27FC236}">
+                <a16:creationId xmlns:a16="http://schemas.microsoft.com/office/drawing/2014/main" id="{9C21BCDE-BEE4-4526-8C3F-7BA5ED93AA19}"/>
+              </a:ext>
+            </a:extLst>
+          </p:cNvPr>
+          <p:cNvPicPr>
+            <a:picLocks noChangeAspect="1"/>
+          </p:cNvPicPr>
+          <p:nvPr/>
+        </p:nvPicPr>
+        <p:blipFill>
+          <a:blip r:embed="rId2"/>
+          <a:stretch>
+            <a:fillRect/>
+          </a:stretch>
+        </p:blipFill>
+        <p:spPr>
+          <a:xfrm>
+            <a:off x="3717181" y="3174348"/>
+            <a:ext cx="5063895" cy="3459918"/>
+          </a:xfrm>
+          <a:prstGeom prst="rect">
+            <a:avLst/>
+          </a:prstGeom>
+        </p:spPr>
+      </p:pic>
       <p:sp>
         <p:nvSpPr>
-          <p:cNvPr id="2" name="Dikdörtgen 1">
+          <p:cNvPr id="4" name="Dikdörtgen 3">
             <a:extLst>
               <a:ext uri="{FF2B5EF4-FFF2-40B4-BE49-F238E27FC236}">
-                <a16:creationId xmlns:a16="http://schemas.microsoft.com/office/drawing/2014/main" id="{61837C72-2DEC-0502-EF03-8FE6ACA70235}"/>
+                <a16:creationId xmlns:a16="http://schemas.microsoft.com/office/drawing/2014/main" id="{E6AEDD8A-84A4-0CD5-B2F2-4DACDA5FCF6D}"/>
               </a:ext>
             </a:extLst>
           </p:cNvPr>
@@ -28988,8 +28962,8 @@
         </p:nvSpPr>
         <p:spPr>
           <a:xfrm>
-            <a:off x="354959" y="96311"/>
-            <a:ext cx="2837636" cy="707886"/>
+            <a:off x="175098" y="96311"/>
+            <a:ext cx="3197350" cy="707886"/>
           </a:xfrm>
           <a:prstGeom prst="rect">
             <a:avLst/>
@@ -29017,7 +28991,7 @@
                   </a:outerShdw>
                 </a:effectLst>
               </a:rPr>
-              <a:t>Conclusion</a:t>
+              <a:t>Experiments</a:t>
             </a:r>
             <a:endParaRPr lang="tr-TR" sz="4000" b="0" cap="none" spc="0" dirty="0">
               <a:ln w="0"/>
@@ -29035,174 +29009,42 @@
           </a:p>
         </p:txBody>
       </p:sp>
-      <p:sp>
-        <p:nvSpPr>
-          <p:cNvPr id="3" name="Metin kutusu 2">
+      <p:pic>
+        <p:nvPicPr>
+          <p:cNvPr id="6" name="Resim 5">
             <a:extLst>
               <a:ext uri="{FF2B5EF4-FFF2-40B4-BE49-F238E27FC236}">
-                <a16:creationId xmlns:a16="http://schemas.microsoft.com/office/drawing/2014/main" id="{53ADF570-E48C-1C76-EA8B-F60F5AB6BF13}"/>
+                <a16:creationId xmlns:a16="http://schemas.microsoft.com/office/drawing/2014/main" id="{4E881A52-92A7-F374-562E-5F955DC0EDC3}"/>
               </a:ext>
             </a:extLst>
           </p:cNvPr>
-          <p:cNvSpPr txBox="1"/>
+          <p:cNvPicPr>
+            <a:picLocks noChangeAspect="1"/>
+          </p:cNvPicPr>
           <p:nvPr/>
-        </p:nvSpPr>
+        </p:nvPicPr>
+        <p:blipFill>
+          <a:blip r:embed="rId3"/>
+          <a:stretch>
+            <a:fillRect/>
+          </a:stretch>
+        </p:blipFill>
         <p:spPr>
           <a:xfrm>
-            <a:off x="943583" y="1186774"/>
-            <a:ext cx="10175132" cy="3693319"/>
+            <a:off x="2885886" y="736103"/>
+            <a:ext cx="6192124" cy="2319525"/>
           </a:xfrm>
           <a:prstGeom prst="rect">
             <a:avLst/>
           </a:prstGeom>
-          <a:noFill/>
         </p:spPr>
-        <p:txBody>
-          <a:bodyPr wrap="square" rtlCol="0">
-            <a:spAutoFit/>
-          </a:bodyPr>
-          <a:lstStyle/>
-          <a:p>
-            <a:pPr marL="285750" indent="-285750">
-              <a:buFont typeface="Arial" panose="020B0604020202020204" pitchFamily="34" charset="0"/>
-              <a:buChar char="•"/>
-            </a:pPr>
-            <a:r>
-              <a:rPr lang="en-US" dirty="0"/>
-              <a:t>3D information is important for real-world graph data but the existing GN framework does not consider it.</a:t>
-            </a:r>
-            <a:endParaRPr lang="tr-TR" dirty="0"/>
-          </a:p>
-          <a:p>
-            <a:pPr marL="285750" indent="-285750">
-              <a:buFont typeface="Arial" panose="020B0604020202020204" pitchFamily="34" charset="0"/>
-              <a:buChar char="•"/>
-            </a:pPr>
-            <a:endParaRPr lang="tr-TR" dirty="0"/>
-          </a:p>
-          <a:p>
-            <a:pPr marL="285750" indent="-285750">
-              <a:buFont typeface="Arial" panose="020B0604020202020204" pitchFamily="34" charset="0"/>
-              <a:buChar char="•"/>
-            </a:pPr>
-            <a:r>
-              <a:rPr lang="tr-TR" dirty="0" err="1"/>
-              <a:t>Authors</a:t>
-            </a:r>
-            <a:r>
-              <a:rPr lang="tr-TR" dirty="0"/>
-              <a:t> </a:t>
-            </a:r>
-            <a:r>
-              <a:rPr lang="en-US" dirty="0"/>
-              <a:t>first build the generic and unified framework 3DGN to provide a clear interface for 3D graphs</a:t>
-            </a:r>
-            <a:r>
-              <a:rPr lang="tr-TR" dirty="0"/>
-              <a:t>. </a:t>
-            </a:r>
-            <a:r>
-              <a:rPr lang="tr-TR" dirty="0" err="1"/>
-              <a:t>Then</a:t>
-            </a:r>
-            <a:r>
-              <a:rPr lang="tr-TR" dirty="0"/>
-              <a:t>,</a:t>
-            </a:r>
-            <a:r>
-              <a:rPr lang="en-US" dirty="0"/>
-              <a:t> develop a novel message passing architecture </a:t>
-            </a:r>
-            <a:r>
-              <a:rPr lang="en-US" b="1" dirty="0"/>
-              <a:t>SMP</a:t>
-            </a:r>
-            <a:r>
-              <a:rPr lang="en-US" dirty="0"/>
-              <a:t> for realizing the 3DGN, and show that </a:t>
-            </a:r>
-            <a:r>
-              <a:rPr lang="en-US" b="1" dirty="0"/>
-              <a:t>SMP</a:t>
-            </a:r>
-            <a:r>
-              <a:rPr lang="en-US" dirty="0"/>
-              <a:t> represents a complete and accurate architecture in SCS.</a:t>
-            </a:r>
-            <a:endParaRPr lang="tr-TR" dirty="0"/>
-          </a:p>
-          <a:p>
-            <a:pPr marL="285750" indent="-285750">
-              <a:buFont typeface="Arial" panose="020B0604020202020204" pitchFamily="34" charset="0"/>
-              <a:buChar char="•"/>
-            </a:pPr>
-            <a:endParaRPr lang="tr-TR" dirty="0"/>
-          </a:p>
-          <a:p>
-            <a:pPr marL="285750" indent="-285750">
-              <a:buFont typeface="Arial" panose="020B0604020202020204" pitchFamily="34" charset="0"/>
-              <a:buChar char="•"/>
-            </a:pPr>
-            <a:r>
-              <a:rPr lang="en-US" dirty="0"/>
-              <a:t>Since </a:t>
-            </a:r>
-            <a:r>
-              <a:rPr lang="en-US" b="1" dirty="0" err="1"/>
-              <a:t>SphereNet</a:t>
-            </a:r>
-            <a:r>
-              <a:rPr lang="en-US" dirty="0"/>
-              <a:t> computes geometries such as torsion angles, and employs linear layers for incorporating 3D information, it involves extra parameters and computational resources.</a:t>
-            </a:r>
-            <a:endParaRPr lang="tr-TR" dirty="0"/>
-          </a:p>
-          <a:p>
-            <a:endParaRPr lang="tr-TR" dirty="0"/>
-          </a:p>
-          <a:p>
-            <a:pPr marL="285750" indent="-285750">
-              <a:buFont typeface="Arial" panose="020B0604020202020204" pitchFamily="34" charset="0"/>
-              <a:buChar char="•"/>
-            </a:pPr>
-            <a:r>
-              <a:rPr lang="en-US" dirty="0"/>
-              <a:t>Based on </a:t>
-            </a:r>
-            <a:r>
-              <a:rPr lang="en-US" b="1" dirty="0"/>
-              <a:t>SMP</a:t>
-            </a:r>
-            <a:r>
-              <a:rPr lang="en-US" dirty="0"/>
-              <a:t> and meaningful physical representations, </a:t>
-            </a:r>
-            <a:r>
-              <a:rPr lang="en-US" b="1" dirty="0" err="1"/>
-              <a:t>SphereNet</a:t>
-            </a:r>
-            <a:r>
-              <a:rPr lang="en-US" dirty="0"/>
-              <a:t> is presented for real-world 3D graph data. Experimental results on various types of datasets show that </a:t>
-            </a:r>
-            <a:r>
-              <a:rPr lang="en-US" b="1" dirty="0" err="1"/>
-              <a:t>SphereNet</a:t>
-            </a:r>
-            <a:r>
-              <a:rPr lang="en-US" dirty="0"/>
-              <a:t> leads to significant performance improvements without increasing computations.</a:t>
-            </a:r>
-            <a:endParaRPr lang="tr-TR" dirty="0"/>
-          </a:p>
-        </p:txBody>
-      </p:sp>
+      </p:pic>
       <p:sp>
         <p:nvSpPr>
-          <p:cNvPr id="4" name="Slayt Numarası Yer Tutucusu 3">
+          <p:cNvPr id="2" name="Slayt Numarası Yer Tutucusu 1">
             <a:extLst>
               <a:ext uri="{FF2B5EF4-FFF2-40B4-BE49-F238E27FC236}">
-                <a16:creationId xmlns:a16="http://schemas.microsoft.com/office/drawing/2014/main" id="{E3EE3B99-C36F-7DE4-0707-C16080340E16}"/>
+                <a16:creationId xmlns:a16="http://schemas.microsoft.com/office/drawing/2014/main" id="{64FAE75E-5CF5-F88C-2D57-ADA32BAD5835}"/>
               </a:ext>
             </a:extLst>
           </p:cNvPr>
@@ -29229,6 +29071,272 @@
     </p:spTree>
     <p:extLst>
       <p:ext uri="{BB962C8B-B14F-4D97-AF65-F5344CB8AC3E}">
+        <p14:creationId xmlns:p14="http://schemas.microsoft.com/office/powerpoint/2010/main" val="2044455447"/>
+      </p:ext>
+    </p:extLst>
+  </p:cSld>
+  <p:clrMapOvr>
+    <a:masterClrMapping/>
+  </p:clrMapOvr>
+</p:sld>
+</file>
+
+<file path=ppt/slides/slide29.xml><?xml version="1.0" encoding="utf-8"?>
+<p:sld xmlns:a="http://schemas.openxmlformats.org/drawingml/2006/main" xmlns:r="http://schemas.openxmlformats.org/officeDocument/2006/relationships" xmlns:p="http://schemas.openxmlformats.org/presentationml/2006/main">
+  <p:cSld>
+    <p:spTree>
+      <p:nvGrpSpPr>
+        <p:cNvPr id="1" name=""/>
+        <p:cNvGrpSpPr/>
+        <p:nvPr/>
+      </p:nvGrpSpPr>
+      <p:grpSpPr>
+        <a:xfrm>
+          <a:off x="0" y="0"/>
+          <a:ext cx="0" cy="0"/>
+          <a:chOff x="0" y="0"/>
+          <a:chExt cx="0" cy="0"/>
+        </a:xfrm>
+      </p:grpSpPr>
+      <p:sp>
+        <p:nvSpPr>
+          <p:cNvPr id="2" name="Dikdörtgen 1">
+            <a:extLst>
+              <a:ext uri="{FF2B5EF4-FFF2-40B4-BE49-F238E27FC236}">
+                <a16:creationId xmlns:a16="http://schemas.microsoft.com/office/drawing/2014/main" id="{61837C72-2DEC-0502-EF03-8FE6ACA70235}"/>
+              </a:ext>
+            </a:extLst>
+          </p:cNvPr>
+          <p:cNvSpPr/>
+          <p:nvPr/>
+        </p:nvSpPr>
+        <p:spPr>
+          <a:xfrm>
+            <a:off x="354959" y="96311"/>
+            <a:ext cx="2837636" cy="707886"/>
+          </a:xfrm>
+          <a:prstGeom prst="rect">
+            <a:avLst/>
+          </a:prstGeom>
+          <a:noFill/>
+        </p:spPr>
+        <p:txBody>
+          <a:bodyPr wrap="none" lIns="91440" tIns="45720" rIns="91440" bIns="45720">
+            <a:spAutoFit/>
+          </a:bodyPr>
+          <a:lstStyle/>
+          <a:p>
+            <a:pPr algn="ctr"/>
+            <a:r>
+              <a:rPr lang="tr-TR" sz="4000" dirty="0" err="1">
+                <a:ln w="0"/>
+                <a:solidFill>
+                  <a:schemeClr val="accent1"/>
+                </a:solidFill>
+                <a:effectLst>
+                  <a:outerShdw blurRad="38100" dist="25400" dir="5400000" algn="ctr" rotWithShape="0">
+                    <a:srgbClr val="6E747A">
+                      <a:alpha val="43000"/>
+                    </a:srgbClr>
+                  </a:outerShdw>
+                </a:effectLst>
+              </a:rPr>
+              <a:t>Conclusion</a:t>
+            </a:r>
+            <a:endParaRPr lang="tr-TR" sz="4000" b="0" cap="none" spc="0" dirty="0">
+              <a:ln w="0"/>
+              <a:solidFill>
+                <a:schemeClr val="accent1"/>
+              </a:solidFill>
+              <a:effectLst>
+                <a:outerShdw blurRad="38100" dist="25400" dir="5400000" algn="ctr" rotWithShape="0">
+                  <a:srgbClr val="6E747A">
+                    <a:alpha val="43000"/>
+                  </a:srgbClr>
+                </a:outerShdw>
+              </a:effectLst>
+            </a:endParaRPr>
+          </a:p>
+        </p:txBody>
+      </p:sp>
+      <p:sp>
+        <p:nvSpPr>
+          <p:cNvPr id="3" name="Metin kutusu 2">
+            <a:extLst>
+              <a:ext uri="{FF2B5EF4-FFF2-40B4-BE49-F238E27FC236}">
+                <a16:creationId xmlns:a16="http://schemas.microsoft.com/office/drawing/2014/main" id="{53ADF570-E48C-1C76-EA8B-F60F5AB6BF13}"/>
+              </a:ext>
+            </a:extLst>
+          </p:cNvPr>
+          <p:cNvSpPr txBox="1"/>
+          <p:nvPr/>
+        </p:nvSpPr>
+        <p:spPr>
+          <a:xfrm>
+            <a:off x="943583" y="1186774"/>
+            <a:ext cx="10175132" cy="3416320"/>
+          </a:xfrm>
+          <a:prstGeom prst="rect">
+            <a:avLst/>
+          </a:prstGeom>
+          <a:noFill/>
+        </p:spPr>
+        <p:txBody>
+          <a:bodyPr wrap="square" rtlCol="0">
+            <a:spAutoFit/>
+          </a:bodyPr>
+          <a:lstStyle/>
+          <a:p>
+            <a:pPr marL="285750" indent="-285750">
+              <a:buFont typeface="Arial" panose="020B0604020202020204" pitchFamily="34" charset="0"/>
+              <a:buChar char="•"/>
+            </a:pPr>
+            <a:r>
+              <a:rPr lang="en-US" dirty="0"/>
+              <a:t>3D information is important for real-world graph data but the existing GN framework does not consider it.</a:t>
+            </a:r>
+            <a:endParaRPr lang="tr-TR" dirty="0"/>
+          </a:p>
+          <a:p>
+            <a:pPr marL="285750" indent="-285750">
+              <a:buFont typeface="Arial" panose="020B0604020202020204" pitchFamily="34" charset="0"/>
+              <a:buChar char="•"/>
+            </a:pPr>
+            <a:endParaRPr lang="tr-TR" dirty="0"/>
+          </a:p>
+          <a:p>
+            <a:pPr marL="285750" indent="-285750">
+              <a:buFont typeface="Arial" panose="020B0604020202020204" pitchFamily="34" charset="0"/>
+              <a:buChar char="•"/>
+            </a:pPr>
+            <a:r>
+              <a:rPr lang="tr-TR" dirty="0" err="1"/>
+              <a:t>Authors</a:t>
+            </a:r>
+            <a:r>
+              <a:rPr lang="tr-TR" dirty="0"/>
+              <a:t> </a:t>
+            </a:r>
+            <a:r>
+              <a:rPr lang="en-US" dirty="0"/>
+              <a:t>first build the generic and unified framework 3DGN to provide a clear interface for 3D graphs</a:t>
+            </a:r>
+            <a:r>
+              <a:rPr lang="tr-TR" dirty="0"/>
+              <a:t>. </a:t>
+            </a:r>
+            <a:r>
+              <a:rPr lang="tr-TR" dirty="0" err="1"/>
+              <a:t>Then</a:t>
+            </a:r>
+            <a:r>
+              <a:rPr lang="tr-TR" dirty="0"/>
+              <a:t>,</a:t>
+            </a:r>
+            <a:r>
+              <a:rPr lang="en-US" dirty="0"/>
+              <a:t> develop a novel message passing architecture </a:t>
+            </a:r>
+            <a:r>
+              <a:rPr lang="en-US" b="1" dirty="0"/>
+              <a:t>SMP</a:t>
+            </a:r>
+            <a:r>
+              <a:rPr lang="en-US" dirty="0"/>
+              <a:t> for realizing the 3DGN, and show that </a:t>
+            </a:r>
+            <a:r>
+              <a:rPr lang="en-US" b="1" dirty="0"/>
+              <a:t>SMP</a:t>
+            </a:r>
+            <a:r>
+              <a:rPr lang="en-US" dirty="0"/>
+              <a:t> represents a complete and accurate architecture in SCS.</a:t>
+            </a:r>
+            <a:endParaRPr lang="tr-TR" dirty="0"/>
+          </a:p>
+          <a:p>
+            <a:pPr marL="285750" indent="-285750">
+              <a:buFont typeface="Arial" panose="020B0604020202020204" pitchFamily="34" charset="0"/>
+              <a:buChar char="•"/>
+            </a:pPr>
+            <a:endParaRPr lang="tr-TR" dirty="0"/>
+          </a:p>
+          <a:p>
+            <a:pPr marL="285750" indent="-285750">
+              <a:buFont typeface="Arial" panose="020B0604020202020204" pitchFamily="34" charset="0"/>
+              <a:buChar char="•"/>
+            </a:pPr>
+            <a:r>
+              <a:rPr lang="en-US" dirty="0"/>
+              <a:t>Since </a:t>
+            </a:r>
+            <a:r>
+              <a:rPr lang="en-US" b="1" dirty="0" err="1"/>
+              <a:t>SphereNet</a:t>
+            </a:r>
+            <a:r>
+              <a:rPr lang="en-US" dirty="0"/>
+              <a:t> computes geometries such as torsion angles, and employs linear layers for incorporating 3D information, it involves extra parameters and computational resources.</a:t>
+            </a:r>
+            <a:endParaRPr lang="tr-TR" dirty="0"/>
+          </a:p>
+          <a:p>
+            <a:endParaRPr lang="tr-TR" dirty="0"/>
+          </a:p>
+          <a:p>
+            <a:pPr marL="285750" indent="-285750">
+              <a:buFont typeface="Arial" panose="020B0604020202020204" pitchFamily="34" charset="0"/>
+              <a:buChar char="•"/>
+            </a:pPr>
+            <a:r>
+              <a:rPr lang="en-US" dirty="0"/>
+              <a:t>Experimental results on various types of datasets show that </a:t>
+            </a:r>
+            <a:r>
+              <a:rPr lang="en-US" b="1" dirty="0" err="1"/>
+              <a:t>SphereNet</a:t>
+            </a:r>
+            <a:r>
+              <a:rPr lang="en-US" dirty="0"/>
+              <a:t> leads to significant performance improvements without increasing computations.</a:t>
+            </a:r>
+            <a:endParaRPr lang="tr-TR" dirty="0"/>
+          </a:p>
+        </p:txBody>
+      </p:sp>
+      <p:sp>
+        <p:nvSpPr>
+          <p:cNvPr id="4" name="Slayt Numarası Yer Tutucusu 3">
+            <a:extLst>
+              <a:ext uri="{FF2B5EF4-FFF2-40B4-BE49-F238E27FC236}">
+                <a16:creationId xmlns:a16="http://schemas.microsoft.com/office/drawing/2014/main" id="{E3EE3B99-C36F-7DE4-0707-C16080340E16}"/>
+              </a:ext>
+            </a:extLst>
+          </p:cNvPr>
+          <p:cNvSpPr>
+            <a:spLocks noGrp="1"/>
+          </p:cNvSpPr>
+          <p:nvPr>
+            <p:ph type="sldNum" sz="quarter" idx="12"/>
+          </p:nvPr>
+        </p:nvSpPr>
+        <p:spPr/>
+        <p:txBody>
+          <a:bodyPr/>
+          <a:lstStyle/>
+          <a:p>
+            <a:fld id="{5EE8CF1A-B538-4EC4-8C50-33108C61C811}" type="slidenum">
+              <a:rPr lang="tr-TR" smtClean="0"/>
+              <a:t>29</a:t>
+            </a:fld>
+            <a:endParaRPr lang="tr-TR"/>
+          </a:p>
+        </p:txBody>
+      </p:sp>
+    </p:spTree>
+    <p:extLst>
+      <p:ext uri="{BB962C8B-B14F-4D97-AF65-F5344CB8AC3E}">
         <p14:creationId xmlns:p14="http://schemas.microsoft.com/office/powerpoint/2010/main" val="3930755818"/>
       </p:ext>
     </p:extLst>
@@ -29239,7 +29347,447 @@
 </p:sld>
 </file>
 
-<file path=ppt/slides/slide29.xml><?xml version="1.0" encoding="utf-8"?>
+<file path=ppt/slides/slide3.xml><?xml version="1.0" encoding="utf-8"?>
+<p:sld xmlns:a="http://schemas.openxmlformats.org/drawingml/2006/main" xmlns:r="http://schemas.openxmlformats.org/officeDocument/2006/relationships" xmlns:p="http://schemas.openxmlformats.org/presentationml/2006/main">
+  <p:cSld>
+    <p:spTree>
+      <p:nvGrpSpPr>
+        <p:cNvPr id="1" name=""/>
+        <p:cNvGrpSpPr/>
+        <p:nvPr/>
+      </p:nvGrpSpPr>
+      <p:grpSpPr>
+        <a:xfrm>
+          <a:off x="0" y="0"/>
+          <a:ext cx="0" cy="0"/>
+          <a:chOff x="0" y="0"/>
+          <a:chExt cx="0" cy="0"/>
+        </a:xfrm>
+      </p:grpSpPr>
+      <p:sp>
+        <p:nvSpPr>
+          <p:cNvPr id="2" name="Dikdörtgen 1">
+            <a:extLst>
+              <a:ext uri="{FF2B5EF4-FFF2-40B4-BE49-F238E27FC236}">
+                <a16:creationId xmlns:a16="http://schemas.microsoft.com/office/drawing/2014/main" id="{CA3825FE-F614-3E3F-5AE6-39F0F6221E10}"/>
+              </a:ext>
+            </a:extLst>
+          </p:cNvPr>
+          <p:cNvSpPr/>
+          <p:nvPr/>
+        </p:nvSpPr>
+        <p:spPr>
+          <a:xfrm>
+            <a:off x="192927" y="0"/>
+            <a:ext cx="8648521" cy="707886"/>
+          </a:xfrm>
+          <a:prstGeom prst="rect">
+            <a:avLst/>
+          </a:prstGeom>
+          <a:noFill/>
+        </p:spPr>
+        <p:txBody>
+          <a:bodyPr wrap="none" lIns="91440" tIns="45720" rIns="91440" bIns="45720">
+            <a:spAutoFit/>
+          </a:bodyPr>
+          <a:lstStyle/>
+          <a:p>
+            <a:pPr algn="ctr"/>
+            <a:r>
+              <a:rPr lang="tr-TR" sz="4000" b="0" cap="none" spc="0" dirty="0" err="1">
+                <a:ln w="0"/>
+                <a:solidFill>
+                  <a:schemeClr val="accent1"/>
+                </a:solidFill>
+                <a:effectLst>
+                  <a:outerShdw blurRad="38100" dist="25400" dir="5400000" algn="ctr" rotWithShape="0">
+                    <a:srgbClr val="6E747A">
+                      <a:alpha val="43000"/>
+                    </a:srgbClr>
+                  </a:outerShdw>
+                </a:effectLst>
+              </a:rPr>
+              <a:t>What</a:t>
+            </a:r>
+            <a:r>
+              <a:rPr lang="tr-TR" sz="4000" b="0" cap="none" spc="0" dirty="0">
+                <a:ln w="0"/>
+                <a:solidFill>
+                  <a:schemeClr val="accent1"/>
+                </a:solidFill>
+                <a:effectLst>
+                  <a:outerShdw blurRad="38100" dist="25400" dir="5400000" algn="ctr" rotWithShape="0">
+                    <a:srgbClr val="6E747A">
+                      <a:alpha val="43000"/>
+                    </a:srgbClr>
+                  </a:outerShdw>
+                </a:effectLst>
+              </a:rPr>
+              <a:t> is </a:t>
+            </a:r>
+            <a:r>
+              <a:rPr lang="tr-TR" sz="4000" b="0" cap="none" spc="0" dirty="0" err="1">
+                <a:ln w="0"/>
+                <a:solidFill>
+                  <a:schemeClr val="accent1"/>
+                </a:solidFill>
+                <a:effectLst>
+                  <a:outerShdw blurRad="38100" dist="25400" dir="5400000" algn="ctr" rotWithShape="0">
+                    <a:srgbClr val="6E747A">
+                      <a:alpha val="43000"/>
+                    </a:srgbClr>
+                  </a:outerShdw>
+                </a:effectLst>
+              </a:rPr>
+              <a:t>message</a:t>
+            </a:r>
+            <a:r>
+              <a:rPr lang="tr-TR" sz="4000" b="0" cap="none" spc="0" dirty="0">
+                <a:ln w="0"/>
+                <a:solidFill>
+                  <a:schemeClr val="accent1"/>
+                </a:solidFill>
+                <a:effectLst>
+                  <a:outerShdw blurRad="38100" dist="25400" dir="5400000" algn="ctr" rotWithShape="0">
+                    <a:srgbClr val="6E747A">
+                      <a:alpha val="43000"/>
+                    </a:srgbClr>
+                  </a:outerShdw>
+                </a:effectLst>
+              </a:rPr>
+              <a:t> </a:t>
+            </a:r>
+            <a:r>
+              <a:rPr lang="tr-TR" sz="4000" b="0" cap="none" spc="0" dirty="0" err="1">
+                <a:ln w="0"/>
+                <a:solidFill>
+                  <a:schemeClr val="accent1"/>
+                </a:solidFill>
+                <a:effectLst>
+                  <a:outerShdw blurRad="38100" dist="25400" dir="5400000" algn="ctr" rotWithShape="0">
+                    <a:srgbClr val="6E747A">
+                      <a:alpha val="43000"/>
+                    </a:srgbClr>
+                  </a:outerShdw>
+                </a:effectLst>
+              </a:rPr>
+              <a:t>passing</a:t>
+            </a:r>
+            <a:r>
+              <a:rPr lang="tr-TR" sz="4000" b="0" cap="none" spc="0" dirty="0">
+                <a:ln w="0"/>
+                <a:solidFill>
+                  <a:schemeClr val="accent1"/>
+                </a:solidFill>
+                <a:effectLst>
+                  <a:outerShdw blurRad="38100" dist="25400" dir="5400000" algn="ctr" rotWithShape="0">
+                    <a:srgbClr val="6E747A">
+                      <a:alpha val="43000"/>
+                    </a:srgbClr>
+                  </a:outerShdw>
+                </a:effectLst>
+              </a:rPr>
+              <a:t> </a:t>
+            </a:r>
+            <a:r>
+              <a:rPr lang="tr-TR" sz="4000" b="0" cap="none" spc="0" dirty="0" err="1">
+                <a:ln w="0"/>
+                <a:solidFill>
+                  <a:schemeClr val="accent1"/>
+                </a:solidFill>
+                <a:effectLst>
+                  <a:outerShdw blurRad="38100" dist="25400" dir="5400000" algn="ctr" rotWithShape="0">
+                    <a:srgbClr val="6E747A">
+                      <a:alpha val="43000"/>
+                    </a:srgbClr>
+                  </a:outerShdw>
+                </a:effectLst>
+              </a:rPr>
+              <a:t>for</a:t>
+            </a:r>
+            <a:r>
+              <a:rPr lang="tr-TR" sz="4000" b="0" cap="none" spc="0" dirty="0">
+                <a:ln w="0"/>
+                <a:solidFill>
+                  <a:schemeClr val="accent1"/>
+                </a:solidFill>
+                <a:effectLst>
+                  <a:outerShdw blurRad="38100" dist="25400" dir="5400000" algn="ctr" rotWithShape="0">
+                    <a:srgbClr val="6E747A">
+                      <a:alpha val="43000"/>
+                    </a:srgbClr>
+                  </a:outerShdw>
+                </a:effectLst>
+              </a:rPr>
+              <a:t> </a:t>
+            </a:r>
+            <a:r>
+              <a:rPr lang="tr-TR" sz="4000" b="0" cap="none" spc="0" dirty="0" err="1">
+                <a:ln w="0"/>
+                <a:solidFill>
+                  <a:schemeClr val="accent1"/>
+                </a:solidFill>
+                <a:effectLst>
+                  <a:outerShdw blurRad="38100" dist="25400" dir="5400000" algn="ctr" rotWithShape="0">
+                    <a:srgbClr val="6E747A">
+                      <a:alpha val="43000"/>
+                    </a:srgbClr>
+                  </a:outerShdw>
+                </a:effectLst>
+              </a:rPr>
+              <a:t>GNNs</a:t>
+            </a:r>
+            <a:r>
+              <a:rPr lang="tr-TR" sz="4000" b="0" cap="none" spc="0" dirty="0">
+                <a:ln w="0"/>
+                <a:solidFill>
+                  <a:schemeClr val="accent1"/>
+                </a:solidFill>
+                <a:effectLst>
+                  <a:outerShdw blurRad="38100" dist="25400" dir="5400000" algn="ctr" rotWithShape="0">
+                    <a:srgbClr val="6E747A">
+                      <a:alpha val="43000"/>
+                    </a:srgbClr>
+                  </a:outerShdw>
+                </a:effectLst>
+              </a:rPr>
+              <a:t>?</a:t>
+            </a:r>
+          </a:p>
+        </p:txBody>
+      </p:sp>
+      <p:pic>
+        <p:nvPicPr>
+          <p:cNvPr id="6" name="Resim 5">
+            <a:extLst>
+              <a:ext uri="{FF2B5EF4-FFF2-40B4-BE49-F238E27FC236}">
+                <a16:creationId xmlns:a16="http://schemas.microsoft.com/office/drawing/2014/main" id="{702F63A3-33AE-9C5F-5B39-396E918F4EFF}"/>
+              </a:ext>
+            </a:extLst>
+          </p:cNvPr>
+          <p:cNvPicPr>
+            <a:picLocks noChangeAspect="1"/>
+          </p:cNvPicPr>
+          <p:nvPr/>
+        </p:nvPicPr>
+        <p:blipFill>
+          <a:blip r:embed="rId2"/>
+          <a:stretch>
+            <a:fillRect/>
+          </a:stretch>
+        </p:blipFill>
+        <p:spPr>
+          <a:xfrm>
+            <a:off x="3456370" y="1156916"/>
+            <a:ext cx="4488762" cy="2665914"/>
+          </a:xfrm>
+          <a:prstGeom prst="rect">
+            <a:avLst/>
+          </a:prstGeom>
+        </p:spPr>
+      </p:pic>
+      <p:sp>
+        <p:nvSpPr>
+          <p:cNvPr id="7" name="Metin kutusu 6">
+            <a:extLst>
+              <a:ext uri="{FF2B5EF4-FFF2-40B4-BE49-F238E27FC236}">
+                <a16:creationId xmlns:a16="http://schemas.microsoft.com/office/drawing/2014/main" id="{6F00C524-18E5-9162-7E76-F8449C68C078}"/>
+              </a:ext>
+            </a:extLst>
+          </p:cNvPr>
+          <p:cNvSpPr txBox="1"/>
+          <p:nvPr/>
+        </p:nvSpPr>
+        <p:spPr>
+          <a:xfrm>
+            <a:off x="786673" y="4443077"/>
+            <a:ext cx="9670274" cy="1754326"/>
+          </a:xfrm>
+          <a:prstGeom prst="rect">
+            <a:avLst/>
+          </a:prstGeom>
+          <a:noFill/>
+        </p:spPr>
+        <p:txBody>
+          <a:bodyPr wrap="square" rtlCol="0">
+            <a:spAutoFit/>
+          </a:bodyPr>
+          <a:lstStyle/>
+          <a:p>
+            <a:pPr marL="285750" indent="-285750">
+              <a:buFont typeface="Arial" panose="020B0604020202020204" pitchFamily="34" charset="0"/>
+              <a:buChar char="•"/>
+            </a:pPr>
+            <a:r>
+              <a:rPr lang="en-US" b="1" dirty="0"/>
+              <a:t>Nodes: </a:t>
+            </a:r>
+            <a:r>
+              <a:rPr lang="en-US" dirty="0"/>
+              <a:t>people</a:t>
+            </a:r>
+            <a:endParaRPr lang="tr-TR" dirty="0"/>
+          </a:p>
+          <a:p>
+            <a:pPr marL="285750" indent="-285750">
+              <a:buFont typeface="Arial" panose="020B0604020202020204" pitchFamily="34" charset="0"/>
+              <a:buChar char="•"/>
+            </a:pPr>
+            <a:r>
+              <a:rPr lang="en-US" b="1" dirty="0"/>
+              <a:t>Node features:</a:t>
+            </a:r>
+            <a:r>
+              <a:rPr lang="tr-TR" b="1" dirty="0"/>
+              <a:t> </a:t>
+            </a:r>
+            <a:r>
+              <a:rPr lang="tr-TR" dirty="0" err="1"/>
+              <a:t>expertise</a:t>
+            </a:r>
+            <a:r>
+              <a:rPr lang="tr-TR" b="1" dirty="0"/>
+              <a:t>,</a:t>
+            </a:r>
+            <a:r>
+              <a:rPr lang="en-US" dirty="0"/>
+              <a:t> </a:t>
+            </a:r>
+            <a:endParaRPr lang="tr-TR" dirty="0"/>
+          </a:p>
+          <a:p>
+            <a:pPr marL="285750" indent="-285750">
+              <a:buFont typeface="Arial" panose="020B0604020202020204" pitchFamily="34" charset="0"/>
+              <a:buChar char="•"/>
+            </a:pPr>
+            <a:r>
+              <a:rPr lang="en-US" b="1" dirty="0"/>
+              <a:t>Edges: </a:t>
+            </a:r>
+            <a:r>
+              <a:rPr lang="tr-TR" b="1" dirty="0" err="1"/>
+              <a:t>message</a:t>
+            </a:r>
+            <a:r>
+              <a:rPr lang="en-US" dirty="0"/>
+              <a:t> contacts</a:t>
+            </a:r>
+            <a:endParaRPr lang="tr-TR" dirty="0"/>
+          </a:p>
+          <a:p>
+            <a:pPr marL="285750" indent="-285750">
+              <a:buFont typeface="Arial" panose="020B0604020202020204" pitchFamily="34" charset="0"/>
+              <a:buChar char="•"/>
+            </a:pPr>
+            <a:r>
+              <a:rPr lang="en-US" b="1" dirty="0"/>
+              <a:t>Edge features: </a:t>
+            </a:r>
+            <a:r>
+              <a:rPr lang="en-US" dirty="0"/>
+              <a:t>number of </a:t>
+            </a:r>
+            <a:r>
+              <a:rPr lang="tr-TR" dirty="0" err="1"/>
+              <a:t>message</a:t>
+            </a:r>
+            <a:r>
+              <a:rPr lang="tr-TR" dirty="0"/>
+              <a:t> sent</a:t>
+            </a:r>
+            <a:r>
+              <a:rPr lang="en-US" dirty="0"/>
+              <a:t> in last year</a:t>
+            </a:r>
+            <a:endParaRPr lang="tr-TR" dirty="0"/>
+          </a:p>
+          <a:p>
+            <a:pPr marL="285750" indent="-285750">
+              <a:buFont typeface="Arial" panose="020B0604020202020204" pitchFamily="34" charset="0"/>
+              <a:buChar char="•"/>
+            </a:pPr>
+            <a:r>
+              <a:rPr lang="tr-TR" b="1" dirty="0" err="1"/>
+              <a:t>Goal</a:t>
+            </a:r>
+            <a:r>
+              <a:rPr lang="tr-TR" dirty="0"/>
+              <a:t>: </a:t>
+            </a:r>
+            <a:r>
+              <a:rPr lang="tr-TR" dirty="0" err="1"/>
+              <a:t>Assign</a:t>
+            </a:r>
+            <a:r>
+              <a:rPr lang="tr-TR" dirty="0"/>
+              <a:t> </a:t>
+            </a:r>
+            <a:r>
+              <a:rPr lang="en-US" dirty="0"/>
+              <a:t>our nodes meaningful coordinates (i.e., "embeddings") </a:t>
+            </a:r>
+            <a:endParaRPr lang="tr-TR" dirty="0"/>
+          </a:p>
+          <a:p>
+            <a:pPr marL="285750" indent="-285750">
+              <a:buFont typeface="Arial" panose="020B0604020202020204" pitchFamily="34" charset="0"/>
+              <a:buChar char="•"/>
+            </a:pPr>
+            <a:r>
+              <a:rPr lang="tr-TR" dirty="0"/>
+              <a:t>N</a:t>
+            </a:r>
+            <a:r>
+              <a:rPr lang="en-US" dirty="0"/>
+              <a:t>odes that share many connections should have similar embeddings</a:t>
+            </a:r>
+            <a:endParaRPr lang="tr-TR" dirty="0"/>
+          </a:p>
+        </p:txBody>
+      </p:sp>
+      <p:sp>
+        <p:nvSpPr>
+          <p:cNvPr id="3" name="Slayt Numarası Yer Tutucusu 2">
+            <a:extLst>
+              <a:ext uri="{FF2B5EF4-FFF2-40B4-BE49-F238E27FC236}">
+                <a16:creationId xmlns:a16="http://schemas.microsoft.com/office/drawing/2014/main" id="{FBC48307-7352-FB88-71AC-538ED2B986A6}"/>
+              </a:ext>
+            </a:extLst>
+          </p:cNvPr>
+          <p:cNvSpPr>
+            <a:spLocks noGrp="1"/>
+          </p:cNvSpPr>
+          <p:nvPr>
+            <p:ph type="sldNum" sz="quarter" idx="12"/>
+          </p:nvPr>
+        </p:nvSpPr>
+        <p:spPr/>
+        <p:txBody>
+          <a:bodyPr/>
+          <a:lstStyle/>
+          <a:p>
+            <a:fld id="{5EE8CF1A-B538-4EC4-8C50-33108C61C811}" type="slidenum">
+              <a:rPr lang="tr-TR" smtClean="0"/>
+              <a:t>3</a:t>
+            </a:fld>
+            <a:endParaRPr lang="tr-TR"/>
+          </a:p>
+        </p:txBody>
+      </p:sp>
+    </p:spTree>
+    <p:extLst>
+      <p:ext uri="{BB962C8B-B14F-4D97-AF65-F5344CB8AC3E}">
+        <p14:creationId xmlns:p14="http://schemas.microsoft.com/office/powerpoint/2010/main" val="2596578004"/>
+      </p:ext>
+    </p:extLst>
+  </p:cSld>
+  <p:clrMapOvr>
+    <a:masterClrMapping/>
+  </p:clrMapOvr>
+</p:sld>
+</file>
+
+<file path=ppt/slides/slide30.xml><?xml version="1.0" encoding="utf-8"?>
 <p:sld xmlns:a="http://schemas.openxmlformats.org/drawingml/2006/main" xmlns:r="http://schemas.openxmlformats.org/officeDocument/2006/relationships" xmlns:p="http://schemas.openxmlformats.org/presentationml/2006/main">
   <p:cSld>
     <p:spTree>
@@ -29633,7 +30181,7 @@
           <a:p>
             <a:fld id="{5EE8CF1A-B538-4EC4-8C50-33108C61C811}" type="slidenum">
               <a:rPr lang="tr-TR" smtClean="0"/>
-              <a:t>29</a:t>
+              <a:t>30</a:t>
             </a:fld>
             <a:endParaRPr lang="tr-TR"/>
           </a:p>
@@ -29643,446 +30191,6 @@
     <p:extLst>
       <p:ext uri="{BB962C8B-B14F-4D97-AF65-F5344CB8AC3E}">
         <p14:creationId xmlns:p14="http://schemas.microsoft.com/office/powerpoint/2010/main" val="2357222359"/>
-      </p:ext>
-    </p:extLst>
-  </p:cSld>
-  <p:clrMapOvr>
-    <a:masterClrMapping/>
-  </p:clrMapOvr>
-</p:sld>
-</file>
-
-<file path=ppt/slides/slide3.xml><?xml version="1.0" encoding="utf-8"?>
-<p:sld xmlns:a="http://schemas.openxmlformats.org/drawingml/2006/main" xmlns:r="http://schemas.openxmlformats.org/officeDocument/2006/relationships" xmlns:p="http://schemas.openxmlformats.org/presentationml/2006/main">
-  <p:cSld>
-    <p:spTree>
-      <p:nvGrpSpPr>
-        <p:cNvPr id="1" name=""/>
-        <p:cNvGrpSpPr/>
-        <p:nvPr/>
-      </p:nvGrpSpPr>
-      <p:grpSpPr>
-        <a:xfrm>
-          <a:off x="0" y="0"/>
-          <a:ext cx="0" cy="0"/>
-          <a:chOff x="0" y="0"/>
-          <a:chExt cx="0" cy="0"/>
-        </a:xfrm>
-      </p:grpSpPr>
-      <p:sp>
-        <p:nvSpPr>
-          <p:cNvPr id="2" name="Dikdörtgen 1">
-            <a:extLst>
-              <a:ext uri="{FF2B5EF4-FFF2-40B4-BE49-F238E27FC236}">
-                <a16:creationId xmlns:a16="http://schemas.microsoft.com/office/drawing/2014/main" id="{CA3825FE-F614-3E3F-5AE6-39F0F6221E10}"/>
-              </a:ext>
-            </a:extLst>
-          </p:cNvPr>
-          <p:cNvSpPr/>
-          <p:nvPr/>
-        </p:nvSpPr>
-        <p:spPr>
-          <a:xfrm>
-            <a:off x="192927" y="0"/>
-            <a:ext cx="8648521" cy="707886"/>
-          </a:xfrm>
-          <a:prstGeom prst="rect">
-            <a:avLst/>
-          </a:prstGeom>
-          <a:noFill/>
-        </p:spPr>
-        <p:txBody>
-          <a:bodyPr wrap="none" lIns="91440" tIns="45720" rIns="91440" bIns="45720">
-            <a:spAutoFit/>
-          </a:bodyPr>
-          <a:lstStyle/>
-          <a:p>
-            <a:pPr algn="ctr"/>
-            <a:r>
-              <a:rPr lang="tr-TR" sz="4000" b="0" cap="none" spc="0" dirty="0" err="1">
-                <a:ln w="0"/>
-                <a:solidFill>
-                  <a:schemeClr val="accent1"/>
-                </a:solidFill>
-                <a:effectLst>
-                  <a:outerShdw blurRad="38100" dist="25400" dir="5400000" algn="ctr" rotWithShape="0">
-                    <a:srgbClr val="6E747A">
-                      <a:alpha val="43000"/>
-                    </a:srgbClr>
-                  </a:outerShdw>
-                </a:effectLst>
-              </a:rPr>
-              <a:t>What</a:t>
-            </a:r>
-            <a:r>
-              <a:rPr lang="tr-TR" sz="4000" b="0" cap="none" spc="0" dirty="0">
-                <a:ln w="0"/>
-                <a:solidFill>
-                  <a:schemeClr val="accent1"/>
-                </a:solidFill>
-                <a:effectLst>
-                  <a:outerShdw blurRad="38100" dist="25400" dir="5400000" algn="ctr" rotWithShape="0">
-                    <a:srgbClr val="6E747A">
-                      <a:alpha val="43000"/>
-                    </a:srgbClr>
-                  </a:outerShdw>
-                </a:effectLst>
-              </a:rPr>
-              <a:t> is </a:t>
-            </a:r>
-            <a:r>
-              <a:rPr lang="tr-TR" sz="4000" b="0" cap="none" spc="0" dirty="0" err="1">
-                <a:ln w="0"/>
-                <a:solidFill>
-                  <a:schemeClr val="accent1"/>
-                </a:solidFill>
-                <a:effectLst>
-                  <a:outerShdw blurRad="38100" dist="25400" dir="5400000" algn="ctr" rotWithShape="0">
-                    <a:srgbClr val="6E747A">
-                      <a:alpha val="43000"/>
-                    </a:srgbClr>
-                  </a:outerShdw>
-                </a:effectLst>
-              </a:rPr>
-              <a:t>message</a:t>
-            </a:r>
-            <a:r>
-              <a:rPr lang="tr-TR" sz="4000" b="0" cap="none" spc="0" dirty="0">
-                <a:ln w="0"/>
-                <a:solidFill>
-                  <a:schemeClr val="accent1"/>
-                </a:solidFill>
-                <a:effectLst>
-                  <a:outerShdw blurRad="38100" dist="25400" dir="5400000" algn="ctr" rotWithShape="0">
-                    <a:srgbClr val="6E747A">
-                      <a:alpha val="43000"/>
-                    </a:srgbClr>
-                  </a:outerShdw>
-                </a:effectLst>
-              </a:rPr>
-              <a:t> </a:t>
-            </a:r>
-            <a:r>
-              <a:rPr lang="tr-TR" sz="4000" b="0" cap="none" spc="0" dirty="0" err="1">
-                <a:ln w="0"/>
-                <a:solidFill>
-                  <a:schemeClr val="accent1"/>
-                </a:solidFill>
-                <a:effectLst>
-                  <a:outerShdw blurRad="38100" dist="25400" dir="5400000" algn="ctr" rotWithShape="0">
-                    <a:srgbClr val="6E747A">
-                      <a:alpha val="43000"/>
-                    </a:srgbClr>
-                  </a:outerShdw>
-                </a:effectLst>
-              </a:rPr>
-              <a:t>passing</a:t>
-            </a:r>
-            <a:r>
-              <a:rPr lang="tr-TR" sz="4000" b="0" cap="none" spc="0" dirty="0">
-                <a:ln w="0"/>
-                <a:solidFill>
-                  <a:schemeClr val="accent1"/>
-                </a:solidFill>
-                <a:effectLst>
-                  <a:outerShdw blurRad="38100" dist="25400" dir="5400000" algn="ctr" rotWithShape="0">
-                    <a:srgbClr val="6E747A">
-                      <a:alpha val="43000"/>
-                    </a:srgbClr>
-                  </a:outerShdw>
-                </a:effectLst>
-              </a:rPr>
-              <a:t> </a:t>
-            </a:r>
-            <a:r>
-              <a:rPr lang="tr-TR" sz="4000" b="0" cap="none" spc="0" dirty="0" err="1">
-                <a:ln w="0"/>
-                <a:solidFill>
-                  <a:schemeClr val="accent1"/>
-                </a:solidFill>
-                <a:effectLst>
-                  <a:outerShdw blurRad="38100" dist="25400" dir="5400000" algn="ctr" rotWithShape="0">
-                    <a:srgbClr val="6E747A">
-                      <a:alpha val="43000"/>
-                    </a:srgbClr>
-                  </a:outerShdw>
-                </a:effectLst>
-              </a:rPr>
-              <a:t>for</a:t>
-            </a:r>
-            <a:r>
-              <a:rPr lang="tr-TR" sz="4000" b="0" cap="none" spc="0" dirty="0">
-                <a:ln w="0"/>
-                <a:solidFill>
-                  <a:schemeClr val="accent1"/>
-                </a:solidFill>
-                <a:effectLst>
-                  <a:outerShdw blurRad="38100" dist="25400" dir="5400000" algn="ctr" rotWithShape="0">
-                    <a:srgbClr val="6E747A">
-                      <a:alpha val="43000"/>
-                    </a:srgbClr>
-                  </a:outerShdw>
-                </a:effectLst>
-              </a:rPr>
-              <a:t> </a:t>
-            </a:r>
-            <a:r>
-              <a:rPr lang="tr-TR" sz="4000" b="0" cap="none" spc="0" dirty="0" err="1">
-                <a:ln w="0"/>
-                <a:solidFill>
-                  <a:schemeClr val="accent1"/>
-                </a:solidFill>
-                <a:effectLst>
-                  <a:outerShdw blurRad="38100" dist="25400" dir="5400000" algn="ctr" rotWithShape="0">
-                    <a:srgbClr val="6E747A">
-                      <a:alpha val="43000"/>
-                    </a:srgbClr>
-                  </a:outerShdw>
-                </a:effectLst>
-              </a:rPr>
-              <a:t>GNNs</a:t>
-            </a:r>
-            <a:r>
-              <a:rPr lang="tr-TR" sz="4000" b="0" cap="none" spc="0" dirty="0">
-                <a:ln w="0"/>
-                <a:solidFill>
-                  <a:schemeClr val="accent1"/>
-                </a:solidFill>
-                <a:effectLst>
-                  <a:outerShdw blurRad="38100" dist="25400" dir="5400000" algn="ctr" rotWithShape="0">
-                    <a:srgbClr val="6E747A">
-                      <a:alpha val="43000"/>
-                    </a:srgbClr>
-                  </a:outerShdw>
-                </a:effectLst>
-              </a:rPr>
-              <a:t>?</a:t>
-            </a:r>
-          </a:p>
-        </p:txBody>
-      </p:sp>
-      <p:pic>
-        <p:nvPicPr>
-          <p:cNvPr id="6" name="Resim 5">
-            <a:extLst>
-              <a:ext uri="{FF2B5EF4-FFF2-40B4-BE49-F238E27FC236}">
-                <a16:creationId xmlns:a16="http://schemas.microsoft.com/office/drawing/2014/main" id="{702F63A3-33AE-9C5F-5B39-396E918F4EFF}"/>
-              </a:ext>
-            </a:extLst>
-          </p:cNvPr>
-          <p:cNvPicPr>
-            <a:picLocks noChangeAspect="1"/>
-          </p:cNvPicPr>
-          <p:nvPr/>
-        </p:nvPicPr>
-        <p:blipFill>
-          <a:blip r:embed="rId2"/>
-          <a:stretch>
-            <a:fillRect/>
-          </a:stretch>
-        </p:blipFill>
-        <p:spPr>
-          <a:xfrm>
-            <a:off x="3456370" y="1156916"/>
-            <a:ext cx="4488762" cy="2665914"/>
-          </a:xfrm>
-          <a:prstGeom prst="rect">
-            <a:avLst/>
-          </a:prstGeom>
-        </p:spPr>
-      </p:pic>
-      <p:sp>
-        <p:nvSpPr>
-          <p:cNvPr id="7" name="Metin kutusu 6">
-            <a:extLst>
-              <a:ext uri="{FF2B5EF4-FFF2-40B4-BE49-F238E27FC236}">
-                <a16:creationId xmlns:a16="http://schemas.microsoft.com/office/drawing/2014/main" id="{6F00C524-18E5-9162-7E76-F8449C68C078}"/>
-              </a:ext>
-            </a:extLst>
-          </p:cNvPr>
-          <p:cNvSpPr txBox="1"/>
-          <p:nvPr/>
-        </p:nvSpPr>
-        <p:spPr>
-          <a:xfrm>
-            <a:off x="786673" y="4443077"/>
-            <a:ext cx="9670274" cy="1754326"/>
-          </a:xfrm>
-          <a:prstGeom prst="rect">
-            <a:avLst/>
-          </a:prstGeom>
-          <a:noFill/>
-        </p:spPr>
-        <p:txBody>
-          <a:bodyPr wrap="square" rtlCol="0">
-            <a:spAutoFit/>
-          </a:bodyPr>
-          <a:lstStyle/>
-          <a:p>
-            <a:pPr marL="285750" indent="-285750">
-              <a:buFont typeface="Arial" panose="020B0604020202020204" pitchFamily="34" charset="0"/>
-              <a:buChar char="•"/>
-            </a:pPr>
-            <a:r>
-              <a:rPr lang="en-US" b="1" dirty="0"/>
-              <a:t>Nodes: </a:t>
-            </a:r>
-            <a:r>
-              <a:rPr lang="en-US" dirty="0"/>
-              <a:t>people</a:t>
-            </a:r>
-            <a:endParaRPr lang="tr-TR" dirty="0"/>
-          </a:p>
-          <a:p>
-            <a:pPr marL="285750" indent="-285750">
-              <a:buFont typeface="Arial" panose="020B0604020202020204" pitchFamily="34" charset="0"/>
-              <a:buChar char="•"/>
-            </a:pPr>
-            <a:r>
-              <a:rPr lang="en-US" b="1" dirty="0"/>
-              <a:t>Node features:</a:t>
-            </a:r>
-            <a:r>
-              <a:rPr lang="tr-TR" b="1" dirty="0"/>
-              <a:t> </a:t>
-            </a:r>
-            <a:r>
-              <a:rPr lang="tr-TR" dirty="0" err="1"/>
-              <a:t>expertise</a:t>
-            </a:r>
-            <a:r>
-              <a:rPr lang="tr-TR" b="1" dirty="0"/>
-              <a:t>,</a:t>
-            </a:r>
-            <a:r>
-              <a:rPr lang="en-US" dirty="0"/>
-              <a:t> </a:t>
-            </a:r>
-            <a:endParaRPr lang="tr-TR" dirty="0"/>
-          </a:p>
-          <a:p>
-            <a:pPr marL="285750" indent="-285750">
-              <a:buFont typeface="Arial" panose="020B0604020202020204" pitchFamily="34" charset="0"/>
-              <a:buChar char="•"/>
-            </a:pPr>
-            <a:r>
-              <a:rPr lang="en-US" b="1" dirty="0"/>
-              <a:t>Edges: </a:t>
-            </a:r>
-            <a:r>
-              <a:rPr lang="tr-TR" b="1" dirty="0" err="1"/>
-              <a:t>message</a:t>
-            </a:r>
-            <a:r>
-              <a:rPr lang="en-US" dirty="0"/>
-              <a:t> contacts</a:t>
-            </a:r>
-            <a:endParaRPr lang="tr-TR" dirty="0"/>
-          </a:p>
-          <a:p>
-            <a:pPr marL="285750" indent="-285750">
-              <a:buFont typeface="Arial" panose="020B0604020202020204" pitchFamily="34" charset="0"/>
-              <a:buChar char="•"/>
-            </a:pPr>
-            <a:r>
-              <a:rPr lang="en-US" b="1" dirty="0"/>
-              <a:t>Edge features: </a:t>
-            </a:r>
-            <a:r>
-              <a:rPr lang="en-US" dirty="0"/>
-              <a:t>number of </a:t>
-            </a:r>
-            <a:r>
-              <a:rPr lang="tr-TR" dirty="0" err="1"/>
-              <a:t>message</a:t>
-            </a:r>
-            <a:r>
-              <a:rPr lang="tr-TR" dirty="0"/>
-              <a:t> sent</a:t>
-            </a:r>
-            <a:r>
-              <a:rPr lang="en-US" dirty="0"/>
-              <a:t> in last year</a:t>
-            </a:r>
-            <a:endParaRPr lang="tr-TR" dirty="0"/>
-          </a:p>
-          <a:p>
-            <a:pPr marL="285750" indent="-285750">
-              <a:buFont typeface="Arial" panose="020B0604020202020204" pitchFamily="34" charset="0"/>
-              <a:buChar char="•"/>
-            </a:pPr>
-            <a:r>
-              <a:rPr lang="tr-TR" b="1" dirty="0" err="1"/>
-              <a:t>Goal</a:t>
-            </a:r>
-            <a:r>
-              <a:rPr lang="tr-TR" dirty="0"/>
-              <a:t>: </a:t>
-            </a:r>
-            <a:r>
-              <a:rPr lang="tr-TR" dirty="0" err="1"/>
-              <a:t>Assign</a:t>
-            </a:r>
-            <a:r>
-              <a:rPr lang="tr-TR" dirty="0"/>
-              <a:t> </a:t>
-            </a:r>
-            <a:r>
-              <a:rPr lang="en-US" dirty="0"/>
-              <a:t>our nodes meaningful coordinates (i.e., "embeddings") </a:t>
-            </a:r>
-            <a:endParaRPr lang="tr-TR" dirty="0"/>
-          </a:p>
-          <a:p>
-            <a:pPr marL="285750" indent="-285750">
-              <a:buFont typeface="Arial" panose="020B0604020202020204" pitchFamily="34" charset="0"/>
-              <a:buChar char="•"/>
-            </a:pPr>
-            <a:r>
-              <a:rPr lang="tr-TR" dirty="0"/>
-              <a:t>N</a:t>
-            </a:r>
-            <a:r>
-              <a:rPr lang="en-US" dirty="0"/>
-              <a:t>odes that share many connections should have similar embeddings</a:t>
-            </a:r>
-            <a:endParaRPr lang="tr-TR" dirty="0"/>
-          </a:p>
-        </p:txBody>
-      </p:sp>
-      <p:sp>
-        <p:nvSpPr>
-          <p:cNvPr id="3" name="Slayt Numarası Yer Tutucusu 2">
-            <a:extLst>
-              <a:ext uri="{FF2B5EF4-FFF2-40B4-BE49-F238E27FC236}">
-                <a16:creationId xmlns:a16="http://schemas.microsoft.com/office/drawing/2014/main" id="{FBC48307-7352-FB88-71AC-538ED2B986A6}"/>
-              </a:ext>
-            </a:extLst>
-          </p:cNvPr>
-          <p:cNvSpPr>
-            <a:spLocks noGrp="1"/>
-          </p:cNvSpPr>
-          <p:nvPr>
-            <p:ph type="sldNum" sz="quarter" idx="12"/>
-          </p:nvPr>
-        </p:nvSpPr>
-        <p:spPr/>
-        <p:txBody>
-          <a:bodyPr/>
-          <a:lstStyle/>
-          <a:p>
-            <a:fld id="{5EE8CF1A-B538-4EC4-8C50-33108C61C811}" type="slidenum">
-              <a:rPr lang="tr-TR" smtClean="0"/>
-              <a:t>3</a:t>
-            </a:fld>
-            <a:endParaRPr lang="tr-TR"/>
-          </a:p>
-        </p:txBody>
-      </p:sp>
-    </p:spTree>
-    <p:extLst>
-      <p:ext uri="{BB962C8B-B14F-4D97-AF65-F5344CB8AC3E}">
-        <p14:creationId xmlns:p14="http://schemas.microsoft.com/office/powerpoint/2010/main" val="2596578004"/>
       </p:ext>
     </p:extLst>
   </p:cSld>

--- a/Spherical Message Passing for 3D GNNs.pptx
+++ b/Spherical Message Passing for 3D GNNs.pptx
@@ -5,7 +5,7 @@
     <p:sldMasterId id="2147483672" r:id="rId1"/>
   </p:sldMasterIdLst>
   <p:notesMasterIdLst>
-    <p:notesMasterId r:id="rId32"/>
+    <p:notesMasterId r:id="rId29"/>
   </p:notesMasterIdLst>
   <p:sldIdLst>
     <p:sldId id="257" r:id="rId2"/>
@@ -28,16 +28,13 @@
     <p:sldId id="273" r:id="rId19"/>
     <p:sldId id="276" r:id="rId20"/>
     <p:sldId id="277" r:id="rId21"/>
-    <p:sldId id="278" r:id="rId22"/>
-    <p:sldId id="279" r:id="rId23"/>
-    <p:sldId id="274" r:id="rId24"/>
-    <p:sldId id="280" r:id="rId25"/>
-    <p:sldId id="284" r:id="rId26"/>
-    <p:sldId id="281" r:id="rId27"/>
-    <p:sldId id="282" r:id="rId28"/>
-    <p:sldId id="283" r:id="rId29"/>
-    <p:sldId id="285" r:id="rId30"/>
-    <p:sldId id="286" r:id="rId31"/>
+    <p:sldId id="279" r:id="rId22"/>
+    <p:sldId id="274" r:id="rId23"/>
+    <p:sldId id="280" r:id="rId24"/>
+    <p:sldId id="281" r:id="rId25"/>
+    <p:sldId id="283" r:id="rId26"/>
+    <p:sldId id="285" r:id="rId27"/>
+    <p:sldId id="286" r:id="rId28"/>
   </p:sldIdLst>
   <p:sldSz cx="12192000" cy="6858000"/>
   <p:notesSz cx="6858000" cy="9144000"/>
@@ -1410,7 +1407,7 @@
     </p:spTree>
     <p:extLst>
       <p:ext uri="{BB962C8B-B14F-4D97-AF65-F5344CB8AC3E}">
-        <p14:creationId xmlns:p14="http://schemas.microsoft.com/office/powerpoint/2010/main" val="3102054723"/>
+        <p14:creationId xmlns:p14="http://schemas.microsoft.com/office/powerpoint/2010/main" val="2453074727"/>
       </p:ext>
     </p:extLst>
   </p:cSld>
@@ -1464,6 +1461,38 @@
           <a:bodyPr/>
           <a:lstStyle/>
           <a:p>
+            <a:pPr marL="0" marR="0" lvl="0" indent="0" algn="l" defTabSz="914400" rtl="0" eaLnBrk="1" fontAlgn="auto" latinLnBrk="0" hangingPunct="1">
+              <a:lnSpc>
+                <a:spcPct val="100000"/>
+              </a:lnSpc>
+              <a:spcBef>
+                <a:spcPts val="0"/>
+              </a:spcBef>
+              <a:spcAft>
+                <a:spcPts val="0"/>
+              </a:spcAft>
+              <a:buClrTx/>
+              <a:buSzTx/>
+              <a:buFontTx/>
+              <a:buNone/>
+              <a:tabLst/>
+              <a:defRPr/>
+            </a:pPr>
+            <a:r>
+              <a:rPr lang="en-US" dirty="0"/>
+              <a:t>We first investigate the structure identification of 3D graphs in the spherical coordinate system. For any point in the SCS, its location is specified by a </a:t>
+            </a:r>
+            <a:r>
+              <a:rPr lang="en-US" b="1" dirty="0"/>
+              <a:t>3-tuple (d, θ, ϕ), </a:t>
+            </a:r>
+            <a:r>
+              <a:rPr lang="en-US" dirty="0"/>
+              <a:t>where d, θ, and ϕ denote the radial distance, polar angle, and the azimuthal angle, respectively.</a:t>
+            </a:r>
+            <a:endParaRPr lang="tr-TR" dirty="0"/>
+          </a:p>
+          <a:p>
             <a:endParaRPr lang="tr-TR" dirty="0"/>
           </a:p>
         </p:txBody>
@@ -1494,7 +1523,7 @@
     </p:spTree>
     <p:extLst>
       <p:ext uri="{BB962C8B-B14F-4D97-AF65-F5344CB8AC3E}">
-        <p14:creationId xmlns:p14="http://schemas.microsoft.com/office/powerpoint/2010/main" val="2453074727"/>
+        <p14:creationId xmlns:p14="http://schemas.microsoft.com/office/powerpoint/2010/main" val="989928709"/>
       </p:ext>
     </p:extLst>
   </p:cSld>
@@ -1549,13 +1578,797 @@
           <a:lstStyle/>
           <a:p>
             <a:r>
+              <a:rPr lang="tr-TR" sz="1800" dirty="0">
+                <a:effectLst/>
+                <a:latin typeface="Calibri" panose="020F0502020204030204" pitchFamily="34" charset="0"/>
+                <a:ea typeface="Calibri" panose="020F0502020204030204" pitchFamily="34" charset="0"/>
+                <a:cs typeface="Times New Roman" panose="02020603050405020304" pitchFamily="18" charset="0"/>
+              </a:rPr>
+              <a:t> </a:t>
+            </a:r>
+            <a:r>
+              <a:rPr lang="en-US" sz="1800" dirty="0">
+                <a:effectLst/>
+                <a:latin typeface="Calibri" panose="020F0502020204030204" pitchFamily="34" charset="0"/>
+                <a:ea typeface="Calibri" panose="020F0502020204030204" pitchFamily="34" charset="0"/>
+                <a:cs typeface="Times New Roman" panose="02020603050405020304" pitchFamily="18" charset="0"/>
+              </a:rPr>
+              <a:t>QM9 dataset, which is widely used for predicting various properties of molecules. It consists organic molecules composed of up to 9 heavy atoms</a:t>
+            </a:r>
+            <a:r>
+              <a:rPr lang="tr-TR" sz="1800" dirty="0">
+                <a:effectLst/>
+                <a:latin typeface="Calibri" panose="020F0502020204030204" pitchFamily="34" charset="0"/>
+                <a:ea typeface="Calibri" panose="020F0502020204030204" pitchFamily="34" charset="0"/>
+                <a:cs typeface="Times New Roman" panose="02020603050405020304" pitchFamily="18" charset="0"/>
+              </a:rPr>
+              <a:t>. </a:t>
+            </a:r>
+            <a:r>
+              <a:rPr lang="tr-TR" sz="1800" dirty="0" err="1">
+                <a:effectLst/>
+                <a:latin typeface="Calibri" panose="020F0502020204030204" pitchFamily="34" charset="0"/>
+                <a:ea typeface="Calibri" panose="020F0502020204030204" pitchFamily="34" charset="0"/>
+                <a:cs typeface="Times New Roman" panose="02020603050405020304" pitchFamily="18" charset="0"/>
+              </a:rPr>
+              <a:t>It</a:t>
+            </a:r>
+            <a:r>
+              <a:rPr lang="tr-TR" sz="1800" dirty="0">
+                <a:effectLst/>
+                <a:latin typeface="Calibri" panose="020F0502020204030204" pitchFamily="34" charset="0"/>
+                <a:ea typeface="Calibri" panose="020F0502020204030204" pitchFamily="34" charset="0"/>
+                <a:cs typeface="Times New Roman" panose="02020603050405020304" pitchFamily="18" charset="0"/>
+              </a:rPr>
+              <a:t> </a:t>
+            </a:r>
+            <a:r>
+              <a:rPr lang="tr-TR" sz="1800" dirty="0" err="1">
+                <a:effectLst/>
+                <a:latin typeface="Calibri" panose="020F0502020204030204" pitchFamily="34" charset="0"/>
+                <a:ea typeface="Calibri" panose="020F0502020204030204" pitchFamily="34" charset="0"/>
+                <a:cs typeface="Times New Roman" panose="02020603050405020304" pitchFamily="18" charset="0"/>
+              </a:rPr>
+              <a:t>consists</a:t>
+            </a:r>
+            <a:r>
+              <a:rPr lang="tr-TR" sz="1800" dirty="0">
+                <a:effectLst/>
+                <a:latin typeface="Calibri" panose="020F0502020204030204" pitchFamily="34" charset="0"/>
+                <a:ea typeface="Calibri" panose="020F0502020204030204" pitchFamily="34" charset="0"/>
+                <a:cs typeface="Times New Roman" panose="02020603050405020304" pitchFamily="18" charset="0"/>
+              </a:rPr>
+              <a:t> </a:t>
+            </a:r>
+            <a:r>
+              <a:rPr lang="tr-TR" sz="1800" dirty="0" err="1">
+                <a:effectLst/>
+                <a:latin typeface="Calibri" panose="020F0502020204030204" pitchFamily="34" charset="0"/>
+                <a:ea typeface="Calibri" panose="020F0502020204030204" pitchFamily="34" charset="0"/>
+                <a:cs typeface="Times New Roman" panose="02020603050405020304" pitchFamily="18" charset="0"/>
+              </a:rPr>
+              <a:t>organic</a:t>
+            </a:r>
+            <a:r>
+              <a:rPr lang="tr-TR" sz="1800" dirty="0">
+                <a:effectLst/>
+                <a:latin typeface="Calibri" panose="020F0502020204030204" pitchFamily="34" charset="0"/>
+                <a:ea typeface="Calibri" panose="020F0502020204030204" pitchFamily="34" charset="0"/>
+                <a:cs typeface="Times New Roman" panose="02020603050405020304" pitchFamily="18" charset="0"/>
+              </a:rPr>
+              <a:t> </a:t>
+            </a:r>
+            <a:r>
+              <a:rPr lang="tr-TR" sz="1800" dirty="0" err="1">
+                <a:effectLst/>
+                <a:latin typeface="Calibri" panose="020F0502020204030204" pitchFamily="34" charset="0"/>
+                <a:ea typeface="Calibri" panose="020F0502020204030204" pitchFamily="34" charset="0"/>
+                <a:cs typeface="Times New Roman" panose="02020603050405020304" pitchFamily="18" charset="0"/>
+              </a:rPr>
+              <a:t>molecules</a:t>
+            </a:r>
+            <a:r>
+              <a:rPr lang="tr-TR" sz="1800" dirty="0">
+                <a:effectLst/>
+                <a:latin typeface="Calibri" panose="020F0502020204030204" pitchFamily="34" charset="0"/>
+                <a:ea typeface="Calibri" panose="020F0502020204030204" pitchFamily="34" charset="0"/>
+                <a:cs typeface="Times New Roman" panose="02020603050405020304" pitchFamily="18" charset="0"/>
+              </a:rPr>
+              <a:t> </a:t>
+            </a:r>
+            <a:r>
+              <a:rPr lang="tr-TR" sz="1800" dirty="0" err="1">
+                <a:effectLst/>
+                <a:latin typeface="Calibri" panose="020F0502020204030204" pitchFamily="34" charset="0"/>
+                <a:ea typeface="Calibri" panose="020F0502020204030204" pitchFamily="34" charset="0"/>
+                <a:cs typeface="Times New Roman" panose="02020603050405020304" pitchFamily="18" charset="0"/>
+              </a:rPr>
+              <a:t>composed</a:t>
+            </a:r>
+            <a:r>
+              <a:rPr lang="tr-TR" sz="1800" dirty="0">
+                <a:effectLst/>
+                <a:latin typeface="Calibri" panose="020F0502020204030204" pitchFamily="34" charset="0"/>
+                <a:ea typeface="Calibri" panose="020F0502020204030204" pitchFamily="34" charset="0"/>
+                <a:cs typeface="Times New Roman" panose="02020603050405020304" pitchFamily="18" charset="0"/>
+              </a:rPr>
+              <a:t> of </a:t>
+            </a:r>
+            <a:r>
+              <a:rPr lang="tr-TR" sz="1800" dirty="0" err="1">
+                <a:effectLst/>
+                <a:latin typeface="Calibri" panose="020F0502020204030204" pitchFamily="34" charset="0"/>
+                <a:ea typeface="Calibri" panose="020F0502020204030204" pitchFamily="34" charset="0"/>
+                <a:cs typeface="Times New Roman" panose="02020603050405020304" pitchFamily="18" charset="0"/>
+              </a:rPr>
+              <a:t>up</a:t>
+            </a:r>
+            <a:r>
+              <a:rPr lang="tr-TR" sz="1800" dirty="0">
+                <a:effectLst/>
+                <a:latin typeface="Calibri" panose="020F0502020204030204" pitchFamily="34" charset="0"/>
+                <a:ea typeface="Calibri" panose="020F0502020204030204" pitchFamily="34" charset="0"/>
+                <a:cs typeface="Times New Roman" panose="02020603050405020304" pitchFamily="18" charset="0"/>
+              </a:rPr>
+              <a:t> </a:t>
+            </a:r>
+            <a:r>
+              <a:rPr lang="tr-TR" sz="1800" dirty="0" err="1">
+                <a:effectLst/>
+                <a:latin typeface="Calibri" panose="020F0502020204030204" pitchFamily="34" charset="0"/>
+                <a:ea typeface="Calibri" panose="020F0502020204030204" pitchFamily="34" charset="0"/>
+                <a:cs typeface="Times New Roman" panose="02020603050405020304" pitchFamily="18" charset="0"/>
+              </a:rPr>
+              <a:t>to</a:t>
+            </a:r>
+            <a:r>
+              <a:rPr lang="tr-TR" sz="1800" dirty="0">
+                <a:effectLst/>
+                <a:latin typeface="Calibri" panose="020F0502020204030204" pitchFamily="34" charset="0"/>
+                <a:ea typeface="Calibri" panose="020F0502020204030204" pitchFamily="34" charset="0"/>
+                <a:cs typeface="Times New Roman" panose="02020603050405020304" pitchFamily="18" charset="0"/>
+              </a:rPr>
+              <a:t> 9 </a:t>
+            </a:r>
+            <a:r>
+              <a:rPr lang="tr-TR" sz="1800" dirty="0" err="1">
+                <a:effectLst/>
+                <a:latin typeface="Calibri" panose="020F0502020204030204" pitchFamily="34" charset="0"/>
+                <a:ea typeface="Calibri" panose="020F0502020204030204" pitchFamily="34" charset="0"/>
+                <a:cs typeface="Times New Roman" panose="02020603050405020304" pitchFamily="18" charset="0"/>
+              </a:rPr>
+              <a:t>heavy</a:t>
+            </a:r>
+            <a:r>
+              <a:rPr lang="tr-TR" sz="1800" dirty="0">
+                <a:effectLst/>
+                <a:latin typeface="Calibri" panose="020F0502020204030204" pitchFamily="34" charset="0"/>
+                <a:ea typeface="Calibri" panose="020F0502020204030204" pitchFamily="34" charset="0"/>
+                <a:cs typeface="Times New Roman" panose="02020603050405020304" pitchFamily="18" charset="0"/>
+              </a:rPr>
+              <a:t> </a:t>
+            </a:r>
+            <a:r>
+              <a:rPr lang="tr-TR" sz="1800" dirty="0" err="1">
+                <a:effectLst/>
+                <a:latin typeface="Calibri" panose="020F0502020204030204" pitchFamily="34" charset="0"/>
+                <a:ea typeface="Calibri" panose="020F0502020204030204" pitchFamily="34" charset="0"/>
+                <a:cs typeface="Times New Roman" panose="02020603050405020304" pitchFamily="18" charset="0"/>
+              </a:rPr>
+              <a:t>atoms</a:t>
+            </a:r>
+            <a:r>
+              <a:rPr lang="tr-TR" sz="1800" dirty="0">
+                <a:effectLst/>
+                <a:latin typeface="Calibri" panose="020F0502020204030204" pitchFamily="34" charset="0"/>
+                <a:ea typeface="Calibri" panose="020F0502020204030204" pitchFamily="34" charset="0"/>
+                <a:cs typeface="Times New Roman" panose="02020603050405020304" pitchFamily="18" charset="0"/>
+              </a:rPr>
+              <a:t>. </a:t>
+            </a:r>
+            <a:r>
+              <a:rPr lang="tr-TR" sz="1800" dirty="0" err="1">
+                <a:effectLst/>
+                <a:latin typeface="Calibri" panose="020F0502020204030204" pitchFamily="34" charset="0"/>
+                <a:ea typeface="Calibri" panose="020F0502020204030204" pitchFamily="34" charset="0"/>
+                <a:cs typeface="Times New Roman" panose="02020603050405020304" pitchFamily="18" charset="0"/>
+              </a:rPr>
+              <a:t>Thus</a:t>
+            </a:r>
+            <a:r>
+              <a:rPr lang="tr-TR" sz="1800" dirty="0">
+                <a:effectLst/>
+                <a:latin typeface="Calibri" panose="020F0502020204030204" pitchFamily="34" charset="0"/>
+                <a:ea typeface="Calibri" panose="020F0502020204030204" pitchFamily="34" charset="0"/>
+                <a:cs typeface="Times New Roman" panose="02020603050405020304" pitchFamily="18" charset="0"/>
+              </a:rPr>
+              <a:t>, </a:t>
+            </a:r>
+            <a:r>
+              <a:rPr lang="tr-TR" sz="1800" dirty="0" err="1">
+                <a:effectLst/>
+                <a:latin typeface="Calibri" panose="020F0502020204030204" pitchFamily="34" charset="0"/>
+                <a:ea typeface="Calibri" panose="020F0502020204030204" pitchFamily="34" charset="0"/>
+                <a:cs typeface="Times New Roman" panose="02020603050405020304" pitchFamily="18" charset="0"/>
+              </a:rPr>
+              <a:t>this</a:t>
+            </a:r>
+            <a:r>
+              <a:rPr lang="tr-TR" sz="1800" dirty="0">
+                <a:effectLst/>
+                <a:latin typeface="Calibri" panose="020F0502020204030204" pitchFamily="34" charset="0"/>
+                <a:ea typeface="Calibri" panose="020F0502020204030204" pitchFamily="34" charset="0"/>
+                <a:cs typeface="Times New Roman" panose="02020603050405020304" pitchFamily="18" charset="0"/>
+              </a:rPr>
+              <a:t> test can </a:t>
+            </a:r>
+            <a:r>
+              <a:rPr lang="tr-TR" sz="1800" dirty="0" err="1">
+                <a:effectLst/>
+                <a:latin typeface="Calibri" panose="020F0502020204030204" pitchFamily="34" charset="0"/>
+                <a:ea typeface="Calibri" panose="020F0502020204030204" pitchFamily="34" charset="0"/>
+                <a:cs typeface="Times New Roman" panose="02020603050405020304" pitchFamily="18" charset="0"/>
+              </a:rPr>
+              <a:t>examine</a:t>
+            </a:r>
+            <a:r>
+              <a:rPr lang="tr-TR" sz="1800" dirty="0">
+                <a:effectLst/>
+                <a:latin typeface="Calibri" panose="020F0502020204030204" pitchFamily="34" charset="0"/>
+                <a:ea typeface="Calibri" panose="020F0502020204030204" pitchFamily="34" charset="0"/>
+                <a:cs typeface="Times New Roman" panose="02020603050405020304" pitchFamily="18" charset="0"/>
+              </a:rPr>
+              <a:t> </a:t>
+            </a:r>
+            <a:r>
+              <a:rPr lang="tr-TR" sz="1800" dirty="0" err="1">
+                <a:effectLst/>
+                <a:latin typeface="Calibri" panose="020F0502020204030204" pitchFamily="34" charset="0"/>
+                <a:ea typeface="Calibri" panose="020F0502020204030204" pitchFamily="34" charset="0"/>
+                <a:cs typeface="Times New Roman" panose="02020603050405020304" pitchFamily="18" charset="0"/>
+              </a:rPr>
+              <a:t>the</a:t>
+            </a:r>
+            <a:r>
+              <a:rPr lang="tr-TR" sz="1800" dirty="0">
+                <a:effectLst/>
+                <a:latin typeface="Calibri" panose="020F0502020204030204" pitchFamily="34" charset="0"/>
+                <a:ea typeface="Calibri" panose="020F0502020204030204" pitchFamily="34" charset="0"/>
+                <a:cs typeface="Times New Roman" panose="02020603050405020304" pitchFamily="18" charset="0"/>
+              </a:rPr>
+              <a:t> </a:t>
+            </a:r>
+            <a:r>
+              <a:rPr lang="tr-TR" sz="1800" dirty="0" err="1">
+                <a:effectLst/>
+                <a:latin typeface="Calibri" panose="020F0502020204030204" pitchFamily="34" charset="0"/>
+                <a:ea typeface="Calibri" panose="020F0502020204030204" pitchFamily="34" charset="0"/>
+                <a:cs typeface="Times New Roman" panose="02020603050405020304" pitchFamily="18" charset="0"/>
+              </a:rPr>
+              <a:t>power</a:t>
+            </a:r>
+            <a:r>
+              <a:rPr lang="tr-TR" sz="1800" dirty="0">
+                <a:effectLst/>
+                <a:latin typeface="Calibri" panose="020F0502020204030204" pitchFamily="34" charset="0"/>
+                <a:ea typeface="Calibri" panose="020F0502020204030204" pitchFamily="34" charset="0"/>
+                <a:cs typeface="Times New Roman" panose="02020603050405020304" pitchFamily="18" charset="0"/>
+              </a:rPr>
+              <a:t> of </a:t>
+            </a:r>
+            <a:r>
+              <a:rPr lang="tr-TR" sz="1800" dirty="0" err="1">
+                <a:effectLst/>
+                <a:latin typeface="Calibri" panose="020F0502020204030204" pitchFamily="34" charset="0"/>
+                <a:ea typeface="Calibri" panose="020F0502020204030204" pitchFamily="34" charset="0"/>
+                <a:cs typeface="Times New Roman" panose="02020603050405020304" pitchFamily="18" charset="0"/>
+              </a:rPr>
+              <a:t>the</a:t>
+            </a:r>
+            <a:r>
+              <a:rPr lang="tr-TR" sz="1800" dirty="0">
+                <a:effectLst/>
+                <a:latin typeface="Calibri" panose="020F0502020204030204" pitchFamily="34" charset="0"/>
+                <a:ea typeface="Calibri" panose="020F0502020204030204" pitchFamily="34" charset="0"/>
+                <a:cs typeface="Times New Roman" panose="02020603050405020304" pitchFamily="18" charset="0"/>
+              </a:rPr>
+              <a:t> </a:t>
+            </a:r>
+            <a:r>
+              <a:rPr lang="tr-TR" sz="1800" dirty="0" err="1">
+                <a:effectLst/>
+                <a:latin typeface="Calibri" panose="020F0502020204030204" pitchFamily="34" charset="0"/>
+                <a:ea typeface="Calibri" panose="020F0502020204030204" pitchFamily="34" charset="0"/>
+                <a:cs typeface="Times New Roman" panose="02020603050405020304" pitchFamily="18" charset="0"/>
+              </a:rPr>
+              <a:t>SphereNet</a:t>
+            </a:r>
+            <a:r>
+              <a:rPr lang="tr-TR" sz="1800" dirty="0">
+                <a:effectLst/>
+                <a:latin typeface="Calibri" panose="020F0502020204030204" pitchFamily="34" charset="0"/>
+                <a:ea typeface="Calibri" panose="020F0502020204030204" pitchFamily="34" charset="0"/>
+                <a:cs typeface="Times New Roman" panose="02020603050405020304" pitchFamily="18" charset="0"/>
+              </a:rPr>
+              <a:t> </a:t>
+            </a:r>
+            <a:r>
+              <a:rPr lang="tr-TR" sz="1800" dirty="0" err="1">
+                <a:effectLst/>
+                <a:latin typeface="Calibri" panose="020F0502020204030204" pitchFamily="34" charset="0"/>
+                <a:ea typeface="Calibri" panose="020F0502020204030204" pitchFamily="34" charset="0"/>
+                <a:cs typeface="Times New Roman" panose="02020603050405020304" pitchFamily="18" charset="0"/>
+              </a:rPr>
+              <a:t>for</a:t>
+            </a:r>
+            <a:r>
+              <a:rPr lang="tr-TR" sz="1800" dirty="0">
+                <a:effectLst/>
+                <a:latin typeface="Calibri" panose="020F0502020204030204" pitchFamily="34" charset="0"/>
+                <a:ea typeface="Calibri" panose="020F0502020204030204" pitchFamily="34" charset="0"/>
+                <a:cs typeface="Times New Roman" panose="02020603050405020304" pitchFamily="18" charset="0"/>
+              </a:rPr>
+              <a:t> </a:t>
+            </a:r>
+            <a:r>
+              <a:rPr lang="tr-TR" sz="1800" dirty="0" err="1">
+                <a:effectLst/>
+                <a:latin typeface="Calibri" panose="020F0502020204030204" pitchFamily="34" charset="0"/>
+                <a:ea typeface="Calibri" panose="020F0502020204030204" pitchFamily="34" charset="0"/>
+                <a:cs typeface="Times New Roman" panose="02020603050405020304" pitchFamily="18" charset="0"/>
+              </a:rPr>
+              <a:t>similar</a:t>
+            </a:r>
+            <a:r>
+              <a:rPr lang="tr-TR" sz="1800" dirty="0">
+                <a:effectLst/>
+                <a:latin typeface="Calibri" panose="020F0502020204030204" pitchFamily="34" charset="0"/>
+                <a:ea typeface="Calibri" panose="020F0502020204030204" pitchFamily="34" charset="0"/>
+                <a:cs typeface="Times New Roman" panose="02020603050405020304" pitchFamily="18" charset="0"/>
+              </a:rPr>
+              <a:t> </a:t>
+            </a:r>
+            <a:r>
+              <a:rPr lang="tr-TR" sz="1800" dirty="0" err="1">
+                <a:effectLst/>
+                <a:latin typeface="Calibri" panose="020F0502020204030204" pitchFamily="34" charset="0"/>
+                <a:ea typeface="Calibri" panose="020F0502020204030204" pitchFamily="34" charset="0"/>
+                <a:cs typeface="Times New Roman" panose="02020603050405020304" pitchFamily="18" charset="0"/>
+              </a:rPr>
+              <a:t>quantum</a:t>
+            </a:r>
+            <a:r>
+              <a:rPr lang="tr-TR" sz="1800" dirty="0">
+                <a:effectLst/>
+                <a:latin typeface="Calibri" panose="020F0502020204030204" pitchFamily="34" charset="0"/>
+                <a:ea typeface="Calibri" panose="020F0502020204030204" pitchFamily="34" charset="0"/>
+                <a:cs typeface="Times New Roman" panose="02020603050405020304" pitchFamily="18" charset="0"/>
+              </a:rPr>
+              <a:t> </a:t>
+            </a:r>
+            <a:r>
+              <a:rPr lang="tr-TR" sz="1800" dirty="0" err="1">
+                <a:effectLst/>
+                <a:latin typeface="Calibri" panose="020F0502020204030204" pitchFamily="34" charset="0"/>
+                <a:ea typeface="Calibri" panose="020F0502020204030204" pitchFamily="34" charset="0"/>
+                <a:cs typeface="Times New Roman" panose="02020603050405020304" pitchFamily="18" charset="0"/>
+              </a:rPr>
+              <a:t>chemistry</a:t>
+            </a:r>
+            <a:r>
+              <a:rPr lang="tr-TR" sz="1800" dirty="0">
+                <a:effectLst/>
+                <a:latin typeface="Calibri" panose="020F0502020204030204" pitchFamily="34" charset="0"/>
+                <a:ea typeface="Calibri" panose="020F0502020204030204" pitchFamily="34" charset="0"/>
+                <a:cs typeface="Times New Roman" panose="02020603050405020304" pitchFamily="18" charset="0"/>
+              </a:rPr>
+              <a:t> </a:t>
+            </a:r>
+            <a:r>
+              <a:rPr lang="tr-TR" sz="1800" dirty="0" err="1">
+                <a:effectLst/>
+                <a:latin typeface="Calibri" panose="020F0502020204030204" pitchFamily="34" charset="0"/>
+                <a:ea typeface="Calibri" panose="020F0502020204030204" pitchFamily="34" charset="0"/>
+                <a:cs typeface="Times New Roman" panose="02020603050405020304" pitchFamily="18" charset="0"/>
+              </a:rPr>
+              <a:t>systems</a:t>
+            </a:r>
+            <a:r>
+              <a:rPr lang="tr-TR" sz="1800" dirty="0">
+                <a:effectLst/>
+                <a:latin typeface="Calibri" panose="020F0502020204030204" pitchFamily="34" charset="0"/>
+                <a:ea typeface="Calibri" panose="020F0502020204030204" pitchFamily="34" charset="0"/>
+                <a:cs typeface="Times New Roman" panose="02020603050405020304" pitchFamily="18" charset="0"/>
+              </a:rPr>
+              <a:t>. </a:t>
+            </a:r>
+            <a:r>
+              <a:rPr lang="tr-TR" sz="1800" dirty="0" err="1">
+                <a:effectLst/>
+                <a:latin typeface="Calibri" panose="020F0502020204030204" pitchFamily="34" charset="0"/>
+                <a:ea typeface="Calibri" panose="020F0502020204030204" pitchFamily="34" charset="0"/>
+                <a:cs typeface="Times New Roman" panose="02020603050405020304" pitchFamily="18" charset="0"/>
+              </a:rPr>
+              <a:t>The</a:t>
+            </a:r>
+            <a:r>
+              <a:rPr lang="tr-TR" sz="1800" dirty="0">
+                <a:effectLst/>
+                <a:latin typeface="Calibri" panose="020F0502020204030204" pitchFamily="34" charset="0"/>
+                <a:ea typeface="Calibri" panose="020F0502020204030204" pitchFamily="34" charset="0"/>
+                <a:cs typeface="Times New Roman" panose="02020603050405020304" pitchFamily="18" charset="0"/>
+              </a:rPr>
+              <a:t> </a:t>
+            </a:r>
+            <a:r>
+              <a:rPr lang="tr-TR" sz="1800" dirty="0" err="1">
+                <a:effectLst/>
+                <a:latin typeface="Calibri" panose="020F0502020204030204" pitchFamily="34" charset="0"/>
+                <a:ea typeface="Calibri" panose="020F0502020204030204" pitchFamily="34" charset="0"/>
+                <a:cs typeface="Times New Roman" panose="02020603050405020304" pitchFamily="18" charset="0"/>
+              </a:rPr>
+              <a:t>dataset</a:t>
+            </a:r>
+            <a:r>
+              <a:rPr lang="tr-TR" sz="1800" dirty="0">
+                <a:effectLst/>
+                <a:latin typeface="Calibri" panose="020F0502020204030204" pitchFamily="34" charset="0"/>
+                <a:ea typeface="Calibri" panose="020F0502020204030204" pitchFamily="34" charset="0"/>
+                <a:cs typeface="Times New Roman" panose="02020603050405020304" pitchFamily="18" charset="0"/>
+              </a:rPr>
+              <a:t> is </a:t>
+            </a:r>
+            <a:r>
+              <a:rPr lang="tr-TR" sz="1800" dirty="0" err="1">
+                <a:effectLst/>
+                <a:latin typeface="Calibri" panose="020F0502020204030204" pitchFamily="34" charset="0"/>
+                <a:ea typeface="Calibri" panose="020F0502020204030204" pitchFamily="34" charset="0"/>
+                <a:cs typeface="Times New Roman" panose="02020603050405020304" pitchFamily="18" charset="0"/>
+              </a:rPr>
+              <a:t>original</a:t>
+            </a:r>
+            <a:r>
+              <a:rPr lang="tr-TR" sz="1800" dirty="0">
+                <a:effectLst/>
+                <a:latin typeface="Calibri" panose="020F0502020204030204" pitchFamily="34" charset="0"/>
+                <a:ea typeface="Calibri" panose="020F0502020204030204" pitchFamily="34" charset="0"/>
+                <a:cs typeface="Times New Roman" panose="02020603050405020304" pitchFamily="18" charset="0"/>
+              </a:rPr>
+              <a:t> </a:t>
+            </a:r>
+            <a:r>
+              <a:rPr lang="tr-TR" sz="1800" dirty="0" err="1">
+                <a:effectLst/>
+                <a:latin typeface="Calibri" panose="020F0502020204030204" pitchFamily="34" charset="0"/>
+                <a:ea typeface="Calibri" panose="020F0502020204030204" pitchFamily="34" charset="0"/>
+                <a:cs typeface="Times New Roman" panose="02020603050405020304" pitchFamily="18" charset="0"/>
+              </a:rPr>
+              <a:t>split</a:t>
+            </a:r>
+            <a:r>
+              <a:rPr lang="tr-TR" sz="1800" dirty="0">
+                <a:effectLst/>
+                <a:latin typeface="Calibri" panose="020F0502020204030204" pitchFamily="34" charset="0"/>
+                <a:ea typeface="Calibri" panose="020F0502020204030204" pitchFamily="34" charset="0"/>
+                <a:cs typeface="Times New Roman" panose="02020603050405020304" pitchFamily="18" charset="0"/>
+              </a:rPr>
+              <a:t> </a:t>
+            </a:r>
+            <a:r>
+              <a:rPr lang="tr-TR" sz="1800" dirty="0" err="1">
+                <a:effectLst/>
+                <a:latin typeface="Calibri" panose="020F0502020204030204" pitchFamily="34" charset="0"/>
+                <a:ea typeface="Calibri" panose="020F0502020204030204" pitchFamily="34" charset="0"/>
+                <a:cs typeface="Times New Roman" panose="02020603050405020304" pitchFamily="18" charset="0"/>
+              </a:rPr>
+              <a:t>into</a:t>
+            </a:r>
+            <a:r>
+              <a:rPr lang="tr-TR" sz="1800" dirty="0">
+                <a:effectLst/>
+                <a:latin typeface="Calibri" panose="020F0502020204030204" pitchFamily="34" charset="0"/>
+                <a:ea typeface="Calibri" panose="020F0502020204030204" pitchFamily="34" charset="0"/>
+                <a:cs typeface="Times New Roman" panose="02020603050405020304" pitchFamily="18" charset="0"/>
+              </a:rPr>
+              <a:t> </a:t>
+            </a:r>
+            <a:r>
+              <a:rPr lang="tr-TR" sz="1800" dirty="0" err="1">
+                <a:effectLst/>
+                <a:latin typeface="Calibri" panose="020F0502020204030204" pitchFamily="34" charset="0"/>
+                <a:ea typeface="Calibri" panose="020F0502020204030204" pitchFamily="34" charset="0"/>
+                <a:cs typeface="Times New Roman" panose="02020603050405020304" pitchFamily="18" charset="0"/>
+              </a:rPr>
+              <a:t>three</a:t>
+            </a:r>
+            <a:r>
+              <a:rPr lang="tr-TR" sz="1800" dirty="0">
+                <a:effectLst/>
+                <a:latin typeface="Calibri" panose="020F0502020204030204" pitchFamily="34" charset="0"/>
+                <a:ea typeface="Calibri" panose="020F0502020204030204" pitchFamily="34" charset="0"/>
+                <a:cs typeface="Times New Roman" panose="02020603050405020304" pitchFamily="18" charset="0"/>
+              </a:rPr>
+              <a:t> </a:t>
+            </a:r>
+            <a:r>
+              <a:rPr lang="tr-TR" sz="1800" dirty="0" err="1">
+                <a:effectLst/>
+                <a:latin typeface="Calibri" panose="020F0502020204030204" pitchFamily="34" charset="0"/>
+                <a:ea typeface="Calibri" panose="020F0502020204030204" pitchFamily="34" charset="0"/>
+                <a:cs typeface="Times New Roman" panose="02020603050405020304" pitchFamily="18" charset="0"/>
+              </a:rPr>
+              <a:t>sets</a:t>
+            </a:r>
+            <a:r>
+              <a:rPr lang="tr-TR" sz="1800" dirty="0">
+                <a:effectLst/>
+                <a:latin typeface="Calibri" panose="020F0502020204030204" pitchFamily="34" charset="0"/>
+                <a:ea typeface="Calibri" panose="020F0502020204030204" pitchFamily="34" charset="0"/>
+                <a:cs typeface="Times New Roman" panose="02020603050405020304" pitchFamily="18" charset="0"/>
+              </a:rPr>
+              <a:t>, </a:t>
+            </a:r>
+            <a:r>
+              <a:rPr lang="tr-TR" sz="1800" dirty="0" err="1">
+                <a:effectLst/>
+                <a:latin typeface="Calibri" panose="020F0502020204030204" pitchFamily="34" charset="0"/>
+                <a:ea typeface="Calibri" panose="020F0502020204030204" pitchFamily="34" charset="0"/>
+                <a:cs typeface="Times New Roman" panose="02020603050405020304" pitchFamily="18" charset="0"/>
+              </a:rPr>
+              <a:t>where</a:t>
+            </a:r>
+            <a:r>
+              <a:rPr lang="tr-TR" sz="1800" dirty="0">
+                <a:effectLst/>
+                <a:latin typeface="Calibri" panose="020F0502020204030204" pitchFamily="34" charset="0"/>
+                <a:ea typeface="Calibri" panose="020F0502020204030204" pitchFamily="34" charset="0"/>
+                <a:cs typeface="Times New Roman" panose="02020603050405020304" pitchFamily="18" charset="0"/>
+              </a:rPr>
+              <a:t> </a:t>
+            </a:r>
+            <a:r>
+              <a:rPr lang="tr-TR" sz="1800" dirty="0" err="1">
+                <a:effectLst/>
+                <a:latin typeface="Calibri" panose="020F0502020204030204" pitchFamily="34" charset="0"/>
+                <a:ea typeface="Calibri" panose="020F0502020204030204" pitchFamily="34" charset="0"/>
+                <a:cs typeface="Times New Roman" panose="02020603050405020304" pitchFamily="18" charset="0"/>
+              </a:rPr>
+              <a:t>the</a:t>
+            </a:r>
+            <a:r>
+              <a:rPr lang="tr-TR" sz="1800" dirty="0">
+                <a:effectLst/>
+                <a:latin typeface="Calibri" panose="020F0502020204030204" pitchFamily="34" charset="0"/>
+                <a:ea typeface="Calibri" panose="020F0502020204030204" pitchFamily="34" charset="0"/>
+                <a:cs typeface="Times New Roman" panose="02020603050405020304" pitchFamily="18" charset="0"/>
+              </a:rPr>
+              <a:t> </a:t>
+            </a:r>
+            <a:r>
+              <a:rPr lang="tr-TR" sz="1800" dirty="0" err="1">
+                <a:effectLst/>
+                <a:latin typeface="Calibri" panose="020F0502020204030204" pitchFamily="34" charset="0"/>
+                <a:ea typeface="Calibri" panose="020F0502020204030204" pitchFamily="34" charset="0"/>
+                <a:cs typeface="Times New Roman" panose="02020603050405020304" pitchFamily="18" charset="0"/>
+              </a:rPr>
+              <a:t>training</a:t>
+            </a:r>
+            <a:r>
+              <a:rPr lang="tr-TR" sz="1800" dirty="0">
+                <a:effectLst/>
+                <a:latin typeface="Calibri" panose="020F0502020204030204" pitchFamily="34" charset="0"/>
+                <a:ea typeface="Calibri" panose="020F0502020204030204" pitchFamily="34" charset="0"/>
+                <a:cs typeface="Times New Roman" panose="02020603050405020304" pitchFamily="18" charset="0"/>
+              </a:rPr>
+              <a:t> set </a:t>
+            </a:r>
+            <a:r>
+              <a:rPr lang="tr-TR" sz="1800" dirty="0" err="1">
+                <a:effectLst/>
+                <a:latin typeface="Calibri" panose="020F0502020204030204" pitchFamily="34" charset="0"/>
+                <a:ea typeface="Calibri" panose="020F0502020204030204" pitchFamily="34" charset="0"/>
+                <a:cs typeface="Times New Roman" panose="02020603050405020304" pitchFamily="18" charset="0"/>
+              </a:rPr>
+              <a:t>contains</a:t>
+            </a:r>
+            <a:r>
+              <a:rPr lang="tr-TR" sz="1800" dirty="0">
+                <a:effectLst/>
+                <a:latin typeface="Calibri" panose="020F0502020204030204" pitchFamily="34" charset="0"/>
+                <a:ea typeface="Calibri" panose="020F0502020204030204" pitchFamily="34" charset="0"/>
+                <a:cs typeface="Times New Roman" panose="02020603050405020304" pitchFamily="18" charset="0"/>
+              </a:rPr>
+              <a:t> 110 000, </a:t>
+            </a:r>
+            <a:r>
+              <a:rPr lang="tr-TR" sz="1800" dirty="0" err="1">
+                <a:effectLst/>
+                <a:latin typeface="Calibri" panose="020F0502020204030204" pitchFamily="34" charset="0"/>
+                <a:ea typeface="Calibri" panose="020F0502020204030204" pitchFamily="34" charset="0"/>
+                <a:cs typeface="Times New Roman" panose="02020603050405020304" pitchFamily="18" charset="0"/>
+              </a:rPr>
+              <a:t>the</a:t>
+            </a:r>
+            <a:r>
+              <a:rPr lang="tr-TR" sz="1800" dirty="0">
+                <a:effectLst/>
+                <a:latin typeface="Calibri" panose="020F0502020204030204" pitchFamily="34" charset="0"/>
+                <a:ea typeface="Calibri" panose="020F0502020204030204" pitchFamily="34" charset="0"/>
+                <a:cs typeface="Times New Roman" panose="02020603050405020304" pitchFamily="18" charset="0"/>
+              </a:rPr>
+              <a:t> </a:t>
+            </a:r>
+            <a:r>
+              <a:rPr lang="tr-TR" sz="1800" dirty="0" err="1">
+                <a:effectLst/>
+                <a:latin typeface="Calibri" panose="020F0502020204030204" pitchFamily="34" charset="0"/>
+                <a:ea typeface="Calibri" panose="020F0502020204030204" pitchFamily="34" charset="0"/>
+                <a:cs typeface="Times New Roman" panose="02020603050405020304" pitchFamily="18" charset="0"/>
+              </a:rPr>
+              <a:t>validation</a:t>
+            </a:r>
+            <a:r>
+              <a:rPr lang="tr-TR" sz="1800" dirty="0">
+                <a:effectLst/>
+                <a:latin typeface="Calibri" panose="020F0502020204030204" pitchFamily="34" charset="0"/>
+                <a:ea typeface="Calibri" panose="020F0502020204030204" pitchFamily="34" charset="0"/>
+                <a:cs typeface="Times New Roman" panose="02020603050405020304" pitchFamily="18" charset="0"/>
+              </a:rPr>
+              <a:t> set </a:t>
+            </a:r>
+            <a:r>
+              <a:rPr lang="tr-TR" sz="1800" dirty="0" err="1">
+                <a:effectLst/>
+                <a:latin typeface="Calibri" panose="020F0502020204030204" pitchFamily="34" charset="0"/>
+                <a:ea typeface="Calibri" panose="020F0502020204030204" pitchFamily="34" charset="0"/>
+                <a:cs typeface="Times New Roman" panose="02020603050405020304" pitchFamily="18" charset="0"/>
+              </a:rPr>
+              <a:t>contains</a:t>
+            </a:r>
+            <a:r>
+              <a:rPr lang="tr-TR" sz="1800" dirty="0">
+                <a:effectLst/>
+                <a:latin typeface="Calibri" panose="020F0502020204030204" pitchFamily="34" charset="0"/>
+                <a:ea typeface="Calibri" panose="020F0502020204030204" pitchFamily="34" charset="0"/>
+                <a:cs typeface="Times New Roman" panose="02020603050405020304" pitchFamily="18" charset="0"/>
+              </a:rPr>
+              <a:t> 10 000, </a:t>
+            </a:r>
+            <a:r>
+              <a:rPr lang="tr-TR" sz="1800" dirty="0" err="1">
+                <a:effectLst/>
+                <a:latin typeface="Calibri" panose="020F0502020204030204" pitchFamily="34" charset="0"/>
+                <a:ea typeface="Calibri" panose="020F0502020204030204" pitchFamily="34" charset="0"/>
+                <a:cs typeface="Times New Roman" panose="02020603050405020304" pitchFamily="18" charset="0"/>
+              </a:rPr>
+              <a:t>and</a:t>
+            </a:r>
+            <a:r>
+              <a:rPr lang="tr-TR" sz="1800" dirty="0">
+                <a:effectLst/>
+                <a:latin typeface="Calibri" panose="020F0502020204030204" pitchFamily="34" charset="0"/>
+                <a:ea typeface="Calibri" panose="020F0502020204030204" pitchFamily="34" charset="0"/>
+                <a:cs typeface="Times New Roman" panose="02020603050405020304" pitchFamily="18" charset="0"/>
+              </a:rPr>
+              <a:t> </a:t>
+            </a:r>
+            <a:r>
+              <a:rPr lang="tr-TR" sz="1800" dirty="0" err="1">
+                <a:effectLst/>
+                <a:latin typeface="Calibri" panose="020F0502020204030204" pitchFamily="34" charset="0"/>
+                <a:ea typeface="Calibri" panose="020F0502020204030204" pitchFamily="34" charset="0"/>
+                <a:cs typeface="Times New Roman" panose="02020603050405020304" pitchFamily="18" charset="0"/>
+              </a:rPr>
+              <a:t>the</a:t>
+            </a:r>
+            <a:r>
+              <a:rPr lang="tr-TR" sz="1800" dirty="0">
+                <a:effectLst/>
+                <a:latin typeface="Calibri" panose="020F0502020204030204" pitchFamily="34" charset="0"/>
+                <a:ea typeface="Calibri" panose="020F0502020204030204" pitchFamily="34" charset="0"/>
+                <a:cs typeface="Times New Roman" panose="02020603050405020304" pitchFamily="18" charset="0"/>
+              </a:rPr>
+              <a:t> test set </a:t>
+            </a:r>
+            <a:r>
+              <a:rPr lang="tr-TR" sz="1800" dirty="0" err="1">
+                <a:effectLst/>
+                <a:latin typeface="Calibri" panose="020F0502020204030204" pitchFamily="34" charset="0"/>
+                <a:ea typeface="Calibri" panose="020F0502020204030204" pitchFamily="34" charset="0"/>
+                <a:cs typeface="Times New Roman" panose="02020603050405020304" pitchFamily="18" charset="0"/>
+              </a:rPr>
+              <a:t>contains</a:t>
+            </a:r>
+            <a:r>
+              <a:rPr lang="tr-TR" sz="1800" dirty="0">
+                <a:effectLst/>
+                <a:latin typeface="Calibri" panose="020F0502020204030204" pitchFamily="34" charset="0"/>
+                <a:ea typeface="Calibri" panose="020F0502020204030204" pitchFamily="34" charset="0"/>
+                <a:cs typeface="Times New Roman" panose="02020603050405020304" pitchFamily="18" charset="0"/>
+              </a:rPr>
+              <a:t> 10 831 </a:t>
+            </a:r>
+            <a:r>
+              <a:rPr lang="tr-TR" sz="1800" dirty="0" err="1">
+                <a:effectLst/>
+                <a:latin typeface="Calibri" panose="020F0502020204030204" pitchFamily="34" charset="0"/>
+                <a:ea typeface="Calibri" panose="020F0502020204030204" pitchFamily="34" charset="0"/>
+                <a:cs typeface="Times New Roman" panose="02020603050405020304" pitchFamily="18" charset="0"/>
+              </a:rPr>
+              <a:t>molecules</a:t>
+            </a:r>
+            <a:r>
+              <a:rPr lang="tr-TR" sz="1800" dirty="0">
+                <a:effectLst/>
+                <a:latin typeface="Calibri" panose="020F0502020204030204" pitchFamily="34" charset="0"/>
+                <a:ea typeface="Calibri" panose="020F0502020204030204" pitchFamily="34" charset="0"/>
+                <a:cs typeface="Times New Roman" panose="02020603050405020304" pitchFamily="18" charset="0"/>
+              </a:rPr>
+              <a:t>. </a:t>
+            </a:r>
+            <a:r>
+              <a:rPr lang="en-US" b="0" i="0" dirty="0">
+                <a:solidFill>
+                  <a:srgbClr val="000000"/>
+                </a:solidFill>
+                <a:effectLst/>
+                <a:latin typeface="Times New Roman" panose="02020603050405020304" pitchFamily="18" charset="0"/>
+              </a:rPr>
+              <a:t>The zero point corrected total energy E</a:t>
+            </a:r>
+            <a:r>
+              <a:rPr lang="en-US" b="0" i="0" baseline="-25000" dirty="0">
+                <a:solidFill>
+                  <a:srgbClr val="000000"/>
+                </a:solidFill>
+                <a:effectLst/>
+                <a:latin typeface="Times New Roman" panose="02020603050405020304" pitchFamily="18" charset="0"/>
+              </a:rPr>
+              <a:t>0</a:t>
+            </a:r>
+            <a:r>
+              <a:rPr lang="en-US" b="0" i="0" dirty="0">
+                <a:solidFill>
+                  <a:srgbClr val="000000"/>
+                </a:solidFill>
+                <a:effectLst/>
+                <a:latin typeface="Times New Roman" panose="02020603050405020304" pitchFamily="18" charset="0"/>
+              </a:rPr>
+              <a:t> is the sum of the total electronic energy </a:t>
+            </a:r>
+            <a:r>
+              <a:rPr lang="en-US" b="0" i="0" dirty="0" err="1">
+                <a:solidFill>
+                  <a:srgbClr val="000000"/>
+                </a:solidFill>
+                <a:effectLst/>
+                <a:latin typeface="Times New Roman" panose="02020603050405020304" pitchFamily="18" charset="0"/>
+              </a:rPr>
+              <a:t>E</a:t>
+            </a:r>
+            <a:r>
+              <a:rPr lang="en-US" b="0" i="0" baseline="-25000" dirty="0" err="1">
+                <a:solidFill>
+                  <a:srgbClr val="000000"/>
+                </a:solidFill>
+                <a:effectLst/>
+                <a:latin typeface="Times New Roman" panose="02020603050405020304" pitchFamily="18" charset="0"/>
+              </a:rPr>
+              <a:t>tot</a:t>
+            </a:r>
+            <a:r>
+              <a:rPr lang="en-US" b="0" i="0" dirty="0">
+                <a:solidFill>
+                  <a:srgbClr val="000000"/>
+                </a:solidFill>
+                <a:effectLst/>
+                <a:latin typeface="Times New Roman" panose="02020603050405020304" pitchFamily="18" charset="0"/>
+              </a:rPr>
+              <a:t> and the zero point vibrational energy ZPVE:</a:t>
+            </a:r>
+            <a:br>
               <a:rPr lang="en-US" dirty="0"/>
-              <a:t>e QM9 dataset, which is widely used for predicting various properties of molecules. It consists organic molecules composed of up to 9 heavy atoms</a:t>
-            </a:r>
-            <a:r>
-              <a:rPr lang="tr-TR"/>
-              <a:t>.</a:t>
-            </a:r>
+            </a:br>
             <a:endParaRPr lang="tr-TR" dirty="0"/>
           </a:p>
         </p:txBody>
@@ -1577,7 +2390,7 @@
           <a:p>
             <a:fld id="{58B7696A-EC1F-4D21-A44C-14F51C4E763D}" type="slidenum">
               <a:rPr lang="tr-TR" smtClean="0"/>
-              <a:t>26</a:t>
+              <a:t>24</a:t>
             </a:fld>
             <a:endParaRPr lang="tr-TR"/>
           </a:p>
@@ -1587,6 +2400,846 @@
     <p:extLst>
       <p:ext uri="{BB962C8B-B14F-4D97-AF65-F5344CB8AC3E}">
         <p14:creationId xmlns:p14="http://schemas.microsoft.com/office/powerpoint/2010/main" val="4264595596"/>
+      </p:ext>
+    </p:extLst>
+  </p:cSld>
+  <p:clrMapOvr>
+    <a:masterClrMapping/>
+  </p:clrMapOvr>
+</p:notes>
+</file>
+
+<file path=ppt/notesSlides/notesSlide8.xml><?xml version="1.0" encoding="utf-8"?>
+<p:notes xmlns:a="http://schemas.openxmlformats.org/drawingml/2006/main" xmlns:r="http://schemas.openxmlformats.org/officeDocument/2006/relationships" xmlns:p="http://schemas.openxmlformats.org/presentationml/2006/main">
+  <p:cSld>
+    <p:spTree>
+      <p:nvGrpSpPr>
+        <p:cNvPr id="1" name=""/>
+        <p:cNvGrpSpPr/>
+        <p:nvPr/>
+      </p:nvGrpSpPr>
+      <p:grpSpPr>
+        <a:xfrm>
+          <a:off x="0" y="0"/>
+          <a:ext cx="0" cy="0"/>
+          <a:chOff x="0" y="0"/>
+          <a:chExt cx="0" cy="0"/>
+        </a:xfrm>
+      </p:grpSpPr>
+      <p:sp>
+        <p:nvSpPr>
+          <p:cNvPr id="2" name="Slayt Resmi Yer Tutucusu 1"/>
+          <p:cNvSpPr>
+            <a:spLocks noGrp="1" noRot="1" noChangeAspect="1"/>
+          </p:cNvSpPr>
+          <p:nvPr>
+            <p:ph type="sldImg"/>
+          </p:nvPr>
+        </p:nvSpPr>
+        <p:spPr/>
+      </p:sp>
+      <p:sp>
+        <p:nvSpPr>
+          <p:cNvPr id="3" name="Not Yer Tutucusu 2"/>
+          <p:cNvSpPr>
+            <a:spLocks noGrp="1"/>
+          </p:cNvSpPr>
+          <p:nvPr>
+            <p:ph type="body" idx="1"/>
+          </p:nvPr>
+        </p:nvSpPr>
+        <p:spPr/>
+        <p:txBody>
+          <a:bodyPr/>
+          <a:lstStyle/>
+          <a:p>
+            <a:pPr>
+              <a:lnSpc>
+                <a:spcPct val="107000"/>
+              </a:lnSpc>
+              <a:spcAft>
+                <a:spcPts val="800"/>
+              </a:spcAft>
+            </a:pPr>
+            <a:r>
+              <a:rPr lang="tr-TR" sz="1800" dirty="0" err="1">
+                <a:effectLst/>
+                <a:latin typeface="Calibri" panose="020F0502020204030204" pitchFamily="34" charset="0"/>
+                <a:ea typeface="Calibri" panose="020F0502020204030204" pitchFamily="34" charset="0"/>
+                <a:cs typeface="Times New Roman" panose="02020603050405020304" pitchFamily="18" charset="0"/>
+              </a:rPr>
+              <a:t>The</a:t>
+            </a:r>
+            <a:r>
+              <a:rPr lang="tr-TR" sz="1800" dirty="0">
+                <a:effectLst/>
+                <a:latin typeface="Calibri" panose="020F0502020204030204" pitchFamily="34" charset="0"/>
+                <a:ea typeface="Calibri" panose="020F0502020204030204" pitchFamily="34" charset="0"/>
+                <a:cs typeface="Times New Roman" panose="02020603050405020304" pitchFamily="18" charset="0"/>
+              </a:rPr>
+              <a:t> MD17 </a:t>
+            </a:r>
+            <a:r>
+              <a:rPr lang="tr-TR" sz="1800" dirty="0" err="1">
+                <a:effectLst/>
+                <a:latin typeface="Calibri" panose="020F0502020204030204" pitchFamily="34" charset="0"/>
+                <a:ea typeface="Calibri" panose="020F0502020204030204" pitchFamily="34" charset="0"/>
+                <a:cs typeface="Times New Roman" panose="02020603050405020304" pitchFamily="18" charset="0"/>
+              </a:rPr>
+              <a:t>dataset</a:t>
+            </a:r>
+            <a:r>
+              <a:rPr lang="tr-TR" sz="1800" dirty="0">
+                <a:effectLst/>
+                <a:latin typeface="Calibri" panose="020F0502020204030204" pitchFamily="34" charset="0"/>
+                <a:ea typeface="Calibri" panose="020F0502020204030204" pitchFamily="34" charset="0"/>
+                <a:cs typeface="Times New Roman" panose="02020603050405020304" pitchFamily="18" charset="0"/>
+              </a:rPr>
+              <a:t> is </a:t>
+            </a:r>
+            <a:r>
+              <a:rPr lang="tr-TR" sz="1800" dirty="0" err="1">
+                <a:effectLst/>
+                <a:latin typeface="Calibri" panose="020F0502020204030204" pitchFamily="34" charset="0"/>
+                <a:ea typeface="Calibri" panose="020F0502020204030204" pitchFamily="34" charset="0"/>
+                <a:cs typeface="Times New Roman" panose="02020603050405020304" pitchFamily="18" charset="0"/>
+              </a:rPr>
+              <a:t>used</a:t>
+            </a:r>
+            <a:r>
+              <a:rPr lang="tr-TR" sz="1800" dirty="0">
+                <a:effectLst/>
+                <a:latin typeface="Calibri" panose="020F0502020204030204" pitchFamily="34" charset="0"/>
+                <a:ea typeface="Calibri" panose="020F0502020204030204" pitchFamily="34" charset="0"/>
+                <a:cs typeface="Times New Roman" panose="02020603050405020304" pitchFamily="18" charset="0"/>
+              </a:rPr>
+              <a:t> </a:t>
+            </a:r>
+            <a:r>
+              <a:rPr lang="tr-TR" sz="1800" dirty="0" err="1">
+                <a:effectLst/>
+                <a:latin typeface="Calibri" panose="020F0502020204030204" pitchFamily="34" charset="0"/>
+                <a:ea typeface="Calibri" panose="020F0502020204030204" pitchFamily="34" charset="0"/>
+                <a:cs typeface="Times New Roman" panose="02020603050405020304" pitchFamily="18" charset="0"/>
+              </a:rPr>
+              <a:t>to</a:t>
+            </a:r>
+            <a:r>
+              <a:rPr lang="tr-TR" sz="1800" dirty="0">
+                <a:effectLst/>
+                <a:latin typeface="Calibri" panose="020F0502020204030204" pitchFamily="34" charset="0"/>
+                <a:ea typeface="Calibri" panose="020F0502020204030204" pitchFamily="34" charset="0"/>
+                <a:cs typeface="Times New Roman" panose="02020603050405020304" pitchFamily="18" charset="0"/>
+              </a:rPr>
+              <a:t> </a:t>
+            </a:r>
+            <a:r>
+              <a:rPr lang="tr-TR" sz="1800" dirty="0" err="1">
+                <a:effectLst/>
+                <a:latin typeface="Calibri" panose="020F0502020204030204" pitchFamily="34" charset="0"/>
+                <a:ea typeface="Calibri" panose="020F0502020204030204" pitchFamily="34" charset="0"/>
+                <a:cs typeface="Times New Roman" panose="02020603050405020304" pitchFamily="18" charset="0"/>
+              </a:rPr>
+              <a:t>examine</a:t>
+            </a:r>
+            <a:r>
+              <a:rPr lang="tr-TR" sz="1800" dirty="0">
+                <a:effectLst/>
+                <a:latin typeface="Calibri" panose="020F0502020204030204" pitchFamily="34" charset="0"/>
+                <a:ea typeface="Calibri" panose="020F0502020204030204" pitchFamily="34" charset="0"/>
+                <a:cs typeface="Times New Roman" panose="02020603050405020304" pitchFamily="18" charset="0"/>
+              </a:rPr>
+              <a:t> </a:t>
+            </a:r>
+            <a:r>
+              <a:rPr lang="tr-TR" sz="1800" dirty="0" err="1">
+                <a:effectLst/>
+                <a:latin typeface="Calibri" panose="020F0502020204030204" pitchFamily="34" charset="0"/>
+                <a:ea typeface="Calibri" panose="020F0502020204030204" pitchFamily="34" charset="0"/>
+                <a:cs typeface="Times New Roman" panose="02020603050405020304" pitchFamily="18" charset="0"/>
+              </a:rPr>
+              <a:t>the</a:t>
+            </a:r>
+            <a:r>
+              <a:rPr lang="tr-TR" sz="1800" dirty="0">
+                <a:effectLst/>
+                <a:latin typeface="Calibri" panose="020F0502020204030204" pitchFamily="34" charset="0"/>
+                <a:ea typeface="Calibri" panose="020F0502020204030204" pitchFamily="34" charset="0"/>
+                <a:cs typeface="Times New Roman" panose="02020603050405020304" pitchFamily="18" charset="0"/>
+              </a:rPr>
+              <a:t> </a:t>
+            </a:r>
+            <a:r>
+              <a:rPr lang="tr-TR" sz="1800" dirty="0" err="1">
+                <a:effectLst/>
+                <a:latin typeface="Calibri" panose="020F0502020204030204" pitchFamily="34" charset="0"/>
+                <a:ea typeface="Calibri" panose="020F0502020204030204" pitchFamily="34" charset="0"/>
+                <a:cs typeface="Times New Roman" panose="02020603050405020304" pitchFamily="18" charset="0"/>
+              </a:rPr>
+              <a:t>expressive</a:t>
+            </a:r>
+            <a:r>
+              <a:rPr lang="tr-TR" sz="1800" dirty="0">
+                <a:effectLst/>
+                <a:latin typeface="Calibri" panose="020F0502020204030204" pitchFamily="34" charset="0"/>
+                <a:ea typeface="Calibri" panose="020F0502020204030204" pitchFamily="34" charset="0"/>
+                <a:cs typeface="Times New Roman" panose="02020603050405020304" pitchFamily="18" charset="0"/>
+              </a:rPr>
+              <a:t> </a:t>
+            </a:r>
+            <a:r>
+              <a:rPr lang="tr-TR" sz="1800" dirty="0" err="1">
+                <a:effectLst/>
+                <a:latin typeface="Calibri" panose="020F0502020204030204" pitchFamily="34" charset="0"/>
+                <a:ea typeface="Calibri" panose="020F0502020204030204" pitchFamily="34" charset="0"/>
+                <a:cs typeface="Times New Roman" panose="02020603050405020304" pitchFamily="18" charset="0"/>
+              </a:rPr>
+              <a:t>power</a:t>
+            </a:r>
+            <a:r>
+              <a:rPr lang="tr-TR" sz="1800" dirty="0">
+                <a:effectLst/>
+                <a:latin typeface="Calibri" panose="020F0502020204030204" pitchFamily="34" charset="0"/>
+                <a:ea typeface="Calibri" panose="020F0502020204030204" pitchFamily="34" charset="0"/>
+                <a:cs typeface="Times New Roman" panose="02020603050405020304" pitchFamily="18" charset="0"/>
+              </a:rPr>
+              <a:t> of </a:t>
+            </a:r>
+            <a:r>
+              <a:rPr lang="tr-TR" sz="1800" dirty="0" err="1">
+                <a:effectLst/>
+                <a:latin typeface="Calibri" panose="020F0502020204030204" pitchFamily="34" charset="0"/>
+                <a:ea typeface="Calibri" panose="020F0502020204030204" pitchFamily="34" charset="0"/>
+                <a:cs typeface="Times New Roman" panose="02020603050405020304" pitchFamily="18" charset="0"/>
+              </a:rPr>
+              <a:t>SphereNet</a:t>
+            </a:r>
+            <a:r>
+              <a:rPr lang="tr-TR" sz="1800" dirty="0">
+                <a:effectLst/>
+                <a:latin typeface="Calibri" panose="020F0502020204030204" pitchFamily="34" charset="0"/>
+                <a:ea typeface="Calibri" panose="020F0502020204030204" pitchFamily="34" charset="0"/>
+                <a:cs typeface="Times New Roman" panose="02020603050405020304" pitchFamily="18" charset="0"/>
+              </a:rPr>
+              <a:t> </a:t>
+            </a:r>
+            <a:r>
+              <a:rPr lang="tr-TR" sz="1800" dirty="0" err="1">
+                <a:effectLst/>
+                <a:latin typeface="Calibri" panose="020F0502020204030204" pitchFamily="34" charset="0"/>
+                <a:ea typeface="Calibri" panose="020F0502020204030204" pitchFamily="34" charset="0"/>
+                <a:cs typeface="Times New Roman" panose="02020603050405020304" pitchFamily="18" charset="0"/>
+              </a:rPr>
+              <a:t>for</a:t>
+            </a:r>
+            <a:r>
+              <a:rPr lang="tr-TR" sz="1800" dirty="0">
+                <a:effectLst/>
+                <a:latin typeface="Calibri" panose="020F0502020204030204" pitchFamily="34" charset="0"/>
+                <a:ea typeface="Calibri" panose="020F0502020204030204" pitchFamily="34" charset="0"/>
+                <a:cs typeface="Times New Roman" panose="02020603050405020304" pitchFamily="18" charset="0"/>
+              </a:rPr>
+              <a:t> </a:t>
+            </a:r>
+            <a:r>
+              <a:rPr lang="tr-TR" sz="1800" dirty="0" err="1">
+                <a:effectLst/>
+                <a:latin typeface="Calibri" panose="020F0502020204030204" pitchFamily="34" charset="0"/>
+                <a:ea typeface="Calibri" panose="020F0502020204030204" pitchFamily="34" charset="0"/>
+                <a:cs typeface="Times New Roman" panose="02020603050405020304" pitchFamily="18" charset="0"/>
+              </a:rPr>
+              <a:t>molecular</a:t>
+            </a:r>
+            <a:r>
+              <a:rPr lang="tr-TR" sz="1800" dirty="0">
+                <a:effectLst/>
+                <a:latin typeface="Calibri" panose="020F0502020204030204" pitchFamily="34" charset="0"/>
+                <a:ea typeface="Calibri" panose="020F0502020204030204" pitchFamily="34" charset="0"/>
+                <a:cs typeface="Times New Roman" panose="02020603050405020304" pitchFamily="18" charset="0"/>
+              </a:rPr>
+              <a:t> </a:t>
+            </a:r>
+            <a:r>
+              <a:rPr lang="tr-TR" sz="1800" dirty="0" err="1">
+                <a:effectLst/>
+                <a:latin typeface="Calibri" panose="020F0502020204030204" pitchFamily="34" charset="0"/>
+                <a:ea typeface="Calibri" panose="020F0502020204030204" pitchFamily="34" charset="0"/>
+                <a:cs typeface="Times New Roman" panose="02020603050405020304" pitchFamily="18" charset="0"/>
+              </a:rPr>
+              <a:t>dynamics</a:t>
+            </a:r>
+            <a:r>
+              <a:rPr lang="tr-TR" sz="1800" dirty="0">
+                <a:effectLst/>
+                <a:latin typeface="Calibri" panose="020F0502020204030204" pitchFamily="34" charset="0"/>
+                <a:ea typeface="Calibri" panose="020F0502020204030204" pitchFamily="34" charset="0"/>
+                <a:cs typeface="Times New Roman" panose="02020603050405020304" pitchFamily="18" charset="0"/>
+              </a:rPr>
+              <a:t> </a:t>
+            </a:r>
+            <a:r>
+              <a:rPr lang="tr-TR" sz="1800" dirty="0" err="1">
+                <a:effectLst/>
+                <a:latin typeface="Calibri" panose="020F0502020204030204" pitchFamily="34" charset="0"/>
+                <a:ea typeface="Calibri" panose="020F0502020204030204" pitchFamily="34" charset="0"/>
+                <a:cs typeface="Times New Roman" panose="02020603050405020304" pitchFamily="18" charset="0"/>
+              </a:rPr>
+              <a:t>simulations</a:t>
+            </a:r>
+            <a:r>
+              <a:rPr lang="tr-TR" sz="1800" dirty="0">
+                <a:effectLst/>
+                <a:latin typeface="Calibri" panose="020F0502020204030204" pitchFamily="34" charset="0"/>
+                <a:ea typeface="Calibri" panose="020F0502020204030204" pitchFamily="34" charset="0"/>
+                <a:cs typeface="Times New Roman" panose="02020603050405020304" pitchFamily="18" charset="0"/>
+              </a:rPr>
+              <a:t>. </a:t>
+            </a:r>
+            <a:r>
+              <a:rPr lang="tr-TR" sz="1800" dirty="0" err="1">
+                <a:effectLst/>
+                <a:latin typeface="Calibri" panose="020F0502020204030204" pitchFamily="34" charset="0"/>
+                <a:ea typeface="Calibri" panose="020F0502020204030204" pitchFamily="34" charset="0"/>
+                <a:cs typeface="Times New Roman" panose="02020603050405020304" pitchFamily="18" charset="0"/>
+              </a:rPr>
+              <a:t>The</a:t>
+            </a:r>
+            <a:r>
+              <a:rPr lang="tr-TR" sz="1800" dirty="0">
+                <a:effectLst/>
+                <a:latin typeface="Calibri" panose="020F0502020204030204" pitchFamily="34" charset="0"/>
+                <a:ea typeface="Calibri" panose="020F0502020204030204" pitchFamily="34" charset="0"/>
+                <a:cs typeface="Times New Roman" panose="02020603050405020304" pitchFamily="18" charset="0"/>
+              </a:rPr>
+              <a:t> </a:t>
+            </a:r>
+            <a:r>
+              <a:rPr lang="tr-TR" sz="1800" dirty="0" err="1">
+                <a:effectLst/>
+                <a:latin typeface="Calibri" panose="020F0502020204030204" pitchFamily="34" charset="0"/>
+                <a:ea typeface="Calibri" panose="020F0502020204030204" pitchFamily="34" charset="0"/>
+                <a:cs typeface="Times New Roman" panose="02020603050405020304" pitchFamily="18" charset="0"/>
+              </a:rPr>
+              <a:t>goal</a:t>
+            </a:r>
+            <a:r>
+              <a:rPr lang="tr-TR" sz="1800" dirty="0">
+                <a:effectLst/>
+                <a:latin typeface="Calibri" panose="020F0502020204030204" pitchFamily="34" charset="0"/>
+                <a:ea typeface="Calibri" panose="020F0502020204030204" pitchFamily="34" charset="0"/>
+                <a:cs typeface="Times New Roman" panose="02020603050405020304" pitchFamily="18" charset="0"/>
+              </a:rPr>
+              <a:t> is </a:t>
+            </a:r>
+            <a:r>
+              <a:rPr lang="tr-TR" sz="1800" dirty="0" err="1">
+                <a:effectLst/>
+                <a:latin typeface="Calibri" panose="020F0502020204030204" pitchFamily="34" charset="0"/>
+                <a:ea typeface="Calibri" panose="020F0502020204030204" pitchFamily="34" charset="0"/>
+                <a:cs typeface="Times New Roman" panose="02020603050405020304" pitchFamily="18" charset="0"/>
+              </a:rPr>
+              <a:t>to</a:t>
+            </a:r>
+            <a:r>
+              <a:rPr lang="tr-TR" sz="1800" dirty="0">
+                <a:effectLst/>
+                <a:latin typeface="Calibri" panose="020F0502020204030204" pitchFamily="34" charset="0"/>
+                <a:ea typeface="Calibri" panose="020F0502020204030204" pitchFamily="34" charset="0"/>
+                <a:cs typeface="Times New Roman" panose="02020603050405020304" pitchFamily="18" charset="0"/>
+              </a:rPr>
+              <a:t> </a:t>
+            </a:r>
+            <a:r>
+              <a:rPr lang="tr-TR" sz="1800" dirty="0" err="1">
+                <a:effectLst/>
+                <a:latin typeface="Calibri" panose="020F0502020204030204" pitchFamily="34" charset="0"/>
+                <a:ea typeface="Calibri" panose="020F0502020204030204" pitchFamily="34" charset="0"/>
+                <a:cs typeface="Times New Roman" panose="02020603050405020304" pitchFamily="18" charset="0"/>
+              </a:rPr>
+              <a:t>predict</a:t>
+            </a:r>
+            <a:r>
+              <a:rPr lang="tr-TR" sz="1800" dirty="0">
+                <a:effectLst/>
+                <a:latin typeface="Calibri" panose="020F0502020204030204" pitchFamily="34" charset="0"/>
+                <a:ea typeface="Calibri" panose="020F0502020204030204" pitchFamily="34" charset="0"/>
+                <a:cs typeface="Times New Roman" panose="02020603050405020304" pitchFamily="18" charset="0"/>
+              </a:rPr>
+              <a:t> </a:t>
+            </a:r>
+            <a:r>
+              <a:rPr lang="tr-TR" sz="1800" dirty="0" err="1">
+                <a:effectLst/>
+                <a:latin typeface="Calibri" panose="020F0502020204030204" pitchFamily="34" charset="0"/>
+                <a:ea typeface="Calibri" panose="020F0502020204030204" pitchFamily="34" charset="0"/>
+                <a:cs typeface="Times New Roman" panose="02020603050405020304" pitchFamily="18" charset="0"/>
+              </a:rPr>
+              <a:t>energy-conserving</a:t>
+            </a:r>
+            <a:r>
+              <a:rPr lang="tr-TR" sz="1800" dirty="0">
+                <a:effectLst/>
+                <a:latin typeface="Calibri" panose="020F0502020204030204" pitchFamily="34" charset="0"/>
+                <a:ea typeface="Calibri" panose="020F0502020204030204" pitchFamily="34" charset="0"/>
+                <a:cs typeface="Times New Roman" panose="02020603050405020304" pitchFamily="18" charset="0"/>
+              </a:rPr>
+              <a:t> </a:t>
+            </a:r>
+            <a:r>
+              <a:rPr lang="tr-TR" sz="1800" dirty="0" err="1">
+                <a:effectLst/>
+                <a:latin typeface="Calibri" panose="020F0502020204030204" pitchFamily="34" charset="0"/>
+                <a:ea typeface="Calibri" panose="020F0502020204030204" pitchFamily="34" charset="0"/>
+                <a:cs typeface="Times New Roman" panose="02020603050405020304" pitchFamily="18" charset="0"/>
+              </a:rPr>
+              <a:t>forces</a:t>
+            </a:r>
+            <a:r>
+              <a:rPr lang="tr-TR" sz="1800" dirty="0">
+                <a:effectLst/>
+                <a:latin typeface="Calibri" panose="020F0502020204030204" pitchFamily="34" charset="0"/>
+                <a:ea typeface="Calibri" panose="020F0502020204030204" pitchFamily="34" charset="0"/>
+                <a:cs typeface="Times New Roman" panose="02020603050405020304" pitchFamily="18" charset="0"/>
+              </a:rPr>
+              <a:t> at </a:t>
+            </a:r>
+            <a:r>
+              <a:rPr lang="tr-TR" sz="1800" dirty="0" err="1">
+                <a:effectLst/>
+                <a:latin typeface="Calibri" panose="020F0502020204030204" pitchFamily="34" charset="0"/>
+                <a:ea typeface="Calibri" panose="020F0502020204030204" pitchFamily="34" charset="0"/>
+                <a:cs typeface="Times New Roman" panose="02020603050405020304" pitchFamily="18" charset="0"/>
+              </a:rPr>
+              <a:t>the</a:t>
+            </a:r>
+            <a:r>
+              <a:rPr lang="tr-TR" sz="1800" dirty="0">
+                <a:effectLst/>
+                <a:latin typeface="Calibri" panose="020F0502020204030204" pitchFamily="34" charset="0"/>
+                <a:ea typeface="Calibri" panose="020F0502020204030204" pitchFamily="34" charset="0"/>
+                <a:cs typeface="Times New Roman" panose="02020603050405020304" pitchFamily="18" charset="0"/>
+              </a:rPr>
+              <a:t> </a:t>
+            </a:r>
+            <a:r>
+              <a:rPr lang="tr-TR" sz="1800" dirty="0" err="1">
+                <a:effectLst/>
+                <a:latin typeface="Calibri" panose="020F0502020204030204" pitchFamily="34" charset="0"/>
+                <a:ea typeface="Calibri" panose="020F0502020204030204" pitchFamily="34" charset="0"/>
+                <a:cs typeface="Times New Roman" panose="02020603050405020304" pitchFamily="18" charset="0"/>
+              </a:rPr>
+              <a:t>atomic</a:t>
+            </a:r>
+            <a:r>
+              <a:rPr lang="tr-TR" sz="1800" dirty="0">
+                <a:effectLst/>
+                <a:latin typeface="Calibri" panose="020F0502020204030204" pitchFamily="34" charset="0"/>
+                <a:ea typeface="Calibri" panose="020F0502020204030204" pitchFamily="34" charset="0"/>
+                <a:cs typeface="Times New Roman" panose="02020603050405020304" pitchFamily="18" charset="0"/>
+              </a:rPr>
+              <a:t> </a:t>
+            </a:r>
+            <a:r>
+              <a:rPr lang="tr-TR" sz="1800" dirty="0" err="1">
+                <a:effectLst/>
+                <a:latin typeface="Calibri" panose="020F0502020204030204" pitchFamily="34" charset="0"/>
+                <a:ea typeface="Calibri" panose="020F0502020204030204" pitchFamily="34" charset="0"/>
+                <a:cs typeface="Times New Roman" panose="02020603050405020304" pitchFamily="18" charset="0"/>
+              </a:rPr>
+              <a:t>level</a:t>
+            </a:r>
+            <a:r>
+              <a:rPr lang="tr-TR" sz="1800" dirty="0">
+                <a:effectLst/>
+                <a:latin typeface="Calibri" panose="020F0502020204030204" pitchFamily="34" charset="0"/>
+                <a:ea typeface="Calibri" panose="020F0502020204030204" pitchFamily="34" charset="0"/>
+                <a:cs typeface="Times New Roman" panose="02020603050405020304" pitchFamily="18" charset="0"/>
+              </a:rPr>
+              <a:t> </a:t>
+            </a:r>
+            <a:r>
+              <a:rPr lang="tr-TR" sz="1800" dirty="0" err="1">
+                <a:effectLst/>
+                <a:latin typeface="Calibri" panose="020F0502020204030204" pitchFamily="34" charset="0"/>
+                <a:ea typeface="Calibri" panose="020F0502020204030204" pitchFamily="34" charset="0"/>
+                <a:cs typeface="Times New Roman" panose="02020603050405020304" pitchFamily="18" charset="0"/>
+              </a:rPr>
+              <a:t>for</a:t>
+            </a:r>
+            <a:r>
+              <a:rPr lang="tr-TR" sz="1800" dirty="0">
+                <a:effectLst/>
+                <a:latin typeface="Calibri" panose="020F0502020204030204" pitchFamily="34" charset="0"/>
+                <a:ea typeface="Calibri" panose="020F0502020204030204" pitchFamily="34" charset="0"/>
+                <a:cs typeface="Times New Roman" panose="02020603050405020304" pitchFamily="18" charset="0"/>
+              </a:rPr>
+              <a:t> </a:t>
+            </a:r>
+            <a:r>
+              <a:rPr lang="tr-TR" sz="1800" dirty="0" err="1">
+                <a:effectLst/>
+                <a:latin typeface="Calibri" panose="020F0502020204030204" pitchFamily="34" charset="0"/>
+                <a:ea typeface="Calibri" panose="020F0502020204030204" pitchFamily="34" charset="0"/>
+                <a:cs typeface="Times New Roman" panose="02020603050405020304" pitchFamily="18" charset="0"/>
+              </a:rPr>
+              <a:t>eight</a:t>
+            </a:r>
+            <a:r>
+              <a:rPr lang="tr-TR" sz="1800" dirty="0">
+                <a:effectLst/>
+                <a:latin typeface="Calibri" panose="020F0502020204030204" pitchFamily="34" charset="0"/>
+                <a:ea typeface="Calibri" panose="020F0502020204030204" pitchFamily="34" charset="0"/>
+                <a:cs typeface="Times New Roman" panose="02020603050405020304" pitchFamily="18" charset="0"/>
+              </a:rPr>
+              <a:t> </a:t>
+            </a:r>
+            <a:r>
+              <a:rPr lang="tr-TR" sz="1800" dirty="0" err="1">
+                <a:effectLst/>
+                <a:latin typeface="Calibri" panose="020F0502020204030204" pitchFamily="34" charset="0"/>
+                <a:ea typeface="Calibri" panose="020F0502020204030204" pitchFamily="34" charset="0"/>
+                <a:cs typeface="Times New Roman" panose="02020603050405020304" pitchFamily="18" charset="0"/>
+              </a:rPr>
+              <a:t>organic</a:t>
+            </a:r>
+            <a:r>
+              <a:rPr lang="tr-TR" sz="1800" dirty="0">
+                <a:effectLst/>
+                <a:latin typeface="Calibri" panose="020F0502020204030204" pitchFamily="34" charset="0"/>
+                <a:ea typeface="Calibri" panose="020F0502020204030204" pitchFamily="34" charset="0"/>
+                <a:cs typeface="Times New Roman" panose="02020603050405020304" pitchFamily="18" charset="0"/>
+              </a:rPr>
+              <a:t> </a:t>
+            </a:r>
+            <a:r>
+              <a:rPr lang="tr-TR" sz="1800" dirty="0" err="1">
+                <a:effectLst/>
+                <a:latin typeface="Calibri" panose="020F0502020204030204" pitchFamily="34" charset="0"/>
+                <a:ea typeface="Calibri" panose="020F0502020204030204" pitchFamily="34" charset="0"/>
+                <a:cs typeface="Times New Roman" panose="02020603050405020304" pitchFamily="18" charset="0"/>
+              </a:rPr>
+              <a:t>molecules</a:t>
+            </a:r>
+            <a:r>
+              <a:rPr lang="tr-TR" sz="1800" dirty="0">
+                <a:effectLst/>
+                <a:latin typeface="Calibri" panose="020F0502020204030204" pitchFamily="34" charset="0"/>
+                <a:ea typeface="Calibri" panose="020F0502020204030204" pitchFamily="34" charset="0"/>
+                <a:cs typeface="Times New Roman" panose="02020603050405020304" pitchFamily="18" charset="0"/>
+              </a:rPr>
+              <a:t>, </a:t>
+            </a:r>
+            <a:r>
+              <a:rPr lang="tr-TR" sz="1800" dirty="0" err="1">
+                <a:effectLst/>
+                <a:latin typeface="Calibri" panose="020F0502020204030204" pitchFamily="34" charset="0"/>
+                <a:ea typeface="Calibri" panose="020F0502020204030204" pitchFamily="34" charset="0"/>
+                <a:cs typeface="Times New Roman" panose="02020603050405020304" pitchFamily="18" charset="0"/>
+              </a:rPr>
+              <a:t>each</a:t>
+            </a:r>
+            <a:r>
+              <a:rPr lang="tr-TR" sz="1800" dirty="0">
+                <a:effectLst/>
+                <a:latin typeface="Calibri" panose="020F0502020204030204" pitchFamily="34" charset="0"/>
+                <a:ea typeface="Calibri" panose="020F0502020204030204" pitchFamily="34" charset="0"/>
+                <a:cs typeface="Times New Roman" panose="02020603050405020304" pitchFamily="18" charset="0"/>
+              </a:rPr>
+              <a:t> of </a:t>
+            </a:r>
+            <a:r>
+              <a:rPr lang="tr-TR" sz="1800" dirty="0" err="1">
+                <a:effectLst/>
+                <a:latin typeface="Calibri" panose="020F0502020204030204" pitchFamily="34" charset="0"/>
+                <a:ea typeface="Calibri" panose="020F0502020204030204" pitchFamily="34" charset="0"/>
+                <a:cs typeface="Times New Roman" panose="02020603050405020304" pitchFamily="18" charset="0"/>
+              </a:rPr>
+              <a:t>which</a:t>
+            </a:r>
+            <a:r>
+              <a:rPr lang="tr-TR" sz="1800" dirty="0">
+                <a:effectLst/>
+                <a:latin typeface="Calibri" panose="020F0502020204030204" pitchFamily="34" charset="0"/>
+                <a:ea typeface="Calibri" panose="020F0502020204030204" pitchFamily="34" charset="0"/>
+                <a:cs typeface="Times New Roman" panose="02020603050405020304" pitchFamily="18" charset="0"/>
+              </a:rPr>
+              <a:t> has </a:t>
+            </a:r>
+            <a:r>
+              <a:rPr lang="tr-TR" sz="1800" dirty="0" err="1">
+                <a:effectLst/>
+                <a:latin typeface="Calibri" panose="020F0502020204030204" pitchFamily="34" charset="0"/>
+                <a:ea typeface="Calibri" panose="020F0502020204030204" pitchFamily="34" charset="0"/>
+                <a:cs typeface="Times New Roman" panose="02020603050405020304" pitchFamily="18" charset="0"/>
+              </a:rPr>
+              <a:t>hundreds</a:t>
+            </a:r>
+            <a:r>
+              <a:rPr lang="tr-TR" sz="1800" dirty="0">
+                <a:effectLst/>
+                <a:latin typeface="Calibri" panose="020F0502020204030204" pitchFamily="34" charset="0"/>
+                <a:ea typeface="Calibri" panose="020F0502020204030204" pitchFamily="34" charset="0"/>
+                <a:cs typeface="Times New Roman" panose="02020603050405020304" pitchFamily="18" charset="0"/>
+              </a:rPr>
+              <a:t> of </a:t>
+            </a:r>
+            <a:r>
+              <a:rPr lang="tr-TR" sz="1800" dirty="0" err="1">
+                <a:effectLst/>
+                <a:latin typeface="Calibri" panose="020F0502020204030204" pitchFamily="34" charset="0"/>
+                <a:ea typeface="Calibri" panose="020F0502020204030204" pitchFamily="34" charset="0"/>
+                <a:cs typeface="Times New Roman" panose="02020603050405020304" pitchFamily="18" charset="0"/>
+              </a:rPr>
+              <a:t>thousands</a:t>
+            </a:r>
+            <a:r>
+              <a:rPr lang="tr-TR" sz="1800" dirty="0">
+                <a:effectLst/>
+                <a:latin typeface="Calibri" panose="020F0502020204030204" pitchFamily="34" charset="0"/>
+                <a:ea typeface="Calibri" panose="020F0502020204030204" pitchFamily="34" charset="0"/>
+                <a:cs typeface="Times New Roman" panose="02020603050405020304" pitchFamily="18" charset="0"/>
+              </a:rPr>
+              <a:t> </a:t>
+            </a:r>
+            <a:r>
+              <a:rPr lang="tr-TR" sz="1800" dirty="0" err="1">
+                <a:effectLst/>
+                <a:latin typeface="Calibri" panose="020F0502020204030204" pitchFamily="34" charset="0"/>
+                <a:ea typeface="Calibri" panose="020F0502020204030204" pitchFamily="34" charset="0"/>
+                <a:cs typeface="Times New Roman" panose="02020603050405020304" pitchFamily="18" charset="0"/>
+              </a:rPr>
+              <a:t>states</a:t>
+            </a:r>
+            <a:r>
+              <a:rPr lang="tr-TR" sz="1800" dirty="0">
+                <a:effectLst/>
+                <a:latin typeface="Calibri" panose="020F0502020204030204" pitchFamily="34" charset="0"/>
+                <a:ea typeface="Calibri" panose="020F0502020204030204" pitchFamily="34" charset="0"/>
+                <a:cs typeface="Times New Roman" panose="02020603050405020304" pitchFamily="18" charset="0"/>
+              </a:rPr>
+              <a:t> </a:t>
+            </a:r>
+            <a:r>
+              <a:rPr lang="tr-TR" sz="1800" dirty="0" err="1">
+                <a:effectLst/>
+                <a:latin typeface="Calibri" panose="020F0502020204030204" pitchFamily="34" charset="0"/>
+                <a:ea typeface="Calibri" panose="020F0502020204030204" pitchFamily="34" charset="0"/>
+                <a:cs typeface="Times New Roman" panose="02020603050405020304" pitchFamily="18" charset="0"/>
+              </a:rPr>
+              <a:t>simulated</a:t>
+            </a:r>
+            <a:r>
+              <a:rPr lang="tr-TR" sz="1800" dirty="0">
+                <a:effectLst/>
+                <a:latin typeface="Calibri" panose="020F0502020204030204" pitchFamily="34" charset="0"/>
+                <a:ea typeface="Calibri" panose="020F0502020204030204" pitchFamily="34" charset="0"/>
+                <a:cs typeface="Times New Roman" panose="02020603050405020304" pitchFamily="18" charset="0"/>
+              </a:rPr>
+              <a:t> </a:t>
+            </a:r>
+            <a:r>
+              <a:rPr lang="tr-TR" sz="1800" dirty="0" err="1">
+                <a:effectLst/>
+                <a:latin typeface="Calibri" panose="020F0502020204030204" pitchFamily="34" charset="0"/>
+                <a:ea typeface="Calibri" panose="020F0502020204030204" pitchFamily="34" charset="0"/>
+                <a:cs typeface="Times New Roman" panose="02020603050405020304" pitchFamily="18" charset="0"/>
+              </a:rPr>
+              <a:t>by</a:t>
+            </a:r>
+            <a:r>
+              <a:rPr lang="tr-TR" sz="1800" dirty="0">
+                <a:effectLst/>
+                <a:latin typeface="Calibri" panose="020F0502020204030204" pitchFamily="34" charset="0"/>
+                <a:ea typeface="Calibri" panose="020F0502020204030204" pitchFamily="34" charset="0"/>
+                <a:cs typeface="Times New Roman" panose="02020603050405020304" pitchFamily="18" charset="0"/>
+              </a:rPr>
+              <a:t> DFT </a:t>
+            </a:r>
+            <a:r>
+              <a:rPr lang="tr-TR" sz="1800" dirty="0" err="1">
+                <a:effectLst/>
+                <a:latin typeface="Calibri" panose="020F0502020204030204" pitchFamily="34" charset="0"/>
+                <a:ea typeface="Calibri" panose="020F0502020204030204" pitchFamily="34" charset="0"/>
+                <a:cs typeface="Times New Roman" panose="02020603050405020304" pitchFamily="18" charset="0"/>
+              </a:rPr>
+              <a:t>and</a:t>
+            </a:r>
+            <a:r>
+              <a:rPr lang="tr-TR" sz="1800" dirty="0">
+                <a:effectLst/>
+                <a:latin typeface="Calibri" panose="020F0502020204030204" pitchFamily="34" charset="0"/>
+                <a:ea typeface="Calibri" panose="020F0502020204030204" pitchFamily="34" charset="0"/>
+                <a:cs typeface="Times New Roman" panose="02020603050405020304" pitchFamily="18" charset="0"/>
+              </a:rPr>
+              <a:t> atom </a:t>
+            </a:r>
+            <a:r>
+              <a:rPr lang="tr-TR" sz="1800" dirty="0" err="1">
+                <a:effectLst/>
+                <a:latin typeface="Calibri" panose="020F0502020204030204" pitchFamily="34" charset="0"/>
+                <a:ea typeface="Calibri" panose="020F0502020204030204" pitchFamily="34" charset="0"/>
+                <a:cs typeface="Times New Roman" panose="02020603050405020304" pitchFamily="18" charset="0"/>
+              </a:rPr>
+              <a:t>coordinates</a:t>
+            </a:r>
+            <a:r>
+              <a:rPr lang="tr-TR" sz="1800" dirty="0">
+                <a:effectLst/>
+                <a:latin typeface="Calibri" panose="020F0502020204030204" pitchFamily="34" charset="0"/>
+                <a:ea typeface="Calibri" panose="020F0502020204030204" pitchFamily="34" charset="0"/>
+                <a:cs typeface="Times New Roman" panose="02020603050405020304" pitchFamily="18" charset="0"/>
+              </a:rPr>
+              <a:t>.</a:t>
+            </a:r>
+          </a:p>
+          <a:p>
+            <a:pPr>
+              <a:lnSpc>
+                <a:spcPct val="107000"/>
+              </a:lnSpc>
+              <a:spcAft>
+                <a:spcPts val="800"/>
+              </a:spcAft>
+            </a:pPr>
+            <a:r>
+              <a:rPr lang="tr-TR" sz="1800" dirty="0">
+                <a:effectLst/>
+                <a:latin typeface="Calibri" panose="020F0502020204030204" pitchFamily="34" charset="0"/>
+                <a:ea typeface="Calibri" panose="020F0502020204030204" pitchFamily="34" charset="0"/>
+                <a:cs typeface="Times New Roman" panose="02020603050405020304" pitchFamily="18" charset="0"/>
+              </a:rPr>
+              <a:t> </a:t>
+            </a:r>
+          </a:p>
+          <a:p>
+            <a:pPr>
+              <a:lnSpc>
+                <a:spcPct val="107000"/>
+              </a:lnSpc>
+              <a:spcAft>
+                <a:spcPts val="800"/>
+              </a:spcAft>
+            </a:pPr>
+            <a:r>
+              <a:rPr lang="tr-TR" sz="1800" dirty="0" err="1">
+                <a:effectLst/>
+                <a:latin typeface="Calibri" panose="020F0502020204030204" pitchFamily="34" charset="0"/>
+                <a:ea typeface="Calibri" panose="020F0502020204030204" pitchFamily="34" charset="0"/>
+                <a:cs typeface="Times New Roman" panose="02020603050405020304" pitchFamily="18" charset="0"/>
+              </a:rPr>
+              <a:t>Initial</a:t>
+            </a:r>
+            <a:r>
+              <a:rPr lang="tr-TR" sz="1800" dirty="0">
+                <a:effectLst/>
+                <a:latin typeface="Calibri" panose="020F0502020204030204" pitchFamily="34" charset="0"/>
+                <a:ea typeface="Calibri" panose="020F0502020204030204" pitchFamily="34" charset="0"/>
+                <a:cs typeface="Times New Roman" panose="02020603050405020304" pitchFamily="18" charset="0"/>
+              </a:rPr>
+              <a:t> </a:t>
+            </a:r>
+            <a:r>
+              <a:rPr lang="tr-TR" sz="1800" dirty="0" err="1">
+                <a:effectLst/>
+                <a:latin typeface="Calibri" panose="020F0502020204030204" pitchFamily="34" charset="0"/>
+                <a:ea typeface="Calibri" panose="020F0502020204030204" pitchFamily="34" charset="0"/>
+                <a:cs typeface="Times New Roman" panose="02020603050405020304" pitchFamily="18" charset="0"/>
+              </a:rPr>
+              <a:t>Structure</a:t>
+            </a:r>
+            <a:r>
+              <a:rPr lang="tr-TR" sz="1800" dirty="0">
+                <a:effectLst/>
+                <a:latin typeface="Calibri" panose="020F0502020204030204" pitchFamily="34" charset="0"/>
+                <a:ea typeface="Calibri" panose="020F0502020204030204" pitchFamily="34" charset="0"/>
+                <a:cs typeface="Times New Roman" panose="02020603050405020304" pitchFamily="18" charset="0"/>
+              </a:rPr>
+              <a:t> </a:t>
+            </a:r>
+            <a:r>
+              <a:rPr lang="tr-TR" sz="1800" dirty="0" err="1">
+                <a:effectLst/>
+                <a:latin typeface="Calibri" panose="020F0502020204030204" pitchFamily="34" charset="0"/>
+                <a:ea typeface="Calibri" panose="020F0502020204030204" pitchFamily="34" charset="0"/>
+                <a:cs typeface="Times New Roman" panose="02020603050405020304" pitchFamily="18" charset="0"/>
+              </a:rPr>
+              <a:t>to</a:t>
+            </a:r>
+            <a:r>
+              <a:rPr lang="tr-TR" sz="1800" dirty="0">
+                <a:effectLst/>
+                <a:latin typeface="Calibri" panose="020F0502020204030204" pitchFamily="34" charset="0"/>
+                <a:ea typeface="Calibri" panose="020F0502020204030204" pitchFamily="34" charset="0"/>
+                <a:cs typeface="Times New Roman" panose="02020603050405020304" pitchFamily="18" charset="0"/>
+              </a:rPr>
+              <a:t> </a:t>
+            </a:r>
+            <a:r>
+              <a:rPr lang="tr-TR" sz="1800" dirty="0" err="1">
+                <a:effectLst/>
+                <a:latin typeface="Calibri" panose="020F0502020204030204" pitchFamily="34" charset="0"/>
+                <a:ea typeface="Calibri" panose="020F0502020204030204" pitchFamily="34" charset="0"/>
+                <a:cs typeface="Times New Roman" panose="02020603050405020304" pitchFamily="18" charset="0"/>
+              </a:rPr>
+              <a:t>Relaxed</a:t>
+            </a:r>
+            <a:r>
+              <a:rPr lang="tr-TR" sz="1800" dirty="0">
+                <a:effectLst/>
+                <a:latin typeface="Calibri" panose="020F0502020204030204" pitchFamily="34" charset="0"/>
+                <a:ea typeface="Calibri" panose="020F0502020204030204" pitchFamily="34" charset="0"/>
+                <a:cs typeface="Times New Roman" panose="02020603050405020304" pitchFamily="18" charset="0"/>
+              </a:rPr>
+              <a:t> </a:t>
+            </a:r>
+            <a:r>
+              <a:rPr lang="tr-TR" sz="1800" dirty="0" err="1">
+                <a:effectLst/>
+                <a:latin typeface="Calibri" panose="020F0502020204030204" pitchFamily="34" charset="0"/>
+                <a:ea typeface="Calibri" panose="020F0502020204030204" pitchFamily="34" charset="0"/>
+                <a:cs typeface="Times New Roman" panose="02020603050405020304" pitchFamily="18" charset="0"/>
+              </a:rPr>
+              <a:t>Energy</a:t>
+            </a:r>
+            <a:r>
+              <a:rPr lang="tr-TR" sz="1800" dirty="0">
+                <a:effectLst/>
+                <a:latin typeface="Calibri" panose="020F0502020204030204" pitchFamily="34" charset="0"/>
+                <a:ea typeface="Calibri" panose="020F0502020204030204" pitchFamily="34" charset="0"/>
+                <a:cs typeface="Times New Roman" panose="02020603050405020304" pitchFamily="18" charset="0"/>
+              </a:rPr>
+              <a:t> (IS2RE)</a:t>
+            </a:r>
+          </a:p>
+        </p:txBody>
+      </p:sp>
+      <p:sp>
+        <p:nvSpPr>
+          <p:cNvPr id="4" name="Slayt Numarası Yer Tutucusu 3"/>
+          <p:cNvSpPr>
+            <a:spLocks noGrp="1"/>
+          </p:cNvSpPr>
+          <p:nvPr>
+            <p:ph type="sldNum" sz="quarter" idx="5"/>
+          </p:nvPr>
+        </p:nvSpPr>
+        <p:spPr/>
+        <p:txBody>
+          <a:bodyPr/>
+          <a:lstStyle/>
+          <a:p>
+            <a:fld id="{58B7696A-EC1F-4D21-A44C-14F51C4E763D}" type="slidenum">
+              <a:rPr lang="tr-TR" smtClean="0"/>
+              <a:t>25</a:t>
+            </a:fld>
+            <a:endParaRPr lang="tr-TR"/>
+          </a:p>
+        </p:txBody>
+      </p:sp>
+    </p:spTree>
+    <p:extLst>
+      <p:ext uri="{BB962C8B-B14F-4D97-AF65-F5344CB8AC3E}">
+        <p14:creationId xmlns:p14="http://schemas.microsoft.com/office/powerpoint/2010/main" val="3033638782"/>
       </p:ext>
     </p:extLst>
   </p:cSld>
@@ -23144,10 +24797,10 @@
       </p:sp>
       <p:pic>
         <p:nvPicPr>
-          <p:cNvPr id="3" name="Resim 2">
+          <p:cNvPr id="6" name="Resim 5">
             <a:extLst>
               <a:ext uri="{FF2B5EF4-FFF2-40B4-BE49-F238E27FC236}">
-                <a16:creationId xmlns:a16="http://schemas.microsoft.com/office/drawing/2014/main" id="{1C06863A-5132-D8E5-A33A-8772EC407486}"/>
+                <a16:creationId xmlns:a16="http://schemas.microsoft.com/office/drawing/2014/main" id="{CD8E767E-3378-1466-EB62-9AB295F2362B}"/>
               </a:ext>
             </a:extLst>
           </p:cNvPr>
@@ -23164,20 +24817,445 @@
         </p:blipFill>
         <p:spPr>
           <a:xfrm>
-            <a:off x="5530248" y="1443850"/>
-            <a:ext cx="6866032" cy="3106515"/>
+            <a:off x="2369396" y="1381734"/>
+            <a:ext cx="6718714" cy="1460590"/>
           </a:xfrm>
           <a:prstGeom prst="rect">
             <a:avLst/>
           </a:prstGeom>
         </p:spPr>
       </p:pic>
+      <p:sp>
+        <p:nvSpPr>
+          <p:cNvPr id="2" name="Metin kutusu 1">
+            <a:extLst>
+              <a:ext uri="{FF2B5EF4-FFF2-40B4-BE49-F238E27FC236}">
+                <a16:creationId xmlns:a16="http://schemas.microsoft.com/office/drawing/2014/main" id="{5F3A2C3E-F826-F66D-1DBF-71E9A8AB5745}"/>
+              </a:ext>
+            </a:extLst>
+          </p:cNvPr>
+          <p:cNvSpPr txBox="1"/>
+          <p:nvPr/>
+        </p:nvSpPr>
+        <p:spPr>
+          <a:xfrm>
+            <a:off x="551234" y="3210129"/>
+            <a:ext cx="9863846" cy="3170099"/>
+          </a:xfrm>
+          <a:prstGeom prst="rect">
+            <a:avLst/>
+          </a:prstGeom>
+          <a:noFill/>
+        </p:spPr>
+        <p:txBody>
+          <a:bodyPr wrap="square" rtlCol="0">
+            <a:spAutoFit/>
+          </a:bodyPr>
+          <a:lstStyle/>
+          <a:p>
+            <a:pPr marL="285750" indent="-285750">
+              <a:buFont typeface="Arial" panose="020B0604020202020204" pitchFamily="34" charset="0"/>
+              <a:buChar char="•"/>
+            </a:pPr>
+            <a:r>
+              <a:rPr lang="tr-TR" sz="1800" dirty="0"/>
+              <a:t>e</a:t>
+            </a:r>
+            <a:r>
+              <a:rPr lang="tr-TR" sz="1100" dirty="0"/>
+              <a:t>k</a:t>
+            </a:r>
+            <a:r>
+              <a:rPr lang="tr-TR" sz="1800" dirty="0"/>
+              <a:t> = </a:t>
+            </a:r>
+            <a:r>
+              <a:rPr lang="tr-TR" dirty="0" err="1"/>
+              <a:t>old</a:t>
+            </a:r>
+            <a:r>
+              <a:rPr lang="tr-TR" dirty="0"/>
+              <a:t> </a:t>
+            </a:r>
+            <a:r>
+              <a:rPr lang="en-US" dirty="0"/>
+              <a:t>edge vector</a:t>
+            </a:r>
+            <a:endParaRPr lang="tr-TR" dirty="0"/>
+          </a:p>
+          <a:p>
+            <a:pPr marL="285750" indent="-285750">
+              <a:buFont typeface="Arial" panose="020B0604020202020204" pitchFamily="34" charset="0"/>
+              <a:buChar char="•"/>
+            </a:pPr>
+            <a:r>
+              <a:rPr lang="tr-TR" dirty="0"/>
+              <a:t>u = global </a:t>
+            </a:r>
+            <a:r>
+              <a:rPr lang="tr-TR" dirty="0" err="1"/>
+              <a:t>feature</a:t>
+            </a:r>
+            <a:r>
+              <a:rPr lang="tr-TR" dirty="0"/>
+              <a:t> </a:t>
+            </a:r>
+            <a:r>
+              <a:rPr lang="tr-TR" dirty="0" err="1"/>
+              <a:t>vector</a:t>
+            </a:r>
+            <a:endParaRPr lang="tr-TR" dirty="0"/>
+          </a:p>
+          <a:p>
+            <a:pPr marL="285750" indent="-285750">
+              <a:buFont typeface="Arial" panose="020B0604020202020204" pitchFamily="34" charset="0"/>
+              <a:buChar char="•"/>
+            </a:pPr>
+            <a:r>
+              <a:rPr lang="tr-TR" dirty="0" err="1"/>
+              <a:t>V</a:t>
+            </a:r>
+            <a:r>
+              <a:rPr lang="tr-TR" sz="1200" dirty="0" err="1"/>
+              <a:t>sk</a:t>
+            </a:r>
+            <a:r>
+              <a:rPr lang="tr-TR" dirty="0"/>
+              <a:t> = </a:t>
+            </a:r>
+            <a:r>
+              <a:rPr lang="tr-TR" dirty="0" err="1"/>
+              <a:t>the</a:t>
+            </a:r>
+            <a:r>
+              <a:rPr lang="tr-TR" dirty="0"/>
+              <a:t> </a:t>
+            </a:r>
+            <a:r>
+              <a:rPr lang="tr-TR" dirty="0" err="1"/>
+              <a:t>sender</a:t>
+            </a:r>
+            <a:r>
+              <a:rPr lang="tr-TR" dirty="0"/>
+              <a:t> </a:t>
+            </a:r>
+            <a:r>
+              <a:rPr lang="tr-TR" dirty="0" err="1"/>
+              <a:t>node</a:t>
+            </a:r>
+            <a:r>
+              <a:rPr lang="tr-TR" dirty="0"/>
+              <a:t> </a:t>
+            </a:r>
+            <a:r>
+              <a:rPr lang="tr-TR" dirty="0" err="1"/>
+              <a:t>vector</a:t>
+            </a:r>
+            <a:endParaRPr lang="tr-TR" dirty="0"/>
+          </a:p>
+          <a:p>
+            <a:pPr marL="285750" indent="-285750">
+              <a:buFont typeface="Arial" panose="020B0604020202020204" pitchFamily="34" charset="0"/>
+              <a:buChar char="•"/>
+            </a:pPr>
+            <a:r>
+              <a:rPr lang="tr-TR" dirty="0" err="1"/>
+              <a:t>V</a:t>
+            </a:r>
+            <a:r>
+              <a:rPr lang="tr-TR" sz="1200" dirty="0" err="1"/>
+              <a:t>rk</a:t>
+            </a:r>
+            <a:r>
+              <a:rPr lang="tr-TR" dirty="0"/>
+              <a:t> = </a:t>
+            </a:r>
+            <a:r>
+              <a:rPr lang="tr-TR" dirty="0" err="1"/>
+              <a:t>the</a:t>
+            </a:r>
+            <a:r>
+              <a:rPr lang="tr-TR" dirty="0"/>
+              <a:t> </a:t>
+            </a:r>
+            <a:r>
+              <a:rPr lang="tr-TR" dirty="0" err="1"/>
+              <a:t>receiver</a:t>
+            </a:r>
+            <a:r>
+              <a:rPr lang="tr-TR" dirty="0"/>
+              <a:t> </a:t>
+            </a:r>
+            <a:r>
+              <a:rPr lang="tr-TR" dirty="0" err="1"/>
+              <a:t>node</a:t>
+            </a:r>
+            <a:r>
+              <a:rPr lang="tr-TR" dirty="0"/>
+              <a:t> </a:t>
+            </a:r>
+            <a:r>
+              <a:rPr lang="tr-TR" dirty="0" err="1"/>
+              <a:t>vector</a:t>
+            </a:r>
+            <a:endParaRPr lang="tr-TR" dirty="0"/>
+          </a:p>
+          <a:p>
+            <a:pPr marL="285750" indent="-285750">
+              <a:buFont typeface="Arial" panose="020B0604020202020204" pitchFamily="34" charset="0"/>
+              <a:buChar char="•"/>
+            </a:pPr>
+            <a:r>
+              <a:rPr lang="tr-TR" dirty="0" err="1"/>
+              <a:t>E</a:t>
+            </a:r>
+            <a:r>
+              <a:rPr lang="tr-TR" sz="1200" dirty="0" err="1"/>
+              <a:t>sk</a:t>
+            </a:r>
+            <a:r>
+              <a:rPr lang="tr-TR" dirty="0"/>
+              <a:t> = </a:t>
+            </a:r>
+            <a:r>
+              <a:rPr lang="tr-TR" dirty="0" err="1"/>
+              <a:t>the</a:t>
+            </a:r>
+            <a:r>
+              <a:rPr lang="tr-TR" dirty="0"/>
+              <a:t> set of </a:t>
+            </a:r>
+            <a:r>
+              <a:rPr lang="tr-TR" dirty="0" err="1"/>
+              <a:t>edges</a:t>
+            </a:r>
+            <a:endParaRPr lang="tr-TR" dirty="0"/>
+          </a:p>
+          <a:p>
+            <a:pPr marL="342900" indent="-342900">
+              <a:buFont typeface="Arial" panose="020B0604020202020204" pitchFamily="34" charset="0"/>
+              <a:buChar char="•"/>
+            </a:pPr>
+            <a:r>
+              <a:rPr lang="tr-TR" sz="2000" dirty="0" err="1"/>
+              <a:t>s</a:t>
+            </a:r>
+            <a:r>
+              <a:rPr lang="tr-TR" sz="1400" dirty="0" err="1"/>
+              <a:t>k</a:t>
+            </a:r>
+            <a:r>
+              <a:rPr lang="tr-TR" dirty="0"/>
+              <a:t> = </a:t>
+            </a:r>
+            <a:r>
+              <a:rPr lang="en-US" dirty="0"/>
+              <a:t>that point to the node</a:t>
+            </a:r>
+            <a:endParaRPr lang="tr-TR" dirty="0"/>
+          </a:p>
+          <a:p>
+            <a:pPr marL="342900" indent="-342900">
+              <a:buFont typeface="Arial" panose="020B0604020202020204" pitchFamily="34" charset="0"/>
+              <a:buChar char="•"/>
+            </a:pPr>
+            <a:r>
+              <a:rPr lang="en-US" dirty="0"/>
+              <a:t>3D positional information for all the nodes connected by the edge k and edges in</a:t>
+            </a:r>
+            <a:r>
+              <a:rPr kumimoji="0" lang="tr-TR" sz="1800" b="0" i="0" u="none" strike="noStrike" kern="1200" cap="none" spc="0" normalizeH="0" baseline="0" noProof="0" dirty="0">
+                <a:ln>
+                  <a:noFill/>
+                </a:ln>
+                <a:solidFill>
+                  <a:prstClr val="black"/>
+                </a:solidFill>
+                <a:effectLst/>
+                <a:uLnTx/>
+                <a:uFillTx/>
+                <a:latin typeface="Rockwell" panose="02060603020205020403"/>
+                <a:ea typeface="+mn-ea"/>
+                <a:cs typeface="+mn-cs"/>
+              </a:rPr>
+              <a:t> </a:t>
+            </a:r>
+            <a:r>
+              <a:rPr kumimoji="0" lang="tr-TR" sz="1800" b="0" i="0" u="none" strike="noStrike" kern="1200" cap="none" spc="0" normalizeH="0" baseline="0" noProof="0" dirty="0" err="1">
+                <a:ln>
+                  <a:noFill/>
+                </a:ln>
+                <a:solidFill>
+                  <a:prstClr val="black"/>
+                </a:solidFill>
+                <a:effectLst/>
+                <a:uLnTx/>
+                <a:uFillTx/>
+                <a:latin typeface="Rockwell" panose="02060603020205020403"/>
+                <a:ea typeface="+mn-ea"/>
+                <a:cs typeface="+mn-cs"/>
+              </a:rPr>
+              <a:t>E</a:t>
+            </a:r>
+            <a:r>
+              <a:rPr kumimoji="0" lang="tr-TR" sz="1200" b="0" i="0" u="none" strike="noStrike" kern="1200" cap="none" spc="0" normalizeH="0" baseline="0" noProof="0" dirty="0" err="1">
+                <a:ln>
+                  <a:noFill/>
+                </a:ln>
+                <a:solidFill>
+                  <a:prstClr val="black"/>
+                </a:solidFill>
+                <a:effectLst/>
+                <a:uLnTx/>
+                <a:uFillTx/>
+                <a:latin typeface="Rockwell" panose="02060603020205020403"/>
+                <a:ea typeface="+mn-ea"/>
+                <a:cs typeface="+mn-cs"/>
+              </a:rPr>
+              <a:t>sk</a:t>
+            </a:r>
+            <a:r>
+              <a:rPr kumimoji="0" lang="tr-TR" sz="1200" b="0" i="0" u="none" strike="noStrike" kern="1200" cap="none" spc="0" normalizeH="0" baseline="0" noProof="0" dirty="0">
+                <a:ln>
+                  <a:noFill/>
+                </a:ln>
+                <a:solidFill>
+                  <a:prstClr val="black"/>
+                </a:solidFill>
+                <a:effectLst/>
+                <a:uLnTx/>
+                <a:uFillTx/>
+                <a:latin typeface="Rockwell" panose="02060603020205020403"/>
+                <a:ea typeface="+mn-ea"/>
+                <a:cs typeface="+mn-cs"/>
+              </a:rPr>
+              <a:t> </a:t>
+            </a:r>
+            <a:r>
+              <a:rPr lang="en-US" dirty="0"/>
+              <a:t>with the index set as </a:t>
+            </a:r>
+            <a:r>
+              <a:rPr lang="en-US" dirty="0" err="1"/>
+              <a:t>r</a:t>
+            </a:r>
+            <a:r>
+              <a:rPr lang="en-US" sz="1100" dirty="0" err="1"/>
+              <a:t>k</a:t>
+            </a:r>
+            <a:r>
+              <a:rPr lang="en-US" dirty="0"/>
+              <a:t> ∪ </a:t>
+            </a:r>
+            <a:r>
+              <a:rPr lang="en-US" dirty="0" err="1"/>
+              <a:t>s</a:t>
+            </a:r>
+            <a:r>
+              <a:rPr lang="en-US" sz="1400" dirty="0" err="1"/>
+              <a:t>k</a:t>
+            </a:r>
+            <a:r>
+              <a:rPr lang="en-US" dirty="0"/>
+              <a:t> ∪ N</a:t>
+            </a:r>
+            <a:r>
+              <a:rPr lang="tr-TR" sz="1600" dirty="0" err="1"/>
+              <a:t>s</a:t>
+            </a:r>
+            <a:r>
+              <a:rPr lang="tr-TR" sz="1100" dirty="0" err="1"/>
+              <a:t>k</a:t>
+            </a:r>
+            <a:r>
+              <a:rPr lang="tr-TR" dirty="0"/>
+              <a:t>   </a:t>
+            </a:r>
+          </a:p>
+          <a:p>
+            <a:pPr marL="342900" indent="-342900">
+              <a:buFont typeface="Arial" panose="020B0604020202020204" pitchFamily="34" charset="0"/>
+              <a:buChar char="•"/>
+            </a:pPr>
+            <a:r>
+              <a:rPr lang="tr-TR" dirty="0"/>
+              <a:t>            a</a:t>
+            </a:r>
+            <a:r>
+              <a:rPr lang="en-US" dirty="0" err="1"/>
+              <a:t>ggregates</a:t>
+            </a:r>
+            <a:r>
+              <a:rPr lang="en-US" dirty="0"/>
+              <a:t> 3D information from these nodes to update the edge k</a:t>
+            </a:r>
+            <a:endParaRPr lang="tr-TR" dirty="0"/>
+          </a:p>
+          <a:p>
+            <a:endParaRPr lang="tr-TR" dirty="0"/>
+          </a:p>
+          <a:p>
+            <a:pPr marL="342900" indent="-342900">
+              <a:buFont typeface="Arial" panose="020B0604020202020204" pitchFamily="34" charset="0"/>
+              <a:buChar char="•"/>
+            </a:pPr>
+            <a:r>
+              <a:rPr lang="tr-TR" dirty="0"/>
+              <a:t>           </a:t>
+            </a:r>
+            <a:r>
+              <a:rPr lang="en-US" dirty="0"/>
+              <a:t>is used for per-node update and generates the new node vector</a:t>
+            </a:r>
+            <a:r>
+              <a:rPr lang="tr-TR" dirty="0"/>
+              <a:t> </a:t>
+            </a:r>
+            <a:r>
+              <a:rPr lang="tr-TR" dirty="0" err="1"/>
+              <a:t>v’</a:t>
+            </a:r>
+            <a:r>
+              <a:rPr lang="tr-TR" sz="1200" dirty="0" err="1"/>
+              <a:t>i</a:t>
+            </a:r>
+            <a:r>
+              <a:rPr lang="tr-TR" sz="1200" dirty="0"/>
+              <a:t>  </a:t>
+            </a:r>
+            <a:r>
+              <a:rPr lang="tr-TR" dirty="0" err="1"/>
+              <a:t>for</a:t>
+            </a:r>
+            <a:r>
+              <a:rPr lang="tr-TR" dirty="0"/>
+              <a:t> </a:t>
+            </a:r>
+            <a:r>
+              <a:rPr lang="tr-TR" dirty="0" err="1"/>
+              <a:t>each</a:t>
+            </a:r>
+            <a:r>
+              <a:rPr lang="tr-TR" dirty="0"/>
+              <a:t> </a:t>
+            </a:r>
+            <a:r>
+              <a:rPr lang="tr-TR" dirty="0" err="1"/>
+              <a:t>node</a:t>
+            </a:r>
+            <a:r>
+              <a:rPr lang="tr-TR" dirty="0"/>
+              <a:t> i.</a:t>
+            </a:r>
+          </a:p>
+        </p:txBody>
+      </p:sp>
       <p:pic>
         <p:nvPicPr>
-          <p:cNvPr id="14" name="Resim 13">
+          <p:cNvPr id="9" name="Resim 8">
             <a:extLst>
               <a:ext uri="{FF2B5EF4-FFF2-40B4-BE49-F238E27FC236}">
-                <a16:creationId xmlns:a16="http://schemas.microsoft.com/office/drawing/2014/main" id="{67244CBE-ED90-88B7-0BCD-4DAA10A13FA2}"/>
+                <a16:creationId xmlns:a16="http://schemas.microsoft.com/office/drawing/2014/main" id="{FB2064D3-5C9E-1FDC-68A2-36E7173741A7}"/>
               </a:ext>
             </a:extLst>
           </p:cNvPr>
@@ -23194,8 +25272,38 @@
         </p:blipFill>
         <p:spPr>
           <a:xfrm>
-            <a:off x="307132" y="1599001"/>
-            <a:ext cx="4878658" cy="2827083"/>
+            <a:off x="872247" y="5551373"/>
+            <a:ext cx="762000" cy="352425"/>
+          </a:xfrm>
+          <a:prstGeom prst="rect">
+            <a:avLst/>
+          </a:prstGeom>
+        </p:spPr>
+      </p:pic>
+      <p:pic>
+        <p:nvPicPr>
+          <p:cNvPr id="11" name="Resim 10">
+            <a:extLst>
+              <a:ext uri="{FF2B5EF4-FFF2-40B4-BE49-F238E27FC236}">
+                <a16:creationId xmlns:a16="http://schemas.microsoft.com/office/drawing/2014/main" id="{97D27EF9-B8C2-D5E9-742A-D9E73FD48397}"/>
+              </a:ext>
+            </a:extLst>
+          </p:cNvPr>
+          <p:cNvPicPr>
+            <a:picLocks noChangeAspect="1"/>
+          </p:cNvPicPr>
+          <p:nvPr/>
+        </p:nvPicPr>
+        <p:blipFill>
+          <a:blip r:embed="rId5"/>
+          <a:stretch>
+            <a:fillRect/>
+          </a:stretch>
+        </p:blipFill>
+        <p:spPr>
+          <a:xfrm>
+            <a:off x="965673" y="5989703"/>
+            <a:ext cx="400050" cy="390525"/>
           </a:xfrm>
           <a:prstGeom prst="rect">
             <a:avLst/>
@@ -23204,103 +25312,10 @@
       </p:pic>
       <p:sp>
         <p:nvSpPr>
-          <p:cNvPr id="7" name="Metin kutusu 6">
+          <p:cNvPr id="3" name="Slayt Numarası Yer Tutucusu 2">
             <a:extLst>
               <a:ext uri="{FF2B5EF4-FFF2-40B4-BE49-F238E27FC236}">
-                <a16:creationId xmlns:a16="http://schemas.microsoft.com/office/drawing/2014/main" id="{C11FEC4F-A7A4-AE27-6850-5D7B3A18F6F4}"/>
-              </a:ext>
-            </a:extLst>
-          </p:cNvPr>
-          <p:cNvSpPr txBox="1"/>
-          <p:nvPr/>
-        </p:nvSpPr>
-        <p:spPr>
-          <a:xfrm>
-            <a:off x="5762459" y="4273366"/>
-            <a:ext cx="5334911" cy="646331"/>
-          </a:xfrm>
-          <a:prstGeom prst="rect">
-            <a:avLst/>
-          </a:prstGeom>
-          <a:noFill/>
-        </p:spPr>
-        <p:txBody>
-          <a:bodyPr wrap="square">
-            <a:spAutoFit/>
-          </a:bodyPr>
-          <a:lstStyle/>
-          <a:p>
-            <a:pPr algn="just"/>
-            <a:r>
-              <a:rPr lang="tr-TR" dirty="0"/>
-              <a:t>T</a:t>
-            </a:r>
-            <a:r>
-              <a:rPr lang="en-US" dirty="0"/>
-              <a:t>he function φ e is applied to each edge k and outputs the updated edge vector e</a:t>
-            </a:r>
-            <a:r>
-              <a:rPr lang="tr-TR" dirty="0"/>
-              <a:t>’</a:t>
-            </a:r>
-            <a:r>
-              <a:rPr lang="en-US" sz="1100" dirty="0"/>
-              <a:t>k</a:t>
-            </a:r>
-            <a:r>
-              <a:rPr lang="en-US" dirty="0"/>
-              <a:t> .</a:t>
-            </a:r>
-            <a:endParaRPr lang="tr-TR" dirty="0"/>
-          </a:p>
-        </p:txBody>
-      </p:sp>
-      <p:sp>
-        <p:nvSpPr>
-          <p:cNvPr id="8" name="Metin kutusu 7">
-            <a:extLst>
-              <a:ext uri="{FF2B5EF4-FFF2-40B4-BE49-F238E27FC236}">
-                <a16:creationId xmlns:a16="http://schemas.microsoft.com/office/drawing/2014/main" id="{C189A51F-E2B9-1AB4-2F88-E46CEFC88B30}"/>
-              </a:ext>
-            </a:extLst>
-          </p:cNvPr>
-          <p:cNvSpPr txBox="1"/>
-          <p:nvPr/>
-        </p:nvSpPr>
-        <p:spPr>
-          <a:xfrm>
-            <a:off x="501243" y="4669319"/>
-            <a:ext cx="6094378" cy="369332"/>
-          </a:xfrm>
-          <a:prstGeom prst="rect">
-            <a:avLst/>
-          </a:prstGeom>
-          <a:noFill/>
-        </p:spPr>
-        <p:txBody>
-          <a:bodyPr wrap="square">
-            <a:spAutoFit/>
-          </a:bodyPr>
-          <a:lstStyle/>
-          <a:p>
-            <a:pPr marL="285750" indent="-285750">
-              <a:buFont typeface="Arial" panose="020B0604020202020204" pitchFamily="34" charset="0"/>
-              <a:buChar char="•"/>
-            </a:pPr>
-            <a:r>
-              <a:rPr lang="en-US" dirty="0"/>
-              <a:t>The indices of the input geometries</a:t>
-            </a:r>
-            <a:endParaRPr lang="tr-TR" dirty="0"/>
-          </a:p>
-        </p:txBody>
-      </p:sp>
-      <p:sp>
-        <p:nvSpPr>
-          <p:cNvPr id="2" name="Slayt Numarası Yer Tutucusu 1">
-            <a:extLst>
-              <a:ext uri="{FF2B5EF4-FFF2-40B4-BE49-F238E27FC236}">
-                <a16:creationId xmlns:a16="http://schemas.microsoft.com/office/drawing/2014/main" id="{7E95BEC7-9785-DC21-22F2-FAB7893AC9A5}"/>
+                <a16:creationId xmlns:a16="http://schemas.microsoft.com/office/drawing/2014/main" id="{1E727572-E67B-FC0D-A4D6-568BCFFEF348}"/>
               </a:ext>
             </a:extLst>
           </p:cNvPr>
@@ -23327,7 +25342,7 @@
     </p:spTree>
     <p:extLst>
       <p:ext uri="{BB962C8B-B14F-4D97-AF65-F5344CB8AC3E}">
-        <p14:creationId xmlns:p14="http://schemas.microsoft.com/office/powerpoint/2010/main" val="1046106774"/>
+        <p14:creationId xmlns:p14="http://schemas.microsoft.com/office/powerpoint/2010/main" val="601387146"/>
       </p:ext>
     </p:extLst>
   </p:cSld>
@@ -23368,8 +25383,8 @@
         </p:nvSpPr>
         <p:spPr>
           <a:xfrm>
-            <a:off x="307132" y="118413"/>
-            <a:ext cx="8946423" cy="707886"/>
+            <a:off x="255840" y="59207"/>
+            <a:ext cx="6562374" cy="707886"/>
           </a:xfrm>
           <a:prstGeom prst="rect">
             <a:avLst/>
@@ -23384,7 +25399,7 @@
           <a:p>
             <a:pPr algn="ctr"/>
             <a:r>
-              <a:rPr lang="tr-TR" sz="4000" b="0" cap="none" spc="0" dirty="0">
+              <a:rPr lang="tr-TR" sz="4000" dirty="0" err="1">
                 <a:ln w="0"/>
                 <a:solidFill>
                   <a:schemeClr val="accent1"/>
@@ -23397,10 +25412,10 @@
                   </a:outerShdw>
                 </a:effectLst>
               </a:rPr>
-              <a:t>A</a:t>
-            </a:r>
-            <a:r>
-              <a:rPr lang="en-US" sz="4000" b="0" cap="none" spc="0" dirty="0">
+              <a:t>Spherical</a:t>
+            </a:r>
+            <a:r>
+              <a:rPr lang="tr-TR" sz="4000" dirty="0">
                 <a:ln w="0"/>
                 <a:solidFill>
                   <a:schemeClr val="accent1"/>
@@ -23413,7 +25428,23 @@
                   </a:outerShdw>
                 </a:effectLst>
               </a:rPr>
-              <a:t> Generic Framework for 3D Graphs</a:t>
+              <a:t> Message </a:t>
+            </a:r>
+            <a:r>
+              <a:rPr lang="tr-TR" sz="4000" dirty="0" err="1">
+                <a:ln w="0"/>
+                <a:solidFill>
+                  <a:schemeClr val="accent1"/>
+                </a:solidFill>
+                <a:effectLst>
+                  <a:outerShdw blurRad="38100" dist="25400" dir="5400000" algn="ctr" rotWithShape="0">
+                    <a:srgbClr val="6E747A">
+                      <a:alpha val="43000"/>
+                    </a:srgbClr>
+                  </a:outerShdw>
+                </a:effectLst>
+              </a:rPr>
+              <a:t>Passing</a:t>
             </a:r>
             <a:endParaRPr lang="tr-TR" sz="4000" b="0" cap="none" spc="0" dirty="0">
               <a:ln w="0"/>
@@ -23433,10 +25464,10 @@
       </p:sp>
       <p:pic>
         <p:nvPicPr>
-          <p:cNvPr id="6" name="Resim 5">
+          <p:cNvPr id="3" name="Resim 2">
             <a:extLst>
               <a:ext uri="{FF2B5EF4-FFF2-40B4-BE49-F238E27FC236}">
-                <a16:creationId xmlns:a16="http://schemas.microsoft.com/office/drawing/2014/main" id="{CD8E767E-3378-1466-EB62-9AB295F2362B}"/>
+                <a16:creationId xmlns:a16="http://schemas.microsoft.com/office/drawing/2014/main" id="{52B11E80-8A97-3D29-7447-EC2D915C7FC0}"/>
               </a:ext>
             </a:extLst>
           </p:cNvPr>
@@ -23453,8 +25484,8 @@
         </p:blipFill>
         <p:spPr>
           <a:xfrm>
-            <a:off x="2369396" y="1381734"/>
-            <a:ext cx="6718714" cy="1460590"/>
+            <a:off x="739301" y="1794021"/>
+            <a:ext cx="10441021" cy="3269957"/>
           </a:xfrm>
           <a:prstGeom prst="rect">
             <a:avLst/>
@@ -23463,495 +25494,10 @@
       </p:pic>
       <p:sp>
         <p:nvSpPr>
-          <p:cNvPr id="2" name="Metin kutusu 1">
+          <p:cNvPr id="2" name="Slayt Numarası Yer Tutucusu 1">
             <a:extLst>
               <a:ext uri="{FF2B5EF4-FFF2-40B4-BE49-F238E27FC236}">
-                <a16:creationId xmlns:a16="http://schemas.microsoft.com/office/drawing/2014/main" id="{5F3A2C3E-F826-F66D-1DBF-71E9A8AB5745}"/>
-              </a:ext>
-            </a:extLst>
-          </p:cNvPr>
-          <p:cNvSpPr txBox="1"/>
-          <p:nvPr/>
-        </p:nvSpPr>
-        <p:spPr>
-          <a:xfrm>
-            <a:off x="551234" y="3210129"/>
-            <a:ext cx="9863846" cy="3170099"/>
-          </a:xfrm>
-          <a:prstGeom prst="rect">
-            <a:avLst/>
-          </a:prstGeom>
-          <a:noFill/>
-        </p:spPr>
-        <p:txBody>
-          <a:bodyPr wrap="square" rtlCol="0">
-            <a:spAutoFit/>
-          </a:bodyPr>
-          <a:lstStyle/>
-          <a:p>
-            <a:pPr marL="285750" indent="-285750">
-              <a:buFont typeface="Arial" panose="020B0604020202020204" pitchFamily="34" charset="0"/>
-              <a:buChar char="•"/>
-            </a:pPr>
-            <a:r>
-              <a:rPr lang="tr-TR" sz="1800" dirty="0"/>
-              <a:t>e</a:t>
-            </a:r>
-            <a:r>
-              <a:rPr lang="tr-TR" sz="1100" dirty="0"/>
-              <a:t>k</a:t>
-            </a:r>
-            <a:r>
-              <a:rPr lang="tr-TR" sz="1800" dirty="0"/>
-              <a:t> = </a:t>
-            </a:r>
-            <a:r>
-              <a:rPr lang="tr-TR" dirty="0" err="1"/>
-              <a:t>old</a:t>
-            </a:r>
-            <a:r>
-              <a:rPr lang="tr-TR" dirty="0"/>
-              <a:t> </a:t>
-            </a:r>
-            <a:r>
-              <a:rPr lang="en-US" dirty="0"/>
-              <a:t>edge vector</a:t>
-            </a:r>
-            <a:endParaRPr lang="tr-TR" dirty="0"/>
-          </a:p>
-          <a:p>
-            <a:pPr marL="285750" indent="-285750">
-              <a:buFont typeface="Arial" panose="020B0604020202020204" pitchFamily="34" charset="0"/>
-              <a:buChar char="•"/>
-            </a:pPr>
-            <a:r>
-              <a:rPr lang="tr-TR" dirty="0"/>
-              <a:t>u = global </a:t>
-            </a:r>
-            <a:r>
-              <a:rPr lang="tr-TR" dirty="0" err="1"/>
-              <a:t>feature</a:t>
-            </a:r>
-            <a:r>
-              <a:rPr lang="tr-TR" dirty="0"/>
-              <a:t> </a:t>
-            </a:r>
-            <a:r>
-              <a:rPr lang="tr-TR" dirty="0" err="1"/>
-              <a:t>vector</a:t>
-            </a:r>
-            <a:endParaRPr lang="tr-TR" dirty="0"/>
-          </a:p>
-          <a:p>
-            <a:pPr marL="285750" indent="-285750">
-              <a:buFont typeface="Arial" panose="020B0604020202020204" pitchFamily="34" charset="0"/>
-              <a:buChar char="•"/>
-            </a:pPr>
-            <a:r>
-              <a:rPr lang="tr-TR" dirty="0" err="1"/>
-              <a:t>V</a:t>
-            </a:r>
-            <a:r>
-              <a:rPr lang="tr-TR" sz="1200" dirty="0" err="1"/>
-              <a:t>sk</a:t>
-            </a:r>
-            <a:r>
-              <a:rPr lang="tr-TR" dirty="0"/>
-              <a:t> = </a:t>
-            </a:r>
-            <a:r>
-              <a:rPr lang="tr-TR" dirty="0" err="1"/>
-              <a:t>the</a:t>
-            </a:r>
-            <a:r>
-              <a:rPr lang="tr-TR" dirty="0"/>
-              <a:t> </a:t>
-            </a:r>
-            <a:r>
-              <a:rPr lang="tr-TR" dirty="0" err="1"/>
-              <a:t>sender</a:t>
-            </a:r>
-            <a:r>
-              <a:rPr lang="tr-TR" dirty="0"/>
-              <a:t> </a:t>
-            </a:r>
-            <a:r>
-              <a:rPr lang="tr-TR" dirty="0" err="1"/>
-              <a:t>node</a:t>
-            </a:r>
-            <a:r>
-              <a:rPr lang="tr-TR" dirty="0"/>
-              <a:t> </a:t>
-            </a:r>
-            <a:r>
-              <a:rPr lang="tr-TR" dirty="0" err="1"/>
-              <a:t>vector</a:t>
-            </a:r>
-            <a:endParaRPr lang="tr-TR" dirty="0"/>
-          </a:p>
-          <a:p>
-            <a:pPr marL="285750" indent="-285750">
-              <a:buFont typeface="Arial" panose="020B0604020202020204" pitchFamily="34" charset="0"/>
-              <a:buChar char="•"/>
-            </a:pPr>
-            <a:r>
-              <a:rPr lang="tr-TR" dirty="0" err="1"/>
-              <a:t>V</a:t>
-            </a:r>
-            <a:r>
-              <a:rPr lang="tr-TR" sz="1200" dirty="0" err="1"/>
-              <a:t>rk</a:t>
-            </a:r>
-            <a:r>
-              <a:rPr lang="tr-TR" dirty="0"/>
-              <a:t> = </a:t>
-            </a:r>
-            <a:r>
-              <a:rPr lang="tr-TR" dirty="0" err="1"/>
-              <a:t>the</a:t>
-            </a:r>
-            <a:r>
-              <a:rPr lang="tr-TR" dirty="0"/>
-              <a:t> </a:t>
-            </a:r>
-            <a:r>
-              <a:rPr lang="tr-TR" dirty="0" err="1"/>
-              <a:t>receiver</a:t>
-            </a:r>
-            <a:r>
-              <a:rPr lang="tr-TR" dirty="0"/>
-              <a:t> </a:t>
-            </a:r>
-            <a:r>
-              <a:rPr lang="tr-TR" dirty="0" err="1"/>
-              <a:t>node</a:t>
-            </a:r>
-            <a:r>
-              <a:rPr lang="tr-TR" dirty="0"/>
-              <a:t> </a:t>
-            </a:r>
-            <a:r>
-              <a:rPr lang="tr-TR" dirty="0" err="1"/>
-              <a:t>vector</a:t>
-            </a:r>
-            <a:endParaRPr lang="tr-TR" dirty="0"/>
-          </a:p>
-          <a:p>
-            <a:pPr marL="285750" indent="-285750">
-              <a:buFont typeface="Arial" panose="020B0604020202020204" pitchFamily="34" charset="0"/>
-              <a:buChar char="•"/>
-            </a:pPr>
-            <a:r>
-              <a:rPr lang="tr-TR" dirty="0" err="1"/>
-              <a:t>E</a:t>
-            </a:r>
-            <a:r>
-              <a:rPr lang="tr-TR" sz="1200" dirty="0" err="1"/>
-              <a:t>sk</a:t>
-            </a:r>
-            <a:r>
-              <a:rPr lang="tr-TR" dirty="0"/>
-              <a:t> = </a:t>
-            </a:r>
-            <a:r>
-              <a:rPr lang="tr-TR" dirty="0" err="1"/>
-              <a:t>the</a:t>
-            </a:r>
-            <a:r>
-              <a:rPr lang="tr-TR" dirty="0"/>
-              <a:t> set of </a:t>
-            </a:r>
-            <a:r>
-              <a:rPr lang="tr-TR" dirty="0" err="1"/>
-              <a:t>edges</a:t>
-            </a:r>
-            <a:endParaRPr lang="tr-TR" dirty="0"/>
-          </a:p>
-          <a:p>
-            <a:pPr marL="342900" indent="-342900">
-              <a:buFont typeface="Arial" panose="020B0604020202020204" pitchFamily="34" charset="0"/>
-              <a:buChar char="•"/>
-            </a:pPr>
-            <a:r>
-              <a:rPr lang="tr-TR" sz="2000" dirty="0" err="1"/>
-              <a:t>s</a:t>
-            </a:r>
-            <a:r>
-              <a:rPr lang="tr-TR" sz="1400" dirty="0" err="1"/>
-              <a:t>k</a:t>
-            </a:r>
-            <a:r>
-              <a:rPr lang="tr-TR" dirty="0"/>
-              <a:t> = </a:t>
-            </a:r>
-            <a:r>
-              <a:rPr lang="en-US" dirty="0"/>
-              <a:t>that point to the node</a:t>
-            </a:r>
-            <a:endParaRPr lang="tr-TR" dirty="0"/>
-          </a:p>
-          <a:p>
-            <a:pPr marL="342900" indent="-342900">
-              <a:buFont typeface="Arial" panose="020B0604020202020204" pitchFamily="34" charset="0"/>
-              <a:buChar char="•"/>
-            </a:pPr>
-            <a:r>
-              <a:rPr lang="en-US" dirty="0"/>
-              <a:t>3D positional information for all the nodes connected by the edge k and edges in</a:t>
-            </a:r>
-            <a:r>
-              <a:rPr kumimoji="0" lang="tr-TR" sz="1800" b="0" i="0" u="none" strike="noStrike" kern="1200" cap="none" spc="0" normalizeH="0" baseline="0" noProof="0" dirty="0">
-                <a:ln>
-                  <a:noFill/>
-                </a:ln>
-                <a:solidFill>
-                  <a:prstClr val="black"/>
-                </a:solidFill>
-                <a:effectLst/>
-                <a:uLnTx/>
-                <a:uFillTx/>
-                <a:latin typeface="Rockwell" panose="02060603020205020403"/>
-                <a:ea typeface="+mn-ea"/>
-                <a:cs typeface="+mn-cs"/>
-              </a:rPr>
-              <a:t> </a:t>
-            </a:r>
-            <a:r>
-              <a:rPr kumimoji="0" lang="tr-TR" sz="1800" b="0" i="0" u="none" strike="noStrike" kern="1200" cap="none" spc="0" normalizeH="0" baseline="0" noProof="0" dirty="0" err="1">
-                <a:ln>
-                  <a:noFill/>
-                </a:ln>
-                <a:solidFill>
-                  <a:prstClr val="black"/>
-                </a:solidFill>
-                <a:effectLst/>
-                <a:uLnTx/>
-                <a:uFillTx/>
-                <a:latin typeface="Rockwell" panose="02060603020205020403"/>
-                <a:ea typeface="+mn-ea"/>
-                <a:cs typeface="+mn-cs"/>
-              </a:rPr>
-              <a:t>E</a:t>
-            </a:r>
-            <a:r>
-              <a:rPr kumimoji="0" lang="tr-TR" sz="1200" b="0" i="0" u="none" strike="noStrike" kern="1200" cap="none" spc="0" normalizeH="0" baseline="0" noProof="0" dirty="0" err="1">
-                <a:ln>
-                  <a:noFill/>
-                </a:ln>
-                <a:solidFill>
-                  <a:prstClr val="black"/>
-                </a:solidFill>
-                <a:effectLst/>
-                <a:uLnTx/>
-                <a:uFillTx/>
-                <a:latin typeface="Rockwell" panose="02060603020205020403"/>
-                <a:ea typeface="+mn-ea"/>
-                <a:cs typeface="+mn-cs"/>
-              </a:rPr>
-              <a:t>sk</a:t>
-            </a:r>
-            <a:r>
-              <a:rPr kumimoji="0" lang="tr-TR" sz="1200" b="0" i="0" u="none" strike="noStrike" kern="1200" cap="none" spc="0" normalizeH="0" baseline="0" noProof="0" dirty="0">
-                <a:ln>
-                  <a:noFill/>
-                </a:ln>
-                <a:solidFill>
-                  <a:prstClr val="black"/>
-                </a:solidFill>
-                <a:effectLst/>
-                <a:uLnTx/>
-                <a:uFillTx/>
-                <a:latin typeface="Rockwell" panose="02060603020205020403"/>
-                <a:ea typeface="+mn-ea"/>
-                <a:cs typeface="+mn-cs"/>
-              </a:rPr>
-              <a:t> </a:t>
-            </a:r>
-            <a:r>
-              <a:rPr lang="en-US" dirty="0"/>
-              <a:t>with the index set as </a:t>
-            </a:r>
-            <a:r>
-              <a:rPr lang="en-US" dirty="0" err="1"/>
-              <a:t>r</a:t>
-            </a:r>
-            <a:r>
-              <a:rPr lang="en-US" sz="1100" dirty="0" err="1"/>
-              <a:t>k</a:t>
-            </a:r>
-            <a:r>
-              <a:rPr lang="en-US" dirty="0"/>
-              <a:t> ∪ </a:t>
-            </a:r>
-            <a:r>
-              <a:rPr lang="en-US" dirty="0" err="1"/>
-              <a:t>s</a:t>
-            </a:r>
-            <a:r>
-              <a:rPr lang="en-US" sz="1400" dirty="0" err="1"/>
-              <a:t>k</a:t>
-            </a:r>
-            <a:r>
-              <a:rPr lang="en-US" dirty="0"/>
-              <a:t> ∪ N</a:t>
-            </a:r>
-            <a:r>
-              <a:rPr lang="tr-TR" sz="1600" dirty="0" err="1"/>
-              <a:t>s</a:t>
-            </a:r>
-            <a:r>
-              <a:rPr lang="tr-TR" sz="1100" dirty="0" err="1"/>
-              <a:t>k</a:t>
-            </a:r>
-            <a:r>
-              <a:rPr lang="tr-TR" dirty="0"/>
-              <a:t>   </a:t>
-            </a:r>
-          </a:p>
-          <a:p>
-            <a:pPr marL="342900" indent="-342900">
-              <a:buFont typeface="Arial" panose="020B0604020202020204" pitchFamily="34" charset="0"/>
-              <a:buChar char="•"/>
-            </a:pPr>
-            <a:r>
-              <a:rPr lang="tr-TR" dirty="0"/>
-              <a:t>            a</a:t>
-            </a:r>
-            <a:r>
-              <a:rPr lang="en-US" dirty="0" err="1"/>
-              <a:t>ggregates</a:t>
-            </a:r>
-            <a:r>
-              <a:rPr lang="en-US" dirty="0"/>
-              <a:t> 3D information from these nodes to update the edge k</a:t>
-            </a:r>
-            <a:endParaRPr lang="tr-TR" dirty="0"/>
-          </a:p>
-          <a:p>
-            <a:endParaRPr lang="tr-TR" dirty="0"/>
-          </a:p>
-          <a:p>
-            <a:pPr marL="342900" indent="-342900">
-              <a:buFont typeface="Arial" panose="020B0604020202020204" pitchFamily="34" charset="0"/>
-              <a:buChar char="•"/>
-            </a:pPr>
-            <a:r>
-              <a:rPr lang="tr-TR" dirty="0"/>
-              <a:t>           </a:t>
-            </a:r>
-            <a:r>
-              <a:rPr lang="en-US" dirty="0"/>
-              <a:t>is used for per-node update and generates the new node vector</a:t>
-            </a:r>
-            <a:r>
-              <a:rPr lang="tr-TR" dirty="0"/>
-              <a:t> </a:t>
-            </a:r>
-            <a:r>
-              <a:rPr lang="tr-TR" dirty="0" err="1"/>
-              <a:t>v’</a:t>
-            </a:r>
-            <a:r>
-              <a:rPr lang="tr-TR" sz="1200" dirty="0" err="1"/>
-              <a:t>i</a:t>
-            </a:r>
-            <a:r>
-              <a:rPr lang="tr-TR" sz="1200" dirty="0"/>
-              <a:t>  </a:t>
-            </a:r>
-            <a:r>
-              <a:rPr lang="tr-TR" dirty="0" err="1"/>
-              <a:t>for</a:t>
-            </a:r>
-            <a:r>
-              <a:rPr lang="tr-TR" dirty="0"/>
-              <a:t> </a:t>
-            </a:r>
-            <a:r>
-              <a:rPr lang="tr-TR" dirty="0" err="1"/>
-              <a:t>each</a:t>
-            </a:r>
-            <a:r>
-              <a:rPr lang="tr-TR" dirty="0"/>
-              <a:t> </a:t>
-            </a:r>
-            <a:r>
-              <a:rPr lang="tr-TR" dirty="0" err="1"/>
-              <a:t>node</a:t>
-            </a:r>
-            <a:r>
-              <a:rPr lang="tr-TR" dirty="0"/>
-              <a:t> i.</a:t>
-            </a:r>
-          </a:p>
-        </p:txBody>
-      </p:sp>
-      <p:pic>
-        <p:nvPicPr>
-          <p:cNvPr id="9" name="Resim 8">
-            <a:extLst>
-              <a:ext uri="{FF2B5EF4-FFF2-40B4-BE49-F238E27FC236}">
-                <a16:creationId xmlns:a16="http://schemas.microsoft.com/office/drawing/2014/main" id="{FB2064D3-5C9E-1FDC-68A2-36E7173741A7}"/>
-              </a:ext>
-            </a:extLst>
-          </p:cNvPr>
-          <p:cNvPicPr>
-            <a:picLocks noChangeAspect="1"/>
-          </p:cNvPicPr>
-          <p:nvPr/>
-        </p:nvPicPr>
-        <p:blipFill>
-          <a:blip r:embed="rId4"/>
-          <a:stretch>
-            <a:fillRect/>
-          </a:stretch>
-        </p:blipFill>
-        <p:spPr>
-          <a:xfrm>
-            <a:off x="872247" y="5551373"/>
-            <a:ext cx="762000" cy="352425"/>
-          </a:xfrm>
-          <a:prstGeom prst="rect">
-            <a:avLst/>
-          </a:prstGeom>
-        </p:spPr>
-      </p:pic>
-      <p:pic>
-        <p:nvPicPr>
-          <p:cNvPr id="11" name="Resim 10">
-            <a:extLst>
-              <a:ext uri="{FF2B5EF4-FFF2-40B4-BE49-F238E27FC236}">
-                <a16:creationId xmlns:a16="http://schemas.microsoft.com/office/drawing/2014/main" id="{97D27EF9-B8C2-D5E9-742A-D9E73FD48397}"/>
-              </a:ext>
-            </a:extLst>
-          </p:cNvPr>
-          <p:cNvPicPr>
-            <a:picLocks noChangeAspect="1"/>
-          </p:cNvPicPr>
-          <p:nvPr/>
-        </p:nvPicPr>
-        <p:blipFill>
-          <a:blip r:embed="rId5"/>
-          <a:stretch>
-            <a:fillRect/>
-          </a:stretch>
-        </p:blipFill>
-        <p:spPr>
-          <a:xfrm>
-            <a:off x="965673" y="5989703"/>
-            <a:ext cx="400050" cy="390525"/>
-          </a:xfrm>
-          <a:prstGeom prst="rect">
-            <a:avLst/>
-          </a:prstGeom>
-        </p:spPr>
-      </p:pic>
-      <p:sp>
-        <p:nvSpPr>
-          <p:cNvPr id="3" name="Slayt Numarası Yer Tutucusu 2">
-            <a:extLst>
-              <a:ext uri="{FF2B5EF4-FFF2-40B4-BE49-F238E27FC236}">
-                <a16:creationId xmlns:a16="http://schemas.microsoft.com/office/drawing/2014/main" id="{1E727572-E67B-FC0D-A4D6-568BCFFEF348}"/>
+                <a16:creationId xmlns:a16="http://schemas.microsoft.com/office/drawing/2014/main" id="{B9FE20D2-F223-C5BE-A9D0-B043D1CFBE95}"/>
               </a:ext>
             </a:extLst>
           </p:cNvPr>
@@ -23978,7 +25524,7 @@
     </p:spTree>
     <p:extLst>
       <p:ext uri="{BB962C8B-B14F-4D97-AF65-F5344CB8AC3E}">
-        <p14:creationId xmlns:p14="http://schemas.microsoft.com/office/powerpoint/2010/main" val="601387146"/>
+        <p14:creationId xmlns:p14="http://schemas.microsoft.com/office/powerpoint/2010/main" val="2568519526"/>
       </p:ext>
     </p:extLst>
   </p:cSld>
@@ -24005,12 +25551,42 @@
           <a:chExt cx="0" cy="0"/>
         </a:xfrm>
       </p:grpSpPr>
+      <p:pic>
+        <p:nvPicPr>
+          <p:cNvPr id="3" name="Resim 2">
+            <a:extLst>
+              <a:ext uri="{FF2B5EF4-FFF2-40B4-BE49-F238E27FC236}">
+                <a16:creationId xmlns:a16="http://schemas.microsoft.com/office/drawing/2014/main" id="{5CEF782F-0889-C571-9FB0-21C797916E9F}"/>
+              </a:ext>
+            </a:extLst>
+          </p:cNvPr>
+          <p:cNvPicPr>
+            <a:picLocks noChangeAspect="1"/>
+          </p:cNvPicPr>
+          <p:nvPr/>
+        </p:nvPicPr>
+        <p:blipFill>
+          <a:blip r:embed="rId2"/>
+          <a:stretch>
+            <a:fillRect/>
+          </a:stretch>
+        </p:blipFill>
+        <p:spPr>
+          <a:xfrm>
+            <a:off x="5497895" y="1293778"/>
+            <a:ext cx="5379100" cy="3875054"/>
+          </a:xfrm>
+          <a:prstGeom prst="rect">
+            <a:avLst/>
+          </a:prstGeom>
+        </p:spPr>
+      </p:pic>
       <p:sp>
         <p:nvSpPr>
-          <p:cNvPr id="5" name="Dikdörtgen 4">
+          <p:cNvPr id="4" name="Dikdörtgen 3">
             <a:extLst>
               <a:ext uri="{FF2B5EF4-FFF2-40B4-BE49-F238E27FC236}">
-                <a16:creationId xmlns:a16="http://schemas.microsoft.com/office/drawing/2014/main" id="{16E039EC-603A-7D16-08EC-04FA90A67FCB}"/>
+                <a16:creationId xmlns:a16="http://schemas.microsoft.com/office/drawing/2014/main" id="{C64CA168-AE66-48A6-DF80-88E1BC60F673}"/>
               </a:ext>
             </a:extLst>
           </p:cNvPr>
@@ -24100,10 +25676,10 @@
       </p:sp>
       <p:pic>
         <p:nvPicPr>
-          <p:cNvPr id="3" name="Resim 2">
+          <p:cNvPr id="5" name="Resim 4">
             <a:extLst>
               <a:ext uri="{FF2B5EF4-FFF2-40B4-BE49-F238E27FC236}">
-                <a16:creationId xmlns:a16="http://schemas.microsoft.com/office/drawing/2014/main" id="{52B11E80-8A97-3D29-7447-EC2D915C7FC0}"/>
+                <a16:creationId xmlns:a16="http://schemas.microsoft.com/office/drawing/2014/main" id="{C5F34453-3C31-767F-1A11-9881557FEEB7}"/>
               </a:ext>
             </a:extLst>
           </p:cNvPr>
@@ -24113,15 +25689,15 @@
           <p:nvPr/>
         </p:nvPicPr>
         <p:blipFill>
-          <a:blip r:embed="rId2"/>
+          <a:blip r:embed="rId3"/>
           <a:stretch>
             <a:fillRect/>
           </a:stretch>
         </p:blipFill>
         <p:spPr>
           <a:xfrm>
-            <a:off x="739301" y="1077251"/>
-            <a:ext cx="10441021" cy="3269957"/>
+            <a:off x="934869" y="1783810"/>
+            <a:ext cx="4057650" cy="2628900"/>
           </a:xfrm>
           <a:prstGeom prst="rect">
             <a:avLst/>
@@ -24130,54 +25706,10 @@
       </p:pic>
       <p:sp>
         <p:nvSpPr>
-          <p:cNvPr id="6" name="Metin kutusu 5">
+          <p:cNvPr id="2" name="Slayt Numarası Yer Tutucusu 1">
             <a:extLst>
               <a:ext uri="{FF2B5EF4-FFF2-40B4-BE49-F238E27FC236}">
-                <a16:creationId xmlns:a16="http://schemas.microsoft.com/office/drawing/2014/main" id="{5B0D5BDD-E099-8618-BDE8-28B39909E411}"/>
-              </a:ext>
-            </a:extLst>
-          </p:cNvPr>
-          <p:cNvSpPr txBox="1"/>
-          <p:nvPr/>
-        </p:nvSpPr>
-        <p:spPr>
-          <a:xfrm>
-            <a:off x="589739" y="4626000"/>
-            <a:ext cx="11012521" cy="923330"/>
-          </a:xfrm>
-          <a:prstGeom prst="rect">
-            <a:avLst/>
-          </a:prstGeom>
-          <a:noFill/>
-        </p:spPr>
-        <p:txBody>
-          <a:bodyPr wrap="square">
-            <a:spAutoFit/>
-          </a:bodyPr>
-          <a:lstStyle/>
-          <a:p>
-            <a:r>
-              <a:rPr lang="en-US" dirty="0"/>
-              <a:t>We first investigate the structure identification of 3D graphs in the spherical coordinate system. For any point in the SCS, its location is specified by a </a:t>
-            </a:r>
-            <a:r>
-              <a:rPr lang="en-US" b="1" dirty="0"/>
-              <a:t>3-tuple (d, θ, ϕ), </a:t>
-            </a:r>
-            <a:r>
-              <a:rPr lang="en-US" dirty="0"/>
-              <a:t>where d, θ, and ϕ denote the radial distance, polar angle, and the azimuthal angle, respectively.</a:t>
-            </a:r>
-            <a:endParaRPr lang="tr-TR" dirty="0"/>
-          </a:p>
-        </p:txBody>
-      </p:sp>
-      <p:sp>
-        <p:nvSpPr>
-          <p:cNvPr id="2" name="Slayt Numarası Yer Tutucusu 1">
-            <a:extLst>
-              <a:ext uri="{FF2B5EF4-FFF2-40B4-BE49-F238E27FC236}">
-                <a16:creationId xmlns:a16="http://schemas.microsoft.com/office/drawing/2014/main" id="{B9FE20D2-F223-C5BE-A9D0-B043D1CFBE95}"/>
+                <a16:creationId xmlns:a16="http://schemas.microsoft.com/office/drawing/2014/main" id="{2D0800A8-4E6F-5342-20DC-85DC4A15005A}"/>
               </a:ext>
             </a:extLst>
           </p:cNvPr>
@@ -24204,7 +25736,7 @@
     </p:spTree>
     <p:extLst>
       <p:ext uri="{BB962C8B-B14F-4D97-AF65-F5344CB8AC3E}">
-        <p14:creationId xmlns:p14="http://schemas.microsoft.com/office/powerpoint/2010/main" val="2568519526"/>
+        <p14:creationId xmlns:p14="http://schemas.microsoft.com/office/powerpoint/2010/main" val="16260397"/>
       </p:ext>
     </p:extLst>
   </p:cSld>
@@ -24236,7 +25768,7 @@
           <p:cNvPr id="3" name="Resim 2">
             <a:extLst>
               <a:ext uri="{FF2B5EF4-FFF2-40B4-BE49-F238E27FC236}">
-                <a16:creationId xmlns:a16="http://schemas.microsoft.com/office/drawing/2014/main" id="{5CEF782F-0889-C571-9FB0-21C797916E9F}"/>
+                <a16:creationId xmlns:a16="http://schemas.microsoft.com/office/drawing/2014/main" id="{C9F8B24B-782E-AB27-425E-EA244849FA25}"/>
               </a:ext>
             </a:extLst>
           </p:cNvPr>
@@ -24246,15 +25778,15 @@
           <p:nvPr/>
         </p:nvPicPr>
         <p:blipFill>
-          <a:blip r:embed="rId2"/>
+          <a:blip r:embed="rId3"/>
           <a:stretch>
             <a:fillRect/>
           </a:stretch>
         </p:blipFill>
         <p:spPr>
           <a:xfrm>
-            <a:off x="5497895" y="1293778"/>
-            <a:ext cx="5379100" cy="3875054"/>
+            <a:off x="386315" y="932256"/>
+            <a:ext cx="11640315" cy="4993488"/>
           </a:xfrm>
           <a:prstGeom prst="rect">
             <a:avLst/>
@@ -24266,7 +25798,7 @@
           <p:cNvPr id="4" name="Dikdörtgen 3">
             <a:extLst>
               <a:ext uri="{FF2B5EF4-FFF2-40B4-BE49-F238E27FC236}">
-                <a16:creationId xmlns:a16="http://schemas.microsoft.com/office/drawing/2014/main" id="{C64CA168-AE66-48A6-DF80-88E1BC60F673}"/>
+                <a16:creationId xmlns:a16="http://schemas.microsoft.com/office/drawing/2014/main" id="{148F0A8B-FC75-D2CC-233B-7A7E1832626A}"/>
               </a:ext>
             </a:extLst>
           </p:cNvPr>
@@ -24275,8 +25807,8 @@
         </p:nvSpPr>
         <p:spPr>
           <a:xfrm>
-            <a:off x="255840" y="59207"/>
-            <a:ext cx="6562374" cy="707886"/>
+            <a:off x="175098" y="96311"/>
+            <a:ext cx="3197350" cy="707886"/>
           </a:xfrm>
           <a:prstGeom prst="rect">
             <a:avLst/>
@@ -24304,39 +25836,7 @@
                   </a:outerShdw>
                 </a:effectLst>
               </a:rPr>
-              <a:t>Spherical</a:t>
-            </a:r>
-            <a:r>
-              <a:rPr lang="tr-TR" sz="4000" dirty="0">
-                <a:ln w="0"/>
-                <a:solidFill>
-                  <a:schemeClr val="accent1"/>
-                </a:solidFill>
-                <a:effectLst>
-                  <a:outerShdw blurRad="38100" dist="25400" dir="5400000" algn="ctr" rotWithShape="0">
-                    <a:srgbClr val="6E747A">
-                      <a:alpha val="43000"/>
-                    </a:srgbClr>
-                  </a:outerShdw>
-                </a:effectLst>
-              </a:rPr>
-              <a:t> Message </a:t>
-            </a:r>
-            <a:r>
-              <a:rPr lang="tr-TR" sz="4000" dirty="0" err="1">
-                <a:ln w="0"/>
-                <a:solidFill>
-                  <a:schemeClr val="accent1"/>
-                </a:solidFill>
-                <a:effectLst>
-                  <a:outerShdw blurRad="38100" dist="25400" dir="5400000" algn="ctr" rotWithShape="0">
-                    <a:srgbClr val="6E747A">
-                      <a:alpha val="43000"/>
-                    </a:srgbClr>
-                  </a:outerShdw>
-                </a:effectLst>
-              </a:rPr>
-              <a:t>Passing</a:t>
+              <a:t>Experiments</a:t>
             </a:r>
             <a:endParaRPr lang="tr-TR" sz="4000" b="0" cap="none" spc="0" dirty="0">
               <a:ln w="0"/>
@@ -24354,42 +25854,12 @@
           </a:p>
         </p:txBody>
       </p:sp>
-      <p:pic>
-        <p:nvPicPr>
-          <p:cNvPr id="5" name="Resim 4">
-            <a:extLst>
-              <a:ext uri="{FF2B5EF4-FFF2-40B4-BE49-F238E27FC236}">
-                <a16:creationId xmlns:a16="http://schemas.microsoft.com/office/drawing/2014/main" id="{C5F34453-3C31-767F-1A11-9881557FEEB7}"/>
-              </a:ext>
-            </a:extLst>
-          </p:cNvPr>
-          <p:cNvPicPr>
-            <a:picLocks noChangeAspect="1"/>
-          </p:cNvPicPr>
-          <p:nvPr/>
-        </p:nvPicPr>
-        <p:blipFill>
-          <a:blip r:embed="rId3"/>
-          <a:stretch>
-            <a:fillRect/>
-          </a:stretch>
-        </p:blipFill>
-        <p:spPr>
-          <a:xfrm>
-            <a:off x="934869" y="1783810"/>
-            <a:ext cx="4057650" cy="2628900"/>
-          </a:xfrm>
-          <a:prstGeom prst="rect">
-            <a:avLst/>
-          </a:prstGeom>
-        </p:spPr>
-      </p:pic>
       <p:sp>
         <p:nvSpPr>
           <p:cNvPr id="2" name="Slayt Numarası Yer Tutucusu 1">
             <a:extLst>
               <a:ext uri="{FF2B5EF4-FFF2-40B4-BE49-F238E27FC236}">
-                <a16:creationId xmlns:a16="http://schemas.microsoft.com/office/drawing/2014/main" id="{2D0800A8-4E6F-5342-20DC-85DC4A15005A}"/>
+                <a16:creationId xmlns:a16="http://schemas.microsoft.com/office/drawing/2014/main" id="{23FF93C7-580A-2F68-F21B-25106F6DB4E5}"/>
               </a:ext>
             </a:extLst>
           </p:cNvPr>
@@ -24416,7 +25886,7 @@
     </p:spTree>
     <p:extLst>
       <p:ext uri="{BB962C8B-B14F-4D97-AF65-F5344CB8AC3E}">
-        <p14:creationId xmlns:p14="http://schemas.microsoft.com/office/powerpoint/2010/main" val="16260397"/>
+        <p14:creationId xmlns:p14="http://schemas.microsoft.com/office/powerpoint/2010/main" val="92570008"/>
       </p:ext>
     </p:extLst>
   </p:cSld>
@@ -24429,14 +25899,6 @@
 <file path=ppt/slides/slide25.xml><?xml version="1.0" encoding="utf-8"?>
 <p:sld xmlns:a="http://schemas.openxmlformats.org/drawingml/2006/main" xmlns:r="http://schemas.openxmlformats.org/officeDocument/2006/relationships" xmlns:p="http://schemas.openxmlformats.org/presentationml/2006/main">
   <p:cSld>
-    <p:bg>
-      <p:bgPr>
-        <a:solidFill>
-          <a:schemeClr val="bg1"/>
-        </a:solidFill>
-        <a:effectLst/>
-      </p:bgPr>
-    </p:bg>
     <p:spTree>
       <p:nvGrpSpPr>
         <p:cNvPr id="1" name=""/>
@@ -24451,3848 +25913,12 @@
           <a:chExt cx="0" cy="0"/>
         </a:xfrm>
       </p:grpSpPr>
-      <p:grpSp>
-        <p:nvGrpSpPr>
-          <p:cNvPr id="96" name="Group 10">
-            <a:extLst>
-              <a:ext uri="{FF2B5EF4-FFF2-40B4-BE49-F238E27FC236}">
-                <a16:creationId xmlns:a16="http://schemas.microsoft.com/office/drawing/2014/main" id="{61752715-D0DA-4D34-B400-AF7C9F0ACF0F}"/>
-              </a:ext>
-              <a:ext uri="{C183D7F6-B498-43B3-948B-1728B52AA6E4}">
-                <adec:decorative xmlns:adec="http://schemas.microsoft.com/office/drawing/2017/decorative" val="1"/>
-              </a:ext>
-            </a:extLst>
-          </p:cNvPr>
-          <p:cNvGrpSpPr>
-            <a:grpSpLocks noGrp="1" noUngrp="1" noRot="1" noChangeAspect="1" noMove="1" noResize="1"/>
-          </p:cNvGrpSpPr>
-          <p:nvPr>
-            <p:extLst>
-              <p:ext uri="{386F3935-93C4-4BCD-93E2-E3B085C9AB24}">
-                <p16:designElem xmlns:p16="http://schemas.microsoft.com/office/powerpoint/2015/main" val="1"/>
-              </p:ext>
-            </p:extLst>
-          </p:nvPr>
-        </p:nvGrpSpPr>
-        <p:grpSpPr>
-          <a:xfrm>
-            <a:off x="-329674" y="-59376"/>
-            <a:ext cx="12515851" cy="6923798"/>
-            <a:chOff x="-329674" y="-51881"/>
-            <a:chExt cx="12515851" cy="6923798"/>
-          </a:xfrm>
-        </p:grpSpPr>
-        <p:sp>
-          <p:nvSpPr>
-            <p:cNvPr id="12" name="Freeform 5">
-              <a:extLst>
-                <a:ext uri="{FF2B5EF4-FFF2-40B4-BE49-F238E27FC236}">
-                  <a16:creationId xmlns:a16="http://schemas.microsoft.com/office/drawing/2014/main" id="{235DF68B-2749-4199-A168-9760196F8A6A}"/>
-                </a:ext>
-                <a:ext uri="{C183D7F6-B498-43B3-948B-1728B52AA6E4}">
-                  <adec:decorative xmlns:adec="http://schemas.microsoft.com/office/drawing/2017/decorative" val="1"/>
-                </a:ext>
-              </a:extLst>
-            </p:cNvPr>
-            <p:cNvSpPr/>
-            <p:nvPr>
-              <p:extLst>
-                <p:ext uri="{386F3935-93C4-4BCD-93E2-E3B085C9AB24}">
-                  <p16:designElem xmlns:p16="http://schemas.microsoft.com/office/powerpoint/2015/main" val="1"/>
-                </p:ext>
-              </p:extLst>
-            </p:nvPr>
-          </p:nvSpPr>
-          <p:spPr bwMode="auto">
-            <a:xfrm>
-              <a:off x="-329674" y="1298404"/>
-              <a:ext cx="9702800" cy="5573512"/>
-            </a:xfrm>
-            <a:custGeom>
-              <a:avLst/>
-              <a:gdLst/>
-              <a:ahLst/>
-              <a:cxnLst/>
-              <a:rect l="0" t="0" r="r" b="b"/>
-              <a:pathLst>
-                <a:path w="2038" h="1169">
-                  <a:moveTo>
-                    <a:pt x="1752" y="1169"/>
-                  </a:moveTo>
-                  <a:cubicBezTo>
-                    <a:pt x="2038" y="928"/>
-                    <a:pt x="1673" y="513"/>
-                    <a:pt x="1487" y="334"/>
-                  </a:cubicBezTo>
-                  <a:cubicBezTo>
-                    <a:pt x="1316" y="170"/>
-                    <a:pt x="1099" y="43"/>
-                    <a:pt x="860" y="22"/>
-                  </a:cubicBezTo>
-                  <a:cubicBezTo>
-                    <a:pt x="621" y="0"/>
-                    <a:pt x="341" y="128"/>
-                    <a:pt x="199" y="318"/>
-                  </a:cubicBezTo>
-                  <a:cubicBezTo>
-                    <a:pt x="0" y="586"/>
-                    <a:pt x="184" y="965"/>
-                    <a:pt x="399" y="1165"/>
-                  </a:cubicBezTo>
-                </a:path>
-              </a:pathLst>
-            </a:custGeom>
-            <a:noFill/>
-            <a:ln w="9525" cap="flat">
-              <a:solidFill>
-                <a:schemeClr val="tx1">
-                  <a:alpha val="20000"/>
-                </a:schemeClr>
-              </a:solidFill>
-              <a:prstDash val="solid"/>
-              <a:miter lim="800000"/>
-              <a:headEnd/>
-              <a:tailEnd/>
-            </a:ln>
-            <a:extLst>
-              <a:ext uri="{909E8E84-426E-40DD-AFC4-6F175D3DCCD1}">
-                <a14:hiddenFill xmlns:a14="http://schemas.microsoft.com/office/drawing/2010/main">
-                  <a:solidFill>
-                    <a:srgbClr val="FFFFFF"/>
-                  </a:solidFill>
-                </a14:hiddenFill>
-              </a:ext>
-            </a:extLst>
-          </p:spPr>
-        </p:sp>
-        <p:sp>
-          <p:nvSpPr>
-            <p:cNvPr id="13" name="Freeform 6">
-              <a:extLst>
-                <a:ext uri="{FF2B5EF4-FFF2-40B4-BE49-F238E27FC236}">
-                  <a16:creationId xmlns:a16="http://schemas.microsoft.com/office/drawing/2014/main" id="{801013C8-DBD4-44D9-B59B-5ACE91175F3E}"/>
-                </a:ext>
-                <a:ext uri="{C183D7F6-B498-43B3-948B-1728B52AA6E4}">
-                  <adec:decorative xmlns:adec="http://schemas.microsoft.com/office/drawing/2017/decorative" val="1"/>
-                </a:ext>
-              </a:extLst>
-            </p:cNvPr>
-            <p:cNvSpPr/>
-            <p:nvPr>
-              <p:extLst>
-                <p:ext uri="{386F3935-93C4-4BCD-93E2-E3B085C9AB24}">
-                  <p16:designElem xmlns:p16="http://schemas.microsoft.com/office/powerpoint/2015/main" val="1"/>
-                </p:ext>
-              </p:extLst>
-            </p:nvPr>
-          </p:nvSpPr>
-          <p:spPr bwMode="auto">
-            <a:xfrm>
-              <a:off x="670451" y="2018236"/>
-              <a:ext cx="7373938" cy="4848892"/>
-            </a:xfrm>
-            <a:custGeom>
-              <a:avLst/>
-              <a:gdLst/>
-              <a:ahLst/>
-              <a:cxnLst/>
-              <a:rect l="0" t="0" r="r" b="b"/>
-              <a:pathLst>
-                <a:path w="1549" h="1017">
-                  <a:moveTo>
-                    <a:pt x="1025" y="1016"/>
-                  </a:moveTo>
-                  <a:cubicBezTo>
-                    <a:pt x="1223" y="971"/>
-                    <a:pt x="1549" y="857"/>
-                    <a:pt x="1443" y="592"/>
-                  </a:cubicBezTo>
-                  <a:cubicBezTo>
-                    <a:pt x="1344" y="344"/>
-                    <a:pt x="1041" y="111"/>
-                    <a:pt x="782" y="53"/>
-                  </a:cubicBezTo>
-                  <a:cubicBezTo>
-                    <a:pt x="545" y="0"/>
-                    <a:pt x="275" y="117"/>
-                    <a:pt x="150" y="329"/>
-                  </a:cubicBezTo>
-                  <a:cubicBezTo>
-                    <a:pt x="0" y="584"/>
-                    <a:pt x="243" y="911"/>
-                    <a:pt x="477" y="1017"/>
-                  </a:cubicBezTo>
-                </a:path>
-              </a:pathLst>
-            </a:custGeom>
-            <a:noFill/>
-            <a:ln w="9525" cap="flat">
-              <a:solidFill>
-                <a:schemeClr val="tx1">
-                  <a:alpha val="20000"/>
-                </a:schemeClr>
-              </a:solidFill>
-              <a:prstDash val="solid"/>
-              <a:miter lim="800000"/>
-              <a:headEnd/>
-              <a:tailEnd/>
-            </a:ln>
-            <a:extLst>
-              <a:ext uri="{909E8E84-426E-40DD-AFC4-6F175D3DCCD1}">
-                <a14:hiddenFill xmlns:a14="http://schemas.microsoft.com/office/drawing/2010/main">
-                  <a:solidFill>
-                    <a:srgbClr val="FFFFFF"/>
-                  </a:solidFill>
-                </a14:hiddenFill>
-              </a:ext>
-            </a:extLst>
-          </p:spPr>
-        </p:sp>
-        <p:sp>
-          <p:nvSpPr>
-            <p:cNvPr id="14" name="Freeform 7">
-              <a:extLst>
-                <a:ext uri="{FF2B5EF4-FFF2-40B4-BE49-F238E27FC236}">
-                  <a16:creationId xmlns:a16="http://schemas.microsoft.com/office/drawing/2014/main" id="{57FC56F7-4378-439F-BA5C-7294C8D6CD70}"/>
-                </a:ext>
-                <a:ext uri="{C183D7F6-B498-43B3-948B-1728B52AA6E4}">
-                  <adec:decorative xmlns:adec="http://schemas.microsoft.com/office/drawing/2017/decorative" val="1"/>
-                </a:ext>
-              </a:extLst>
-            </p:cNvPr>
-            <p:cNvSpPr/>
-            <p:nvPr>
-              <p:extLst>
-                <p:ext uri="{386F3935-93C4-4BCD-93E2-E3B085C9AB24}">
-                  <p16:designElem xmlns:p16="http://schemas.microsoft.com/office/powerpoint/2015/main" val="1"/>
-                </p:ext>
-              </p:extLst>
-            </p:nvPr>
-          </p:nvSpPr>
-          <p:spPr bwMode="auto">
-            <a:xfrm>
-              <a:off x="251351" y="1788400"/>
-              <a:ext cx="8035925" cy="5083516"/>
-            </a:xfrm>
-            <a:custGeom>
-              <a:avLst/>
-              <a:gdLst/>
-              <a:ahLst/>
-              <a:cxnLst/>
-              <a:rect l="0" t="0" r="r" b="b"/>
-              <a:pathLst>
-                <a:path w="1688" h="1066">
-                  <a:moveTo>
-                    <a:pt x="1302" y="1066"/>
-                  </a:moveTo>
-                  <a:cubicBezTo>
-                    <a:pt x="1416" y="1024"/>
-                    <a:pt x="1551" y="962"/>
-                    <a:pt x="1613" y="850"/>
-                  </a:cubicBezTo>
-                  <a:cubicBezTo>
-                    <a:pt x="1688" y="715"/>
-                    <a:pt x="1606" y="575"/>
-                    <a:pt x="1517" y="471"/>
-                  </a:cubicBezTo>
-                  <a:cubicBezTo>
-                    <a:pt x="1336" y="258"/>
-                    <a:pt x="1084" y="62"/>
-                    <a:pt x="798" y="28"/>
-                  </a:cubicBezTo>
-                  <a:cubicBezTo>
-                    <a:pt x="559" y="0"/>
-                    <a:pt x="317" y="138"/>
-                    <a:pt x="181" y="333"/>
-                  </a:cubicBezTo>
-                  <a:cubicBezTo>
-                    <a:pt x="0" y="592"/>
-                    <a:pt x="191" y="907"/>
-                    <a:pt x="420" y="1066"/>
-                  </a:cubicBezTo>
-                </a:path>
-              </a:pathLst>
-            </a:custGeom>
-            <a:noFill/>
-            <a:ln w="9525" cap="flat">
-              <a:solidFill>
-                <a:schemeClr val="tx1">
-                  <a:alpha val="20000"/>
-                </a:schemeClr>
-              </a:solidFill>
-              <a:prstDash val="dash"/>
-              <a:miter lim="800000"/>
-              <a:headEnd/>
-              <a:tailEnd/>
-            </a:ln>
-            <a:extLst>
-              <a:ext uri="{909E8E84-426E-40DD-AFC4-6F175D3DCCD1}">
-                <a14:hiddenFill xmlns:a14="http://schemas.microsoft.com/office/drawing/2010/main">
-                  <a:solidFill>
-                    <a:srgbClr val="FFFFFF"/>
-                  </a:solidFill>
-                </a14:hiddenFill>
-              </a:ext>
-            </a:extLst>
-          </p:spPr>
-        </p:sp>
-        <p:sp>
-          <p:nvSpPr>
-            <p:cNvPr id="15" name="Freeform 8">
-              <a:extLst>
-                <a:ext uri="{FF2B5EF4-FFF2-40B4-BE49-F238E27FC236}">
-                  <a16:creationId xmlns:a16="http://schemas.microsoft.com/office/drawing/2014/main" id="{26437AEA-17A0-407D-8B23-79E5833BEE36}"/>
-                </a:ext>
-                <a:ext uri="{C183D7F6-B498-43B3-948B-1728B52AA6E4}">
-                  <adec:decorative xmlns:adec="http://schemas.microsoft.com/office/drawing/2017/decorative" val="1"/>
-                </a:ext>
-              </a:extLst>
-            </p:cNvPr>
-            <p:cNvSpPr/>
-            <p:nvPr>
-              <p:extLst>
-                <p:ext uri="{386F3935-93C4-4BCD-93E2-E3B085C9AB24}">
-                  <p16:designElem xmlns:p16="http://schemas.microsoft.com/office/powerpoint/2015/main" val="1"/>
-                </p:ext>
-              </p:extLst>
-            </p:nvPr>
-          </p:nvSpPr>
-          <p:spPr bwMode="auto">
-            <a:xfrm>
-              <a:off x="-1061" y="549842"/>
-              <a:ext cx="10334625" cy="6322075"/>
-            </a:xfrm>
-            <a:custGeom>
-              <a:avLst/>
-              <a:gdLst/>
-              <a:ahLst/>
-              <a:cxnLst/>
-              <a:rect l="0" t="0" r="r" b="b"/>
-              <a:pathLst>
-                <a:path w="2171" h="1326">
-                  <a:moveTo>
-                    <a:pt x="1873" y="1326"/>
-                  </a:moveTo>
-                  <a:cubicBezTo>
-                    <a:pt x="2171" y="1045"/>
-                    <a:pt x="1825" y="678"/>
-                    <a:pt x="1609" y="473"/>
-                  </a:cubicBezTo>
-                  <a:cubicBezTo>
-                    <a:pt x="1406" y="281"/>
-                    <a:pt x="1159" y="116"/>
-                    <a:pt x="880" y="63"/>
-                  </a:cubicBezTo>
-                  <a:cubicBezTo>
-                    <a:pt x="545" y="0"/>
-                    <a:pt x="214" y="161"/>
-                    <a:pt x="0" y="423"/>
-                  </a:cubicBezTo>
-                </a:path>
-              </a:pathLst>
-            </a:custGeom>
-            <a:noFill/>
-            <a:ln w="9525" cap="flat">
-              <a:solidFill>
-                <a:schemeClr val="tx1">
-                  <a:alpha val="20000"/>
-                </a:schemeClr>
-              </a:solidFill>
-              <a:prstDash val="solid"/>
-              <a:miter lim="800000"/>
-              <a:headEnd/>
-              <a:tailEnd/>
-            </a:ln>
-            <a:extLst>
-              <a:ext uri="{909E8E84-426E-40DD-AFC4-6F175D3DCCD1}">
-                <a14:hiddenFill xmlns:a14="http://schemas.microsoft.com/office/drawing/2010/main">
-                  <a:solidFill>
-                    <a:srgbClr val="FFFFFF"/>
-                  </a:solidFill>
-                </a14:hiddenFill>
-              </a:ext>
-            </a:extLst>
-          </p:spPr>
-        </p:sp>
-        <p:sp>
-          <p:nvSpPr>
-            <p:cNvPr id="16" name="Freeform 9">
-              <a:extLst>
-                <a:ext uri="{FF2B5EF4-FFF2-40B4-BE49-F238E27FC236}">
-                  <a16:creationId xmlns:a16="http://schemas.microsoft.com/office/drawing/2014/main" id="{F2511498-B701-4B57-9A26-3D6448067D28}"/>
-                </a:ext>
-                <a:ext uri="{C183D7F6-B498-43B3-948B-1728B52AA6E4}">
-                  <adec:decorative xmlns:adec="http://schemas.microsoft.com/office/drawing/2017/decorative" val="1"/>
-                </a:ext>
-              </a:extLst>
-            </p:cNvPr>
-            <p:cNvSpPr/>
-            <p:nvPr>
-              <p:extLst>
-                <p:ext uri="{386F3935-93C4-4BCD-93E2-E3B085C9AB24}">
-                  <p16:designElem xmlns:p16="http://schemas.microsoft.com/office/powerpoint/2015/main" val="1"/>
-                </p:ext>
-              </p:extLst>
-            </p:nvPr>
-          </p:nvSpPr>
-          <p:spPr bwMode="auto">
-            <a:xfrm>
-              <a:off x="3701" y="6186246"/>
-              <a:ext cx="504825" cy="681527"/>
-            </a:xfrm>
-            <a:custGeom>
-              <a:avLst/>
-              <a:gdLst/>
-              <a:ahLst/>
-              <a:cxnLst/>
-              <a:rect l="0" t="0" r="r" b="b"/>
-              <a:pathLst>
-                <a:path w="106" h="143">
-                  <a:moveTo>
-                    <a:pt x="0" y="0"/>
-                  </a:moveTo>
-                  <a:cubicBezTo>
-                    <a:pt x="35" y="54"/>
-                    <a:pt x="70" y="101"/>
-                    <a:pt x="106" y="143"/>
-                  </a:cubicBezTo>
-                </a:path>
-              </a:pathLst>
-            </a:custGeom>
-            <a:noFill/>
-            <a:ln w="4763" cap="flat">
-              <a:solidFill>
-                <a:schemeClr val="tx1">
-                  <a:alpha val="20000"/>
-                </a:schemeClr>
-              </a:solidFill>
-              <a:prstDash val="solid"/>
-              <a:miter lim="800000"/>
-              <a:headEnd/>
-              <a:tailEnd/>
-            </a:ln>
-            <a:extLst>
-              <a:ext uri="{909E8E84-426E-40DD-AFC4-6F175D3DCCD1}">
-                <a14:hiddenFill xmlns:a14="http://schemas.microsoft.com/office/drawing/2010/main">
-                  <a:solidFill>
-                    <a:srgbClr val="FFFFFF"/>
-                  </a:solidFill>
-                </a14:hiddenFill>
-              </a:ext>
-            </a:extLst>
-          </p:spPr>
-        </p:sp>
-        <p:sp>
-          <p:nvSpPr>
-            <p:cNvPr id="17" name="Freeform 10">
-              <a:extLst>
-                <a:ext uri="{FF2B5EF4-FFF2-40B4-BE49-F238E27FC236}">
-                  <a16:creationId xmlns:a16="http://schemas.microsoft.com/office/drawing/2014/main" id="{DDF8AEE8-BDAC-4783-84C5-8CFE40F22740}"/>
-                </a:ext>
-                <a:ext uri="{C183D7F6-B498-43B3-948B-1728B52AA6E4}">
-                  <adec:decorative xmlns:adec="http://schemas.microsoft.com/office/drawing/2017/decorative" val="1"/>
-                </a:ext>
-              </a:extLst>
-            </p:cNvPr>
-            <p:cNvSpPr/>
-            <p:nvPr>
-              <p:extLst>
-                <p:ext uri="{386F3935-93C4-4BCD-93E2-E3B085C9AB24}">
-                  <p16:designElem xmlns:p16="http://schemas.microsoft.com/office/powerpoint/2015/main" val="1"/>
-                </p:ext>
-              </p:extLst>
-            </p:nvPr>
-          </p:nvSpPr>
-          <p:spPr bwMode="auto">
-            <a:xfrm>
-              <a:off x="-1061" y="-51881"/>
-              <a:ext cx="11091863" cy="6923796"/>
-            </a:xfrm>
-            <a:custGeom>
-              <a:avLst/>
-              <a:gdLst/>
-              <a:ahLst/>
-              <a:cxnLst/>
-              <a:rect l="0" t="0" r="r" b="b"/>
-              <a:pathLst>
-                <a:path w="2330" h="1452">
-                  <a:moveTo>
-                    <a:pt x="2046" y="1452"/>
-                  </a:moveTo>
-                  <a:cubicBezTo>
-                    <a:pt x="2330" y="1153"/>
-                    <a:pt x="2049" y="821"/>
-                    <a:pt x="1813" y="601"/>
-                  </a:cubicBezTo>
-                  <a:cubicBezTo>
-                    <a:pt x="1569" y="375"/>
-                    <a:pt x="1282" y="179"/>
-                    <a:pt x="956" y="97"/>
-                  </a:cubicBezTo>
-                  <a:cubicBezTo>
-                    <a:pt x="572" y="0"/>
-                    <a:pt x="292" y="101"/>
-                    <a:pt x="0" y="366"/>
-                  </a:cubicBezTo>
-                </a:path>
-              </a:pathLst>
-            </a:custGeom>
-            <a:noFill/>
-            <a:ln w="9525" cap="flat">
-              <a:solidFill>
-                <a:schemeClr val="tx1">
-                  <a:alpha val="20000"/>
-                </a:schemeClr>
-              </a:solidFill>
-              <a:prstDash val="solid"/>
-              <a:miter lim="800000"/>
-              <a:headEnd/>
-              <a:tailEnd/>
-            </a:ln>
-            <a:extLst>
-              <a:ext uri="{909E8E84-426E-40DD-AFC4-6F175D3DCCD1}">
-                <a14:hiddenFill xmlns:a14="http://schemas.microsoft.com/office/drawing/2010/main">
-                  <a:solidFill>
-                    <a:srgbClr val="FFFFFF"/>
-                  </a:solidFill>
-                </a14:hiddenFill>
-              </a:ext>
-            </a:extLst>
-          </p:spPr>
-        </p:sp>
-        <p:sp>
-          <p:nvSpPr>
-            <p:cNvPr id="18" name="Freeform 11">
-              <a:extLst>
-                <a:ext uri="{FF2B5EF4-FFF2-40B4-BE49-F238E27FC236}">
-                  <a16:creationId xmlns:a16="http://schemas.microsoft.com/office/drawing/2014/main" id="{6BE52642-3E09-46F1-98D0-AFE2CACEEBE4}"/>
-                </a:ext>
-                <a:ext uri="{C183D7F6-B498-43B3-948B-1728B52AA6E4}">
-                  <adec:decorative xmlns:adec="http://schemas.microsoft.com/office/drawing/2017/decorative" val="1"/>
-                </a:ext>
-              </a:extLst>
-            </p:cNvPr>
-            <p:cNvSpPr/>
-            <p:nvPr>
-              <p:extLst>
-                <p:ext uri="{386F3935-93C4-4BCD-93E2-E3B085C9AB24}">
-                  <p16:designElem xmlns:p16="http://schemas.microsoft.com/office/powerpoint/2015/main" val="1"/>
-                </p:ext>
-              </p:extLst>
-            </p:nvPr>
-          </p:nvSpPr>
-          <p:spPr bwMode="auto">
-            <a:xfrm>
-              <a:off x="5426601" y="5579"/>
-              <a:ext cx="5788025" cy="6847184"/>
-            </a:xfrm>
-            <a:custGeom>
-              <a:avLst/>
-              <a:gdLst/>
-              <a:ahLst/>
-              <a:cxnLst/>
-              <a:rect l="0" t="0" r="r" b="b"/>
-              <a:pathLst>
-                <a:path w="1216" h="1436">
-                  <a:moveTo>
-                    <a:pt x="1094" y="1436"/>
-                  </a:moveTo>
-                  <a:cubicBezTo>
-                    <a:pt x="1216" y="1114"/>
-                    <a:pt x="904" y="770"/>
-                    <a:pt x="709" y="551"/>
-                  </a:cubicBezTo>
-                  <a:cubicBezTo>
-                    <a:pt x="509" y="327"/>
-                    <a:pt x="274" y="127"/>
-                    <a:pt x="0" y="0"/>
-                  </a:cubicBezTo>
-                </a:path>
-              </a:pathLst>
-            </a:custGeom>
-            <a:noFill/>
-            <a:ln w="9525" cap="flat">
-              <a:solidFill>
-                <a:schemeClr val="tx1">
-                  <a:alpha val="20000"/>
-                </a:schemeClr>
-              </a:solidFill>
-              <a:prstDash val="solid"/>
-              <a:miter lim="800000"/>
-              <a:headEnd/>
-              <a:tailEnd/>
-            </a:ln>
-            <a:extLst>
-              <a:ext uri="{909E8E84-426E-40DD-AFC4-6F175D3DCCD1}">
-                <a14:hiddenFill xmlns:a14="http://schemas.microsoft.com/office/drawing/2010/main">
-                  <a:solidFill>
-                    <a:srgbClr val="FFFFFF"/>
-                  </a:solidFill>
-                </a14:hiddenFill>
-              </a:ext>
-            </a:extLst>
-          </p:spPr>
-        </p:sp>
-        <p:sp>
-          <p:nvSpPr>
-            <p:cNvPr id="19" name="Freeform 12">
-              <a:extLst>
-                <a:ext uri="{FF2B5EF4-FFF2-40B4-BE49-F238E27FC236}">
-                  <a16:creationId xmlns:a16="http://schemas.microsoft.com/office/drawing/2014/main" id="{150E5638-DBD7-427D-BD1F-056F7F949881}"/>
-                </a:ext>
-                <a:ext uri="{C183D7F6-B498-43B3-948B-1728B52AA6E4}">
-                  <adec:decorative xmlns:adec="http://schemas.microsoft.com/office/drawing/2017/decorative" val="1"/>
-                </a:ext>
-              </a:extLst>
-            </p:cNvPr>
-            <p:cNvSpPr/>
-            <p:nvPr>
-              <p:extLst>
-                <p:ext uri="{386F3935-93C4-4BCD-93E2-E3B085C9AB24}">
-                  <p16:designElem xmlns:p16="http://schemas.microsoft.com/office/powerpoint/2015/main" val="1"/>
-                </p:ext>
-              </p:extLst>
-            </p:nvPr>
-          </p:nvSpPr>
-          <p:spPr bwMode="auto">
-            <a:xfrm>
-              <a:off x="-1061" y="5579"/>
-              <a:ext cx="1057275" cy="614491"/>
-            </a:xfrm>
-            <a:custGeom>
-              <a:avLst/>
-              <a:gdLst/>
-              <a:ahLst/>
-              <a:cxnLst/>
-              <a:rect l="0" t="0" r="r" b="b"/>
-              <a:pathLst>
-                <a:path w="222" h="129">
-                  <a:moveTo>
-                    <a:pt x="222" y="0"/>
-                  </a:moveTo>
-                  <a:cubicBezTo>
-                    <a:pt x="152" y="35"/>
-                    <a:pt x="76" y="78"/>
-                    <a:pt x="0" y="129"/>
-                  </a:cubicBezTo>
-                </a:path>
-              </a:pathLst>
-            </a:custGeom>
-            <a:noFill/>
-            <a:ln w="9525" cap="flat">
-              <a:solidFill>
-                <a:schemeClr val="tx1">
-                  <a:alpha val="20000"/>
-                </a:schemeClr>
-              </a:solidFill>
-              <a:prstDash val="solid"/>
-              <a:miter lim="800000"/>
-              <a:headEnd/>
-              <a:tailEnd/>
-            </a:ln>
-            <a:extLst>
-              <a:ext uri="{909E8E84-426E-40DD-AFC4-6F175D3DCCD1}">
-                <a14:hiddenFill xmlns:a14="http://schemas.microsoft.com/office/drawing/2010/main">
-                  <a:solidFill>
-                    <a:srgbClr val="FFFFFF"/>
-                  </a:solidFill>
-                </a14:hiddenFill>
-              </a:ext>
-            </a:extLst>
-          </p:spPr>
-        </p:sp>
-        <p:sp>
-          <p:nvSpPr>
-            <p:cNvPr id="20" name="Freeform 13">
-              <a:extLst>
-                <a:ext uri="{FF2B5EF4-FFF2-40B4-BE49-F238E27FC236}">
-                  <a16:creationId xmlns:a16="http://schemas.microsoft.com/office/drawing/2014/main" id="{AE1E9FBE-8396-476B-9E58-903B6FDAC245}"/>
-                </a:ext>
-                <a:ext uri="{C183D7F6-B498-43B3-948B-1728B52AA6E4}">
-                  <adec:decorative xmlns:adec="http://schemas.microsoft.com/office/drawing/2017/decorative" val="1"/>
-                </a:ext>
-              </a:extLst>
-            </p:cNvPr>
-            <p:cNvSpPr/>
-            <p:nvPr>
-              <p:extLst>
-                <p:ext uri="{386F3935-93C4-4BCD-93E2-E3B085C9AB24}">
-                  <p16:designElem xmlns:p16="http://schemas.microsoft.com/office/powerpoint/2015/main" val="1"/>
-                </p:ext>
-              </p:extLst>
-            </p:nvPr>
-          </p:nvSpPr>
-          <p:spPr bwMode="auto">
-            <a:xfrm>
-              <a:off x="5821889" y="5579"/>
-              <a:ext cx="5588000" cy="6866337"/>
-            </a:xfrm>
-            <a:custGeom>
-              <a:avLst/>
-              <a:gdLst/>
-              <a:ahLst/>
-              <a:cxnLst/>
-              <a:rect l="0" t="0" r="r" b="b"/>
-              <a:pathLst>
-                <a:path w="1174" h="1440">
-                  <a:moveTo>
-                    <a:pt x="1067" y="1440"/>
-                  </a:moveTo>
-                  <a:cubicBezTo>
-                    <a:pt x="1174" y="1124"/>
-                    <a:pt x="887" y="797"/>
-                    <a:pt x="698" y="577"/>
-                  </a:cubicBezTo>
-                  <a:cubicBezTo>
-                    <a:pt x="500" y="348"/>
-                    <a:pt x="270" y="141"/>
-                    <a:pt x="0" y="0"/>
-                  </a:cubicBezTo>
-                </a:path>
-              </a:pathLst>
-            </a:custGeom>
-            <a:noFill/>
-            <a:ln w="9525" cap="flat">
-              <a:solidFill>
-                <a:schemeClr val="tx1">
-                  <a:alpha val="20000"/>
-                </a:schemeClr>
-              </a:solidFill>
-              <a:prstDash val="dash"/>
-              <a:miter lim="800000"/>
-              <a:headEnd/>
-              <a:tailEnd/>
-            </a:ln>
-            <a:extLst>
-              <a:ext uri="{909E8E84-426E-40DD-AFC4-6F175D3DCCD1}">
-                <a14:hiddenFill xmlns:a14="http://schemas.microsoft.com/office/drawing/2010/main">
-                  <a:solidFill>
-                    <a:srgbClr val="FFFFFF"/>
-                  </a:solidFill>
-                </a14:hiddenFill>
-              </a:ext>
-            </a:extLst>
-          </p:spPr>
-        </p:sp>
-        <p:sp>
-          <p:nvSpPr>
-            <p:cNvPr id="21" name="Freeform 14">
-              <a:extLst>
-                <a:ext uri="{FF2B5EF4-FFF2-40B4-BE49-F238E27FC236}">
-                  <a16:creationId xmlns:a16="http://schemas.microsoft.com/office/drawing/2014/main" id="{1FB65677-54DE-45DE-A970-678B53DEA1F9}"/>
-                </a:ext>
-                <a:ext uri="{C183D7F6-B498-43B3-948B-1728B52AA6E4}">
-                  <adec:decorative xmlns:adec="http://schemas.microsoft.com/office/drawing/2017/decorative" val="1"/>
-                </a:ext>
-              </a:extLst>
-            </p:cNvPr>
-            <p:cNvSpPr/>
-            <p:nvPr>
-              <p:extLst>
-                <p:ext uri="{386F3935-93C4-4BCD-93E2-E3B085C9AB24}">
-                  <p16:designElem xmlns:p16="http://schemas.microsoft.com/office/powerpoint/2015/main" val="1"/>
-                </p:ext>
-              </p:extLst>
-            </p:nvPr>
-          </p:nvSpPr>
-          <p:spPr bwMode="auto">
-            <a:xfrm>
-              <a:off x="3701" y="790"/>
-              <a:ext cx="595313" cy="352734"/>
-            </a:xfrm>
-            <a:custGeom>
-              <a:avLst/>
-              <a:gdLst/>
-              <a:ahLst/>
-              <a:cxnLst/>
-              <a:rect l="0" t="0" r="r" b="b"/>
-              <a:pathLst>
-                <a:path w="125" h="74">
-                  <a:moveTo>
-                    <a:pt x="125" y="0"/>
-                  </a:moveTo>
-                  <a:cubicBezTo>
-                    <a:pt x="85" y="22"/>
-                    <a:pt x="43" y="47"/>
-                    <a:pt x="0" y="74"/>
-                  </a:cubicBezTo>
-                </a:path>
-              </a:pathLst>
-            </a:custGeom>
-            <a:noFill/>
-            <a:ln w="9525" cap="flat">
-              <a:solidFill>
-                <a:schemeClr val="tx1">
-                  <a:alpha val="20000"/>
-                </a:schemeClr>
-              </a:solidFill>
-              <a:prstDash val="dash"/>
-              <a:miter lim="800000"/>
-              <a:headEnd/>
-              <a:tailEnd/>
-            </a:ln>
-            <a:extLst>
-              <a:ext uri="{909E8E84-426E-40DD-AFC4-6F175D3DCCD1}">
-                <a14:hiddenFill xmlns:a14="http://schemas.microsoft.com/office/drawing/2010/main">
-                  <a:solidFill>
-                    <a:srgbClr val="FFFFFF"/>
-                  </a:solidFill>
-                </a14:hiddenFill>
-              </a:ext>
-            </a:extLst>
-          </p:spPr>
-        </p:sp>
-        <p:sp>
-          <p:nvSpPr>
-            <p:cNvPr id="22" name="Freeform 15">
-              <a:extLst>
-                <a:ext uri="{FF2B5EF4-FFF2-40B4-BE49-F238E27FC236}">
-                  <a16:creationId xmlns:a16="http://schemas.microsoft.com/office/drawing/2014/main" id="{18B3163F-ED7A-472A-A80E-381DABFB7967}"/>
-                </a:ext>
-                <a:ext uri="{C183D7F6-B498-43B3-948B-1728B52AA6E4}">
-                  <adec:decorative xmlns:adec="http://schemas.microsoft.com/office/drawing/2017/decorative" val="1"/>
-                </a:ext>
-              </a:extLst>
-            </p:cNvPr>
-            <p:cNvSpPr/>
-            <p:nvPr>
-              <p:extLst>
-                <p:ext uri="{386F3935-93C4-4BCD-93E2-E3B085C9AB24}">
-                  <p16:designElem xmlns:p16="http://schemas.microsoft.com/office/powerpoint/2015/main" val="1"/>
-                </p:ext>
-              </p:extLst>
-            </p:nvPr>
-          </p:nvSpPr>
-          <p:spPr bwMode="auto">
-            <a:xfrm>
-              <a:off x="6012389" y="5579"/>
-              <a:ext cx="5497513" cy="6866337"/>
-            </a:xfrm>
-            <a:custGeom>
-              <a:avLst/>
-              <a:gdLst/>
-              <a:ahLst/>
-              <a:cxnLst/>
-              <a:rect l="0" t="0" r="r" b="b"/>
-              <a:pathLst>
-                <a:path w="1155" h="1440">
-                  <a:moveTo>
-                    <a:pt x="1056" y="1440"/>
-                  </a:moveTo>
-                  <a:cubicBezTo>
-                    <a:pt x="1155" y="1123"/>
-                    <a:pt x="875" y="801"/>
-                    <a:pt x="686" y="580"/>
-                  </a:cubicBezTo>
-                  <a:cubicBezTo>
-                    <a:pt x="491" y="352"/>
-                    <a:pt x="264" y="145"/>
-                    <a:pt x="0" y="0"/>
-                  </a:cubicBezTo>
-                </a:path>
-              </a:pathLst>
-            </a:custGeom>
-            <a:noFill/>
-            <a:ln w="12700" cap="flat">
-              <a:solidFill>
-                <a:schemeClr val="tx1">
-                  <a:alpha val="20000"/>
-                </a:schemeClr>
-              </a:solidFill>
-              <a:prstDash val="dashDot"/>
-              <a:miter lim="800000"/>
-              <a:headEnd/>
-              <a:tailEnd/>
-            </a:ln>
-            <a:extLst>
-              <a:ext uri="{909E8E84-426E-40DD-AFC4-6F175D3DCCD1}">
-                <a14:hiddenFill xmlns:a14="http://schemas.microsoft.com/office/drawing/2010/main">
-                  <a:solidFill>
-                    <a:srgbClr val="FFFFFF"/>
-                  </a:solidFill>
-                </a14:hiddenFill>
-              </a:ext>
-            </a:extLst>
-          </p:spPr>
-        </p:sp>
-        <p:sp>
-          <p:nvSpPr>
-            <p:cNvPr id="23" name="Freeform 16">
-              <a:extLst>
-                <a:ext uri="{FF2B5EF4-FFF2-40B4-BE49-F238E27FC236}">
-                  <a16:creationId xmlns:a16="http://schemas.microsoft.com/office/drawing/2014/main" id="{C16E57C7-01DA-49E6-8C06-27D309D3A633}"/>
-                </a:ext>
-                <a:ext uri="{C183D7F6-B498-43B3-948B-1728B52AA6E4}">
-                  <adec:decorative xmlns:adec="http://schemas.microsoft.com/office/drawing/2017/decorative" val="1"/>
-                </a:ext>
-              </a:extLst>
-            </p:cNvPr>
-            <p:cNvSpPr/>
-            <p:nvPr>
-              <p:extLst>
-                <p:ext uri="{386F3935-93C4-4BCD-93E2-E3B085C9AB24}">
-                  <p16:designElem xmlns:p16="http://schemas.microsoft.com/office/powerpoint/2015/main" val="1"/>
-                </p:ext>
-              </p:extLst>
-            </p:nvPr>
-          </p:nvSpPr>
-          <p:spPr bwMode="auto">
-            <a:xfrm>
-              <a:off x="-1061" y="5579"/>
-              <a:ext cx="357188" cy="213875"/>
-            </a:xfrm>
-            <a:custGeom>
-              <a:avLst/>
-              <a:gdLst/>
-              <a:ahLst/>
-              <a:cxnLst/>
-              <a:rect l="0" t="0" r="r" b="b"/>
-              <a:pathLst>
-                <a:path w="75" h="45">
-                  <a:moveTo>
-                    <a:pt x="75" y="0"/>
-                  </a:moveTo>
-                  <a:cubicBezTo>
-                    <a:pt x="50" y="14"/>
-                    <a:pt x="25" y="29"/>
-                    <a:pt x="0" y="45"/>
-                  </a:cubicBezTo>
-                </a:path>
-              </a:pathLst>
-            </a:custGeom>
-            <a:noFill/>
-            <a:ln w="12700" cap="flat">
-              <a:solidFill>
-                <a:schemeClr val="tx1">
-                  <a:alpha val="20000"/>
-                </a:schemeClr>
-              </a:solidFill>
-              <a:prstDash val="dashDot"/>
-              <a:miter lim="800000"/>
-              <a:headEnd/>
-              <a:tailEnd/>
-            </a:ln>
-            <a:extLst>
-              <a:ext uri="{909E8E84-426E-40DD-AFC4-6F175D3DCCD1}">
-                <a14:hiddenFill xmlns:a14="http://schemas.microsoft.com/office/drawing/2010/main">
-                  <a:solidFill>
-                    <a:srgbClr val="FFFFFF"/>
-                  </a:solidFill>
-                </a14:hiddenFill>
-              </a:ext>
-            </a:extLst>
-          </p:spPr>
-        </p:sp>
-        <p:sp>
-          <p:nvSpPr>
-            <p:cNvPr id="24" name="Freeform 17">
-              <a:extLst>
-                <a:ext uri="{FF2B5EF4-FFF2-40B4-BE49-F238E27FC236}">
-                  <a16:creationId xmlns:a16="http://schemas.microsoft.com/office/drawing/2014/main" id="{81D84002-F8EF-4286-8482-7121A7C5EB2D}"/>
-                </a:ext>
-                <a:ext uri="{C183D7F6-B498-43B3-948B-1728B52AA6E4}">
-                  <adec:decorative xmlns:adec="http://schemas.microsoft.com/office/drawing/2017/decorative" val="1"/>
-                </a:ext>
-              </a:extLst>
-            </p:cNvPr>
-            <p:cNvSpPr/>
-            <p:nvPr>
-              <p:extLst>
-                <p:ext uri="{386F3935-93C4-4BCD-93E2-E3B085C9AB24}">
-                  <p16:designElem xmlns:p16="http://schemas.microsoft.com/office/powerpoint/2015/main" val="1"/>
-                </p:ext>
-              </p:extLst>
-            </p:nvPr>
-          </p:nvSpPr>
-          <p:spPr bwMode="auto">
-            <a:xfrm>
-              <a:off x="6210826" y="790"/>
-              <a:ext cx="5522913" cy="6871126"/>
-            </a:xfrm>
-            <a:custGeom>
-              <a:avLst/>
-              <a:gdLst/>
-              <a:ahLst/>
-              <a:cxnLst/>
-              <a:rect l="0" t="0" r="r" b="b"/>
-              <a:pathLst>
-                <a:path w="1160" h="1441">
-                  <a:moveTo>
-                    <a:pt x="1053" y="1441"/>
-                  </a:moveTo>
-                  <a:cubicBezTo>
-                    <a:pt x="1160" y="1129"/>
-                    <a:pt x="892" y="817"/>
-                    <a:pt x="705" y="599"/>
-                  </a:cubicBezTo>
-                  <a:cubicBezTo>
-                    <a:pt x="503" y="365"/>
-                    <a:pt x="270" y="152"/>
-                    <a:pt x="0" y="0"/>
-                  </a:cubicBezTo>
-                </a:path>
-              </a:pathLst>
-            </a:custGeom>
-            <a:noFill/>
-            <a:ln w="9525" cap="flat">
-              <a:solidFill>
-                <a:schemeClr val="tx1">
-                  <a:alpha val="20000"/>
-                </a:schemeClr>
-              </a:solidFill>
-              <a:prstDash val="solid"/>
-              <a:miter lim="800000"/>
-              <a:headEnd/>
-              <a:tailEnd/>
-            </a:ln>
-            <a:extLst>
-              <a:ext uri="{909E8E84-426E-40DD-AFC4-6F175D3DCCD1}">
-                <a14:hiddenFill xmlns:a14="http://schemas.microsoft.com/office/drawing/2010/main">
-                  <a:solidFill>
-                    <a:srgbClr val="FFFFFF"/>
-                  </a:solidFill>
-                </a14:hiddenFill>
-              </a:ext>
-            </a:extLst>
-          </p:spPr>
-        </p:sp>
-        <p:sp>
-          <p:nvSpPr>
-            <p:cNvPr id="25" name="Freeform 18">
-              <a:extLst>
-                <a:ext uri="{FF2B5EF4-FFF2-40B4-BE49-F238E27FC236}">
-                  <a16:creationId xmlns:a16="http://schemas.microsoft.com/office/drawing/2014/main" id="{29D44FB0-3875-4E50-91DC-F858A8942189}"/>
-                </a:ext>
-                <a:ext uri="{C183D7F6-B498-43B3-948B-1728B52AA6E4}">
-                  <adec:decorative xmlns:adec="http://schemas.microsoft.com/office/drawing/2017/decorative" val="1"/>
-                </a:ext>
-              </a:extLst>
-            </p:cNvPr>
-            <p:cNvSpPr/>
-            <p:nvPr>
-              <p:extLst>
-                <p:ext uri="{386F3935-93C4-4BCD-93E2-E3B085C9AB24}">
-                  <p16:designElem xmlns:p16="http://schemas.microsoft.com/office/powerpoint/2015/main" val="1"/>
-                </p:ext>
-              </p:extLst>
-            </p:nvPr>
-          </p:nvSpPr>
-          <p:spPr bwMode="auto">
-            <a:xfrm>
-              <a:off x="6463239" y="5579"/>
-              <a:ext cx="5413375" cy="6866337"/>
-            </a:xfrm>
-            <a:custGeom>
-              <a:avLst/>
-              <a:gdLst/>
-              <a:ahLst/>
-              <a:cxnLst/>
-              <a:rect l="0" t="0" r="r" b="b"/>
-              <a:pathLst>
-                <a:path w="1137" h="1440">
-                  <a:moveTo>
-                    <a:pt x="1040" y="1440"/>
-                  </a:moveTo>
-                  <a:cubicBezTo>
-                    <a:pt x="1137" y="1131"/>
-                    <a:pt x="883" y="828"/>
-                    <a:pt x="698" y="611"/>
-                  </a:cubicBezTo>
-                  <a:cubicBezTo>
-                    <a:pt x="498" y="375"/>
-                    <a:pt x="268" y="159"/>
-                    <a:pt x="0" y="0"/>
-                  </a:cubicBezTo>
-                </a:path>
-              </a:pathLst>
-            </a:custGeom>
-            <a:noFill/>
-            <a:ln w="9525" cap="flat">
-              <a:solidFill>
-                <a:schemeClr val="tx1">
-                  <a:alpha val="20000"/>
-                </a:schemeClr>
-              </a:solidFill>
-              <a:prstDash val="solid"/>
-              <a:miter lim="800000"/>
-              <a:headEnd/>
-              <a:tailEnd/>
-            </a:ln>
-            <a:extLst>
-              <a:ext uri="{909E8E84-426E-40DD-AFC4-6F175D3DCCD1}">
-                <a14:hiddenFill xmlns:a14="http://schemas.microsoft.com/office/drawing/2010/main">
-                  <a:solidFill>
-                    <a:srgbClr val="FFFFFF"/>
-                  </a:solidFill>
-                </a14:hiddenFill>
-              </a:ext>
-            </a:extLst>
-          </p:spPr>
-        </p:sp>
-        <p:sp>
-          <p:nvSpPr>
-            <p:cNvPr id="26" name="Freeform 19">
-              <a:extLst>
-                <a:ext uri="{FF2B5EF4-FFF2-40B4-BE49-F238E27FC236}">
-                  <a16:creationId xmlns:a16="http://schemas.microsoft.com/office/drawing/2014/main" id="{797FD83A-1355-47CB-B496-E7159052D853}"/>
-                </a:ext>
-                <a:ext uri="{C183D7F6-B498-43B3-948B-1728B52AA6E4}">
-                  <adec:decorative xmlns:adec="http://schemas.microsoft.com/office/drawing/2017/decorative" val="1"/>
-                </a:ext>
-              </a:extLst>
-            </p:cNvPr>
-            <p:cNvSpPr/>
-            <p:nvPr>
-              <p:extLst>
-                <p:ext uri="{386F3935-93C4-4BCD-93E2-E3B085C9AB24}">
-                  <p16:designElem xmlns:p16="http://schemas.microsoft.com/office/powerpoint/2015/main" val="1"/>
-                </p:ext>
-              </p:extLst>
-            </p:nvPr>
-          </p:nvSpPr>
-          <p:spPr bwMode="auto">
-            <a:xfrm>
-              <a:off x="6877576" y="5579"/>
-              <a:ext cx="5037138" cy="6861550"/>
-            </a:xfrm>
-            <a:custGeom>
-              <a:avLst/>
-              <a:gdLst/>
-              <a:ahLst/>
-              <a:cxnLst/>
-              <a:rect l="0" t="0" r="r" b="b"/>
-              <a:pathLst>
-                <a:path w="1058" h="1439">
-                  <a:moveTo>
-                    <a:pt x="1011" y="1439"/>
-                  </a:moveTo>
-                  <a:cubicBezTo>
-                    <a:pt x="1058" y="1131"/>
-                    <a:pt x="825" y="841"/>
-                    <a:pt x="648" y="617"/>
-                  </a:cubicBezTo>
-                  <a:cubicBezTo>
-                    <a:pt x="462" y="383"/>
-                    <a:pt x="248" y="168"/>
-                    <a:pt x="0" y="0"/>
-                  </a:cubicBezTo>
-                </a:path>
-              </a:pathLst>
-            </a:custGeom>
-            <a:noFill/>
-            <a:ln w="9525" cap="flat">
-              <a:solidFill>
-                <a:schemeClr val="tx1">
-                  <a:alpha val="20000"/>
-                </a:schemeClr>
-              </a:solidFill>
-              <a:prstDash val="solid"/>
-              <a:miter lim="800000"/>
-              <a:headEnd/>
-              <a:tailEnd/>
-            </a:ln>
-            <a:extLst>
-              <a:ext uri="{909E8E84-426E-40DD-AFC4-6F175D3DCCD1}">
-                <a14:hiddenFill xmlns:a14="http://schemas.microsoft.com/office/drawing/2010/main">
-                  <a:solidFill>
-                    <a:srgbClr val="FFFFFF"/>
-                  </a:solidFill>
-                </a14:hiddenFill>
-              </a:ext>
-            </a:extLst>
-          </p:spPr>
-        </p:sp>
-        <p:sp>
-          <p:nvSpPr>
-            <p:cNvPr id="27" name="Freeform 20">
-              <a:extLst>
-                <a:ext uri="{FF2B5EF4-FFF2-40B4-BE49-F238E27FC236}">
-                  <a16:creationId xmlns:a16="http://schemas.microsoft.com/office/drawing/2014/main" id="{F5C4D8E7-7D3A-4584-9E77-5F5CECB8A777}"/>
-                </a:ext>
-                <a:ext uri="{C183D7F6-B498-43B3-948B-1728B52AA6E4}">
-                  <adec:decorative xmlns:adec="http://schemas.microsoft.com/office/drawing/2017/decorative" val="1"/>
-                </a:ext>
-              </a:extLst>
-            </p:cNvPr>
-            <p:cNvSpPr/>
-            <p:nvPr>
-              <p:extLst>
-                <p:ext uri="{386F3935-93C4-4BCD-93E2-E3B085C9AB24}">
-                  <p16:designElem xmlns:p16="http://schemas.microsoft.com/office/powerpoint/2015/main" val="1"/>
-                </p:ext>
-              </p:extLst>
-            </p:nvPr>
-          </p:nvSpPr>
-          <p:spPr bwMode="auto">
-            <a:xfrm>
-              <a:off x="8768289" y="5579"/>
-              <a:ext cx="3417888" cy="2742066"/>
-            </a:xfrm>
-            <a:custGeom>
-              <a:avLst/>
-              <a:gdLst/>
-              <a:ahLst/>
-              <a:cxnLst/>
-              <a:rect l="0" t="0" r="r" b="b"/>
-              <a:pathLst>
-                <a:path w="718" h="575">
-                  <a:moveTo>
-                    <a:pt x="718" y="575"/>
-                  </a:moveTo>
-                  <a:cubicBezTo>
-                    <a:pt x="500" y="360"/>
-                    <a:pt x="260" y="163"/>
-                    <a:pt x="0" y="0"/>
-                  </a:cubicBezTo>
-                </a:path>
-              </a:pathLst>
-            </a:custGeom>
-            <a:noFill/>
-            <a:ln w="9525" cap="flat">
-              <a:solidFill>
-                <a:schemeClr val="tx1">
-                  <a:alpha val="20000"/>
-                </a:schemeClr>
-              </a:solidFill>
-              <a:prstDash val="solid"/>
-              <a:miter lim="800000"/>
-              <a:headEnd/>
-              <a:tailEnd/>
-            </a:ln>
-            <a:extLst>
-              <a:ext uri="{909E8E84-426E-40DD-AFC4-6F175D3DCCD1}">
-                <a14:hiddenFill xmlns:a14="http://schemas.microsoft.com/office/drawing/2010/main">
-                  <a:solidFill>
-                    <a:srgbClr val="FFFFFF"/>
-                  </a:solidFill>
-                </a14:hiddenFill>
-              </a:ext>
-            </a:extLst>
-          </p:spPr>
-        </p:sp>
-        <p:sp>
-          <p:nvSpPr>
-            <p:cNvPr id="28" name="Freeform 21">
-              <a:extLst>
-                <a:ext uri="{FF2B5EF4-FFF2-40B4-BE49-F238E27FC236}">
-                  <a16:creationId xmlns:a16="http://schemas.microsoft.com/office/drawing/2014/main" id="{C5F407B5-936F-4344-B7DB-22ECF800859F}"/>
-                </a:ext>
-                <a:ext uri="{C183D7F6-B498-43B3-948B-1728B52AA6E4}">
-                  <adec:decorative xmlns:adec="http://schemas.microsoft.com/office/drawing/2017/decorative" val="1"/>
-                </a:ext>
-              </a:extLst>
-            </p:cNvPr>
-            <p:cNvSpPr/>
-            <p:nvPr>
-              <p:extLst>
-                <p:ext uri="{386F3935-93C4-4BCD-93E2-E3B085C9AB24}">
-                  <p16:designElem xmlns:p16="http://schemas.microsoft.com/office/powerpoint/2015/main" val="1"/>
-                </p:ext>
-              </p:extLst>
-            </p:nvPr>
-          </p:nvSpPr>
-          <p:spPr bwMode="auto">
-            <a:xfrm>
-              <a:off x="9235014" y="10367"/>
-              <a:ext cx="2951163" cy="2555325"/>
-            </a:xfrm>
-            <a:custGeom>
-              <a:avLst/>
-              <a:gdLst/>
-              <a:ahLst/>
-              <a:cxnLst/>
-              <a:rect l="0" t="0" r="r" b="b"/>
-              <a:pathLst>
-                <a:path w="620" h="536">
-                  <a:moveTo>
-                    <a:pt x="620" y="536"/>
-                  </a:moveTo>
-                  <a:cubicBezTo>
-                    <a:pt x="404" y="314"/>
-                    <a:pt x="196" y="138"/>
-                    <a:pt x="0" y="0"/>
-                  </a:cubicBezTo>
-                </a:path>
-              </a:pathLst>
-            </a:custGeom>
-            <a:noFill/>
-            <a:ln w="9525" cap="flat">
-              <a:solidFill>
-                <a:schemeClr val="tx1">
-                  <a:alpha val="20000"/>
-                </a:schemeClr>
-              </a:solidFill>
-              <a:prstDash val="solid"/>
-              <a:miter lim="800000"/>
-              <a:headEnd/>
-              <a:tailEnd/>
-            </a:ln>
-            <a:extLst>
-              <a:ext uri="{909E8E84-426E-40DD-AFC4-6F175D3DCCD1}">
-                <a14:hiddenFill xmlns:a14="http://schemas.microsoft.com/office/drawing/2010/main">
-                  <a:solidFill>
-                    <a:srgbClr val="FFFFFF"/>
-                  </a:solidFill>
-                </a14:hiddenFill>
-              </a:ext>
-            </a:extLst>
-          </p:spPr>
-        </p:sp>
-        <p:sp>
-          <p:nvSpPr>
-            <p:cNvPr id="29" name="Freeform 22">
-              <a:extLst>
-                <a:ext uri="{FF2B5EF4-FFF2-40B4-BE49-F238E27FC236}">
-                  <a16:creationId xmlns:a16="http://schemas.microsoft.com/office/drawing/2014/main" id="{D5DD06D2-EAA6-4BDF-8D49-9E592ECAA199}"/>
-                </a:ext>
-                <a:ext uri="{C183D7F6-B498-43B3-948B-1728B52AA6E4}">
-                  <adec:decorative xmlns:adec="http://schemas.microsoft.com/office/drawing/2017/decorative" val="1"/>
-                </a:ext>
-              </a:extLst>
-            </p:cNvPr>
-            <p:cNvSpPr/>
-            <p:nvPr>
-              <p:extLst>
-                <p:ext uri="{386F3935-93C4-4BCD-93E2-E3B085C9AB24}">
-                  <p16:designElem xmlns:p16="http://schemas.microsoft.com/office/powerpoint/2015/main" val="1"/>
-                </p:ext>
-              </p:extLst>
-            </p:nvPr>
-          </p:nvSpPr>
-          <p:spPr bwMode="auto">
-            <a:xfrm>
-              <a:off x="10020826" y="5579"/>
-              <a:ext cx="2165350" cy="1358265"/>
-            </a:xfrm>
-            <a:custGeom>
-              <a:avLst/>
-              <a:gdLst/>
-              <a:ahLst/>
-              <a:cxnLst/>
-              <a:rect l="0" t="0" r="r" b="b"/>
-              <a:pathLst>
-                <a:path w="455" h="285">
-                  <a:moveTo>
-                    <a:pt x="0" y="0"/>
-                  </a:moveTo>
-                  <a:cubicBezTo>
-                    <a:pt x="153" y="85"/>
-                    <a:pt x="308" y="180"/>
-                    <a:pt x="455" y="285"/>
-                  </a:cubicBezTo>
-                </a:path>
-              </a:pathLst>
-            </a:custGeom>
-            <a:noFill/>
-            <a:ln w="9525" cap="flat">
-              <a:solidFill>
-                <a:schemeClr val="tx1">
-                  <a:alpha val="20000"/>
-                </a:schemeClr>
-              </a:solidFill>
-              <a:prstDash val="dash"/>
-              <a:miter lim="800000"/>
-              <a:headEnd/>
-              <a:tailEnd/>
-            </a:ln>
-            <a:extLst>
-              <a:ext uri="{909E8E84-426E-40DD-AFC4-6F175D3DCCD1}">
-                <a14:hiddenFill xmlns:a14="http://schemas.microsoft.com/office/drawing/2010/main">
-                  <a:solidFill>
-                    <a:srgbClr val="FFFFFF"/>
-                  </a:solidFill>
-                </a14:hiddenFill>
-              </a:ext>
-            </a:extLst>
-          </p:spPr>
-        </p:sp>
-        <p:sp>
-          <p:nvSpPr>
-            <p:cNvPr id="30" name="Freeform 23">
-              <a:extLst>
-                <a:ext uri="{FF2B5EF4-FFF2-40B4-BE49-F238E27FC236}">
-                  <a16:creationId xmlns:a16="http://schemas.microsoft.com/office/drawing/2014/main" id="{C880359C-482C-4782-8D2E-5CD69832207B}"/>
-                </a:ext>
-                <a:ext uri="{C183D7F6-B498-43B3-948B-1728B52AA6E4}">
-                  <adec:decorative xmlns:adec="http://schemas.microsoft.com/office/drawing/2017/decorative" val="1"/>
-                </a:ext>
-              </a:extLst>
-            </p:cNvPr>
-            <p:cNvSpPr/>
-            <p:nvPr>
-              <p:extLst>
-                <p:ext uri="{386F3935-93C4-4BCD-93E2-E3B085C9AB24}">
-                  <p16:designElem xmlns:p16="http://schemas.microsoft.com/office/powerpoint/2015/main" val="1"/>
-                </p:ext>
-              </p:extLst>
-            </p:nvPr>
-          </p:nvSpPr>
-          <p:spPr bwMode="auto">
-            <a:xfrm>
-              <a:off x="11290826" y="5579"/>
-              <a:ext cx="895350" cy="534687"/>
-            </a:xfrm>
-            <a:custGeom>
-              <a:avLst/>
-              <a:gdLst/>
-              <a:ahLst/>
-              <a:cxnLst/>
-              <a:rect l="0" t="0" r="r" b="b"/>
-              <a:pathLst>
-                <a:path w="188" h="112">
-                  <a:moveTo>
-                    <a:pt x="0" y="0"/>
-                  </a:moveTo>
-                  <a:cubicBezTo>
-                    <a:pt x="63" y="36"/>
-                    <a:pt x="126" y="73"/>
-                    <a:pt x="188" y="112"/>
-                  </a:cubicBezTo>
-                </a:path>
-              </a:pathLst>
-            </a:custGeom>
-            <a:noFill/>
-            <a:ln w="9525" cap="flat">
-              <a:solidFill>
-                <a:schemeClr val="tx1">
-                  <a:alpha val="20000"/>
-                </a:schemeClr>
-              </a:solidFill>
-              <a:prstDash val="solid"/>
-              <a:miter lim="800000"/>
-              <a:headEnd/>
-              <a:tailEnd/>
-            </a:ln>
-            <a:extLst>
-              <a:ext uri="{909E8E84-426E-40DD-AFC4-6F175D3DCCD1}">
-                <a14:hiddenFill xmlns:a14="http://schemas.microsoft.com/office/drawing/2010/main">
-                  <a:solidFill>
-                    <a:srgbClr val="FFFFFF"/>
-                  </a:solidFill>
-                </a14:hiddenFill>
-              </a:ext>
-            </a:extLst>
-          </p:spPr>
-        </p:sp>
-      </p:grpSp>
-      <p:grpSp>
-        <p:nvGrpSpPr>
-          <p:cNvPr id="97" name="Group 31">
-            <a:extLst>
-              <a:ext uri="{FF2B5EF4-FFF2-40B4-BE49-F238E27FC236}">
-                <a16:creationId xmlns:a16="http://schemas.microsoft.com/office/drawing/2014/main" id="{98C8B309-79B6-4B51-8ED1-D1466A6C9BEB}"/>
-              </a:ext>
-              <a:ext uri="{C183D7F6-B498-43B3-948B-1728B52AA6E4}">
-                <adec:decorative xmlns:adec="http://schemas.microsoft.com/office/drawing/2017/decorative" val="1"/>
-              </a:ext>
-            </a:extLst>
-          </p:cNvPr>
-          <p:cNvGrpSpPr>
-            <a:grpSpLocks noGrp="1" noUngrp="1" noRot="1" noChangeAspect="1" noMove="1" noResize="1"/>
-          </p:cNvGrpSpPr>
-          <p:nvPr>
-            <p:extLst>
-              <p:ext uri="{386F3935-93C4-4BCD-93E2-E3B085C9AB24}">
-                <p16:designElem xmlns:p16="http://schemas.microsoft.com/office/powerpoint/2015/main" val="1"/>
-              </p:ext>
-            </p:extLst>
-          </p:nvPr>
-        </p:nvGrpSpPr>
-        <p:grpSpPr>
-          <a:xfrm>
-            <a:off x="1669293" y="1186483"/>
-            <a:ext cx="8848345" cy="4477933"/>
-            <a:chOff x="1669293" y="1186483"/>
-            <a:chExt cx="8848345" cy="4477933"/>
-          </a:xfrm>
-        </p:grpSpPr>
-        <p:sp>
-          <p:nvSpPr>
-            <p:cNvPr id="33" name="Rectangle 32">
-              <a:extLst>
-                <a:ext uri="{FF2B5EF4-FFF2-40B4-BE49-F238E27FC236}">
-                  <a16:creationId xmlns:a16="http://schemas.microsoft.com/office/drawing/2014/main" id="{0CBA0844-65E0-4FBF-92E9-DDDE179E776E}"/>
-                </a:ext>
-                <a:ext uri="{C183D7F6-B498-43B3-948B-1728B52AA6E4}">
-                  <adec:decorative xmlns:adec="http://schemas.microsoft.com/office/drawing/2017/decorative" val="1"/>
-                </a:ext>
-              </a:extLst>
-            </p:cNvPr>
-            <p:cNvSpPr/>
-            <p:nvPr>
-              <p:extLst>
-                <p:ext uri="{386F3935-93C4-4BCD-93E2-E3B085C9AB24}">
-                  <p16:designElem xmlns:p16="http://schemas.microsoft.com/office/powerpoint/2015/main" val="1"/>
-                </p:ext>
-              </p:extLst>
-            </p:nvPr>
-          </p:nvSpPr>
-          <p:spPr>
-            <a:xfrm>
-              <a:off x="1674042" y="1186483"/>
-              <a:ext cx="8843596" cy="716184"/>
-            </a:xfrm>
-            <a:prstGeom prst="rect">
-              <a:avLst/>
-            </a:prstGeom>
-            <a:solidFill>
-              <a:schemeClr val="accent1"/>
-            </a:solidFill>
-            <a:ln>
-              <a:noFill/>
-            </a:ln>
-          </p:spPr>
-          <p:style>
-            <a:lnRef idx="2">
-              <a:schemeClr val="accent1">
-                <a:shade val="50000"/>
-              </a:schemeClr>
-            </a:lnRef>
-            <a:fillRef idx="1">
-              <a:schemeClr val="accent1"/>
-            </a:fillRef>
-            <a:effectRef idx="0">
-              <a:schemeClr val="accent1"/>
-            </a:effectRef>
-            <a:fontRef idx="minor">
-              <a:schemeClr val="lt1"/>
-            </a:fontRef>
-          </p:style>
-        </p:sp>
-        <p:sp>
-          <p:nvSpPr>
-            <p:cNvPr id="34" name="Isosceles Triangle 33">
-              <a:extLst>
-                <a:ext uri="{FF2B5EF4-FFF2-40B4-BE49-F238E27FC236}">
-                  <a16:creationId xmlns:a16="http://schemas.microsoft.com/office/drawing/2014/main" id="{9868E85B-A29D-4B05-AB58-06B8162E8020}"/>
-                </a:ext>
-                <a:ext uri="{C183D7F6-B498-43B3-948B-1728B52AA6E4}">
-                  <adec:decorative xmlns:adec="http://schemas.microsoft.com/office/drawing/2017/decorative" val="1"/>
-                </a:ext>
-              </a:extLst>
-            </p:cNvPr>
-            <p:cNvSpPr/>
-            <p:nvPr>
-              <p:extLst>
-                <p:ext uri="{386F3935-93C4-4BCD-93E2-E3B085C9AB24}">
-                  <p16:designElem xmlns:p16="http://schemas.microsoft.com/office/powerpoint/2015/main" val="1"/>
-                </p:ext>
-              </p:extLst>
-            </p:nvPr>
-          </p:nvSpPr>
-          <p:spPr>
-            <a:xfrm rot="10800000">
-              <a:off x="5892384" y="5313353"/>
-              <a:ext cx="407233" cy="351063"/>
-            </a:xfrm>
-            <a:prstGeom prst="triangle">
-              <a:avLst/>
-            </a:prstGeom>
-            <a:solidFill>
-              <a:schemeClr val="accent1"/>
-            </a:solidFill>
-            <a:ln>
-              <a:noFill/>
-            </a:ln>
-          </p:spPr>
-          <p:style>
-            <a:lnRef idx="2">
-              <a:schemeClr val="accent1">
-                <a:shade val="50000"/>
-              </a:schemeClr>
-            </a:lnRef>
-            <a:fillRef idx="1">
-              <a:schemeClr val="accent1"/>
-            </a:fillRef>
-            <a:effectRef idx="0">
-              <a:schemeClr val="accent1"/>
-            </a:effectRef>
-            <a:fontRef idx="minor">
-              <a:schemeClr val="lt1"/>
-            </a:fontRef>
-          </p:style>
-        </p:sp>
-        <p:sp>
-          <p:nvSpPr>
-            <p:cNvPr id="35" name="Rectangle 34">
-              <a:extLst>
-                <a:ext uri="{FF2B5EF4-FFF2-40B4-BE49-F238E27FC236}">
-                  <a16:creationId xmlns:a16="http://schemas.microsoft.com/office/drawing/2014/main" id="{2C0189AF-0080-47DC-9216-770CA9E7B9A1}"/>
-                </a:ext>
-                <a:ext uri="{C183D7F6-B498-43B3-948B-1728B52AA6E4}">
-                  <adec:decorative xmlns:adec="http://schemas.microsoft.com/office/drawing/2017/decorative" val="1"/>
-                </a:ext>
-              </a:extLst>
-            </p:cNvPr>
-            <p:cNvSpPr/>
-            <p:nvPr>
-              <p:extLst>
-                <p:ext uri="{386F3935-93C4-4BCD-93E2-E3B085C9AB24}">
-                  <p16:designElem xmlns:p16="http://schemas.microsoft.com/office/powerpoint/2015/main" val="1"/>
-                </p:ext>
-              </p:extLst>
-            </p:nvPr>
-          </p:nvSpPr>
-          <p:spPr>
-            <a:xfrm>
-              <a:off x="1669293" y="1991156"/>
-              <a:ext cx="8845667" cy="3322196"/>
-            </a:xfrm>
-            <a:prstGeom prst="rect">
-              <a:avLst/>
-            </a:prstGeom>
-            <a:solidFill>
-              <a:schemeClr val="accent1"/>
-            </a:solidFill>
-            <a:ln>
-              <a:noFill/>
-            </a:ln>
-          </p:spPr>
-          <p:style>
-            <a:lnRef idx="2">
-              <a:schemeClr val="accent1">
-                <a:shade val="50000"/>
-              </a:schemeClr>
-            </a:lnRef>
-            <a:fillRef idx="1">
-              <a:schemeClr val="accent1"/>
-            </a:fillRef>
-            <a:effectRef idx="0">
-              <a:schemeClr val="accent1"/>
-            </a:effectRef>
-            <a:fontRef idx="minor">
-              <a:schemeClr val="lt1"/>
-            </a:fontRef>
-          </p:style>
-        </p:sp>
-      </p:grpSp>
-      <p:sp useBgFill="1">
-        <p:nvSpPr>
-          <p:cNvPr id="98" name="Rectangle 36">
-            <a:extLst>
-              <a:ext uri="{FF2B5EF4-FFF2-40B4-BE49-F238E27FC236}">
-                <a16:creationId xmlns:a16="http://schemas.microsoft.com/office/drawing/2014/main" id="{41B79267-F76A-4F76-90C0-4A74F88E952A}"/>
-              </a:ext>
-              <a:ext uri="{C183D7F6-B498-43B3-948B-1728B52AA6E4}">
-                <adec:decorative xmlns:adec="http://schemas.microsoft.com/office/drawing/2017/decorative" val="1"/>
-              </a:ext>
-            </a:extLst>
-          </p:cNvPr>
-          <p:cNvSpPr>
-            <a:spLocks noGrp="1" noRot="1" noChangeAspect="1" noMove="1" noResize="1" noEditPoints="1" noAdjustHandles="1" noChangeArrowheads="1" noChangeShapeType="1" noTextEdit="1"/>
-          </p:cNvSpPr>
-          <p:nvPr>
-            <p:extLst>
-              <p:ext uri="{386F3935-93C4-4BCD-93E2-E3B085C9AB24}">
-                <p16:designElem xmlns:p16="http://schemas.microsoft.com/office/powerpoint/2015/main" val="1"/>
-              </p:ext>
-            </p:extLst>
-          </p:nvPr>
-        </p:nvSpPr>
-        <p:spPr>
-          <a:xfrm>
-            <a:off x="0" y="0"/>
-            <a:ext cx="12191695" cy="6858000"/>
-          </a:xfrm>
-          <a:prstGeom prst="rect">
-            <a:avLst/>
-          </a:prstGeom>
-          <a:ln>
-            <a:noFill/>
-          </a:ln>
-        </p:spPr>
-        <p:style>
-          <a:lnRef idx="2">
-            <a:schemeClr val="accent1">
-              <a:shade val="50000"/>
-            </a:schemeClr>
-          </a:lnRef>
-          <a:fillRef idx="1">
-            <a:schemeClr val="accent1"/>
-          </a:fillRef>
-          <a:effectRef idx="0">
-            <a:schemeClr val="accent1"/>
-          </a:effectRef>
-          <a:fontRef idx="minor">
-            <a:schemeClr val="lt1"/>
-          </a:fontRef>
-        </p:style>
-        <p:txBody>
-          <a:bodyPr rtlCol="0" anchor="ctr"/>
-          <a:lstStyle/>
-          <a:p>
-            <a:pPr algn="ctr"/>
-            <a:endParaRPr lang="en-US"/>
-          </a:p>
-        </p:txBody>
-      </p:sp>
-      <p:grpSp>
-        <p:nvGrpSpPr>
-          <p:cNvPr id="99" name="Group 38">
-            <a:extLst>
-              <a:ext uri="{FF2B5EF4-FFF2-40B4-BE49-F238E27FC236}">
-                <a16:creationId xmlns:a16="http://schemas.microsoft.com/office/drawing/2014/main" id="{9C445207-0BC9-4D48-8FC7-C16E9B1C37DC}"/>
-              </a:ext>
-              <a:ext uri="{C183D7F6-B498-43B3-948B-1728B52AA6E4}">
-                <adec:decorative xmlns:adec="http://schemas.microsoft.com/office/drawing/2017/decorative" val="1"/>
-              </a:ext>
-            </a:extLst>
-          </p:cNvPr>
-          <p:cNvGrpSpPr>
-            <a:grpSpLocks noGrp="1" noUngrp="1" noRot="1" noChangeAspect="1" noMove="1" noResize="1"/>
-          </p:cNvGrpSpPr>
-          <p:nvPr>
-            <p:extLst>
-              <p:ext uri="{386F3935-93C4-4BCD-93E2-E3B085C9AB24}">
-                <p16:designElem xmlns:p16="http://schemas.microsoft.com/office/powerpoint/2015/main" val="1"/>
-              </p:ext>
-            </p:extLst>
-          </p:nvPr>
-        </p:nvGrpSpPr>
-        <p:grpSpPr>
-          <a:xfrm>
-            <a:off x="-329674" y="-59376"/>
-            <a:ext cx="12515851" cy="6923798"/>
-            <a:chOff x="-329674" y="-51881"/>
-            <a:chExt cx="12515851" cy="6923798"/>
-          </a:xfrm>
-        </p:grpSpPr>
-        <p:sp>
-          <p:nvSpPr>
-            <p:cNvPr id="100" name="Freeform 5">
-              <a:extLst>
-                <a:ext uri="{FF2B5EF4-FFF2-40B4-BE49-F238E27FC236}">
-                  <a16:creationId xmlns:a16="http://schemas.microsoft.com/office/drawing/2014/main" id="{B3351E2B-7A92-46A0-B35A-CE6DF142F33F}"/>
-                </a:ext>
-                <a:ext uri="{C183D7F6-B498-43B3-948B-1728B52AA6E4}">
-                  <adec:decorative xmlns:adec="http://schemas.microsoft.com/office/drawing/2017/decorative" val="1"/>
-                </a:ext>
-              </a:extLst>
-            </p:cNvPr>
-            <p:cNvSpPr>
-              <a:spLocks/>
-            </p:cNvSpPr>
-            <p:nvPr>
-              <p:extLst>
-                <p:ext uri="{386F3935-93C4-4BCD-93E2-E3B085C9AB24}">
-                  <p16:designElem xmlns:p16="http://schemas.microsoft.com/office/powerpoint/2015/main" val="1"/>
-                </p:ext>
-              </p:extLst>
-            </p:nvPr>
-          </p:nvSpPr>
-          <p:spPr bwMode="auto">
-            <a:xfrm>
-              <a:off x="-329674" y="1298404"/>
-              <a:ext cx="9702800" cy="5573512"/>
-            </a:xfrm>
-            <a:custGeom>
-              <a:avLst/>
-              <a:gdLst>
-                <a:gd name="T0" fmla="*/ 1752 w 2038"/>
-                <a:gd name="T1" fmla="*/ 1169 h 1169"/>
-                <a:gd name="T2" fmla="*/ 1487 w 2038"/>
-                <a:gd name="T3" fmla="*/ 334 h 1169"/>
-                <a:gd name="T4" fmla="*/ 860 w 2038"/>
-                <a:gd name="T5" fmla="*/ 22 h 1169"/>
-                <a:gd name="T6" fmla="*/ 199 w 2038"/>
-                <a:gd name="T7" fmla="*/ 318 h 1169"/>
-                <a:gd name="T8" fmla="*/ 399 w 2038"/>
-                <a:gd name="T9" fmla="*/ 1165 h 1169"/>
-              </a:gdLst>
-              <a:ahLst/>
-              <a:cxnLst>
-                <a:cxn ang="0">
-                  <a:pos x="T0" y="T1"/>
-                </a:cxn>
-                <a:cxn ang="0">
-                  <a:pos x="T2" y="T3"/>
-                </a:cxn>
-                <a:cxn ang="0">
-                  <a:pos x="T4" y="T5"/>
-                </a:cxn>
-                <a:cxn ang="0">
-                  <a:pos x="T6" y="T7"/>
-                </a:cxn>
-                <a:cxn ang="0">
-                  <a:pos x="T8" y="T9"/>
-                </a:cxn>
-              </a:cxnLst>
-              <a:rect l="0" t="0" r="r" b="b"/>
-              <a:pathLst>
-                <a:path w="2038" h="1169">
-                  <a:moveTo>
-                    <a:pt x="1752" y="1169"/>
-                  </a:moveTo>
-                  <a:cubicBezTo>
-                    <a:pt x="2038" y="928"/>
-                    <a:pt x="1673" y="513"/>
-                    <a:pt x="1487" y="334"/>
-                  </a:cubicBezTo>
-                  <a:cubicBezTo>
-                    <a:pt x="1316" y="170"/>
-                    <a:pt x="1099" y="43"/>
-                    <a:pt x="860" y="22"/>
-                  </a:cubicBezTo>
-                  <a:cubicBezTo>
-                    <a:pt x="621" y="0"/>
-                    <a:pt x="341" y="128"/>
-                    <a:pt x="199" y="318"/>
-                  </a:cubicBezTo>
-                  <a:cubicBezTo>
-                    <a:pt x="0" y="586"/>
-                    <a:pt x="184" y="965"/>
-                    <a:pt x="399" y="1165"/>
-                  </a:cubicBezTo>
-                </a:path>
-              </a:pathLst>
-            </a:custGeom>
-            <a:noFill/>
-            <a:ln w="9525" cap="flat">
-              <a:solidFill>
-                <a:schemeClr val="tx1">
-                  <a:alpha val="20000"/>
-                </a:schemeClr>
-              </a:solidFill>
-              <a:prstDash val="solid"/>
-              <a:miter lim="800000"/>
-              <a:headEnd/>
-              <a:tailEnd/>
-            </a:ln>
-            <a:extLst>
-              <a:ext uri="{909E8E84-426E-40DD-AFC4-6F175D3DCCD1}">
-                <a14:hiddenFill xmlns:a14="http://schemas.microsoft.com/office/drawing/2010/main">
-                  <a:solidFill>
-                    <a:srgbClr val="FFFFFF"/>
-                  </a:solidFill>
-                </a14:hiddenFill>
-              </a:ext>
-            </a:extLst>
-          </p:spPr>
-          <p:txBody>
-            <a:bodyPr vert="horz" wrap="square" lIns="91440" tIns="45720" rIns="91440" bIns="45720" numCol="1" anchor="t" anchorCtr="0" compatLnSpc="1">
-              <a:prstTxWarp prst="textNoShape">
-                <a:avLst/>
-              </a:prstTxWarp>
-            </a:bodyPr>
-            <a:lstStyle/>
-            <a:p>
-              <a:endParaRPr lang="en-US"/>
-            </a:p>
-          </p:txBody>
-        </p:sp>
-        <p:sp>
-          <p:nvSpPr>
-            <p:cNvPr id="101" name="Freeform 6">
-              <a:extLst>
-                <a:ext uri="{FF2B5EF4-FFF2-40B4-BE49-F238E27FC236}">
-                  <a16:creationId xmlns:a16="http://schemas.microsoft.com/office/drawing/2014/main" id="{50CA0B98-0145-4252-BA3B-BC7B5DD2A6DD}"/>
-                </a:ext>
-                <a:ext uri="{C183D7F6-B498-43B3-948B-1728B52AA6E4}">
-                  <adec:decorative xmlns:adec="http://schemas.microsoft.com/office/drawing/2017/decorative" val="1"/>
-                </a:ext>
-              </a:extLst>
-            </p:cNvPr>
-            <p:cNvSpPr>
-              <a:spLocks/>
-            </p:cNvSpPr>
-            <p:nvPr>
-              <p:extLst>
-                <p:ext uri="{386F3935-93C4-4BCD-93E2-E3B085C9AB24}">
-                  <p16:designElem xmlns:p16="http://schemas.microsoft.com/office/powerpoint/2015/main" val="1"/>
-                </p:ext>
-              </p:extLst>
-            </p:nvPr>
-          </p:nvSpPr>
-          <p:spPr bwMode="auto">
-            <a:xfrm>
-              <a:off x="670451" y="2018236"/>
-              <a:ext cx="7373938" cy="4848892"/>
-            </a:xfrm>
-            <a:custGeom>
-              <a:avLst/>
-              <a:gdLst>
-                <a:gd name="T0" fmla="*/ 1025 w 1549"/>
-                <a:gd name="T1" fmla="*/ 1016 h 1017"/>
-                <a:gd name="T2" fmla="*/ 1443 w 1549"/>
-                <a:gd name="T3" fmla="*/ 592 h 1017"/>
-                <a:gd name="T4" fmla="*/ 782 w 1549"/>
-                <a:gd name="T5" fmla="*/ 53 h 1017"/>
-                <a:gd name="T6" fmla="*/ 150 w 1549"/>
-                <a:gd name="T7" fmla="*/ 329 h 1017"/>
-                <a:gd name="T8" fmla="*/ 477 w 1549"/>
-                <a:gd name="T9" fmla="*/ 1017 h 1017"/>
-              </a:gdLst>
-              <a:ahLst/>
-              <a:cxnLst>
-                <a:cxn ang="0">
-                  <a:pos x="T0" y="T1"/>
-                </a:cxn>
-                <a:cxn ang="0">
-                  <a:pos x="T2" y="T3"/>
-                </a:cxn>
-                <a:cxn ang="0">
-                  <a:pos x="T4" y="T5"/>
-                </a:cxn>
-                <a:cxn ang="0">
-                  <a:pos x="T6" y="T7"/>
-                </a:cxn>
-                <a:cxn ang="0">
-                  <a:pos x="T8" y="T9"/>
-                </a:cxn>
-              </a:cxnLst>
-              <a:rect l="0" t="0" r="r" b="b"/>
-              <a:pathLst>
-                <a:path w="1549" h="1017">
-                  <a:moveTo>
-                    <a:pt x="1025" y="1016"/>
-                  </a:moveTo>
-                  <a:cubicBezTo>
-                    <a:pt x="1223" y="971"/>
-                    <a:pt x="1549" y="857"/>
-                    <a:pt x="1443" y="592"/>
-                  </a:cubicBezTo>
-                  <a:cubicBezTo>
-                    <a:pt x="1344" y="344"/>
-                    <a:pt x="1041" y="111"/>
-                    <a:pt x="782" y="53"/>
-                  </a:cubicBezTo>
-                  <a:cubicBezTo>
-                    <a:pt x="545" y="0"/>
-                    <a:pt x="275" y="117"/>
-                    <a:pt x="150" y="329"/>
-                  </a:cubicBezTo>
-                  <a:cubicBezTo>
-                    <a:pt x="0" y="584"/>
-                    <a:pt x="243" y="911"/>
-                    <a:pt x="477" y="1017"/>
-                  </a:cubicBezTo>
-                </a:path>
-              </a:pathLst>
-            </a:custGeom>
-            <a:noFill/>
-            <a:ln w="9525" cap="flat">
-              <a:solidFill>
-                <a:schemeClr val="tx1">
-                  <a:alpha val="20000"/>
-                </a:schemeClr>
-              </a:solidFill>
-              <a:prstDash val="solid"/>
-              <a:miter lim="800000"/>
-              <a:headEnd/>
-              <a:tailEnd/>
-            </a:ln>
-            <a:extLst>
-              <a:ext uri="{909E8E84-426E-40DD-AFC4-6F175D3DCCD1}">
-                <a14:hiddenFill xmlns:a14="http://schemas.microsoft.com/office/drawing/2010/main">
-                  <a:solidFill>
-                    <a:srgbClr val="FFFFFF"/>
-                  </a:solidFill>
-                </a14:hiddenFill>
-              </a:ext>
-            </a:extLst>
-          </p:spPr>
-          <p:txBody>
-            <a:bodyPr vert="horz" wrap="square" lIns="91440" tIns="45720" rIns="91440" bIns="45720" numCol="1" anchor="t" anchorCtr="0" compatLnSpc="1">
-              <a:prstTxWarp prst="textNoShape">
-                <a:avLst/>
-              </a:prstTxWarp>
-            </a:bodyPr>
-            <a:lstStyle/>
-            <a:p>
-              <a:endParaRPr lang="en-US"/>
-            </a:p>
-          </p:txBody>
-        </p:sp>
-        <p:sp>
-          <p:nvSpPr>
-            <p:cNvPr id="102" name="Freeform 7">
-              <a:extLst>
-                <a:ext uri="{FF2B5EF4-FFF2-40B4-BE49-F238E27FC236}">
-                  <a16:creationId xmlns:a16="http://schemas.microsoft.com/office/drawing/2014/main" id="{D05EC823-BCA5-426A-9CF6-B163C83616AB}"/>
-                </a:ext>
-                <a:ext uri="{C183D7F6-B498-43B3-948B-1728B52AA6E4}">
-                  <adec:decorative xmlns:adec="http://schemas.microsoft.com/office/drawing/2017/decorative" val="1"/>
-                </a:ext>
-              </a:extLst>
-            </p:cNvPr>
-            <p:cNvSpPr>
-              <a:spLocks/>
-            </p:cNvSpPr>
-            <p:nvPr>
-              <p:extLst>
-                <p:ext uri="{386F3935-93C4-4BCD-93E2-E3B085C9AB24}">
-                  <p16:designElem xmlns:p16="http://schemas.microsoft.com/office/powerpoint/2015/main" val="1"/>
-                </p:ext>
-              </p:extLst>
-            </p:nvPr>
-          </p:nvSpPr>
-          <p:spPr bwMode="auto">
-            <a:xfrm>
-              <a:off x="251351" y="1788400"/>
-              <a:ext cx="8035925" cy="5083516"/>
-            </a:xfrm>
-            <a:custGeom>
-              <a:avLst/>
-              <a:gdLst>
-                <a:gd name="T0" fmla="*/ 1302 w 1688"/>
-                <a:gd name="T1" fmla="*/ 1066 h 1066"/>
-                <a:gd name="T2" fmla="*/ 1613 w 1688"/>
-                <a:gd name="T3" fmla="*/ 850 h 1066"/>
-                <a:gd name="T4" fmla="*/ 1517 w 1688"/>
-                <a:gd name="T5" fmla="*/ 471 h 1066"/>
-                <a:gd name="T6" fmla="*/ 798 w 1688"/>
-                <a:gd name="T7" fmla="*/ 28 h 1066"/>
-                <a:gd name="T8" fmla="*/ 181 w 1688"/>
-                <a:gd name="T9" fmla="*/ 333 h 1066"/>
-                <a:gd name="T10" fmla="*/ 420 w 1688"/>
-                <a:gd name="T11" fmla="*/ 1066 h 1066"/>
-              </a:gdLst>
-              <a:ahLst/>
-              <a:cxnLst>
-                <a:cxn ang="0">
-                  <a:pos x="T0" y="T1"/>
-                </a:cxn>
-                <a:cxn ang="0">
-                  <a:pos x="T2" y="T3"/>
-                </a:cxn>
-                <a:cxn ang="0">
-                  <a:pos x="T4" y="T5"/>
-                </a:cxn>
-                <a:cxn ang="0">
-                  <a:pos x="T6" y="T7"/>
-                </a:cxn>
-                <a:cxn ang="0">
-                  <a:pos x="T8" y="T9"/>
-                </a:cxn>
-                <a:cxn ang="0">
-                  <a:pos x="T10" y="T11"/>
-                </a:cxn>
-              </a:cxnLst>
-              <a:rect l="0" t="0" r="r" b="b"/>
-              <a:pathLst>
-                <a:path w="1688" h="1066">
-                  <a:moveTo>
-                    <a:pt x="1302" y="1066"/>
-                  </a:moveTo>
-                  <a:cubicBezTo>
-                    <a:pt x="1416" y="1024"/>
-                    <a:pt x="1551" y="962"/>
-                    <a:pt x="1613" y="850"/>
-                  </a:cubicBezTo>
-                  <a:cubicBezTo>
-                    <a:pt x="1688" y="715"/>
-                    <a:pt x="1606" y="575"/>
-                    <a:pt x="1517" y="471"/>
-                  </a:cubicBezTo>
-                  <a:cubicBezTo>
-                    <a:pt x="1336" y="258"/>
-                    <a:pt x="1084" y="62"/>
-                    <a:pt x="798" y="28"/>
-                  </a:cubicBezTo>
-                  <a:cubicBezTo>
-                    <a:pt x="559" y="0"/>
-                    <a:pt x="317" y="138"/>
-                    <a:pt x="181" y="333"/>
-                  </a:cubicBezTo>
-                  <a:cubicBezTo>
-                    <a:pt x="0" y="592"/>
-                    <a:pt x="191" y="907"/>
-                    <a:pt x="420" y="1066"/>
-                  </a:cubicBezTo>
-                </a:path>
-              </a:pathLst>
-            </a:custGeom>
-            <a:noFill/>
-            <a:ln w="9525" cap="flat">
-              <a:solidFill>
-                <a:schemeClr val="tx1">
-                  <a:alpha val="20000"/>
-                </a:schemeClr>
-              </a:solidFill>
-              <a:prstDash val="dash"/>
-              <a:miter lim="800000"/>
-              <a:headEnd/>
-              <a:tailEnd/>
-            </a:ln>
-            <a:extLst>
-              <a:ext uri="{909E8E84-426E-40DD-AFC4-6F175D3DCCD1}">
-                <a14:hiddenFill xmlns:a14="http://schemas.microsoft.com/office/drawing/2010/main">
-                  <a:solidFill>
-                    <a:srgbClr val="FFFFFF"/>
-                  </a:solidFill>
-                </a14:hiddenFill>
-              </a:ext>
-            </a:extLst>
-          </p:spPr>
-          <p:txBody>
-            <a:bodyPr vert="horz" wrap="square" lIns="91440" tIns="45720" rIns="91440" bIns="45720" numCol="1" anchor="t" anchorCtr="0" compatLnSpc="1">
-              <a:prstTxWarp prst="textNoShape">
-                <a:avLst/>
-              </a:prstTxWarp>
-            </a:bodyPr>
-            <a:lstStyle/>
-            <a:p>
-              <a:endParaRPr lang="en-US"/>
-            </a:p>
-          </p:txBody>
-        </p:sp>
-        <p:sp>
-          <p:nvSpPr>
-            <p:cNvPr id="103" name="Freeform 8">
-              <a:extLst>
-                <a:ext uri="{FF2B5EF4-FFF2-40B4-BE49-F238E27FC236}">
-                  <a16:creationId xmlns:a16="http://schemas.microsoft.com/office/drawing/2014/main" id="{14472F5F-8AF2-4CDA-8ED5-0C417F43CCAA}"/>
-                </a:ext>
-                <a:ext uri="{C183D7F6-B498-43B3-948B-1728B52AA6E4}">
-                  <adec:decorative xmlns:adec="http://schemas.microsoft.com/office/drawing/2017/decorative" val="1"/>
-                </a:ext>
-              </a:extLst>
-            </p:cNvPr>
-            <p:cNvSpPr>
-              <a:spLocks/>
-            </p:cNvSpPr>
-            <p:nvPr>
-              <p:extLst>
-                <p:ext uri="{386F3935-93C4-4BCD-93E2-E3B085C9AB24}">
-                  <p16:designElem xmlns:p16="http://schemas.microsoft.com/office/powerpoint/2015/main" val="1"/>
-                </p:ext>
-              </p:extLst>
-            </p:nvPr>
-          </p:nvSpPr>
-          <p:spPr bwMode="auto">
-            <a:xfrm>
-              <a:off x="-1061" y="549842"/>
-              <a:ext cx="10334625" cy="6322075"/>
-            </a:xfrm>
-            <a:custGeom>
-              <a:avLst/>
-              <a:gdLst>
-                <a:gd name="T0" fmla="*/ 1873 w 2171"/>
-                <a:gd name="T1" fmla="*/ 1326 h 1326"/>
-                <a:gd name="T2" fmla="*/ 1609 w 2171"/>
-                <a:gd name="T3" fmla="*/ 473 h 1326"/>
-                <a:gd name="T4" fmla="*/ 880 w 2171"/>
-                <a:gd name="T5" fmla="*/ 63 h 1326"/>
-                <a:gd name="T6" fmla="*/ 0 w 2171"/>
-                <a:gd name="T7" fmla="*/ 423 h 1326"/>
-              </a:gdLst>
-              <a:ahLst/>
-              <a:cxnLst>
-                <a:cxn ang="0">
-                  <a:pos x="T0" y="T1"/>
-                </a:cxn>
-                <a:cxn ang="0">
-                  <a:pos x="T2" y="T3"/>
-                </a:cxn>
-                <a:cxn ang="0">
-                  <a:pos x="T4" y="T5"/>
-                </a:cxn>
-                <a:cxn ang="0">
-                  <a:pos x="T6" y="T7"/>
-                </a:cxn>
-              </a:cxnLst>
-              <a:rect l="0" t="0" r="r" b="b"/>
-              <a:pathLst>
-                <a:path w="2171" h="1326">
-                  <a:moveTo>
-                    <a:pt x="1873" y="1326"/>
-                  </a:moveTo>
-                  <a:cubicBezTo>
-                    <a:pt x="2171" y="1045"/>
-                    <a:pt x="1825" y="678"/>
-                    <a:pt x="1609" y="473"/>
-                  </a:cubicBezTo>
-                  <a:cubicBezTo>
-                    <a:pt x="1406" y="281"/>
-                    <a:pt x="1159" y="116"/>
-                    <a:pt x="880" y="63"/>
-                  </a:cubicBezTo>
-                  <a:cubicBezTo>
-                    <a:pt x="545" y="0"/>
-                    <a:pt x="214" y="161"/>
-                    <a:pt x="0" y="423"/>
-                  </a:cubicBezTo>
-                </a:path>
-              </a:pathLst>
-            </a:custGeom>
-            <a:noFill/>
-            <a:ln w="9525" cap="flat">
-              <a:solidFill>
-                <a:schemeClr val="tx1">
-                  <a:alpha val="20000"/>
-                </a:schemeClr>
-              </a:solidFill>
-              <a:prstDash val="solid"/>
-              <a:miter lim="800000"/>
-              <a:headEnd/>
-              <a:tailEnd/>
-            </a:ln>
-            <a:extLst>
-              <a:ext uri="{909E8E84-426E-40DD-AFC4-6F175D3DCCD1}">
-                <a14:hiddenFill xmlns:a14="http://schemas.microsoft.com/office/drawing/2010/main">
-                  <a:solidFill>
-                    <a:srgbClr val="FFFFFF"/>
-                  </a:solidFill>
-                </a14:hiddenFill>
-              </a:ext>
-            </a:extLst>
-          </p:spPr>
-          <p:txBody>
-            <a:bodyPr vert="horz" wrap="square" lIns="91440" tIns="45720" rIns="91440" bIns="45720" numCol="1" anchor="t" anchorCtr="0" compatLnSpc="1">
-              <a:prstTxWarp prst="textNoShape">
-                <a:avLst/>
-              </a:prstTxWarp>
-            </a:bodyPr>
-            <a:lstStyle/>
-            <a:p>
-              <a:endParaRPr lang="en-US"/>
-            </a:p>
-          </p:txBody>
-        </p:sp>
-        <p:sp>
-          <p:nvSpPr>
-            <p:cNvPr id="104" name="Freeform 9">
-              <a:extLst>
-                <a:ext uri="{FF2B5EF4-FFF2-40B4-BE49-F238E27FC236}">
-                  <a16:creationId xmlns:a16="http://schemas.microsoft.com/office/drawing/2014/main" id="{3A3C8211-F278-4072-86FD-25A6BBA2F315}"/>
-                </a:ext>
-                <a:ext uri="{C183D7F6-B498-43B3-948B-1728B52AA6E4}">
-                  <adec:decorative xmlns:adec="http://schemas.microsoft.com/office/drawing/2017/decorative" val="1"/>
-                </a:ext>
-              </a:extLst>
-            </p:cNvPr>
-            <p:cNvSpPr>
-              <a:spLocks/>
-            </p:cNvSpPr>
-            <p:nvPr>
-              <p:extLst>
-                <p:ext uri="{386F3935-93C4-4BCD-93E2-E3B085C9AB24}">
-                  <p16:designElem xmlns:p16="http://schemas.microsoft.com/office/powerpoint/2015/main" val="1"/>
-                </p:ext>
-              </p:extLst>
-            </p:nvPr>
-          </p:nvSpPr>
-          <p:spPr bwMode="auto">
-            <a:xfrm>
-              <a:off x="3701" y="6186246"/>
-              <a:ext cx="504825" cy="681527"/>
-            </a:xfrm>
-            <a:custGeom>
-              <a:avLst/>
-              <a:gdLst>
-                <a:gd name="T0" fmla="*/ 0 w 106"/>
-                <a:gd name="T1" fmla="*/ 0 h 143"/>
-                <a:gd name="T2" fmla="*/ 106 w 106"/>
-                <a:gd name="T3" fmla="*/ 143 h 143"/>
-              </a:gdLst>
-              <a:ahLst/>
-              <a:cxnLst>
-                <a:cxn ang="0">
-                  <a:pos x="T0" y="T1"/>
-                </a:cxn>
-                <a:cxn ang="0">
-                  <a:pos x="T2" y="T3"/>
-                </a:cxn>
-              </a:cxnLst>
-              <a:rect l="0" t="0" r="r" b="b"/>
-              <a:pathLst>
-                <a:path w="106" h="143">
-                  <a:moveTo>
-                    <a:pt x="0" y="0"/>
-                  </a:moveTo>
-                  <a:cubicBezTo>
-                    <a:pt x="35" y="54"/>
-                    <a:pt x="70" y="101"/>
-                    <a:pt x="106" y="143"/>
-                  </a:cubicBezTo>
-                </a:path>
-              </a:pathLst>
-            </a:custGeom>
-            <a:noFill/>
-            <a:ln w="4763" cap="flat">
-              <a:solidFill>
-                <a:schemeClr val="tx1">
-                  <a:alpha val="20000"/>
-                </a:schemeClr>
-              </a:solidFill>
-              <a:prstDash val="solid"/>
-              <a:miter lim="800000"/>
-              <a:headEnd/>
-              <a:tailEnd/>
-            </a:ln>
-            <a:extLst>
-              <a:ext uri="{909E8E84-426E-40DD-AFC4-6F175D3DCCD1}">
-                <a14:hiddenFill xmlns:a14="http://schemas.microsoft.com/office/drawing/2010/main">
-                  <a:solidFill>
-                    <a:srgbClr val="FFFFFF"/>
-                  </a:solidFill>
-                </a14:hiddenFill>
-              </a:ext>
-            </a:extLst>
-          </p:spPr>
-          <p:txBody>
-            <a:bodyPr vert="horz" wrap="square" lIns="91440" tIns="45720" rIns="91440" bIns="45720" numCol="1" anchor="t" anchorCtr="0" compatLnSpc="1">
-              <a:prstTxWarp prst="textNoShape">
-                <a:avLst/>
-              </a:prstTxWarp>
-            </a:bodyPr>
-            <a:lstStyle/>
-            <a:p>
-              <a:endParaRPr lang="en-US"/>
-            </a:p>
-          </p:txBody>
-        </p:sp>
-        <p:sp>
-          <p:nvSpPr>
-            <p:cNvPr id="105" name="Freeform 10">
-              <a:extLst>
-                <a:ext uri="{FF2B5EF4-FFF2-40B4-BE49-F238E27FC236}">
-                  <a16:creationId xmlns:a16="http://schemas.microsoft.com/office/drawing/2014/main" id="{EC0F7967-7B73-4D52-B515-F75FF2D0F22A}"/>
-                </a:ext>
-                <a:ext uri="{C183D7F6-B498-43B3-948B-1728B52AA6E4}">
-                  <adec:decorative xmlns:adec="http://schemas.microsoft.com/office/drawing/2017/decorative" val="1"/>
-                </a:ext>
-              </a:extLst>
-            </p:cNvPr>
-            <p:cNvSpPr>
-              <a:spLocks/>
-            </p:cNvSpPr>
-            <p:nvPr>
-              <p:extLst>
-                <p:ext uri="{386F3935-93C4-4BCD-93E2-E3B085C9AB24}">
-                  <p16:designElem xmlns:p16="http://schemas.microsoft.com/office/powerpoint/2015/main" val="1"/>
-                </p:ext>
-              </p:extLst>
-            </p:nvPr>
-          </p:nvSpPr>
-          <p:spPr bwMode="auto">
-            <a:xfrm>
-              <a:off x="-1061" y="-51881"/>
-              <a:ext cx="11091863" cy="6923796"/>
-            </a:xfrm>
-            <a:custGeom>
-              <a:avLst/>
-              <a:gdLst>
-                <a:gd name="T0" fmla="*/ 2046 w 2330"/>
-                <a:gd name="T1" fmla="*/ 1452 h 1452"/>
-                <a:gd name="T2" fmla="*/ 1813 w 2330"/>
-                <a:gd name="T3" fmla="*/ 601 h 1452"/>
-                <a:gd name="T4" fmla="*/ 956 w 2330"/>
-                <a:gd name="T5" fmla="*/ 97 h 1452"/>
-                <a:gd name="T6" fmla="*/ 0 w 2330"/>
-                <a:gd name="T7" fmla="*/ 366 h 1452"/>
-              </a:gdLst>
-              <a:ahLst/>
-              <a:cxnLst>
-                <a:cxn ang="0">
-                  <a:pos x="T0" y="T1"/>
-                </a:cxn>
-                <a:cxn ang="0">
-                  <a:pos x="T2" y="T3"/>
-                </a:cxn>
-                <a:cxn ang="0">
-                  <a:pos x="T4" y="T5"/>
-                </a:cxn>
-                <a:cxn ang="0">
-                  <a:pos x="T6" y="T7"/>
-                </a:cxn>
-              </a:cxnLst>
-              <a:rect l="0" t="0" r="r" b="b"/>
-              <a:pathLst>
-                <a:path w="2330" h="1452">
-                  <a:moveTo>
-                    <a:pt x="2046" y="1452"/>
-                  </a:moveTo>
-                  <a:cubicBezTo>
-                    <a:pt x="2330" y="1153"/>
-                    <a:pt x="2049" y="821"/>
-                    <a:pt x="1813" y="601"/>
-                  </a:cubicBezTo>
-                  <a:cubicBezTo>
-                    <a:pt x="1569" y="375"/>
-                    <a:pt x="1282" y="179"/>
-                    <a:pt x="956" y="97"/>
-                  </a:cubicBezTo>
-                  <a:cubicBezTo>
-                    <a:pt x="572" y="0"/>
-                    <a:pt x="292" y="101"/>
-                    <a:pt x="0" y="366"/>
-                  </a:cubicBezTo>
-                </a:path>
-              </a:pathLst>
-            </a:custGeom>
-            <a:noFill/>
-            <a:ln w="9525" cap="flat">
-              <a:solidFill>
-                <a:schemeClr val="tx1">
-                  <a:alpha val="20000"/>
-                </a:schemeClr>
-              </a:solidFill>
-              <a:prstDash val="solid"/>
-              <a:miter lim="800000"/>
-              <a:headEnd/>
-              <a:tailEnd/>
-            </a:ln>
-            <a:extLst>
-              <a:ext uri="{909E8E84-426E-40DD-AFC4-6F175D3DCCD1}">
-                <a14:hiddenFill xmlns:a14="http://schemas.microsoft.com/office/drawing/2010/main">
-                  <a:solidFill>
-                    <a:srgbClr val="FFFFFF"/>
-                  </a:solidFill>
-                </a14:hiddenFill>
-              </a:ext>
-            </a:extLst>
-          </p:spPr>
-          <p:txBody>
-            <a:bodyPr vert="horz" wrap="square" lIns="91440" tIns="45720" rIns="91440" bIns="45720" numCol="1" anchor="t" anchorCtr="0" compatLnSpc="1">
-              <a:prstTxWarp prst="textNoShape">
-                <a:avLst/>
-              </a:prstTxWarp>
-            </a:bodyPr>
-            <a:lstStyle/>
-            <a:p>
-              <a:endParaRPr lang="en-US"/>
-            </a:p>
-          </p:txBody>
-        </p:sp>
-        <p:sp>
-          <p:nvSpPr>
-            <p:cNvPr id="106" name="Freeform 11">
-              <a:extLst>
-                <a:ext uri="{FF2B5EF4-FFF2-40B4-BE49-F238E27FC236}">
-                  <a16:creationId xmlns:a16="http://schemas.microsoft.com/office/drawing/2014/main" id="{FE305521-A9C4-4590-8067-DE093E144BCD}"/>
-                </a:ext>
-                <a:ext uri="{C183D7F6-B498-43B3-948B-1728B52AA6E4}">
-                  <adec:decorative xmlns:adec="http://schemas.microsoft.com/office/drawing/2017/decorative" val="1"/>
-                </a:ext>
-              </a:extLst>
-            </p:cNvPr>
-            <p:cNvSpPr>
-              <a:spLocks/>
-            </p:cNvSpPr>
-            <p:nvPr>
-              <p:extLst>
-                <p:ext uri="{386F3935-93C4-4BCD-93E2-E3B085C9AB24}">
-                  <p16:designElem xmlns:p16="http://schemas.microsoft.com/office/powerpoint/2015/main" val="1"/>
-                </p:ext>
-              </p:extLst>
-            </p:nvPr>
-          </p:nvSpPr>
-          <p:spPr bwMode="auto">
-            <a:xfrm>
-              <a:off x="5426601" y="5579"/>
-              <a:ext cx="5788025" cy="6847184"/>
-            </a:xfrm>
-            <a:custGeom>
-              <a:avLst/>
-              <a:gdLst>
-                <a:gd name="T0" fmla="*/ 1094 w 1216"/>
-                <a:gd name="T1" fmla="*/ 1436 h 1436"/>
-                <a:gd name="T2" fmla="*/ 709 w 1216"/>
-                <a:gd name="T3" fmla="*/ 551 h 1436"/>
-                <a:gd name="T4" fmla="*/ 0 w 1216"/>
-                <a:gd name="T5" fmla="*/ 0 h 1436"/>
-              </a:gdLst>
-              <a:ahLst/>
-              <a:cxnLst>
-                <a:cxn ang="0">
-                  <a:pos x="T0" y="T1"/>
-                </a:cxn>
-                <a:cxn ang="0">
-                  <a:pos x="T2" y="T3"/>
-                </a:cxn>
-                <a:cxn ang="0">
-                  <a:pos x="T4" y="T5"/>
-                </a:cxn>
-              </a:cxnLst>
-              <a:rect l="0" t="0" r="r" b="b"/>
-              <a:pathLst>
-                <a:path w="1216" h="1436">
-                  <a:moveTo>
-                    <a:pt x="1094" y="1436"/>
-                  </a:moveTo>
-                  <a:cubicBezTo>
-                    <a:pt x="1216" y="1114"/>
-                    <a:pt x="904" y="770"/>
-                    <a:pt x="709" y="551"/>
-                  </a:cubicBezTo>
-                  <a:cubicBezTo>
-                    <a:pt x="509" y="327"/>
-                    <a:pt x="274" y="127"/>
-                    <a:pt x="0" y="0"/>
-                  </a:cubicBezTo>
-                </a:path>
-              </a:pathLst>
-            </a:custGeom>
-            <a:noFill/>
-            <a:ln w="9525" cap="flat">
-              <a:solidFill>
-                <a:schemeClr val="tx1">
-                  <a:alpha val="20000"/>
-                </a:schemeClr>
-              </a:solidFill>
-              <a:prstDash val="solid"/>
-              <a:miter lim="800000"/>
-              <a:headEnd/>
-              <a:tailEnd/>
-            </a:ln>
-            <a:extLst>
-              <a:ext uri="{909E8E84-426E-40DD-AFC4-6F175D3DCCD1}">
-                <a14:hiddenFill xmlns:a14="http://schemas.microsoft.com/office/drawing/2010/main">
-                  <a:solidFill>
-                    <a:srgbClr val="FFFFFF"/>
-                  </a:solidFill>
-                </a14:hiddenFill>
-              </a:ext>
-            </a:extLst>
-          </p:spPr>
-          <p:txBody>
-            <a:bodyPr vert="horz" wrap="square" lIns="91440" tIns="45720" rIns="91440" bIns="45720" numCol="1" anchor="t" anchorCtr="0" compatLnSpc="1">
-              <a:prstTxWarp prst="textNoShape">
-                <a:avLst/>
-              </a:prstTxWarp>
-            </a:bodyPr>
-            <a:lstStyle/>
-            <a:p>
-              <a:endParaRPr lang="en-US"/>
-            </a:p>
-          </p:txBody>
-        </p:sp>
-        <p:sp>
-          <p:nvSpPr>
-            <p:cNvPr id="107" name="Freeform 12">
-              <a:extLst>
-                <a:ext uri="{FF2B5EF4-FFF2-40B4-BE49-F238E27FC236}">
-                  <a16:creationId xmlns:a16="http://schemas.microsoft.com/office/drawing/2014/main" id="{3C445F9B-9F74-48E6-988C-756BEBCD2D65}"/>
-                </a:ext>
-                <a:ext uri="{C183D7F6-B498-43B3-948B-1728B52AA6E4}">
-                  <adec:decorative xmlns:adec="http://schemas.microsoft.com/office/drawing/2017/decorative" val="1"/>
-                </a:ext>
-              </a:extLst>
-            </p:cNvPr>
-            <p:cNvSpPr>
-              <a:spLocks/>
-            </p:cNvSpPr>
-            <p:nvPr>
-              <p:extLst>
-                <p:ext uri="{386F3935-93C4-4BCD-93E2-E3B085C9AB24}">
-                  <p16:designElem xmlns:p16="http://schemas.microsoft.com/office/powerpoint/2015/main" val="1"/>
-                </p:ext>
-              </p:extLst>
-            </p:nvPr>
-          </p:nvSpPr>
-          <p:spPr bwMode="auto">
-            <a:xfrm>
-              <a:off x="-1061" y="5579"/>
-              <a:ext cx="1057275" cy="614491"/>
-            </a:xfrm>
-            <a:custGeom>
-              <a:avLst/>
-              <a:gdLst>
-                <a:gd name="T0" fmla="*/ 222 w 222"/>
-                <a:gd name="T1" fmla="*/ 0 h 129"/>
-                <a:gd name="T2" fmla="*/ 0 w 222"/>
-                <a:gd name="T3" fmla="*/ 129 h 129"/>
-              </a:gdLst>
-              <a:ahLst/>
-              <a:cxnLst>
-                <a:cxn ang="0">
-                  <a:pos x="T0" y="T1"/>
-                </a:cxn>
-                <a:cxn ang="0">
-                  <a:pos x="T2" y="T3"/>
-                </a:cxn>
-              </a:cxnLst>
-              <a:rect l="0" t="0" r="r" b="b"/>
-              <a:pathLst>
-                <a:path w="222" h="129">
-                  <a:moveTo>
-                    <a:pt x="222" y="0"/>
-                  </a:moveTo>
-                  <a:cubicBezTo>
-                    <a:pt x="152" y="35"/>
-                    <a:pt x="76" y="78"/>
-                    <a:pt x="0" y="129"/>
-                  </a:cubicBezTo>
-                </a:path>
-              </a:pathLst>
-            </a:custGeom>
-            <a:noFill/>
-            <a:ln w="9525" cap="flat">
-              <a:solidFill>
-                <a:schemeClr val="tx1">
-                  <a:alpha val="20000"/>
-                </a:schemeClr>
-              </a:solidFill>
-              <a:prstDash val="solid"/>
-              <a:miter lim="800000"/>
-              <a:headEnd/>
-              <a:tailEnd/>
-            </a:ln>
-            <a:extLst>
-              <a:ext uri="{909E8E84-426E-40DD-AFC4-6F175D3DCCD1}">
-                <a14:hiddenFill xmlns:a14="http://schemas.microsoft.com/office/drawing/2010/main">
-                  <a:solidFill>
-                    <a:srgbClr val="FFFFFF"/>
-                  </a:solidFill>
-                </a14:hiddenFill>
-              </a:ext>
-            </a:extLst>
-          </p:spPr>
-          <p:txBody>
-            <a:bodyPr vert="horz" wrap="square" lIns="91440" tIns="45720" rIns="91440" bIns="45720" numCol="1" anchor="t" anchorCtr="0" compatLnSpc="1">
-              <a:prstTxWarp prst="textNoShape">
-                <a:avLst/>
-              </a:prstTxWarp>
-            </a:bodyPr>
-            <a:lstStyle/>
-            <a:p>
-              <a:endParaRPr lang="en-US"/>
-            </a:p>
-          </p:txBody>
-        </p:sp>
-        <p:sp>
-          <p:nvSpPr>
-            <p:cNvPr id="108" name="Freeform 13">
-              <a:extLst>
-                <a:ext uri="{FF2B5EF4-FFF2-40B4-BE49-F238E27FC236}">
-                  <a16:creationId xmlns:a16="http://schemas.microsoft.com/office/drawing/2014/main" id="{D3C8503C-5A23-4AAC-8AF6-0733419B6568}"/>
-                </a:ext>
-                <a:ext uri="{C183D7F6-B498-43B3-948B-1728B52AA6E4}">
-                  <adec:decorative xmlns:adec="http://schemas.microsoft.com/office/drawing/2017/decorative" val="1"/>
-                </a:ext>
-              </a:extLst>
-            </p:cNvPr>
-            <p:cNvSpPr>
-              <a:spLocks/>
-            </p:cNvSpPr>
-            <p:nvPr>
-              <p:extLst>
-                <p:ext uri="{386F3935-93C4-4BCD-93E2-E3B085C9AB24}">
-                  <p16:designElem xmlns:p16="http://schemas.microsoft.com/office/powerpoint/2015/main" val="1"/>
-                </p:ext>
-              </p:extLst>
-            </p:nvPr>
-          </p:nvSpPr>
-          <p:spPr bwMode="auto">
-            <a:xfrm>
-              <a:off x="5821889" y="5579"/>
-              <a:ext cx="5588000" cy="6866337"/>
-            </a:xfrm>
-            <a:custGeom>
-              <a:avLst/>
-              <a:gdLst>
-                <a:gd name="T0" fmla="*/ 1067 w 1174"/>
-                <a:gd name="T1" fmla="*/ 1440 h 1440"/>
-                <a:gd name="T2" fmla="*/ 698 w 1174"/>
-                <a:gd name="T3" fmla="*/ 577 h 1440"/>
-                <a:gd name="T4" fmla="*/ 0 w 1174"/>
-                <a:gd name="T5" fmla="*/ 0 h 1440"/>
-              </a:gdLst>
-              <a:ahLst/>
-              <a:cxnLst>
-                <a:cxn ang="0">
-                  <a:pos x="T0" y="T1"/>
-                </a:cxn>
-                <a:cxn ang="0">
-                  <a:pos x="T2" y="T3"/>
-                </a:cxn>
-                <a:cxn ang="0">
-                  <a:pos x="T4" y="T5"/>
-                </a:cxn>
-              </a:cxnLst>
-              <a:rect l="0" t="0" r="r" b="b"/>
-              <a:pathLst>
-                <a:path w="1174" h="1440">
-                  <a:moveTo>
-                    <a:pt x="1067" y="1440"/>
-                  </a:moveTo>
-                  <a:cubicBezTo>
-                    <a:pt x="1174" y="1124"/>
-                    <a:pt x="887" y="797"/>
-                    <a:pt x="698" y="577"/>
-                  </a:cubicBezTo>
-                  <a:cubicBezTo>
-                    <a:pt x="500" y="348"/>
-                    <a:pt x="270" y="141"/>
-                    <a:pt x="0" y="0"/>
-                  </a:cubicBezTo>
-                </a:path>
-              </a:pathLst>
-            </a:custGeom>
-            <a:noFill/>
-            <a:ln w="9525" cap="flat">
-              <a:solidFill>
-                <a:schemeClr val="tx1">
-                  <a:alpha val="20000"/>
-                </a:schemeClr>
-              </a:solidFill>
-              <a:prstDash val="dash"/>
-              <a:miter lim="800000"/>
-              <a:headEnd/>
-              <a:tailEnd/>
-            </a:ln>
-            <a:extLst>
-              <a:ext uri="{909E8E84-426E-40DD-AFC4-6F175D3DCCD1}">
-                <a14:hiddenFill xmlns:a14="http://schemas.microsoft.com/office/drawing/2010/main">
-                  <a:solidFill>
-                    <a:srgbClr val="FFFFFF"/>
-                  </a:solidFill>
-                </a14:hiddenFill>
-              </a:ext>
-            </a:extLst>
-          </p:spPr>
-          <p:txBody>
-            <a:bodyPr vert="horz" wrap="square" lIns="91440" tIns="45720" rIns="91440" bIns="45720" numCol="1" anchor="t" anchorCtr="0" compatLnSpc="1">
-              <a:prstTxWarp prst="textNoShape">
-                <a:avLst/>
-              </a:prstTxWarp>
-            </a:bodyPr>
-            <a:lstStyle/>
-            <a:p>
-              <a:endParaRPr lang="en-US"/>
-            </a:p>
-          </p:txBody>
-        </p:sp>
-        <p:sp>
-          <p:nvSpPr>
-            <p:cNvPr id="109" name="Freeform 14">
-              <a:extLst>
-                <a:ext uri="{FF2B5EF4-FFF2-40B4-BE49-F238E27FC236}">
-                  <a16:creationId xmlns:a16="http://schemas.microsoft.com/office/drawing/2014/main" id="{B837D9BE-0C9D-4D07-9FF6-94CBB464610E}"/>
-                </a:ext>
-                <a:ext uri="{C183D7F6-B498-43B3-948B-1728B52AA6E4}">
-                  <adec:decorative xmlns:adec="http://schemas.microsoft.com/office/drawing/2017/decorative" val="1"/>
-                </a:ext>
-              </a:extLst>
-            </p:cNvPr>
-            <p:cNvSpPr>
-              <a:spLocks/>
-            </p:cNvSpPr>
-            <p:nvPr>
-              <p:extLst>
-                <p:ext uri="{386F3935-93C4-4BCD-93E2-E3B085C9AB24}">
-                  <p16:designElem xmlns:p16="http://schemas.microsoft.com/office/powerpoint/2015/main" val="1"/>
-                </p:ext>
-              </p:extLst>
-            </p:nvPr>
-          </p:nvSpPr>
-          <p:spPr bwMode="auto">
-            <a:xfrm>
-              <a:off x="3701" y="790"/>
-              <a:ext cx="595313" cy="352734"/>
-            </a:xfrm>
-            <a:custGeom>
-              <a:avLst/>
-              <a:gdLst>
-                <a:gd name="T0" fmla="*/ 125 w 125"/>
-                <a:gd name="T1" fmla="*/ 0 h 74"/>
-                <a:gd name="T2" fmla="*/ 0 w 125"/>
-                <a:gd name="T3" fmla="*/ 74 h 74"/>
-              </a:gdLst>
-              <a:ahLst/>
-              <a:cxnLst>
-                <a:cxn ang="0">
-                  <a:pos x="T0" y="T1"/>
-                </a:cxn>
-                <a:cxn ang="0">
-                  <a:pos x="T2" y="T3"/>
-                </a:cxn>
-              </a:cxnLst>
-              <a:rect l="0" t="0" r="r" b="b"/>
-              <a:pathLst>
-                <a:path w="125" h="74">
-                  <a:moveTo>
-                    <a:pt x="125" y="0"/>
-                  </a:moveTo>
-                  <a:cubicBezTo>
-                    <a:pt x="85" y="22"/>
-                    <a:pt x="43" y="47"/>
-                    <a:pt x="0" y="74"/>
-                  </a:cubicBezTo>
-                </a:path>
-              </a:pathLst>
-            </a:custGeom>
-            <a:noFill/>
-            <a:ln w="9525" cap="flat">
-              <a:solidFill>
-                <a:schemeClr val="tx1">
-                  <a:alpha val="20000"/>
-                </a:schemeClr>
-              </a:solidFill>
-              <a:prstDash val="dash"/>
-              <a:miter lim="800000"/>
-              <a:headEnd/>
-              <a:tailEnd/>
-            </a:ln>
-            <a:extLst>
-              <a:ext uri="{909E8E84-426E-40DD-AFC4-6F175D3DCCD1}">
-                <a14:hiddenFill xmlns:a14="http://schemas.microsoft.com/office/drawing/2010/main">
-                  <a:solidFill>
-                    <a:srgbClr val="FFFFFF"/>
-                  </a:solidFill>
-                </a14:hiddenFill>
-              </a:ext>
-            </a:extLst>
-          </p:spPr>
-          <p:txBody>
-            <a:bodyPr vert="horz" wrap="square" lIns="91440" tIns="45720" rIns="91440" bIns="45720" numCol="1" anchor="t" anchorCtr="0" compatLnSpc="1">
-              <a:prstTxWarp prst="textNoShape">
-                <a:avLst/>
-              </a:prstTxWarp>
-            </a:bodyPr>
-            <a:lstStyle/>
-            <a:p>
-              <a:endParaRPr lang="en-US"/>
-            </a:p>
-          </p:txBody>
-        </p:sp>
-        <p:sp>
-          <p:nvSpPr>
-            <p:cNvPr id="110" name="Freeform 15">
-              <a:extLst>
-                <a:ext uri="{FF2B5EF4-FFF2-40B4-BE49-F238E27FC236}">
-                  <a16:creationId xmlns:a16="http://schemas.microsoft.com/office/drawing/2014/main" id="{66F6A13D-C6D2-415F-BA88-87C5E9B847F6}"/>
-                </a:ext>
-                <a:ext uri="{C183D7F6-B498-43B3-948B-1728B52AA6E4}">
-                  <adec:decorative xmlns:adec="http://schemas.microsoft.com/office/drawing/2017/decorative" val="1"/>
-                </a:ext>
-              </a:extLst>
-            </p:cNvPr>
-            <p:cNvSpPr>
-              <a:spLocks/>
-            </p:cNvSpPr>
-            <p:nvPr>
-              <p:extLst>
-                <p:ext uri="{386F3935-93C4-4BCD-93E2-E3B085C9AB24}">
-                  <p16:designElem xmlns:p16="http://schemas.microsoft.com/office/powerpoint/2015/main" val="1"/>
-                </p:ext>
-              </p:extLst>
-            </p:nvPr>
-          </p:nvSpPr>
-          <p:spPr bwMode="auto">
-            <a:xfrm>
-              <a:off x="6012389" y="5579"/>
-              <a:ext cx="5497513" cy="6866337"/>
-            </a:xfrm>
-            <a:custGeom>
-              <a:avLst/>
-              <a:gdLst>
-                <a:gd name="T0" fmla="*/ 1056 w 1155"/>
-                <a:gd name="T1" fmla="*/ 1440 h 1440"/>
-                <a:gd name="T2" fmla="*/ 686 w 1155"/>
-                <a:gd name="T3" fmla="*/ 580 h 1440"/>
-                <a:gd name="T4" fmla="*/ 0 w 1155"/>
-                <a:gd name="T5" fmla="*/ 0 h 1440"/>
-              </a:gdLst>
-              <a:ahLst/>
-              <a:cxnLst>
-                <a:cxn ang="0">
-                  <a:pos x="T0" y="T1"/>
-                </a:cxn>
-                <a:cxn ang="0">
-                  <a:pos x="T2" y="T3"/>
-                </a:cxn>
-                <a:cxn ang="0">
-                  <a:pos x="T4" y="T5"/>
-                </a:cxn>
-              </a:cxnLst>
-              <a:rect l="0" t="0" r="r" b="b"/>
-              <a:pathLst>
-                <a:path w="1155" h="1440">
-                  <a:moveTo>
-                    <a:pt x="1056" y="1440"/>
-                  </a:moveTo>
-                  <a:cubicBezTo>
-                    <a:pt x="1155" y="1123"/>
-                    <a:pt x="875" y="801"/>
-                    <a:pt x="686" y="580"/>
-                  </a:cubicBezTo>
-                  <a:cubicBezTo>
-                    <a:pt x="491" y="352"/>
-                    <a:pt x="264" y="145"/>
-                    <a:pt x="0" y="0"/>
-                  </a:cubicBezTo>
-                </a:path>
-              </a:pathLst>
-            </a:custGeom>
-            <a:noFill/>
-            <a:ln w="12700" cap="flat">
-              <a:solidFill>
-                <a:schemeClr val="tx1">
-                  <a:alpha val="20000"/>
-                </a:schemeClr>
-              </a:solidFill>
-              <a:prstDash val="dashDot"/>
-              <a:miter lim="800000"/>
-              <a:headEnd/>
-              <a:tailEnd/>
-            </a:ln>
-            <a:extLst>
-              <a:ext uri="{909E8E84-426E-40DD-AFC4-6F175D3DCCD1}">
-                <a14:hiddenFill xmlns:a14="http://schemas.microsoft.com/office/drawing/2010/main">
-                  <a:solidFill>
-                    <a:srgbClr val="FFFFFF"/>
-                  </a:solidFill>
-                </a14:hiddenFill>
-              </a:ext>
-            </a:extLst>
-          </p:spPr>
-          <p:txBody>
-            <a:bodyPr vert="horz" wrap="square" lIns="91440" tIns="45720" rIns="91440" bIns="45720" numCol="1" anchor="t" anchorCtr="0" compatLnSpc="1">
-              <a:prstTxWarp prst="textNoShape">
-                <a:avLst/>
-              </a:prstTxWarp>
-            </a:bodyPr>
-            <a:lstStyle/>
-            <a:p>
-              <a:endParaRPr lang="en-US"/>
-            </a:p>
-          </p:txBody>
-        </p:sp>
-        <p:sp>
-          <p:nvSpPr>
-            <p:cNvPr id="111" name="Freeform 16">
-              <a:extLst>
-                <a:ext uri="{FF2B5EF4-FFF2-40B4-BE49-F238E27FC236}">
-                  <a16:creationId xmlns:a16="http://schemas.microsoft.com/office/drawing/2014/main" id="{0796A967-3D1D-49AD-BCE2-6BF545A967E9}"/>
-                </a:ext>
-                <a:ext uri="{C183D7F6-B498-43B3-948B-1728B52AA6E4}">
-                  <adec:decorative xmlns:adec="http://schemas.microsoft.com/office/drawing/2017/decorative" val="1"/>
-                </a:ext>
-              </a:extLst>
-            </p:cNvPr>
-            <p:cNvSpPr>
-              <a:spLocks/>
-            </p:cNvSpPr>
-            <p:nvPr>
-              <p:extLst>
-                <p:ext uri="{386F3935-93C4-4BCD-93E2-E3B085C9AB24}">
-                  <p16:designElem xmlns:p16="http://schemas.microsoft.com/office/powerpoint/2015/main" val="1"/>
-                </p:ext>
-              </p:extLst>
-            </p:nvPr>
-          </p:nvSpPr>
-          <p:spPr bwMode="auto">
-            <a:xfrm>
-              <a:off x="-1061" y="5579"/>
-              <a:ext cx="357188" cy="213875"/>
-            </a:xfrm>
-            <a:custGeom>
-              <a:avLst/>
-              <a:gdLst>
-                <a:gd name="T0" fmla="*/ 75 w 75"/>
-                <a:gd name="T1" fmla="*/ 0 h 45"/>
-                <a:gd name="T2" fmla="*/ 0 w 75"/>
-                <a:gd name="T3" fmla="*/ 45 h 45"/>
-              </a:gdLst>
-              <a:ahLst/>
-              <a:cxnLst>
-                <a:cxn ang="0">
-                  <a:pos x="T0" y="T1"/>
-                </a:cxn>
-                <a:cxn ang="0">
-                  <a:pos x="T2" y="T3"/>
-                </a:cxn>
-              </a:cxnLst>
-              <a:rect l="0" t="0" r="r" b="b"/>
-              <a:pathLst>
-                <a:path w="75" h="45">
-                  <a:moveTo>
-                    <a:pt x="75" y="0"/>
-                  </a:moveTo>
-                  <a:cubicBezTo>
-                    <a:pt x="50" y="14"/>
-                    <a:pt x="25" y="29"/>
-                    <a:pt x="0" y="45"/>
-                  </a:cubicBezTo>
-                </a:path>
-              </a:pathLst>
-            </a:custGeom>
-            <a:noFill/>
-            <a:ln w="12700" cap="flat">
-              <a:solidFill>
-                <a:schemeClr val="tx1">
-                  <a:alpha val="20000"/>
-                </a:schemeClr>
-              </a:solidFill>
-              <a:prstDash val="dashDot"/>
-              <a:miter lim="800000"/>
-              <a:headEnd/>
-              <a:tailEnd/>
-            </a:ln>
-            <a:extLst>
-              <a:ext uri="{909E8E84-426E-40DD-AFC4-6F175D3DCCD1}">
-                <a14:hiddenFill xmlns:a14="http://schemas.microsoft.com/office/drawing/2010/main">
-                  <a:solidFill>
-                    <a:srgbClr val="FFFFFF"/>
-                  </a:solidFill>
-                </a14:hiddenFill>
-              </a:ext>
-            </a:extLst>
-          </p:spPr>
-          <p:txBody>
-            <a:bodyPr vert="horz" wrap="square" lIns="91440" tIns="45720" rIns="91440" bIns="45720" numCol="1" anchor="t" anchorCtr="0" compatLnSpc="1">
-              <a:prstTxWarp prst="textNoShape">
-                <a:avLst/>
-              </a:prstTxWarp>
-            </a:bodyPr>
-            <a:lstStyle/>
-            <a:p>
-              <a:endParaRPr lang="en-US"/>
-            </a:p>
-          </p:txBody>
-        </p:sp>
-        <p:sp>
-          <p:nvSpPr>
-            <p:cNvPr id="112" name="Freeform 17">
-              <a:extLst>
-                <a:ext uri="{FF2B5EF4-FFF2-40B4-BE49-F238E27FC236}">
-                  <a16:creationId xmlns:a16="http://schemas.microsoft.com/office/drawing/2014/main" id="{6A3E2B21-965A-4D9E-AC40-3F693C05EBE4}"/>
-                </a:ext>
-                <a:ext uri="{C183D7F6-B498-43B3-948B-1728B52AA6E4}">
-                  <adec:decorative xmlns:adec="http://schemas.microsoft.com/office/drawing/2017/decorative" val="1"/>
-                </a:ext>
-              </a:extLst>
-            </p:cNvPr>
-            <p:cNvSpPr>
-              <a:spLocks/>
-            </p:cNvSpPr>
-            <p:nvPr>
-              <p:extLst>
-                <p:ext uri="{386F3935-93C4-4BCD-93E2-E3B085C9AB24}">
-                  <p16:designElem xmlns:p16="http://schemas.microsoft.com/office/powerpoint/2015/main" val="1"/>
-                </p:ext>
-              </p:extLst>
-            </p:nvPr>
-          </p:nvSpPr>
-          <p:spPr bwMode="auto">
-            <a:xfrm>
-              <a:off x="6210826" y="790"/>
-              <a:ext cx="5522913" cy="6871126"/>
-            </a:xfrm>
-            <a:custGeom>
-              <a:avLst/>
-              <a:gdLst>
-                <a:gd name="T0" fmla="*/ 1053 w 1160"/>
-                <a:gd name="T1" fmla="*/ 1441 h 1441"/>
-                <a:gd name="T2" fmla="*/ 705 w 1160"/>
-                <a:gd name="T3" fmla="*/ 599 h 1441"/>
-                <a:gd name="T4" fmla="*/ 0 w 1160"/>
-                <a:gd name="T5" fmla="*/ 0 h 1441"/>
-              </a:gdLst>
-              <a:ahLst/>
-              <a:cxnLst>
-                <a:cxn ang="0">
-                  <a:pos x="T0" y="T1"/>
-                </a:cxn>
-                <a:cxn ang="0">
-                  <a:pos x="T2" y="T3"/>
-                </a:cxn>
-                <a:cxn ang="0">
-                  <a:pos x="T4" y="T5"/>
-                </a:cxn>
-              </a:cxnLst>
-              <a:rect l="0" t="0" r="r" b="b"/>
-              <a:pathLst>
-                <a:path w="1160" h="1441">
-                  <a:moveTo>
-                    <a:pt x="1053" y="1441"/>
-                  </a:moveTo>
-                  <a:cubicBezTo>
-                    <a:pt x="1160" y="1129"/>
-                    <a:pt x="892" y="817"/>
-                    <a:pt x="705" y="599"/>
-                  </a:cubicBezTo>
-                  <a:cubicBezTo>
-                    <a:pt x="503" y="365"/>
-                    <a:pt x="270" y="152"/>
-                    <a:pt x="0" y="0"/>
-                  </a:cubicBezTo>
-                </a:path>
-              </a:pathLst>
-            </a:custGeom>
-            <a:noFill/>
-            <a:ln w="9525" cap="flat">
-              <a:solidFill>
-                <a:schemeClr val="tx1">
-                  <a:alpha val="20000"/>
-                </a:schemeClr>
-              </a:solidFill>
-              <a:prstDash val="solid"/>
-              <a:miter lim="800000"/>
-              <a:headEnd/>
-              <a:tailEnd/>
-            </a:ln>
-            <a:extLst>
-              <a:ext uri="{909E8E84-426E-40DD-AFC4-6F175D3DCCD1}">
-                <a14:hiddenFill xmlns:a14="http://schemas.microsoft.com/office/drawing/2010/main">
-                  <a:solidFill>
-                    <a:srgbClr val="FFFFFF"/>
-                  </a:solidFill>
-                </a14:hiddenFill>
-              </a:ext>
-            </a:extLst>
-          </p:spPr>
-          <p:txBody>
-            <a:bodyPr vert="horz" wrap="square" lIns="91440" tIns="45720" rIns="91440" bIns="45720" numCol="1" anchor="t" anchorCtr="0" compatLnSpc="1">
-              <a:prstTxWarp prst="textNoShape">
-                <a:avLst/>
-              </a:prstTxWarp>
-            </a:bodyPr>
-            <a:lstStyle/>
-            <a:p>
-              <a:endParaRPr lang="en-US"/>
-            </a:p>
-          </p:txBody>
-        </p:sp>
-        <p:sp>
-          <p:nvSpPr>
-            <p:cNvPr id="113" name="Freeform 18">
-              <a:extLst>
-                <a:ext uri="{FF2B5EF4-FFF2-40B4-BE49-F238E27FC236}">
-                  <a16:creationId xmlns:a16="http://schemas.microsoft.com/office/drawing/2014/main" id="{DD690A63-C307-4D2C-86D6-EAF87A1E3F2B}"/>
-                </a:ext>
-                <a:ext uri="{C183D7F6-B498-43B3-948B-1728B52AA6E4}">
-                  <adec:decorative xmlns:adec="http://schemas.microsoft.com/office/drawing/2017/decorative" val="1"/>
-                </a:ext>
-              </a:extLst>
-            </p:cNvPr>
-            <p:cNvSpPr>
-              <a:spLocks/>
-            </p:cNvSpPr>
-            <p:nvPr>
-              <p:extLst>
-                <p:ext uri="{386F3935-93C4-4BCD-93E2-E3B085C9AB24}">
-                  <p16:designElem xmlns:p16="http://schemas.microsoft.com/office/powerpoint/2015/main" val="1"/>
-                </p:ext>
-              </p:extLst>
-            </p:nvPr>
-          </p:nvSpPr>
-          <p:spPr bwMode="auto">
-            <a:xfrm>
-              <a:off x="6463239" y="5579"/>
-              <a:ext cx="5413375" cy="6866337"/>
-            </a:xfrm>
-            <a:custGeom>
-              <a:avLst/>
-              <a:gdLst>
-                <a:gd name="T0" fmla="*/ 1040 w 1137"/>
-                <a:gd name="T1" fmla="*/ 1440 h 1440"/>
-                <a:gd name="T2" fmla="*/ 698 w 1137"/>
-                <a:gd name="T3" fmla="*/ 611 h 1440"/>
-                <a:gd name="T4" fmla="*/ 0 w 1137"/>
-                <a:gd name="T5" fmla="*/ 0 h 1440"/>
-              </a:gdLst>
-              <a:ahLst/>
-              <a:cxnLst>
-                <a:cxn ang="0">
-                  <a:pos x="T0" y="T1"/>
-                </a:cxn>
-                <a:cxn ang="0">
-                  <a:pos x="T2" y="T3"/>
-                </a:cxn>
-                <a:cxn ang="0">
-                  <a:pos x="T4" y="T5"/>
-                </a:cxn>
-              </a:cxnLst>
-              <a:rect l="0" t="0" r="r" b="b"/>
-              <a:pathLst>
-                <a:path w="1137" h="1440">
-                  <a:moveTo>
-                    <a:pt x="1040" y="1440"/>
-                  </a:moveTo>
-                  <a:cubicBezTo>
-                    <a:pt x="1137" y="1131"/>
-                    <a:pt x="883" y="828"/>
-                    <a:pt x="698" y="611"/>
-                  </a:cubicBezTo>
-                  <a:cubicBezTo>
-                    <a:pt x="498" y="375"/>
-                    <a:pt x="268" y="159"/>
-                    <a:pt x="0" y="0"/>
-                  </a:cubicBezTo>
-                </a:path>
-              </a:pathLst>
-            </a:custGeom>
-            <a:noFill/>
-            <a:ln w="9525" cap="flat">
-              <a:solidFill>
-                <a:schemeClr val="tx1">
-                  <a:alpha val="20000"/>
-                </a:schemeClr>
-              </a:solidFill>
-              <a:prstDash val="solid"/>
-              <a:miter lim="800000"/>
-              <a:headEnd/>
-              <a:tailEnd/>
-            </a:ln>
-            <a:extLst>
-              <a:ext uri="{909E8E84-426E-40DD-AFC4-6F175D3DCCD1}">
-                <a14:hiddenFill xmlns:a14="http://schemas.microsoft.com/office/drawing/2010/main">
-                  <a:solidFill>
-                    <a:srgbClr val="FFFFFF"/>
-                  </a:solidFill>
-                </a14:hiddenFill>
-              </a:ext>
-            </a:extLst>
-          </p:spPr>
-          <p:txBody>
-            <a:bodyPr vert="horz" wrap="square" lIns="91440" tIns="45720" rIns="91440" bIns="45720" numCol="1" anchor="t" anchorCtr="0" compatLnSpc="1">
-              <a:prstTxWarp prst="textNoShape">
-                <a:avLst/>
-              </a:prstTxWarp>
-            </a:bodyPr>
-            <a:lstStyle/>
-            <a:p>
-              <a:endParaRPr lang="en-US"/>
-            </a:p>
-          </p:txBody>
-        </p:sp>
-        <p:sp>
-          <p:nvSpPr>
-            <p:cNvPr id="114" name="Freeform 19">
-              <a:extLst>
-                <a:ext uri="{FF2B5EF4-FFF2-40B4-BE49-F238E27FC236}">
-                  <a16:creationId xmlns:a16="http://schemas.microsoft.com/office/drawing/2014/main" id="{C443F848-CC76-49A3-9E72-D693A841945A}"/>
-                </a:ext>
-                <a:ext uri="{C183D7F6-B498-43B3-948B-1728B52AA6E4}">
-                  <adec:decorative xmlns:adec="http://schemas.microsoft.com/office/drawing/2017/decorative" val="1"/>
-                </a:ext>
-              </a:extLst>
-            </p:cNvPr>
-            <p:cNvSpPr>
-              <a:spLocks/>
-            </p:cNvSpPr>
-            <p:nvPr>
-              <p:extLst>
-                <p:ext uri="{386F3935-93C4-4BCD-93E2-E3B085C9AB24}">
-                  <p16:designElem xmlns:p16="http://schemas.microsoft.com/office/powerpoint/2015/main" val="1"/>
-                </p:ext>
-              </p:extLst>
-            </p:nvPr>
-          </p:nvSpPr>
-          <p:spPr bwMode="auto">
-            <a:xfrm>
-              <a:off x="6877576" y="5579"/>
-              <a:ext cx="5037138" cy="6861550"/>
-            </a:xfrm>
-            <a:custGeom>
-              <a:avLst/>
-              <a:gdLst>
-                <a:gd name="T0" fmla="*/ 1011 w 1058"/>
-                <a:gd name="T1" fmla="*/ 1439 h 1439"/>
-                <a:gd name="T2" fmla="*/ 648 w 1058"/>
-                <a:gd name="T3" fmla="*/ 617 h 1439"/>
-                <a:gd name="T4" fmla="*/ 0 w 1058"/>
-                <a:gd name="T5" fmla="*/ 0 h 1439"/>
-              </a:gdLst>
-              <a:ahLst/>
-              <a:cxnLst>
-                <a:cxn ang="0">
-                  <a:pos x="T0" y="T1"/>
-                </a:cxn>
-                <a:cxn ang="0">
-                  <a:pos x="T2" y="T3"/>
-                </a:cxn>
-                <a:cxn ang="0">
-                  <a:pos x="T4" y="T5"/>
-                </a:cxn>
-              </a:cxnLst>
-              <a:rect l="0" t="0" r="r" b="b"/>
-              <a:pathLst>
-                <a:path w="1058" h="1439">
-                  <a:moveTo>
-                    <a:pt x="1011" y="1439"/>
-                  </a:moveTo>
-                  <a:cubicBezTo>
-                    <a:pt x="1058" y="1131"/>
-                    <a:pt x="825" y="841"/>
-                    <a:pt x="648" y="617"/>
-                  </a:cubicBezTo>
-                  <a:cubicBezTo>
-                    <a:pt x="462" y="383"/>
-                    <a:pt x="248" y="168"/>
-                    <a:pt x="0" y="0"/>
-                  </a:cubicBezTo>
-                </a:path>
-              </a:pathLst>
-            </a:custGeom>
-            <a:noFill/>
-            <a:ln w="9525" cap="flat">
-              <a:solidFill>
-                <a:schemeClr val="tx1">
-                  <a:alpha val="20000"/>
-                </a:schemeClr>
-              </a:solidFill>
-              <a:prstDash val="solid"/>
-              <a:miter lim="800000"/>
-              <a:headEnd/>
-              <a:tailEnd/>
-            </a:ln>
-            <a:extLst>
-              <a:ext uri="{909E8E84-426E-40DD-AFC4-6F175D3DCCD1}">
-                <a14:hiddenFill xmlns:a14="http://schemas.microsoft.com/office/drawing/2010/main">
-                  <a:solidFill>
-                    <a:srgbClr val="FFFFFF"/>
-                  </a:solidFill>
-                </a14:hiddenFill>
-              </a:ext>
-            </a:extLst>
-          </p:spPr>
-          <p:txBody>
-            <a:bodyPr vert="horz" wrap="square" lIns="91440" tIns="45720" rIns="91440" bIns="45720" numCol="1" anchor="t" anchorCtr="0" compatLnSpc="1">
-              <a:prstTxWarp prst="textNoShape">
-                <a:avLst/>
-              </a:prstTxWarp>
-            </a:bodyPr>
-            <a:lstStyle/>
-            <a:p>
-              <a:endParaRPr lang="en-US"/>
-            </a:p>
-          </p:txBody>
-        </p:sp>
-        <p:sp>
-          <p:nvSpPr>
-            <p:cNvPr id="115" name="Freeform 20">
-              <a:extLst>
-                <a:ext uri="{FF2B5EF4-FFF2-40B4-BE49-F238E27FC236}">
-                  <a16:creationId xmlns:a16="http://schemas.microsoft.com/office/drawing/2014/main" id="{21412D43-B16E-4504-AE0E-80FCC02E0CEC}"/>
-                </a:ext>
-                <a:ext uri="{C183D7F6-B498-43B3-948B-1728B52AA6E4}">
-                  <adec:decorative xmlns:adec="http://schemas.microsoft.com/office/drawing/2017/decorative" val="1"/>
-                </a:ext>
-              </a:extLst>
-            </p:cNvPr>
-            <p:cNvSpPr>
-              <a:spLocks/>
-            </p:cNvSpPr>
-            <p:nvPr>
-              <p:extLst>
-                <p:ext uri="{386F3935-93C4-4BCD-93E2-E3B085C9AB24}">
-                  <p16:designElem xmlns:p16="http://schemas.microsoft.com/office/powerpoint/2015/main" val="1"/>
-                </p:ext>
-              </p:extLst>
-            </p:nvPr>
-          </p:nvSpPr>
-          <p:spPr bwMode="auto">
-            <a:xfrm>
-              <a:off x="8768289" y="5579"/>
-              <a:ext cx="3417888" cy="2742066"/>
-            </a:xfrm>
-            <a:custGeom>
-              <a:avLst/>
-              <a:gdLst>
-                <a:gd name="T0" fmla="*/ 718 w 718"/>
-                <a:gd name="T1" fmla="*/ 575 h 575"/>
-                <a:gd name="T2" fmla="*/ 0 w 718"/>
-                <a:gd name="T3" fmla="*/ 0 h 575"/>
-              </a:gdLst>
-              <a:ahLst/>
-              <a:cxnLst>
-                <a:cxn ang="0">
-                  <a:pos x="T0" y="T1"/>
-                </a:cxn>
-                <a:cxn ang="0">
-                  <a:pos x="T2" y="T3"/>
-                </a:cxn>
-              </a:cxnLst>
-              <a:rect l="0" t="0" r="r" b="b"/>
-              <a:pathLst>
-                <a:path w="718" h="575">
-                  <a:moveTo>
-                    <a:pt x="718" y="575"/>
-                  </a:moveTo>
-                  <a:cubicBezTo>
-                    <a:pt x="500" y="360"/>
-                    <a:pt x="260" y="163"/>
-                    <a:pt x="0" y="0"/>
-                  </a:cubicBezTo>
-                </a:path>
-              </a:pathLst>
-            </a:custGeom>
-            <a:noFill/>
-            <a:ln w="9525" cap="flat">
-              <a:solidFill>
-                <a:schemeClr val="tx1">
-                  <a:alpha val="20000"/>
-                </a:schemeClr>
-              </a:solidFill>
-              <a:prstDash val="solid"/>
-              <a:miter lim="800000"/>
-              <a:headEnd/>
-              <a:tailEnd/>
-            </a:ln>
-            <a:extLst>
-              <a:ext uri="{909E8E84-426E-40DD-AFC4-6F175D3DCCD1}">
-                <a14:hiddenFill xmlns:a14="http://schemas.microsoft.com/office/drawing/2010/main">
-                  <a:solidFill>
-                    <a:srgbClr val="FFFFFF"/>
-                  </a:solidFill>
-                </a14:hiddenFill>
-              </a:ext>
-            </a:extLst>
-          </p:spPr>
-          <p:txBody>
-            <a:bodyPr vert="horz" wrap="square" lIns="91440" tIns="45720" rIns="91440" bIns="45720" numCol="1" anchor="t" anchorCtr="0" compatLnSpc="1">
-              <a:prstTxWarp prst="textNoShape">
-                <a:avLst/>
-              </a:prstTxWarp>
-            </a:bodyPr>
-            <a:lstStyle/>
-            <a:p>
-              <a:endParaRPr lang="en-US"/>
-            </a:p>
-          </p:txBody>
-        </p:sp>
-        <p:sp>
-          <p:nvSpPr>
-            <p:cNvPr id="116" name="Freeform 21">
-              <a:extLst>
-                <a:ext uri="{FF2B5EF4-FFF2-40B4-BE49-F238E27FC236}">
-                  <a16:creationId xmlns:a16="http://schemas.microsoft.com/office/drawing/2014/main" id="{3C1AFC7D-6E75-40E9-92BC-3B3D421C10D5}"/>
-                </a:ext>
-                <a:ext uri="{C183D7F6-B498-43B3-948B-1728B52AA6E4}">
-                  <adec:decorative xmlns:adec="http://schemas.microsoft.com/office/drawing/2017/decorative" val="1"/>
-                </a:ext>
-              </a:extLst>
-            </p:cNvPr>
-            <p:cNvSpPr>
-              <a:spLocks/>
-            </p:cNvSpPr>
-            <p:nvPr>
-              <p:extLst>
-                <p:ext uri="{386F3935-93C4-4BCD-93E2-E3B085C9AB24}">
-                  <p16:designElem xmlns:p16="http://schemas.microsoft.com/office/powerpoint/2015/main" val="1"/>
-                </p:ext>
-              </p:extLst>
-            </p:nvPr>
-          </p:nvSpPr>
-          <p:spPr bwMode="auto">
-            <a:xfrm>
-              <a:off x="9235014" y="10367"/>
-              <a:ext cx="2951163" cy="2555325"/>
-            </a:xfrm>
-            <a:custGeom>
-              <a:avLst/>
-              <a:gdLst>
-                <a:gd name="T0" fmla="*/ 620 w 620"/>
-                <a:gd name="T1" fmla="*/ 536 h 536"/>
-                <a:gd name="T2" fmla="*/ 0 w 620"/>
-                <a:gd name="T3" fmla="*/ 0 h 536"/>
-              </a:gdLst>
-              <a:ahLst/>
-              <a:cxnLst>
-                <a:cxn ang="0">
-                  <a:pos x="T0" y="T1"/>
-                </a:cxn>
-                <a:cxn ang="0">
-                  <a:pos x="T2" y="T3"/>
-                </a:cxn>
-              </a:cxnLst>
-              <a:rect l="0" t="0" r="r" b="b"/>
-              <a:pathLst>
-                <a:path w="620" h="536">
-                  <a:moveTo>
-                    <a:pt x="620" y="536"/>
-                  </a:moveTo>
-                  <a:cubicBezTo>
-                    <a:pt x="404" y="314"/>
-                    <a:pt x="196" y="138"/>
-                    <a:pt x="0" y="0"/>
-                  </a:cubicBezTo>
-                </a:path>
-              </a:pathLst>
-            </a:custGeom>
-            <a:noFill/>
-            <a:ln w="9525" cap="flat">
-              <a:solidFill>
-                <a:schemeClr val="tx1">
-                  <a:alpha val="20000"/>
-                </a:schemeClr>
-              </a:solidFill>
-              <a:prstDash val="solid"/>
-              <a:miter lim="800000"/>
-              <a:headEnd/>
-              <a:tailEnd/>
-            </a:ln>
-            <a:extLst>
-              <a:ext uri="{909E8E84-426E-40DD-AFC4-6F175D3DCCD1}">
-                <a14:hiddenFill xmlns:a14="http://schemas.microsoft.com/office/drawing/2010/main">
-                  <a:solidFill>
-                    <a:srgbClr val="FFFFFF"/>
-                  </a:solidFill>
-                </a14:hiddenFill>
-              </a:ext>
-            </a:extLst>
-          </p:spPr>
-          <p:txBody>
-            <a:bodyPr vert="horz" wrap="square" lIns="91440" tIns="45720" rIns="91440" bIns="45720" numCol="1" anchor="t" anchorCtr="0" compatLnSpc="1">
-              <a:prstTxWarp prst="textNoShape">
-                <a:avLst/>
-              </a:prstTxWarp>
-            </a:bodyPr>
-            <a:lstStyle/>
-            <a:p>
-              <a:endParaRPr lang="en-US"/>
-            </a:p>
-          </p:txBody>
-        </p:sp>
-        <p:sp>
-          <p:nvSpPr>
-            <p:cNvPr id="117" name="Freeform 22">
-              <a:extLst>
-                <a:ext uri="{FF2B5EF4-FFF2-40B4-BE49-F238E27FC236}">
-                  <a16:creationId xmlns:a16="http://schemas.microsoft.com/office/drawing/2014/main" id="{97094882-03D2-4F89-BFBE-00B6E287EC81}"/>
-                </a:ext>
-                <a:ext uri="{C183D7F6-B498-43B3-948B-1728B52AA6E4}">
-                  <adec:decorative xmlns:adec="http://schemas.microsoft.com/office/drawing/2017/decorative" val="1"/>
-                </a:ext>
-              </a:extLst>
-            </p:cNvPr>
-            <p:cNvSpPr>
-              <a:spLocks/>
-            </p:cNvSpPr>
-            <p:nvPr>
-              <p:extLst>
-                <p:ext uri="{386F3935-93C4-4BCD-93E2-E3B085C9AB24}">
-                  <p16:designElem xmlns:p16="http://schemas.microsoft.com/office/powerpoint/2015/main" val="1"/>
-                </p:ext>
-              </p:extLst>
-            </p:nvPr>
-          </p:nvSpPr>
-          <p:spPr bwMode="auto">
-            <a:xfrm>
-              <a:off x="10020826" y="5579"/>
-              <a:ext cx="2165350" cy="1358265"/>
-            </a:xfrm>
-            <a:custGeom>
-              <a:avLst/>
-              <a:gdLst>
-                <a:gd name="T0" fmla="*/ 0 w 455"/>
-                <a:gd name="T1" fmla="*/ 0 h 285"/>
-                <a:gd name="T2" fmla="*/ 455 w 455"/>
-                <a:gd name="T3" fmla="*/ 285 h 285"/>
-              </a:gdLst>
-              <a:ahLst/>
-              <a:cxnLst>
-                <a:cxn ang="0">
-                  <a:pos x="T0" y="T1"/>
-                </a:cxn>
-                <a:cxn ang="0">
-                  <a:pos x="T2" y="T3"/>
-                </a:cxn>
-              </a:cxnLst>
-              <a:rect l="0" t="0" r="r" b="b"/>
-              <a:pathLst>
-                <a:path w="455" h="285">
-                  <a:moveTo>
-                    <a:pt x="0" y="0"/>
-                  </a:moveTo>
-                  <a:cubicBezTo>
-                    <a:pt x="153" y="85"/>
-                    <a:pt x="308" y="180"/>
-                    <a:pt x="455" y="285"/>
-                  </a:cubicBezTo>
-                </a:path>
-              </a:pathLst>
-            </a:custGeom>
-            <a:noFill/>
-            <a:ln w="9525" cap="flat">
-              <a:solidFill>
-                <a:schemeClr val="tx1">
-                  <a:alpha val="20000"/>
-                </a:schemeClr>
-              </a:solidFill>
-              <a:prstDash val="dash"/>
-              <a:miter lim="800000"/>
-              <a:headEnd/>
-              <a:tailEnd/>
-            </a:ln>
-            <a:extLst>
-              <a:ext uri="{909E8E84-426E-40DD-AFC4-6F175D3DCCD1}">
-                <a14:hiddenFill xmlns:a14="http://schemas.microsoft.com/office/drawing/2010/main">
-                  <a:solidFill>
-                    <a:srgbClr val="FFFFFF"/>
-                  </a:solidFill>
-                </a14:hiddenFill>
-              </a:ext>
-            </a:extLst>
-          </p:spPr>
-          <p:txBody>
-            <a:bodyPr vert="horz" wrap="square" lIns="91440" tIns="45720" rIns="91440" bIns="45720" numCol="1" anchor="t" anchorCtr="0" compatLnSpc="1">
-              <a:prstTxWarp prst="textNoShape">
-                <a:avLst/>
-              </a:prstTxWarp>
-            </a:bodyPr>
-            <a:lstStyle/>
-            <a:p>
-              <a:endParaRPr lang="en-US"/>
-            </a:p>
-          </p:txBody>
-        </p:sp>
-        <p:sp>
-          <p:nvSpPr>
-            <p:cNvPr id="118" name="Freeform 23">
-              <a:extLst>
-                <a:ext uri="{FF2B5EF4-FFF2-40B4-BE49-F238E27FC236}">
-                  <a16:creationId xmlns:a16="http://schemas.microsoft.com/office/drawing/2014/main" id="{67340C70-AD45-4DF8-A1B8-B2D6A873E42B}"/>
-                </a:ext>
-                <a:ext uri="{C183D7F6-B498-43B3-948B-1728B52AA6E4}">
-                  <adec:decorative xmlns:adec="http://schemas.microsoft.com/office/drawing/2017/decorative" val="1"/>
-                </a:ext>
-              </a:extLst>
-            </p:cNvPr>
-            <p:cNvSpPr>
-              <a:spLocks/>
-            </p:cNvSpPr>
-            <p:nvPr>
-              <p:extLst>
-                <p:ext uri="{386F3935-93C4-4BCD-93E2-E3B085C9AB24}">
-                  <p16:designElem xmlns:p16="http://schemas.microsoft.com/office/powerpoint/2015/main" val="1"/>
-                </p:ext>
-              </p:extLst>
-            </p:nvPr>
-          </p:nvSpPr>
-          <p:spPr bwMode="auto">
-            <a:xfrm>
-              <a:off x="11290826" y="5579"/>
-              <a:ext cx="895350" cy="534687"/>
-            </a:xfrm>
-            <a:custGeom>
-              <a:avLst/>
-              <a:gdLst>
-                <a:gd name="T0" fmla="*/ 0 w 188"/>
-                <a:gd name="T1" fmla="*/ 0 h 112"/>
-                <a:gd name="T2" fmla="*/ 188 w 188"/>
-                <a:gd name="T3" fmla="*/ 112 h 112"/>
-              </a:gdLst>
-              <a:ahLst/>
-              <a:cxnLst>
-                <a:cxn ang="0">
-                  <a:pos x="T0" y="T1"/>
-                </a:cxn>
-                <a:cxn ang="0">
-                  <a:pos x="T2" y="T3"/>
-                </a:cxn>
-              </a:cxnLst>
-              <a:rect l="0" t="0" r="r" b="b"/>
-              <a:pathLst>
-                <a:path w="188" h="112">
-                  <a:moveTo>
-                    <a:pt x="0" y="0"/>
-                  </a:moveTo>
-                  <a:cubicBezTo>
-                    <a:pt x="63" y="36"/>
-                    <a:pt x="126" y="73"/>
-                    <a:pt x="188" y="112"/>
-                  </a:cubicBezTo>
-                </a:path>
-              </a:pathLst>
-            </a:custGeom>
-            <a:noFill/>
-            <a:ln w="9525" cap="flat">
-              <a:solidFill>
-                <a:schemeClr val="tx1">
-                  <a:alpha val="20000"/>
-                </a:schemeClr>
-              </a:solidFill>
-              <a:prstDash val="solid"/>
-              <a:miter lim="800000"/>
-              <a:headEnd/>
-              <a:tailEnd/>
-            </a:ln>
-            <a:extLst>
-              <a:ext uri="{909E8E84-426E-40DD-AFC4-6F175D3DCCD1}">
-                <a14:hiddenFill xmlns:a14="http://schemas.microsoft.com/office/drawing/2010/main">
-                  <a:solidFill>
-                    <a:srgbClr val="FFFFFF"/>
-                  </a:solidFill>
-                </a14:hiddenFill>
-              </a:ext>
-            </a:extLst>
-          </p:spPr>
-          <p:txBody>
-            <a:bodyPr vert="horz" wrap="square" lIns="91440" tIns="45720" rIns="91440" bIns="45720" numCol="1" anchor="t" anchorCtr="0" compatLnSpc="1">
-              <a:prstTxWarp prst="textNoShape">
-                <a:avLst/>
-              </a:prstTxWarp>
-            </a:bodyPr>
-            <a:lstStyle/>
-            <a:p>
-              <a:endParaRPr lang="en-US"/>
-            </a:p>
-          </p:txBody>
-        </p:sp>
-      </p:grpSp>
-      <p:sp>
-        <p:nvSpPr>
-          <p:cNvPr id="119" name="Rectangle 59">
-            <a:extLst>
-              <a:ext uri="{FF2B5EF4-FFF2-40B4-BE49-F238E27FC236}">
-                <a16:creationId xmlns:a16="http://schemas.microsoft.com/office/drawing/2014/main" id="{1DA332A5-BA16-4DE3-82C5-22B2214C2EB0}"/>
-              </a:ext>
-              <a:ext uri="{C183D7F6-B498-43B3-948B-1728B52AA6E4}">
-                <adec:decorative xmlns:adec="http://schemas.microsoft.com/office/drawing/2017/decorative" val="1"/>
-              </a:ext>
-            </a:extLst>
-          </p:cNvPr>
-          <p:cNvSpPr>
-            <a:spLocks noGrp="1" noRot="1" noChangeAspect="1" noMove="1" noResize="1" noEditPoints="1" noAdjustHandles="1" noChangeArrowheads="1" noChangeShapeType="1" noTextEdit="1"/>
-          </p:cNvSpPr>
-          <p:nvPr>
-            <p:extLst>
-              <p:ext uri="{386F3935-93C4-4BCD-93E2-E3B085C9AB24}">
-                <p16:designElem xmlns:p16="http://schemas.microsoft.com/office/powerpoint/2015/main" val="1"/>
-              </p:ext>
-            </p:extLst>
-          </p:nvPr>
-        </p:nvSpPr>
-        <p:spPr>
-          <a:xfrm>
-            <a:off x="-1339" y="0"/>
-            <a:ext cx="12191695" cy="4197925"/>
-          </a:xfrm>
-          <a:prstGeom prst="rect">
-            <a:avLst/>
-          </a:prstGeom>
-          <a:solidFill>
-            <a:schemeClr val="bg1"/>
-          </a:solidFill>
-          <a:ln w="9525">
-            <a:noFill/>
-          </a:ln>
-        </p:spPr>
-        <p:style>
-          <a:lnRef idx="2">
-            <a:schemeClr val="accent1">
-              <a:shade val="50000"/>
-            </a:schemeClr>
-          </a:lnRef>
-          <a:fillRef idx="1">
-            <a:schemeClr val="accent1"/>
-          </a:fillRef>
-          <a:effectRef idx="0">
-            <a:schemeClr val="accent1"/>
-          </a:effectRef>
-          <a:fontRef idx="minor">
-            <a:schemeClr val="lt1"/>
-          </a:fontRef>
-        </p:style>
-        <p:txBody>
-          <a:bodyPr rot="0" spcFirstLastPara="0" vert="horz" wrap="square" lIns="91440" tIns="45720" rIns="91440" bIns="45720" numCol="1" spcCol="0" rtlCol="0" fromWordArt="0" anchor="ctr" anchorCtr="0" forceAA="0" compatLnSpc="1">
-            <a:prstTxWarp prst="textNoShape">
-              <a:avLst/>
-            </a:prstTxWarp>
-            <a:noAutofit/>
-          </a:bodyPr>
-          <a:lstStyle>
-            <a:defPPr>
-              <a:defRPr lang="en-US"/>
-            </a:defPPr>
-            <a:lvl1pPr marL="0" algn="l" defTabSz="457200" rtl="0" eaLnBrk="1" latinLnBrk="0" hangingPunct="1">
-              <a:defRPr sz="1800" kern="1200">
-                <a:solidFill>
-                  <a:schemeClr val="lt1"/>
-                </a:solidFill>
-                <a:latin typeface="+mn-lt"/>
-                <a:ea typeface="+mn-ea"/>
-                <a:cs typeface="+mn-cs"/>
-              </a:defRPr>
-            </a:lvl1pPr>
-            <a:lvl2pPr marL="457200" algn="l" defTabSz="457200" rtl="0" eaLnBrk="1" latinLnBrk="0" hangingPunct="1">
-              <a:defRPr sz="1800" kern="1200">
-                <a:solidFill>
-                  <a:schemeClr val="lt1"/>
-                </a:solidFill>
-                <a:latin typeface="+mn-lt"/>
-                <a:ea typeface="+mn-ea"/>
-                <a:cs typeface="+mn-cs"/>
-              </a:defRPr>
-            </a:lvl2pPr>
-            <a:lvl3pPr marL="914400" algn="l" defTabSz="457200" rtl="0" eaLnBrk="1" latinLnBrk="0" hangingPunct="1">
-              <a:defRPr sz="1800" kern="1200">
-                <a:solidFill>
-                  <a:schemeClr val="lt1"/>
-                </a:solidFill>
-                <a:latin typeface="+mn-lt"/>
-                <a:ea typeface="+mn-ea"/>
-                <a:cs typeface="+mn-cs"/>
-              </a:defRPr>
-            </a:lvl3pPr>
-            <a:lvl4pPr marL="1371600" algn="l" defTabSz="457200" rtl="0" eaLnBrk="1" latinLnBrk="0" hangingPunct="1">
-              <a:defRPr sz="1800" kern="1200">
-                <a:solidFill>
-                  <a:schemeClr val="lt1"/>
-                </a:solidFill>
-                <a:latin typeface="+mn-lt"/>
-                <a:ea typeface="+mn-ea"/>
-                <a:cs typeface="+mn-cs"/>
-              </a:defRPr>
-            </a:lvl4pPr>
-            <a:lvl5pPr marL="1828800" algn="l" defTabSz="457200" rtl="0" eaLnBrk="1" latinLnBrk="0" hangingPunct="1">
-              <a:defRPr sz="1800" kern="1200">
-                <a:solidFill>
-                  <a:schemeClr val="lt1"/>
-                </a:solidFill>
-                <a:latin typeface="+mn-lt"/>
-                <a:ea typeface="+mn-ea"/>
-                <a:cs typeface="+mn-cs"/>
-              </a:defRPr>
-            </a:lvl5pPr>
-            <a:lvl6pPr marL="2286000" algn="l" defTabSz="457200" rtl="0" eaLnBrk="1" latinLnBrk="0" hangingPunct="1">
-              <a:defRPr sz="1800" kern="1200">
-                <a:solidFill>
-                  <a:schemeClr val="lt1"/>
-                </a:solidFill>
-                <a:latin typeface="+mn-lt"/>
-                <a:ea typeface="+mn-ea"/>
-                <a:cs typeface="+mn-cs"/>
-              </a:defRPr>
-            </a:lvl6pPr>
-            <a:lvl7pPr marL="2743200" algn="l" defTabSz="457200" rtl="0" eaLnBrk="1" latinLnBrk="0" hangingPunct="1">
-              <a:defRPr sz="1800" kern="1200">
-                <a:solidFill>
-                  <a:schemeClr val="lt1"/>
-                </a:solidFill>
-                <a:latin typeface="+mn-lt"/>
-                <a:ea typeface="+mn-ea"/>
-                <a:cs typeface="+mn-cs"/>
-              </a:defRPr>
-            </a:lvl7pPr>
-            <a:lvl8pPr marL="3200400" algn="l" defTabSz="457200" rtl="0" eaLnBrk="1" latinLnBrk="0" hangingPunct="1">
-              <a:defRPr sz="1800" kern="1200">
-                <a:solidFill>
-                  <a:schemeClr val="lt1"/>
-                </a:solidFill>
-                <a:latin typeface="+mn-lt"/>
-                <a:ea typeface="+mn-ea"/>
-                <a:cs typeface="+mn-cs"/>
-              </a:defRPr>
-            </a:lvl8pPr>
-            <a:lvl9pPr marL="3657600" algn="l" defTabSz="457200" rtl="0" eaLnBrk="1" latinLnBrk="0" hangingPunct="1">
-              <a:defRPr sz="1800" kern="1200">
-                <a:solidFill>
-                  <a:schemeClr val="lt1"/>
-                </a:solidFill>
-                <a:latin typeface="+mn-lt"/>
-                <a:ea typeface="+mn-ea"/>
-                <a:cs typeface="+mn-cs"/>
-              </a:defRPr>
-            </a:lvl9pPr>
-          </a:lstStyle>
-          <a:p>
-            <a:pPr algn="ctr"/>
-            <a:endParaRPr lang="en-US"/>
-          </a:p>
-        </p:txBody>
-      </p:sp>
       <p:pic>
         <p:nvPicPr>
-          <p:cNvPr id="6" name="Resim 5">
+          <p:cNvPr id="3" name="Resim 2">
             <a:extLst>
               <a:ext uri="{FF2B5EF4-FFF2-40B4-BE49-F238E27FC236}">
-                <a16:creationId xmlns:a16="http://schemas.microsoft.com/office/drawing/2014/main" id="{7887D20F-CAF3-E3D6-17FC-F2A862FE48CA}"/>
+                <a16:creationId xmlns:a16="http://schemas.microsoft.com/office/drawing/2014/main" id="{9C21BCDE-BEE4-4526-8C3F-7BA5ED93AA19}"/>
               </a:ext>
             </a:extLst>
           </p:cNvPr>
@@ -28302,30 +25928,88 @@
           <p:nvPr/>
         </p:nvPicPr>
         <p:blipFill>
-          <a:blip r:embed="rId2"/>
+          <a:blip r:embed="rId3"/>
           <a:stretch>
             <a:fillRect/>
           </a:stretch>
         </p:blipFill>
         <p:spPr>
           <a:xfrm>
-            <a:off x="80960" y="234164"/>
-            <a:ext cx="5973588" cy="3733491"/>
+            <a:off x="3717181" y="3174348"/>
+            <a:ext cx="5063895" cy="3459918"/>
           </a:xfrm>
           <a:prstGeom prst="rect">
             <a:avLst/>
           </a:prstGeom>
-          <a:ln w="12700">
-            <a:noFill/>
-          </a:ln>
         </p:spPr>
       </p:pic>
+      <p:sp>
+        <p:nvSpPr>
+          <p:cNvPr id="4" name="Dikdörtgen 3">
+            <a:extLst>
+              <a:ext uri="{FF2B5EF4-FFF2-40B4-BE49-F238E27FC236}">
+                <a16:creationId xmlns:a16="http://schemas.microsoft.com/office/drawing/2014/main" id="{E6AEDD8A-84A4-0CD5-B2F2-4DACDA5FCF6D}"/>
+              </a:ext>
+            </a:extLst>
+          </p:cNvPr>
+          <p:cNvSpPr/>
+          <p:nvPr/>
+        </p:nvSpPr>
+        <p:spPr>
+          <a:xfrm>
+            <a:off x="175098" y="96311"/>
+            <a:ext cx="3197350" cy="707886"/>
+          </a:xfrm>
+          <a:prstGeom prst="rect">
+            <a:avLst/>
+          </a:prstGeom>
+          <a:noFill/>
+        </p:spPr>
+        <p:txBody>
+          <a:bodyPr wrap="none" lIns="91440" tIns="45720" rIns="91440" bIns="45720">
+            <a:spAutoFit/>
+          </a:bodyPr>
+          <a:lstStyle/>
+          <a:p>
+            <a:pPr algn="ctr"/>
+            <a:r>
+              <a:rPr lang="tr-TR" sz="4000" dirty="0" err="1">
+                <a:ln w="0"/>
+                <a:solidFill>
+                  <a:schemeClr val="accent1"/>
+                </a:solidFill>
+                <a:effectLst>
+                  <a:outerShdw blurRad="38100" dist="25400" dir="5400000" algn="ctr" rotWithShape="0">
+                    <a:srgbClr val="6E747A">
+                      <a:alpha val="43000"/>
+                    </a:srgbClr>
+                  </a:outerShdw>
+                </a:effectLst>
+              </a:rPr>
+              <a:t>Experiments</a:t>
+            </a:r>
+            <a:endParaRPr lang="tr-TR" sz="4000" b="0" cap="none" spc="0" dirty="0">
+              <a:ln w="0"/>
+              <a:solidFill>
+                <a:schemeClr val="accent1"/>
+              </a:solidFill>
+              <a:effectLst>
+                <a:outerShdw blurRad="38100" dist="25400" dir="5400000" algn="ctr" rotWithShape="0">
+                  <a:srgbClr val="6E747A">
+                    <a:alpha val="43000"/>
+                  </a:srgbClr>
+                </a:outerShdw>
+              </a:effectLst>
+            </a:endParaRPr>
+          </a:p>
+        </p:txBody>
+      </p:sp>
       <p:pic>
         <p:nvPicPr>
-          <p:cNvPr id="3" name="Resim 2">
+          <p:cNvPr id="6" name="Resim 5">
             <a:extLst>
               <a:ext uri="{FF2B5EF4-FFF2-40B4-BE49-F238E27FC236}">
-                <a16:creationId xmlns:a16="http://schemas.microsoft.com/office/drawing/2014/main" id="{07FEE8C3-A0CC-0115-0930-2F8AC100A69F}"/>
+                <a16:creationId xmlns:a16="http://schemas.microsoft.com/office/drawing/2014/main" id="{4E881A52-92A7-F374-562E-5F955DC0EDC3}"/>
               </a:ext>
             </a:extLst>
           </p:cNvPr>
@@ -28334,237 +26018,28 @@
           </p:cNvPicPr>
           <p:nvPr/>
         </p:nvPicPr>
-        <p:blipFill rotWithShape="1">
-          <a:blip r:embed="rId3"/>
-          <a:srcRect t="1164"/>
-          <a:stretch/>
+        <p:blipFill>
+          <a:blip r:embed="rId4"/>
+          <a:stretch>
+            <a:fillRect/>
+          </a:stretch>
         </p:blipFill>
         <p:spPr>
           <a:xfrm>
-            <a:off x="6649316" y="80815"/>
-            <a:ext cx="4942128" cy="4040190"/>
-          </a:xfrm>
-          <a:prstGeom prst="rect">
-            <a:avLst/>
-          </a:prstGeom>
-          <a:ln w="12700">
-            <a:noFill/>
-          </a:ln>
-        </p:spPr>
-      </p:pic>
-      <p:grpSp>
-        <p:nvGrpSpPr>
-          <p:cNvPr id="120" name="Group 61">
-            <a:extLst>
-              <a:ext uri="{FF2B5EF4-FFF2-40B4-BE49-F238E27FC236}">
-                <a16:creationId xmlns:a16="http://schemas.microsoft.com/office/drawing/2014/main" id="{8F47AB70-A01A-4FBE-B56A-E0F84A7A504B}"/>
-              </a:ext>
-              <a:ext uri="{C183D7F6-B498-43B3-948B-1728B52AA6E4}">
-                <adec:decorative xmlns:adec="http://schemas.microsoft.com/office/drawing/2017/decorative" val="1"/>
-              </a:ext>
-            </a:extLst>
-          </p:cNvPr>
-          <p:cNvGrpSpPr>
-            <a:grpSpLocks noGrp="1" noUngrp="1" noRot="1" noChangeAspect="1" noMove="1" noResize="1"/>
-          </p:cNvGrpSpPr>
-          <p:nvPr>
-            <p:extLst>
-              <p:ext uri="{386F3935-93C4-4BCD-93E2-E3B085C9AB24}">
-                <p16:designElem xmlns:p16="http://schemas.microsoft.com/office/powerpoint/2015/main" val="1"/>
-              </p:ext>
-            </p:extLst>
-          </p:nvPr>
-        </p:nvGrpSpPr>
-        <p:grpSpPr>
-          <a:xfrm>
-            <a:off x="1" y="4206292"/>
-            <a:ext cx="12192755" cy="1771275"/>
-            <a:chOff x="1" y="3893141"/>
-            <a:chExt cx="12192755" cy="1771275"/>
-          </a:xfrm>
-        </p:grpSpPr>
-        <p:sp>
-          <p:nvSpPr>
-            <p:cNvPr id="121" name="Isosceles Triangle 39">
-              <a:extLst>
-                <a:ext uri="{FF2B5EF4-FFF2-40B4-BE49-F238E27FC236}">
-                  <a16:creationId xmlns:a16="http://schemas.microsoft.com/office/drawing/2014/main" id="{54A1523F-E38A-4ACC-9EB4-0C861C7AAC57}"/>
-                </a:ext>
-                <a:ext uri="{C183D7F6-B498-43B3-948B-1728B52AA6E4}">
-                  <adec:decorative xmlns:adec="http://schemas.microsoft.com/office/drawing/2017/decorative" val="1"/>
-                </a:ext>
-              </a:extLst>
-            </p:cNvPr>
-            <p:cNvSpPr/>
-            <p:nvPr>
-              <p:extLst>
-                <p:ext uri="{386F3935-93C4-4BCD-93E2-E3B085C9AB24}">
-                  <p16:designElem xmlns:p16="http://schemas.microsoft.com/office/powerpoint/2015/main" val="1"/>
-                </p:ext>
-              </p:extLst>
-            </p:nvPr>
-          </p:nvSpPr>
-          <p:spPr>
-            <a:xfrm rot="10800000">
-              <a:off x="5892384" y="5313353"/>
-              <a:ext cx="407233" cy="351063"/>
-            </a:xfrm>
-            <a:prstGeom prst="triangle">
-              <a:avLst/>
-            </a:prstGeom>
-            <a:solidFill>
-              <a:schemeClr val="accent1"/>
-            </a:solidFill>
-            <a:ln>
-              <a:noFill/>
-            </a:ln>
-          </p:spPr>
-          <p:style>
-            <a:lnRef idx="2">
-              <a:schemeClr val="accent1">
-                <a:shade val="50000"/>
-              </a:schemeClr>
-            </a:lnRef>
-            <a:fillRef idx="1">
-              <a:schemeClr val="accent1"/>
-            </a:fillRef>
-            <a:effectRef idx="0">
-              <a:schemeClr val="accent1"/>
-            </a:effectRef>
-            <a:fontRef idx="minor">
-              <a:schemeClr val="lt1"/>
-            </a:fontRef>
-          </p:style>
-          <p:txBody>
-            <a:bodyPr rtlCol="0" anchor="ctr"/>
-            <a:lstStyle/>
-            <a:p>
-              <a:pPr algn="ctr"/>
-              <a:endParaRPr lang="en-US"/>
-            </a:p>
-          </p:txBody>
-        </p:sp>
-        <p:sp>
-          <p:nvSpPr>
-            <p:cNvPr id="122" name="Rectangle 63">
-              <a:extLst>
-                <a:ext uri="{FF2B5EF4-FFF2-40B4-BE49-F238E27FC236}">
-                  <a16:creationId xmlns:a16="http://schemas.microsoft.com/office/drawing/2014/main" id="{D08D8AE7-F590-4340-90AE-1A649D285076}"/>
-                </a:ext>
-                <a:ext uri="{C183D7F6-B498-43B3-948B-1728B52AA6E4}">
-                  <adec:decorative xmlns:adec="http://schemas.microsoft.com/office/drawing/2017/decorative" val="1"/>
-                </a:ext>
-              </a:extLst>
-            </p:cNvPr>
-            <p:cNvSpPr/>
-            <p:nvPr>
-              <p:extLst>
-                <p:ext uri="{386F3935-93C4-4BCD-93E2-E3B085C9AB24}">
-                  <p16:designElem xmlns:p16="http://schemas.microsoft.com/office/powerpoint/2015/main" val="1"/>
-                </p:ext>
-              </p:extLst>
-            </p:nvPr>
-          </p:nvSpPr>
-          <p:spPr>
-            <a:xfrm>
-              <a:off x="1" y="3893141"/>
-              <a:ext cx="12192755" cy="1420210"/>
-            </a:xfrm>
-            <a:prstGeom prst="rect">
-              <a:avLst/>
-            </a:prstGeom>
-            <a:solidFill>
-              <a:schemeClr val="accent1"/>
-            </a:solidFill>
-            <a:ln>
-              <a:noFill/>
-            </a:ln>
-          </p:spPr>
-          <p:style>
-            <a:lnRef idx="2">
-              <a:schemeClr val="accent1">
-                <a:shade val="50000"/>
-              </a:schemeClr>
-            </a:lnRef>
-            <a:fillRef idx="1">
-              <a:schemeClr val="accent1"/>
-            </a:fillRef>
-            <a:effectRef idx="0">
-              <a:schemeClr val="accent1"/>
-            </a:effectRef>
-            <a:fontRef idx="minor">
-              <a:schemeClr val="lt1"/>
-            </a:fontRef>
-          </p:style>
-          <p:txBody>
-            <a:bodyPr rtlCol="0" anchor="ctr"/>
-            <a:lstStyle/>
-            <a:p>
-              <a:pPr algn="ctr"/>
-              <a:endParaRPr lang="en-US"/>
-            </a:p>
-          </p:txBody>
-        </p:sp>
-      </p:grpSp>
-      <p:sp>
-        <p:nvSpPr>
-          <p:cNvPr id="4" name="Dikdörtgen 3">
-            <a:extLst>
-              <a:ext uri="{FF2B5EF4-FFF2-40B4-BE49-F238E27FC236}">
-                <a16:creationId xmlns:a16="http://schemas.microsoft.com/office/drawing/2014/main" id="{A3D3335B-B6BE-CF7E-06BB-C6103748D25A}"/>
-              </a:ext>
-            </a:extLst>
-          </p:cNvPr>
-          <p:cNvSpPr/>
-          <p:nvPr/>
-        </p:nvSpPr>
-        <p:spPr>
-          <a:xfrm>
-            <a:off x="1683982" y="4293388"/>
-            <a:ext cx="8833655" cy="727748"/>
+            <a:off x="2885886" y="736103"/>
+            <a:ext cx="6192124" cy="2319525"/>
           </a:xfrm>
           <a:prstGeom prst="rect">
             <a:avLst/>
           </a:prstGeom>
         </p:spPr>
-        <p:txBody>
-          <a:bodyPr vert="horz" lIns="228600" tIns="228600" rIns="228600" bIns="0" rtlCol="0" anchor="b">
-            <a:normAutofit/>
-          </a:bodyPr>
-          <a:lstStyle/>
-          <a:p>
-            <a:pPr algn="ctr" defTabSz="914400">
-              <a:lnSpc>
-                <a:spcPct val="80000"/>
-              </a:lnSpc>
-              <a:spcBef>
-                <a:spcPct val="0"/>
-              </a:spcBef>
-              <a:spcAft>
-                <a:spcPts val="600"/>
-              </a:spcAft>
-            </a:pPr>
-            <a:r>
-              <a:rPr lang="en-US" sz="3700" spc="-150">
-                <a:ln w="0"/>
-                <a:solidFill>
-                  <a:srgbClr val="FFFEFF"/>
-                </a:solidFill>
-                <a:latin typeface="+mj-lt"/>
-                <a:ea typeface="+mj-ea"/>
-                <a:cs typeface="+mj-cs"/>
-              </a:rPr>
-              <a:t>Spherical Message Passing</a:t>
-            </a:r>
-          </a:p>
-        </p:txBody>
-      </p:sp>
+      </p:pic>
       <p:sp>
         <p:nvSpPr>
           <p:cNvPr id="2" name="Slayt Numarası Yer Tutucusu 1">
             <a:extLst>
               <a:ext uri="{FF2B5EF4-FFF2-40B4-BE49-F238E27FC236}">
-                <a16:creationId xmlns:a16="http://schemas.microsoft.com/office/drawing/2014/main" id="{EF8B34B6-0A08-7280-6198-FBD460F65313}"/>
+                <a16:creationId xmlns:a16="http://schemas.microsoft.com/office/drawing/2014/main" id="{64FAE75E-5CF5-F88C-2D57-ADA32BAD5835}"/>
               </a:ext>
             </a:extLst>
           </p:cNvPr>
@@ -28591,7 +26066,7 @@
     </p:spTree>
     <p:extLst>
       <p:ext uri="{BB962C8B-B14F-4D97-AF65-F5344CB8AC3E}">
-        <p14:creationId xmlns:p14="http://schemas.microsoft.com/office/powerpoint/2010/main" val="3188565598"/>
+        <p14:creationId xmlns:p14="http://schemas.microsoft.com/office/powerpoint/2010/main" val="2044455447"/>
       </p:ext>
     </p:extLst>
   </p:cSld>
@@ -28618,486 +26093,6 @@
           <a:chExt cx="0" cy="0"/>
         </a:xfrm>
       </p:grpSpPr>
-      <p:pic>
-        <p:nvPicPr>
-          <p:cNvPr id="3" name="Resim 2">
-            <a:extLst>
-              <a:ext uri="{FF2B5EF4-FFF2-40B4-BE49-F238E27FC236}">
-                <a16:creationId xmlns:a16="http://schemas.microsoft.com/office/drawing/2014/main" id="{C9F8B24B-782E-AB27-425E-EA244849FA25}"/>
-              </a:ext>
-            </a:extLst>
-          </p:cNvPr>
-          <p:cNvPicPr>
-            <a:picLocks noChangeAspect="1"/>
-          </p:cNvPicPr>
-          <p:nvPr/>
-        </p:nvPicPr>
-        <p:blipFill>
-          <a:blip r:embed="rId3"/>
-          <a:stretch>
-            <a:fillRect/>
-          </a:stretch>
-        </p:blipFill>
-        <p:spPr>
-          <a:xfrm>
-            <a:off x="386315" y="932256"/>
-            <a:ext cx="11640315" cy="4993488"/>
-          </a:xfrm>
-          <a:prstGeom prst="rect">
-            <a:avLst/>
-          </a:prstGeom>
-        </p:spPr>
-      </p:pic>
-      <p:sp>
-        <p:nvSpPr>
-          <p:cNvPr id="4" name="Dikdörtgen 3">
-            <a:extLst>
-              <a:ext uri="{FF2B5EF4-FFF2-40B4-BE49-F238E27FC236}">
-                <a16:creationId xmlns:a16="http://schemas.microsoft.com/office/drawing/2014/main" id="{148F0A8B-FC75-D2CC-233B-7A7E1832626A}"/>
-              </a:ext>
-            </a:extLst>
-          </p:cNvPr>
-          <p:cNvSpPr/>
-          <p:nvPr/>
-        </p:nvSpPr>
-        <p:spPr>
-          <a:xfrm>
-            <a:off x="175098" y="96311"/>
-            <a:ext cx="3197350" cy="707886"/>
-          </a:xfrm>
-          <a:prstGeom prst="rect">
-            <a:avLst/>
-          </a:prstGeom>
-          <a:noFill/>
-        </p:spPr>
-        <p:txBody>
-          <a:bodyPr wrap="none" lIns="91440" tIns="45720" rIns="91440" bIns="45720">
-            <a:spAutoFit/>
-          </a:bodyPr>
-          <a:lstStyle/>
-          <a:p>
-            <a:pPr algn="ctr"/>
-            <a:r>
-              <a:rPr lang="tr-TR" sz="4000" dirty="0" err="1">
-                <a:ln w="0"/>
-                <a:solidFill>
-                  <a:schemeClr val="accent1"/>
-                </a:solidFill>
-                <a:effectLst>
-                  <a:outerShdw blurRad="38100" dist="25400" dir="5400000" algn="ctr" rotWithShape="0">
-                    <a:srgbClr val="6E747A">
-                      <a:alpha val="43000"/>
-                    </a:srgbClr>
-                  </a:outerShdw>
-                </a:effectLst>
-              </a:rPr>
-              <a:t>Experiments</a:t>
-            </a:r>
-            <a:endParaRPr lang="tr-TR" sz="4000" b="0" cap="none" spc="0" dirty="0">
-              <a:ln w="0"/>
-              <a:solidFill>
-                <a:schemeClr val="accent1"/>
-              </a:solidFill>
-              <a:effectLst>
-                <a:outerShdw blurRad="38100" dist="25400" dir="5400000" algn="ctr" rotWithShape="0">
-                  <a:srgbClr val="6E747A">
-                    <a:alpha val="43000"/>
-                  </a:srgbClr>
-                </a:outerShdw>
-              </a:effectLst>
-            </a:endParaRPr>
-          </a:p>
-        </p:txBody>
-      </p:sp>
-      <p:sp>
-        <p:nvSpPr>
-          <p:cNvPr id="2" name="Slayt Numarası Yer Tutucusu 1">
-            <a:extLst>
-              <a:ext uri="{FF2B5EF4-FFF2-40B4-BE49-F238E27FC236}">
-                <a16:creationId xmlns:a16="http://schemas.microsoft.com/office/drawing/2014/main" id="{23FF93C7-580A-2F68-F21B-25106F6DB4E5}"/>
-              </a:ext>
-            </a:extLst>
-          </p:cNvPr>
-          <p:cNvSpPr>
-            <a:spLocks noGrp="1"/>
-          </p:cNvSpPr>
-          <p:nvPr>
-            <p:ph type="sldNum" sz="quarter" idx="12"/>
-          </p:nvPr>
-        </p:nvSpPr>
-        <p:spPr/>
-        <p:txBody>
-          <a:bodyPr/>
-          <a:lstStyle/>
-          <a:p>
-            <a:fld id="{5EE8CF1A-B538-4EC4-8C50-33108C61C811}" type="slidenum">
-              <a:rPr lang="tr-TR" smtClean="0"/>
-              <a:t>26</a:t>
-            </a:fld>
-            <a:endParaRPr lang="tr-TR"/>
-          </a:p>
-        </p:txBody>
-      </p:sp>
-    </p:spTree>
-    <p:extLst>
-      <p:ext uri="{BB962C8B-B14F-4D97-AF65-F5344CB8AC3E}">
-        <p14:creationId xmlns:p14="http://schemas.microsoft.com/office/powerpoint/2010/main" val="92570008"/>
-      </p:ext>
-    </p:extLst>
-  </p:cSld>
-  <p:clrMapOvr>
-    <a:masterClrMapping/>
-  </p:clrMapOvr>
-</p:sld>
-</file>
-
-<file path=ppt/slides/slide27.xml><?xml version="1.0" encoding="utf-8"?>
-<p:sld xmlns:a="http://schemas.openxmlformats.org/drawingml/2006/main" xmlns:r="http://schemas.openxmlformats.org/officeDocument/2006/relationships" xmlns:p="http://schemas.openxmlformats.org/presentationml/2006/main">
-  <p:cSld>
-    <p:spTree>
-      <p:nvGrpSpPr>
-        <p:cNvPr id="1" name=""/>
-        <p:cNvGrpSpPr/>
-        <p:nvPr/>
-      </p:nvGrpSpPr>
-      <p:grpSpPr>
-        <a:xfrm>
-          <a:off x="0" y="0"/>
-          <a:ext cx="0" cy="0"/>
-          <a:chOff x="0" y="0"/>
-          <a:chExt cx="0" cy="0"/>
-        </a:xfrm>
-      </p:grpSpPr>
-      <p:pic>
-        <p:nvPicPr>
-          <p:cNvPr id="3" name="Resim 2">
-            <a:extLst>
-              <a:ext uri="{FF2B5EF4-FFF2-40B4-BE49-F238E27FC236}">
-                <a16:creationId xmlns:a16="http://schemas.microsoft.com/office/drawing/2014/main" id="{1CF0D619-FF22-1647-E36A-88FF68FF64B3}"/>
-              </a:ext>
-            </a:extLst>
-          </p:cNvPr>
-          <p:cNvPicPr>
-            <a:picLocks noChangeAspect="1"/>
-          </p:cNvPicPr>
-          <p:nvPr/>
-        </p:nvPicPr>
-        <p:blipFill>
-          <a:blip r:embed="rId2"/>
-          <a:stretch>
-            <a:fillRect/>
-          </a:stretch>
-        </p:blipFill>
-        <p:spPr>
-          <a:xfrm>
-            <a:off x="0" y="1662102"/>
-            <a:ext cx="12192000" cy="2852859"/>
-          </a:xfrm>
-          <a:prstGeom prst="rect">
-            <a:avLst/>
-          </a:prstGeom>
-        </p:spPr>
-      </p:pic>
-      <p:sp>
-        <p:nvSpPr>
-          <p:cNvPr id="4" name="Dikdörtgen 3">
-            <a:extLst>
-              <a:ext uri="{FF2B5EF4-FFF2-40B4-BE49-F238E27FC236}">
-                <a16:creationId xmlns:a16="http://schemas.microsoft.com/office/drawing/2014/main" id="{63FEC468-767A-A7B8-B88D-FEEBDFC4C7AB}"/>
-              </a:ext>
-            </a:extLst>
-          </p:cNvPr>
-          <p:cNvSpPr/>
-          <p:nvPr/>
-        </p:nvSpPr>
-        <p:spPr>
-          <a:xfrm>
-            <a:off x="175098" y="96311"/>
-            <a:ext cx="3197350" cy="707886"/>
-          </a:xfrm>
-          <a:prstGeom prst="rect">
-            <a:avLst/>
-          </a:prstGeom>
-          <a:noFill/>
-        </p:spPr>
-        <p:txBody>
-          <a:bodyPr wrap="none" lIns="91440" tIns="45720" rIns="91440" bIns="45720">
-            <a:spAutoFit/>
-          </a:bodyPr>
-          <a:lstStyle/>
-          <a:p>
-            <a:pPr algn="ctr"/>
-            <a:r>
-              <a:rPr lang="tr-TR" sz="4000" dirty="0" err="1">
-                <a:ln w="0"/>
-                <a:solidFill>
-                  <a:schemeClr val="accent1"/>
-                </a:solidFill>
-                <a:effectLst>
-                  <a:outerShdw blurRad="38100" dist="25400" dir="5400000" algn="ctr" rotWithShape="0">
-                    <a:srgbClr val="6E747A">
-                      <a:alpha val="43000"/>
-                    </a:srgbClr>
-                  </a:outerShdw>
-                </a:effectLst>
-              </a:rPr>
-              <a:t>Experiments</a:t>
-            </a:r>
-            <a:endParaRPr lang="tr-TR" sz="4000" b="0" cap="none" spc="0" dirty="0">
-              <a:ln w="0"/>
-              <a:solidFill>
-                <a:schemeClr val="accent1"/>
-              </a:solidFill>
-              <a:effectLst>
-                <a:outerShdw blurRad="38100" dist="25400" dir="5400000" algn="ctr" rotWithShape="0">
-                  <a:srgbClr val="6E747A">
-                    <a:alpha val="43000"/>
-                  </a:srgbClr>
-                </a:outerShdw>
-              </a:effectLst>
-            </a:endParaRPr>
-          </a:p>
-        </p:txBody>
-      </p:sp>
-      <p:sp>
-        <p:nvSpPr>
-          <p:cNvPr id="2" name="Slayt Numarası Yer Tutucusu 1">
-            <a:extLst>
-              <a:ext uri="{FF2B5EF4-FFF2-40B4-BE49-F238E27FC236}">
-                <a16:creationId xmlns:a16="http://schemas.microsoft.com/office/drawing/2014/main" id="{28EFC00A-D7A5-B661-2585-A2E63E7E12AD}"/>
-              </a:ext>
-            </a:extLst>
-          </p:cNvPr>
-          <p:cNvSpPr>
-            <a:spLocks noGrp="1"/>
-          </p:cNvSpPr>
-          <p:nvPr>
-            <p:ph type="sldNum" sz="quarter" idx="12"/>
-          </p:nvPr>
-        </p:nvSpPr>
-        <p:spPr/>
-        <p:txBody>
-          <a:bodyPr/>
-          <a:lstStyle/>
-          <a:p>
-            <a:fld id="{5EE8CF1A-B538-4EC4-8C50-33108C61C811}" type="slidenum">
-              <a:rPr lang="tr-TR" smtClean="0"/>
-              <a:t>27</a:t>
-            </a:fld>
-            <a:endParaRPr lang="tr-TR"/>
-          </a:p>
-        </p:txBody>
-      </p:sp>
-    </p:spTree>
-    <p:extLst>
-      <p:ext uri="{BB962C8B-B14F-4D97-AF65-F5344CB8AC3E}">
-        <p14:creationId xmlns:p14="http://schemas.microsoft.com/office/powerpoint/2010/main" val="960402593"/>
-      </p:ext>
-    </p:extLst>
-  </p:cSld>
-  <p:clrMapOvr>
-    <a:masterClrMapping/>
-  </p:clrMapOvr>
-</p:sld>
-</file>
-
-<file path=ppt/slides/slide28.xml><?xml version="1.0" encoding="utf-8"?>
-<p:sld xmlns:a="http://schemas.openxmlformats.org/drawingml/2006/main" xmlns:r="http://schemas.openxmlformats.org/officeDocument/2006/relationships" xmlns:p="http://schemas.openxmlformats.org/presentationml/2006/main">
-  <p:cSld>
-    <p:spTree>
-      <p:nvGrpSpPr>
-        <p:cNvPr id="1" name=""/>
-        <p:cNvGrpSpPr/>
-        <p:nvPr/>
-      </p:nvGrpSpPr>
-      <p:grpSpPr>
-        <a:xfrm>
-          <a:off x="0" y="0"/>
-          <a:ext cx="0" cy="0"/>
-          <a:chOff x="0" y="0"/>
-          <a:chExt cx="0" cy="0"/>
-        </a:xfrm>
-      </p:grpSpPr>
-      <p:pic>
-        <p:nvPicPr>
-          <p:cNvPr id="3" name="Resim 2">
-            <a:extLst>
-              <a:ext uri="{FF2B5EF4-FFF2-40B4-BE49-F238E27FC236}">
-                <a16:creationId xmlns:a16="http://schemas.microsoft.com/office/drawing/2014/main" id="{9C21BCDE-BEE4-4526-8C3F-7BA5ED93AA19}"/>
-              </a:ext>
-            </a:extLst>
-          </p:cNvPr>
-          <p:cNvPicPr>
-            <a:picLocks noChangeAspect="1"/>
-          </p:cNvPicPr>
-          <p:nvPr/>
-        </p:nvPicPr>
-        <p:blipFill>
-          <a:blip r:embed="rId2"/>
-          <a:stretch>
-            <a:fillRect/>
-          </a:stretch>
-        </p:blipFill>
-        <p:spPr>
-          <a:xfrm>
-            <a:off x="3717181" y="3174348"/>
-            <a:ext cx="5063895" cy="3459918"/>
-          </a:xfrm>
-          <a:prstGeom prst="rect">
-            <a:avLst/>
-          </a:prstGeom>
-        </p:spPr>
-      </p:pic>
-      <p:sp>
-        <p:nvSpPr>
-          <p:cNvPr id="4" name="Dikdörtgen 3">
-            <a:extLst>
-              <a:ext uri="{FF2B5EF4-FFF2-40B4-BE49-F238E27FC236}">
-                <a16:creationId xmlns:a16="http://schemas.microsoft.com/office/drawing/2014/main" id="{E6AEDD8A-84A4-0CD5-B2F2-4DACDA5FCF6D}"/>
-              </a:ext>
-            </a:extLst>
-          </p:cNvPr>
-          <p:cNvSpPr/>
-          <p:nvPr/>
-        </p:nvSpPr>
-        <p:spPr>
-          <a:xfrm>
-            <a:off x="175098" y="96311"/>
-            <a:ext cx="3197350" cy="707886"/>
-          </a:xfrm>
-          <a:prstGeom prst="rect">
-            <a:avLst/>
-          </a:prstGeom>
-          <a:noFill/>
-        </p:spPr>
-        <p:txBody>
-          <a:bodyPr wrap="none" lIns="91440" tIns="45720" rIns="91440" bIns="45720">
-            <a:spAutoFit/>
-          </a:bodyPr>
-          <a:lstStyle/>
-          <a:p>
-            <a:pPr algn="ctr"/>
-            <a:r>
-              <a:rPr lang="tr-TR" sz="4000" dirty="0" err="1">
-                <a:ln w="0"/>
-                <a:solidFill>
-                  <a:schemeClr val="accent1"/>
-                </a:solidFill>
-                <a:effectLst>
-                  <a:outerShdw blurRad="38100" dist="25400" dir="5400000" algn="ctr" rotWithShape="0">
-                    <a:srgbClr val="6E747A">
-                      <a:alpha val="43000"/>
-                    </a:srgbClr>
-                  </a:outerShdw>
-                </a:effectLst>
-              </a:rPr>
-              <a:t>Experiments</a:t>
-            </a:r>
-            <a:endParaRPr lang="tr-TR" sz="4000" b="0" cap="none" spc="0" dirty="0">
-              <a:ln w="0"/>
-              <a:solidFill>
-                <a:schemeClr val="accent1"/>
-              </a:solidFill>
-              <a:effectLst>
-                <a:outerShdw blurRad="38100" dist="25400" dir="5400000" algn="ctr" rotWithShape="0">
-                  <a:srgbClr val="6E747A">
-                    <a:alpha val="43000"/>
-                  </a:srgbClr>
-                </a:outerShdw>
-              </a:effectLst>
-            </a:endParaRPr>
-          </a:p>
-        </p:txBody>
-      </p:sp>
-      <p:pic>
-        <p:nvPicPr>
-          <p:cNvPr id="6" name="Resim 5">
-            <a:extLst>
-              <a:ext uri="{FF2B5EF4-FFF2-40B4-BE49-F238E27FC236}">
-                <a16:creationId xmlns:a16="http://schemas.microsoft.com/office/drawing/2014/main" id="{4E881A52-92A7-F374-562E-5F955DC0EDC3}"/>
-              </a:ext>
-            </a:extLst>
-          </p:cNvPr>
-          <p:cNvPicPr>
-            <a:picLocks noChangeAspect="1"/>
-          </p:cNvPicPr>
-          <p:nvPr/>
-        </p:nvPicPr>
-        <p:blipFill>
-          <a:blip r:embed="rId3"/>
-          <a:stretch>
-            <a:fillRect/>
-          </a:stretch>
-        </p:blipFill>
-        <p:spPr>
-          <a:xfrm>
-            <a:off x="2885886" y="736103"/>
-            <a:ext cx="6192124" cy="2319525"/>
-          </a:xfrm>
-          <a:prstGeom prst="rect">
-            <a:avLst/>
-          </a:prstGeom>
-        </p:spPr>
-      </p:pic>
-      <p:sp>
-        <p:nvSpPr>
-          <p:cNvPr id="2" name="Slayt Numarası Yer Tutucusu 1">
-            <a:extLst>
-              <a:ext uri="{FF2B5EF4-FFF2-40B4-BE49-F238E27FC236}">
-                <a16:creationId xmlns:a16="http://schemas.microsoft.com/office/drawing/2014/main" id="{64FAE75E-5CF5-F88C-2D57-ADA32BAD5835}"/>
-              </a:ext>
-            </a:extLst>
-          </p:cNvPr>
-          <p:cNvSpPr>
-            <a:spLocks noGrp="1"/>
-          </p:cNvSpPr>
-          <p:nvPr>
-            <p:ph type="sldNum" sz="quarter" idx="12"/>
-          </p:nvPr>
-        </p:nvSpPr>
-        <p:spPr/>
-        <p:txBody>
-          <a:bodyPr/>
-          <a:lstStyle/>
-          <a:p>
-            <a:fld id="{5EE8CF1A-B538-4EC4-8C50-33108C61C811}" type="slidenum">
-              <a:rPr lang="tr-TR" smtClean="0"/>
-              <a:t>28</a:t>
-            </a:fld>
-            <a:endParaRPr lang="tr-TR"/>
-          </a:p>
-        </p:txBody>
-      </p:sp>
-    </p:spTree>
-    <p:extLst>
-      <p:ext uri="{BB962C8B-B14F-4D97-AF65-F5344CB8AC3E}">
-        <p14:creationId xmlns:p14="http://schemas.microsoft.com/office/powerpoint/2010/main" val="2044455447"/>
-      </p:ext>
-    </p:extLst>
-  </p:cSld>
-  <p:clrMapOvr>
-    <a:masterClrMapping/>
-  </p:clrMapOvr>
-</p:sld>
-</file>
-
-<file path=ppt/slides/slide29.xml><?xml version="1.0" encoding="utf-8"?>
-<p:sld xmlns:a="http://schemas.openxmlformats.org/drawingml/2006/main" xmlns:r="http://schemas.openxmlformats.org/officeDocument/2006/relationships" xmlns:p="http://schemas.openxmlformats.org/presentationml/2006/main">
-  <p:cSld>
-    <p:spTree>
-      <p:nvGrpSpPr>
-        <p:cNvPr id="1" name=""/>
-        <p:cNvGrpSpPr/>
-        <p:nvPr/>
-      </p:nvGrpSpPr>
-      <p:grpSpPr>
-        <a:xfrm>
-          <a:off x="0" y="0"/>
-          <a:ext cx="0" cy="0"/>
-          <a:chOff x="0" y="0"/>
-          <a:chExt cx="0" cy="0"/>
-        </a:xfrm>
-      </p:grpSpPr>
       <p:sp>
         <p:nvSpPr>
           <p:cNvPr id="2" name="Dikdörtgen 1">
@@ -29328,231 +26323,9 @@
           <a:p>
             <a:fld id="{5EE8CF1A-B538-4EC4-8C50-33108C61C811}" type="slidenum">
               <a:rPr lang="tr-TR" smtClean="0"/>
-              <a:t>29</a:t>
+              <a:t>26</a:t>
             </a:fld>
             <a:endParaRPr lang="tr-TR"/>
-          </a:p>
-        </p:txBody>
-      </p:sp>
-    </p:spTree>
-    <p:extLst>
-      <p:ext uri="{BB962C8B-B14F-4D97-AF65-F5344CB8AC3E}">
-        <p14:creationId xmlns:p14="http://schemas.microsoft.com/office/powerpoint/2010/main" val="3930755818"/>
-      </p:ext>
-    </p:extLst>
-  </p:cSld>
-  <p:clrMapOvr>
-    <a:masterClrMapping/>
-  </p:clrMapOvr>
-</p:sld>
-</file>
-
-<file path=ppt/slides/slide3.xml><?xml version="1.0" encoding="utf-8"?>
-<p:sld xmlns:a="http://schemas.openxmlformats.org/drawingml/2006/main" xmlns:r="http://schemas.openxmlformats.org/officeDocument/2006/relationships" xmlns:p="http://schemas.openxmlformats.org/presentationml/2006/main">
-  <p:cSld>
-    <p:spTree>
-      <p:nvGrpSpPr>
-        <p:cNvPr id="1" name=""/>
-        <p:cNvGrpSpPr/>
-        <p:nvPr/>
-      </p:nvGrpSpPr>
-      <p:grpSpPr>
-        <a:xfrm>
-          <a:off x="0" y="0"/>
-          <a:ext cx="0" cy="0"/>
-          <a:chOff x="0" y="0"/>
-          <a:chExt cx="0" cy="0"/>
-        </a:xfrm>
-      </p:grpSpPr>
-      <p:sp>
-        <p:nvSpPr>
-          <p:cNvPr id="2" name="Dikdörtgen 1">
-            <a:extLst>
-              <a:ext uri="{FF2B5EF4-FFF2-40B4-BE49-F238E27FC236}">
-                <a16:creationId xmlns:a16="http://schemas.microsoft.com/office/drawing/2014/main" id="{CA3825FE-F614-3E3F-5AE6-39F0F6221E10}"/>
-              </a:ext>
-            </a:extLst>
-          </p:cNvPr>
-          <p:cNvSpPr/>
-          <p:nvPr/>
-        </p:nvSpPr>
-        <p:spPr>
-          <a:xfrm>
-            <a:off x="192927" y="0"/>
-            <a:ext cx="8648521" cy="707886"/>
-          </a:xfrm>
-          <a:prstGeom prst="rect">
-            <a:avLst/>
-          </a:prstGeom>
-          <a:noFill/>
-        </p:spPr>
-        <p:txBody>
-          <a:bodyPr wrap="none" lIns="91440" tIns="45720" rIns="91440" bIns="45720">
-            <a:spAutoFit/>
-          </a:bodyPr>
-          <a:lstStyle/>
-          <a:p>
-            <a:pPr algn="ctr"/>
-            <a:r>
-              <a:rPr lang="tr-TR" sz="4000" b="0" cap="none" spc="0" dirty="0" err="1">
-                <a:ln w="0"/>
-                <a:solidFill>
-                  <a:schemeClr val="accent1"/>
-                </a:solidFill>
-                <a:effectLst>
-                  <a:outerShdw blurRad="38100" dist="25400" dir="5400000" algn="ctr" rotWithShape="0">
-                    <a:srgbClr val="6E747A">
-                      <a:alpha val="43000"/>
-                    </a:srgbClr>
-                  </a:outerShdw>
-                </a:effectLst>
-              </a:rPr>
-              <a:t>What</a:t>
-            </a:r>
-            <a:r>
-              <a:rPr lang="tr-TR" sz="4000" b="0" cap="none" spc="0" dirty="0">
-                <a:ln w="0"/>
-                <a:solidFill>
-                  <a:schemeClr val="accent1"/>
-                </a:solidFill>
-                <a:effectLst>
-                  <a:outerShdw blurRad="38100" dist="25400" dir="5400000" algn="ctr" rotWithShape="0">
-                    <a:srgbClr val="6E747A">
-                      <a:alpha val="43000"/>
-                    </a:srgbClr>
-                  </a:outerShdw>
-                </a:effectLst>
-              </a:rPr>
-              <a:t> is </a:t>
-            </a:r>
-            <a:r>
-              <a:rPr lang="tr-TR" sz="4000" b="0" cap="none" spc="0" dirty="0" err="1">
-                <a:ln w="0"/>
-                <a:solidFill>
-                  <a:schemeClr val="accent1"/>
-                </a:solidFill>
-                <a:effectLst>
-                  <a:outerShdw blurRad="38100" dist="25400" dir="5400000" algn="ctr" rotWithShape="0">
-                    <a:srgbClr val="6E747A">
-                      <a:alpha val="43000"/>
-                    </a:srgbClr>
-                  </a:outerShdw>
-                </a:effectLst>
-              </a:rPr>
-              <a:t>message</a:t>
-            </a:r>
-            <a:r>
-              <a:rPr lang="tr-TR" sz="4000" b="0" cap="none" spc="0" dirty="0">
-                <a:ln w="0"/>
-                <a:solidFill>
-                  <a:schemeClr val="accent1"/>
-                </a:solidFill>
-                <a:effectLst>
-                  <a:outerShdw blurRad="38100" dist="25400" dir="5400000" algn="ctr" rotWithShape="0">
-                    <a:srgbClr val="6E747A">
-                      <a:alpha val="43000"/>
-                    </a:srgbClr>
-                  </a:outerShdw>
-                </a:effectLst>
-              </a:rPr>
-              <a:t> </a:t>
-            </a:r>
-            <a:r>
-              <a:rPr lang="tr-TR" sz="4000" b="0" cap="none" spc="0" dirty="0" err="1">
-                <a:ln w="0"/>
-                <a:solidFill>
-                  <a:schemeClr val="accent1"/>
-                </a:solidFill>
-                <a:effectLst>
-                  <a:outerShdw blurRad="38100" dist="25400" dir="5400000" algn="ctr" rotWithShape="0">
-                    <a:srgbClr val="6E747A">
-                      <a:alpha val="43000"/>
-                    </a:srgbClr>
-                  </a:outerShdw>
-                </a:effectLst>
-              </a:rPr>
-              <a:t>passing</a:t>
-            </a:r>
-            <a:r>
-              <a:rPr lang="tr-TR" sz="4000" b="0" cap="none" spc="0" dirty="0">
-                <a:ln w="0"/>
-                <a:solidFill>
-                  <a:schemeClr val="accent1"/>
-                </a:solidFill>
-                <a:effectLst>
-                  <a:outerShdw blurRad="38100" dist="25400" dir="5400000" algn="ctr" rotWithShape="0">
-                    <a:srgbClr val="6E747A">
-                      <a:alpha val="43000"/>
-                    </a:srgbClr>
-                  </a:outerShdw>
-                </a:effectLst>
-              </a:rPr>
-              <a:t> </a:t>
-            </a:r>
-            <a:r>
-              <a:rPr lang="tr-TR" sz="4000" b="0" cap="none" spc="0" dirty="0" err="1">
-                <a:ln w="0"/>
-                <a:solidFill>
-                  <a:schemeClr val="accent1"/>
-                </a:solidFill>
-                <a:effectLst>
-                  <a:outerShdw blurRad="38100" dist="25400" dir="5400000" algn="ctr" rotWithShape="0">
-                    <a:srgbClr val="6E747A">
-                      <a:alpha val="43000"/>
-                    </a:srgbClr>
-                  </a:outerShdw>
-                </a:effectLst>
-              </a:rPr>
-              <a:t>for</a:t>
-            </a:r>
-            <a:r>
-              <a:rPr lang="tr-TR" sz="4000" b="0" cap="none" spc="0" dirty="0">
-                <a:ln w="0"/>
-                <a:solidFill>
-                  <a:schemeClr val="accent1"/>
-                </a:solidFill>
-                <a:effectLst>
-                  <a:outerShdw blurRad="38100" dist="25400" dir="5400000" algn="ctr" rotWithShape="0">
-                    <a:srgbClr val="6E747A">
-                      <a:alpha val="43000"/>
-                    </a:srgbClr>
-                  </a:outerShdw>
-                </a:effectLst>
-              </a:rPr>
-              <a:t> </a:t>
-            </a:r>
-            <a:r>
-              <a:rPr lang="tr-TR" sz="4000" b="0" cap="none" spc="0" dirty="0" err="1">
-                <a:ln w="0"/>
-                <a:solidFill>
-                  <a:schemeClr val="accent1"/>
-                </a:solidFill>
-                <a:effectLst>
-                  <a:outerShdw blurRad="38100" dist="25400" dir="5400000" algn="ctr" rotWithShape="0">
-                    <a:srgbClr val="6E747A">
-                      <a:alpha val="43000"/>
-                    </a:srgbClr>
-                  </a:outerShdw>
-                </a:effectLst>
-              </a:rPr>
-              <a:t>GNNs</a:t>
-            </a:r>
-            <a:r>
-              <a:rPr lang="tr-TR" sz="4000" b="0" cap="none" spc="0" dirty="0">
-                <a:ln w="0"/>
-                <a:solidFill>
-                  <a:schemeClr val="accent1"/>
-                </a:solidFill>
-                <a:effectLst>
-                  <a:outerShdw blurRad="38100" dist="25400" dir="5400000" algn="ctr" rotWithShape="0">
-                    <a:srgbClr val="6E747A">
-                      <a:alpha val="43000"/>
-                    </a:srgbClr>
-                  </a:outerShdw>
-                </a:effectLst>
-              </a:rPr>
-              <a:t>?</a:t>
-            </a:r>
           </a:p>
         </p:txBody>
       </p:sp>
@@ -29561,7 +26334,7 @@
           <p:cNvPr id="6" name="Resim 5">
             <a:extLst>
               <a:ext uri="{FF2B5EF4-FFF2-40B4-BE49-F238E27FC236}">
-                <a16:creationId xmlns:a16="http://schemas.microsoft.com/office/drawing/2014/main" id="{702F63A3-33AE-9C5F-5B39-396E918F4EFF}"/>
+                <a16:creationId xmlns:a16="http://schemas.microsoft.com/office/drawing/2014/main" id="{304EFA55-E06B-48B4-3E3E-5A388C29A201}"/>
               </a:ext>
             </a:extLst>
           </p:cNvPr>
@@ -29578,206 +26351,18 @@
         </p:blipFill>
         <p:spPr>
           <a:xfrm>
-            <a:off x="3456370" y="1156916"/>
-            <a:ext cx="4488762" cy="2665914"/>
+            <a:off x="3345141" y="4715115"/>
+            <a:ext cx="5501717" cy="1912222"/>
           </a:xfrm>
           <a:prstGeom prst="rect">
             <a:avLst/>
           </a:prstGeom>
         </p:spPr>
       </p:pic>
-      <p:sp>
-        <p:nvSpPr>
-          <p:cNvPr id="7" name="Metin kutusu 6">
-            <a:extLst>
-              <a:ext uri="{FF2B5EF4-FFF2-40B4-BE49-F238E27FC236}">
-                <a16:creationId xmlns:a16="http://schemas.microsoft.com/office/drawing/2014/main" id="{6F00C524-18E5-9162-7E76-F8449C68C078}"/>
-              </a:ext>
-            </a:extLst>
-          </p:cNvPr>
-          <p:cNvSpPr txBox="1"/>
-          <p:nvPr/>
-        </p:nvSpPr>
-        <p:spPr>
-          <a:xfrm>
-            <a:off x="786673" y="4443077"/>
-            <a:ext cx="9670274" cy="1754326"/>
-          </a:xfrm>
-          <a:prstGeom prst="rect">
-            <a:avLst/>
-          </a:prstGeom>
-          <a:noFill/>
-        </p:spPr>
-        <p:txBody>
-          <a:bodyPr wrap="square" rtlCol="0">
-            <a:spAutoFit/>
-          </a:bodyPr>
-          <a:lstStyle/>
-          <a:p>
-            <a:pPr marL="285750" indent="-285750">
-              <a:buFont typeface="Arial" panose="020B0604020202020204" pitchFamily="34" charset="0"/>
-              <a:buChar char="•"/>
-            </a:pPr>
-            <a:r>
-              <a:rPr lang="en-US" b="1" dirty="0"/>
-              <a:t>Nodes: </a:t>
-            </a:r>
-            <a:r>
-              <a:rPr lang="en-US" dirty="0"/>
-              <a:t>people</a:t>
-            </a:r>
-            <a:endParaRPr lang="tr-TR" dirty="0"/>
-          </a:p>
-          <a:p>
-            <a:pPr marL="285750" indent="-285750">
-              <a:buFont typeface="Arial" panose="020B0604020202020204" pitchFamily="34" charset="0"/>
-              <a:buChar char="•"/>
-            </a:pPr>
-            <a:r>
-              <a:rPr lang="en-US" b="1" dirty="0"/>
-              <a:t>Node features:</a:t>
-            </a:r>
-            <a:r>
-              <a:rPr lang="tr-TR" b="1" dirty="0"/>
-              <a:t> </a:t>
-            </a:r>
-            <a:r>
-              <a:rPr lang="tr-TR" dirty="0" err="1"/>
-              <a:t>expertise</a:t>
-            </a:r>
-            <a:r>
-              <a:rPr lang="tr-TR" b="1" dirty="0"/>
-              <a:t>,</a:t>
-            </a:r>
-            <a:r>
-              <a:rPr lang="en-US" dirty="0"/>
-              <a:t> </a:t>
-            </a:r>
-            <a:endParaRPr lang="tr-TR" dirty="0"/>
-          </a:p>
-          <a:p>
-            <a:pPr marL="285750" indent="-285750">
-              <a:buFont typeface="Arial" panose="020B0604020202020204" pitchFamily="34" charset="0"/>
-              <a:buChar char="•"/>
-            </a:pPr>
-            <a:r>
-              <a:rPr lang="en-US" b="1" dirty="0"/>
-              <a:t>Edges: </a:t>
-            </a:r>
-            <a:r>
-              <a:rPr lang="tr-TR" b="1" dirty="0" err="1"/>
-              <a:t>message</a:t>
-            </a:r>
-            <a:r>
-              <a:rPr lang="en-US" dirty="0"/>
-              <a:t> contacts</a:t>
-            </a:r>
-            <a:endParaRPr lang="tr-TR" dirty="0"/>
-          </a:p>
-          <a:p>
-            <a:pPr marL="285750" indent="-285750">
-              <a:buFont typeface="Arial" panose="020B0604020202020204" pitchFamily="34" charset="0"/>
-              <a:buChar char="•"/>
-            </a:pPr>
-            <a:r>
-              <a:rPr lang="en-US" b="1" dirty="0"/>
-              <a:t>Edge features: </a:t>
-            </a:r>
-            <a:r>
-              <a:rPr lang="en-US" dirty="0"/>
-              <a:t>number of </a:t>
-            </a:r>
-            <a:r>
-              <a:rPr lang="tr-TR" dirty="0" err="1"/>
-              <a:t>message</a:t>
-            </a:r>
-            <a:r>
-              <a:rPr lang="tr-TR" dirty="0"/>
-              <a:t> sent</a:t>
-            </a:r>
-            <a:r>
-              <a:rPr lang="en-US" dirty="0"/>
-              <a:t> in last year</a:t>
-            </a:r>
-            <a:endParaRPr lang="tr-TR" dirty="0"/>
-          </a:p>
-          <a:p>
-            <a:pPr marL="285750" indent="-285750">
-              <a:buFont typeface="Arial" panose="020B0604020202020204" pitchFamily="34" charset="0"/>
-              <a:buChar char="•"/>
-            </a:pPr>
-            <a:r>
-              <a:rPr lang="tr-TR" b="1" dirty="0" err="1"/>
-              <a:t>Goal</a:t>
-            </a:r>
-            <a:r>
-              <a:rPr lang="tr-TR" dirty="0"/>
-              <a:t>: </a:t>
-            </a:r>
-            <a:r>
-              <a:rPr lang="tr-TR" dirty="0" err="1"/>
-              <a:t>Assign</a:t>
-            </a:r>
-            <a:r>
-              <a:rPr lang="tr-TR" dirty="0"/>
-              <a:t> </a:t>
-            </a:r>
-            <a:r>
-              <a:rPr lang="en-US" dirty="0"/>
-              <a:t>our nodes meaningful coordinates (i.e., "embeddings") </a:t>
-            </a:r>
-            <a:endParaRPr lang="tr-TR" dirty="0"/>
-          </a:p>
-          <a:p>
-            <a:pPr marL="285750" indent="-285750">
-              <a:buFont typeface="Arial" panose="020B0604020202020204" pitchFamily="34" charset="0"/>
-              <a:buChar char="•"/>
-            </a:pPr>
-            <a:r>
-              <a:rPr lang="tr-TR" dirty="0"/>
-              <a:t>N</a:t>
-            </a:r>
-            <a:r>
-              <a:rPr lang="en-US" dirty="0"/>
-              <a:t>odes that share many connections should have similar embeddings</a:t>
-            </a:r>
-            <a:endParaRPr lang="tr-TR" dirty="0"/>
-          </a:p>
-        </p:txBody>
-      </p:sp>
-      <p:sp>
-        <p:nvSpPr>
-          <p:cNvPr id="3" name="Slayt Numarası Yer Tutucusu 2">
-            <a:extLst>
-              <a:ext uri="{FF2B5EF4-FFF2-40B4-BE49-F238E27FC236}">
-                <a16:creationId xmlns:a16="http://schemas.microsoft.com/office/drawing/2014/main" id="{FBC48307-7352-FB88-71AC-538ED2B986A6}"/>
-              </a:ext>
-            </a:extLst>
-          </p:cNvPr>
-          <p:cNvSpPr>
-            <a:spLocks noGrp="1"/>
-          </p:cNvSpPr>
-          <p:nvPr>
-            <p:ph type="sldNum" sz="quarter" idx="12"/>
-          </p:nvPr>
-        </p:nvSpPr>
-        <p:spPr/>
-        <p:txBody>
-          <a:bodyPr/>
-          <a:lstStyle/>
-          <a:p>
-            <a:fld id="{5EE8CF1A-B538-4EC4-8C50-33108C61C811}" type="slidenum">
-              <a:rPr lang="tr-TR" smtClean="0"/>
-              <a:t>3</a:t>
-            </a:fld>
-            <a:endParaRPr lang="tr-TR"/>
-          </a:p>
-        </p:txBody>
-      </p:sp>
     </p:spTree>
     <p:extLst>
       <p:ext uri="{BB962C8B-B14F-4D97-AF65-F5344CB8AC3E}">
-        <p14:creationId xmlns:p14="http://schemas.microsoft.com/office/powerpoint/2010/main" val="2596578004"/>
+        <p14:creationId xmlns:p14="http://schemas.microsoft.com/office/powerpoint/2010/main" val="3930755818"/>
       </p:ext>
     </p:extLst>
   </p:cSld>
@@ -29787,7 +26372,7 @@
 </p:sld>
 </file>
 
-<file path=ppt/slides/slide30.xml><?xml version="1.0" encoding="utf-8"?>
+<file path=ppt/slides/slide27.xml><?xml version="1.0" encoding="utf-8"?>
 <p:sld xmlns:a="http://schemas.openxmlformats.org/drawingml/2006/main" xmlns:r="http://schemas.openxmlformats.org/officeDocument/2006/relationships" xmlns:p="http://schemas.openxmlformats.org/presentationml/2006/main">
   <p:cSld>
     <p:spTree>
@@ -30181,7 +26766,7 @@
           <a:p>
             <a:fld id="{5EE8CF1A-B538-4EC4-8C50-33108C61C811}" type="slidenum">
               <a:rPr lang="tr-TR" smtClean="0"/>
-              <a:t>30</a:t>
+              <a:t>27</a:t>
             </a:fld>
             <a:endParaRPr lang="tr-TR"/>
           </a:p>
@@ -30191,6 +26776,446 @@
     <p:extLst>
       <p:ext uri="{BB962C8B-B14F-4D97-AF65-F5344CB8AC3E}">
         <p14:creationId xmlns:p14="http://schemas.microsoft.com/office/powerpoint/2010/main" val="2357222359"/>
+      </p:ext>
+    </p:extLst>
+  </p:cSld>
+  <p:clrMapOvr>
+    <a:masterClrMapping/>
+  </p:clrMapOvr>
+</p:sld>
+</file>
+
+<file path=ppt/slides/slide3.xml><?xml version="1.0" encoding="utf-8"?>
+<p:sld xmlns:a="http://schemas.openxmlformats.org/drawingml/2006/main" xmlns:r="http://schemas.openxmlformats.org/officeDocument/2006/relationships" xmlns:p="http://schemas.openxmlformats.org/presentationml/2006/main">
+  <p:cSld>
+    <p:spTree>
+      <p:nvGrpSpPr>
+        <p:cNvPr id="1" name=""/>
+        <p:cNvGrpSpPr/>
+        <p:nvPr/>
+      </p:nvGrpSpPr>
+      <p:grpSpPr>
+        <a:xfrm>
+          <a:off x="0" y="0"/>
+          <a:ext cx="0" cy="0"/>
+          <a:chOff x="0" y="0"/>
+          <a:chExt cx="0" cy="0"/>
+        </a:xfrm>
+      </p:grpSpPr>
+      <p:sp>
+        <p:nvSpPr>
+          <p:cNvPr id="2" name="Dikdörtgen 1">
+            <a:extLst>
+              <a:ext uri="{FF2B5EF4-FFF2-40B4-BE49-F238E27FC236}">
+                <a16:creationId xmlns:a16="http://schemas.microsoft.com/office/drawing/2014/main" id="{CA3825FE-F614-3E3F-5AE6-39F0F6221E10}"/>
+              </a:ext>
+            </a:extLst>
+          </p:cNvPr>
+          <p:cNvSpPr/>
+          <p:nvPr/>
+        </p:nvSpPr>
+        <p:spPr>
+          <a:xfrm>
+            <a:off x="192927" y="0"/>
+            <a:ext cx="8648521" cy="707886"/>
+          </a:xfrm>
+          <a:prstGeom prst="rect">
+            <a:avLst/>
+          </a:prstGeom>
+          <a:noFill/>
+        </p:spPr>
+        <p:txBody>
+          <a:bodyPr wrap="none" lIns="91440" tIns="45720" rIns="91440" bIns="45720">
+            <a:spAutoFit/>
+          </a:bodyPr>
+          <a:lstStyle/>
+          <a:p>
+            <a:pPr algn="ctr"/>
+            <a:r>
+              <a:rPr lang="tr-TR" sz="4000" b="0" cap="none" spc="0" dirty="0" err="1">
+                <a:ln w="0"/>
+                <a:solidFill>
+                  <a:schemeClr val="accent1"/>
+                </a:solidFill>
+                <a:effectLst>
+                  <a:outerShdw blurRad="38100" dist="25400" dir="5400000" algn="ctr" rotWithShape="0">
+                    <a:srgbClr val="6E747A">
+                      <a:alpha val="43000"/>
+                    </a:srgbClr>
+                  </a:outerShdw>
+                </a:effectLst>
+              </a:rPr>
+              <a:t>What</a:t>
+            </a:r>
+            <a:r>
+              <a:rPr lang="tr-TR" sz="4000" b="0" cap="none" spc="0" dirty="0">
+                <a:ln w="0"/>
+                <a:solidFill>
+                  <a:schemeClr val="accent1"/>
+                </a:solidFill>
+                <a:effectLst>
+                  <a:outerShdw blurRad="38100" dist="25400" dir="5400000" algn="ctr" rotWithShape="0">
+                    <a:srgbClr val="6E747A">
+                      <a:alpha val="43000"/>
+                    </a:srgbClr>
+                  </a:outerShdw>
+                </a:effectLst>
+              </a:rPr>
+              <a:t> is </a:t>
+            </a:r>
+            <a:r>
+              <a:rPr lang="tr-TR" sz="4000" b="0" cap="none" spc="0" dirty="0" err="1">
+                <a:ln w="0"/>
+                <a:solidFill>
+                  <a:schemeClr val="accent1"/>
+                </a:solidFill>
+                <a:effectLst>
+                  <a:outerShdw blurRad="38100" dist="25400" dir="5400000" algn="ctr" rotWithShape="0">
+                    <a:srgbClr val="6E747A">
+                      <a:alpha val="43000"/>
+                    </a:srgbClr>
+                  </a:outerShdw>
+                </a:effectLst>
+              </a:rPr>
+              <a:t>message</a:t>
+            </a:r>
+            <a:r>
+              <a:rPr lang="tr-TR" sz="4000" b="0" cap="none" spc="0" dirty="0">
+                <a:ln w="0"/>
+                <a:solidFill>
+                  <a:schemeClr val="accent1"/>
+                </a:solidFill>
+                <a:effectLst>
+                  <a:outerShdw blurRad="38100" dist="25400" dir="5400000" algn="ctr" rotWithShape="0">
+                    <a:srgbClr val="6E747A">
+                      <a:alpha val="43000"/>
+                    </a:srgbClr>
+                  </a:outerShdw>
+                </a:effectLst>
+              </a:rPr>
+              <a:t> </a:t>
+            </a:r>
+            <a:r>
+              <a:rPr lang="tr-TR" sz="4000" b="0" cap="none" spc="0" dirty="0" err="1">
+                <a:ln w="0"/>
+                <a:solidFill>
+                  <a:schemeClr val="accent1"/>
+                </a:solidFill>
+                <a:effectLst>
+                  <a:outerShdw blurRad="38100" dist="25400" dir="5400000" algn="ctr" rotWithShape="0">
+                    <a:srgbClr val="6E747A">
+                      <a:alpha val="43000"/>
+                    </a:srgbClr>
+                  </a:outerShdw>
+                </a:effectLst>
+              </a:rPr>
+              <a:t>passing</a:t>
+            </a:r>
+            <a:r>
+              <a:rPr lang="tr-TR" sz="4000" b="0" cap="none" spc="0" dirty="0">
+                <a:ln w="0"/>
+                <a:solidFill>
+                  <a:schemeClr val="accent1"/>
+                </a:solidFill>
+                <a:effectLst>
+                  <a:outerShdw blurRad="38100" dist="25400" dir="5400000" algn="ctr" rotWithShape="0">
+                    <a:srgbClr val="6E747A">
+                      <a:alpha val="43000"/>
+                    </a:srgbClr>
+                  </a:outerShdw>
+                </a:effectLst>
+              </a:rPr>
+              <a:t> </a:t>
+            </a:r>
+            <a:r>
+              <a:rPr lang="tr-TR" sz="4000" b="0" cap="none" spc="0" dirty="0" err="1">
+                <a:ln w="0"/>
+                <a:solidFill>
+                  <a:schemeClr val="accent1"/>
+                </a:solidFill>
+                <a:effectLst>
+                  <a:outerShdw blurRad="38100" dist="25400" dir="5400000" algn="ctr" rotWithShape="0">
+                    <a:srgbClr val="6E747A">
+                      <a:alpha val="43000"/>
+                    </a:srgbClr>
+                  </a:outerShdw>
+                </a:effectLst>
+              </a:rPr>
+              <a:t>for</a:t>
+            </a:r>
+            <a:r>
+              <a:rPr lang="tr-TR" sz="4000" b="0" cap="none" spc="0" dirty="0">
+                <a:ln w="0"/>
+                <a:solidFill>
+                  <a:schemeClr val="accent1"/>
+                </a:solidFill>
+                <a:effectLst>
+                  <a:outerShdw blurRad="38100" dist="25400" dir="5400000" algn="ctr" rotWithShape="0">
+                    <a:srgbClr val="6E747A">
+                      <a:alpha val="43000"/>
+                    </a:srgbClr>
+                  </a:outerShdw>
+                </a:effectLst>
+              </a:rPr>
+              <a:t> </a:t>
+            </a:r>
+            <a:r>
+              <a:rPr lang="tr-TR" sz="4000" b="0" cap="none" spc="0" dirty="0" err="1">
+                <a:ln w="0"/>
+                <a:solidFill>
+                  <a:schemeClr val="accent1"/>
+                </a:solidFill>
+                <a:effectLst>
+                  <a:outerShdw blurRad="38100" dist="25400" dir="5400000" algn="ctr" rotWithShape="0">
+                    <a:srgbClr val="6E747A">
+                      <a:alpha val="43000"/>
+                    </a:srgbClr>
+                  </a:outerShdw>
+                </a:effectLst>
+              </a:rPr>
+              <a:t>GNNs</a:t>
+            </a:r>
+            <a:r>
+              <a:rPr lang="tr-TR" sz="4000" b="0" cap="none" spc="0" dirty="0">
+                <a:ln w="0"/>
+                <a:solidFill>
+                  <a:schemeClr val="accent1"/>
+                </a:solidFill>
+                <a:effectLst>
+                  <a:outerShdw blurRad="38100" dist="25400" dir="5400000" algn="ctr" rotWithShape="0">
+                    <a:srgbClr val="6E747A">
+                      <a:alpha val="43000"/>
+                    </a:srgbClr>
+                  </a:outerShdw>
+                </a:effectLst>
+              </a:rPr>
+              <a:t>?</a:t>
+            </a:r>
+          </a:p>
+        </p:txBody>
+      </p:sp>
+      <p:pic>
+        <p:nvPicPr>
+          <p:cNvPr id="6" name="Resim 5">
+            <a:extLst>
+              <a:ext uri="{FF2B5EF4-FFF2-40B4-BE49-F238E27FC236}">
+                <a16:creationId xmlns:a16="http://schemas.microsoft.com/office/drawing/2014/main" id="{702F63A3-33AE-9C5F-5B39-396E918F4EFF}"/>
+              </a:ext>
+            </a:extLst>
+          </p:cNvPr>
+          <p:cNvPicPr>
+            <a:picLocks noChangeAspect="1"/>
+          </p:cNvPicPr>
+          <p:nvPr/>
+        </p:nvPicPr>
+        <p:blipFill>
+          <a:blip r:embed="rId2"/>
+          <a:stretch>
+            <a:fillRect/>
+          </a:stretch>
+        </p:blipFill>
+        <p:spPr>
+          <a:xfrm>
+            <a:off x="3456370" y="1156916"/>
+            <a:ext cx="4488762" cy="2665914"/>
+          </a:xfrm>
+          <a:prstGeom prst="rect">
+            <a:avLst/>
+          </a:prstGeom>
+        </p:spPr>
+      </p:pic>
+      <p:sp>
+        <p:nvSpPr>
+          <p:cNvPr id="7" name="Metin kutusu 6">
+            <a:extLst>
+              <a:ext uri="{FF2B5EF4-FFF2-40B4-BE49-F238E27FC236}">
+                <a16:creationId xmlns:a16="http://schemas.microsoft.com/office/drawing/2014/main" id="{6F00C524-18E5-9162-7E76-F8449C68C078}"/>
+              </a:ext>
+            </a:extLst>
+          </p:cNvPr>
+          <p:cNvSpPr txBox="1"/>
+          <p:nvPr/>
+        </p:nvSpPr>
+        <p:spPr>
+          <a:xfrm>
+            <a:off x="786673" y="4443077"/>
+            <a:ext cx="9670274" cy="1754326"/>
+          </a:xfrm>
+          <a:prstGeom prst="rect">
+            <a:avLst/>
+          </a:prstGeom>
+          <a:noFill/>
+        </p:spPr>
+        <p:txBody>
+          <a:bodyPr wrap="square" rtlCol="0">
+            <a:spAutoFit/>
+          </a:bodyPr>
+          <a:lstStyle/>
+          <a:p>
+            <a:pPr marL="285750" indent="-285750">
+              <a:buFont typeface="Arial" panose="020B0604020202020204" pitchFamily="34" charset="0"/>
+              <a:buChar char="•"/>
+            </a:pPr>
+            <a:r>
+              <a:rPr lang="en-US" b="1" dirty="0"/>
+              <a:t>Nodes: </a:t>
+            </a:r>
+            <a:r>
+              <a:rPr lang="en-US" dirty="0"/>
+              <a:t>people</a:t>
+            </a:r>
+            <a:endParaRPr lang="tr-TR" dirty="0"/>
+          </a:p>
+          <a:p>
+            <a:pPr marL="285750" indent="-285750">
+              <a:buFont typeface="Arial" panose="020B0604020202020204" pitchFamily="34" charset="0"/>
+              <a:buChar char="•"/>
+            </a:pPr>
+            <a:r>
+              <a:rPr lang="en-US" b="1" dirty="0"/>
+              <a:t>Node features:</a:t>
+            </a:r>
+            <a:r>
+              <a:rPr lang="tr-TR" b="1" dirty="0"/>
+              <a:t> </a:t>
+            </a:r>
+            <a:r>
+              <a:rPr lang="tr-TR" dirty="0" err="1"/>
+              <a:t>expertise</a:t>
+            </a:r>
+            <a:r>
+              <a:rPr lang="tr-TR" b="1" dirty="0"/>
+              <a:t>,</a:t>
+            </a:r>
+            <a:r>
+              <a:rPr lang="en-US" dirty="0"/>
+              <a:t> </a:t>
+            </a:r>
+            <a:endParaRPr lang="tr-TR" dirty="0"/>
+          </a:p>
+          <a:p>
+            <a:pPr marL="285750" indent="-285750">
+              <a:buFont typeface="Arial" panose="020B0604020202020204" pitchFamily="34" charset="0"/>
+              <a:buChar char="•"/>
+            </a:pPr>
+            <a:r>
+              <a:rPr lang="en-US" b="1" dirty="0"/>
+              <a:t>Edges: </a:t>
+            </a:r>
+            <a:r>
+              <a:rPr lang="tr-TR" b="1" dirty="0" err="1"/>
+              <a:t>message</a:t>
+            </a:r>
+            <a:r>
+              <a:rPr lang="en-US" dirty="0"/>
+              <a:t> contacts</a:t>
+            </a:r>
+            <a:endParaRPr lang="tr-TR" dirty="0"/>
+          </a:p>
+          <a:p>
+            <a:pPr marL="285750" indent="-285750">
+              <a:buFont typeface="Arial" panose="020B0604020202020204" pitchFamily="34" charset="0"/>
+              <a:buChar char="•"/>
+            </a:pPr>
+            <a:r>
+              <a:rPr lang="en-US" b="1" dirty="0"/>
+              <a:t>Edge features: </a:t>
+            </a:r>
+            <a:r>
+              <a:rPr lang="en-US" dirty="0"/>
+              <a:t>number of </a:t>
+            </a:r>
+            <a:r>
+              <a:rPr lang="tr-TR" dirty="0" err="1"/>
+              <a:t>message</a:t>
+            </a:r>
+            <a:r>
+              <a:rPr lang="tr-TR" dirty="0"/>
+              <a:t> sent</a:t>
+            </a:r>
+            <a:r>
+              <a:rPr lang="en-US" dirty="0"/>
+              <a:t> in last year</a:t>
+            </a:r>
+            <a:endParaRPr lang="tr-TR" dirty="0"/>
+          </a:p>
+          <a:p>
+            <a:pPr marL="285750" indent="-285750">
+              <a:buFont typeface="Arial" panose="020B0604020202020204" pitchFamily="34" charset="0"/>
+              <a:buChar char="•"/>
+            </a:pPr>
+            <a:r>
+              <a:rPr lang="tr-TR" b="1" dirty="0" err="1"/>
+              <a:t>Goal</a:t>
+            </a:r>
+            <a:r>
+              <a:rPr lang="tr-TR" dirty="0"/>
+              <a:t>: </a:t>
+            </a:r>
+            <a:r>
+              <a:rPr lang="tr-TR" dirty="0" err="1"/>
+              <a:t>Assign</a:t>
+            </a:r>
+            <a:r>
+              <a:rPr lang="tr-TR" dirty="0"/>
+              <a:t> </a:t>
+            </a:r>
+            <a:r>
+              <a:rPr lang="en-US" dirty="0"/>
+              <a:t>our nodes meaningful coordinates (i.e., "embeddings") </a:t>
+            </a:r>
+            <a:endParaRPr lang="tr-TR" dirty="0"/>
+          </a:p>
+          <a:p>
+            <a:pPr marL="285750" indent="-285750">
+              <a:buFont typeface="Arial" panose="020B0604020202020204" pitchFamily="34" charset="0"/>
+              <a:buChar char="•"/>
+            </a:pPr>
+            <a:r>
+              <a:rPr lang="tr-TR" dirty="0"/>
+              <a:t>N</a:t>
+            </a:r>
+            <a:r>
+              <a:rPr lang="en-US" dirty="0"/>
+              <a:t>odes that share many connections should have similar embeddings</a:t>
+            </a:r>
+            <a:endParaRPr lang="tr-TR" dirty="0"/>
+          </a:p>
+        </p:txBody>
+      </p:sp>
+      <p:sp>
+        <p:nvSpPr>
+          <p:cNvPr id="3" name="Slayt Numarası Yer Tutucusu 2">
+            <a:extLst>
+              <a:ext uri="{FF2B5EF4-FFF2-40B4-BE49-F238E27FC236}">
+                <a16:creationId xmlns:a16="http://schemas.microsoft.com/office/drawing/2014/main" id="{FBC48307-7352-FB88-71AC-538ED2B986A6}"/>
+              </a:ext>
+            </a:extLst>
+          </p:cNvPr>
+          <p:cNvSpPr>
+            <a:spLocks noGrp="1"/>
+          </p:cNvSpPr>
+          <p:nvPr>
+            <p:ph type="sldNum" sz="quarter" idx="12"/>
+          </p:nvPr>
+        </p:nvSpPr>
+        <p:spPr/>
+        <p:txBody>
+          <a:bodyPr/>
+          <a:lstStyle/>
+          <a:p>
+            <a:fld id="{5EE8CF1A-B538-4EC4-8C50-33108C61C811}" type="slidenum">
+              <a:rPr lang="tr-TR" smtClean="0"/>
+              <a:t>3</a:t>
+            </a:fld>
+            <a:endParaRPr lang="tr-TR"/>
+          </a:p>
+        </p:txBody>
+      </p:sp>
+    </p:spTree>
+    <p:extLst>
+      <p:ext uri="{BB962C8B-B14F-4D97-AF65-F5344CB8AC3E}">
+        <p14:creationId xmlns:p14="http://schemas.microsoft.com/office/powerpoint/2010/main" val="2596578004"/>
       </p:ext>
     </p:extLst>
   </p:cSld>
